--- a/hy/수업자료/9주차 SQL/SQL.pptx
+++ b/hy/수업자료/9주차 SQL/SQL.pptx
@@ -5,29 +5,33 @@
     <p:sldMasterId id="2147483648" r:id="rId1"/>
   </p:sldMasterIdLst>
   <p:notesMasterIdLst>
-    <p:notesMasterId r:id="rId22"/>
+    <p:notesMasterId r:id="rId26"/>
   </p:notesMasterIdLst>
   <p:sldIdLst>
     <p:sldId id="256" r:id="rId2"/>
-    <p:sldId id="257" r:id="rId3"/>
-    <p:sldId id="263" r:id="rId4"/>
-    <p:sldId id="258" r:id="rId5"/>
-    <p:sldId id="265" r:id="rId6"/>
-    <p:sldId id="266" r:id="rId7"/>
-    <p:sldId id="264" r:id="rId8"/>
-    <p:sldId id="262" r:id="rId9"/>
-    <p:sldId id="267" r:id="rId10"/>
-    <p:sldId id="268" r:id="rId11"/>
-    <p:sldId id="260" r:id="rId12"/>
-    <p:sldId id="269" r:id="rId13"/>
-    <p:sldId id="270" r:id="rId14"/>
-    <p:sldId id="271" r:id="rId15"/>
-    <p:sldId id="272" r:id="rId16"/>
-    <p:sldId id="273" r:id="rId17"/>
-    <p:sldId id="274" r:id="rId18"/>
-    <p:sldId id="275" r:id="rId19"/>
-    <p:sldId id="276" r:id="rId20"/>
-    <p:sldId id="277" r:id="rId21"/>
+    <p:sldId id="278" r:id="rId3"/>
+    <p:sldId id="257" r:id="rId4"/>
+    <p:sldId id="263" r:id="rId5"/>
+    <p:sldId id="258" r:id="rId6"/>
+    <p:sldId id="279" r:id="rId7"/>
+    <p:sldId id="265" r:id="rId8"/>
+    <p:sldId id="266" r:id="rId9"/>
+    <p:sldId id="280" r:id="rId10"/>
+    <p:sldId id="281" r:id="rId11"/>
+    <p:sldId id="264" r:id="rId12"/>
+    <p:sldId id="262" r:id="rId13"/>
+    <p:sldId id="267" r:id="rId14"/>
+    <p:sldId id="268" r:id="rId15"/>
+    <p:sldId id="260" r:id="rId16"/>
+    <p:sldId id="269" r:id="rId17"/>
+    <p:sldId id="270" r:id="rId18"/>
+    <p:sldId id="271" r:id="rId19"/>
+    <p:sldId id="272" r:id="rId20"/>
+    <p:sldId id="273" r:id="rId21"/>
+    <p:sldId id="274" r:id="rId22"/>
+    <p:sldId id="275" r:id="rId23"/>
+    <p:sldId id="276" r:id="rId24"/>
+    <p:sldId id="277" r:id="rId25"/>
   </p:sldIdLst>
   <p:sldSz cx="12192000" cy="6858000"/>
   <p:notesSz cx="6858000" cy="9144000"/>
@@ -126,6 +130,11 @@
       </a:defRPr>
     </a:lvl9pPr>
   </p:defaultTextStyle>
+  <p:extLst>
+    <p:ext uri="{EFAFB233-063F-42B5-8137-9DF3F51BA10A}">
+      <p15:sldGuideLst xmlns:p15="http://schemas.microsoft.com/office/powerpoint/2012/main"/>
+    </p:ext>
+  </p:extLst>
 </p:presentation>
 </file>
 
@@ -211,7 +220,7 @@
           <a:p>
             <a:fld id="{D8B4EACE-847A-4F03-899D-850B056C42FF}" type="datetimeFigureOut">
               <a:rPr lang="en-GB" smtClean="0"/>
-              <a:t>09/10/2024</a:t>
+              <a:t>10/10/2024</a:t>
             </a:fld>
             <a:endParaRPr lang="en-GB"/>
           </a:p>
@@ -544,7 +553,7 @@
           <a:p>
             <a:fld id="{245E38B4-F827-48FD-9C71-892AE46CA46F}" type="slidenum">
               <a:rPr lang="en-GB" smtClean="0"/>
-              <a:t>4</a:t>
+              <a:t>5</a:t>
             </a:fld>
             <a:endParaRPr lang="en-GB"/>
           </a:p>
@@ -608,17 +617,109 @@
           <a:lstStyle/>
           <a:p>
             <a:r>
-              <a:rPr lang="en-US" dirty="0"/>
-              <a:t>RDBMS</a:t>
-            </a:r>
-            <a:r>
-              <a:rPr lang="ko-KR" altLang="en-US" dirty="0"/>
-              <a:t> 상에서 유저에게 권한을 부여할 때 주로 사용</a:t>
+              <a:rPr lang="ko-KR" altLang="en-US" dirty="0"/>
+              <a:t>대부분의 </a:t>
             </a:r>
             <a:r>
               <a:rPr lang="en-US" altLang="ko-KR" dirty="0"/>
-              <a:t>.</a:t>
-            </a:r>
+              <a:t>DDL </a:t>
+            </a:r>
+            <a:r>
+              <a:rPr lang="ko-KR" altLang="en-US" dirty="0"/>
+              <a:t>작업은 </a:t>
+            </a:r>
+            <a:r>
+              <a:rPr lang="en-US" altLang="ko-KR" dirty="0"/>
+              <a:t>GUI </a:t>
+            </a:r>
+            <a:r>
+              <a:rPr lang="ko-KR" altLang="en-US" dirty="0"/>
+              <a:t>툴을 이용하여 작업하기 때문에</a:t>
+            </a:r>
+            <a:r>
+              <a:rPr lang="en-US" altLang="ko-KR" dirty="0"/>
+              <a:t>, </a:t>
+            </a:r>
+            <a:r>
+              <a:rPr lang="ko-KR" altLang="en-US" dirty="0"/>
+              <a:t>문법 그 자체를 외우는 것은 큰 의미가 없음</a:t>
+            </a:r>
+            <a:r>
+              <a:rPr lang="en-US" altLang="ko-KR" dirty="0"/>
+              <a:t>. </a:t>
+            </a:r>
+            <a:r>
+              <a:rPr lang="ko-KR" altLang="en-US" dirty="0"/>
+              <a:t>대신</a:t>
+            </a:r>
+            <a:r>
+              <a:rPr lang="en-US" altLang="ko-KR" dirty="0"/>
+              <a:t>, DDL</a:t>
+            </a:r>
+            <a:r>
+              <a:rPr lang="ko-KR" altLang="en-US" dirty="0"/>
+              <a:t>이 의미하는 것이 무엇이고</a:t>
+            </a:r>
+            <a:r>
+              <a:rPr lang="en-US" altLang="ko-KR" dirty="0"/>
+              <a:t>, </a:t>
+            </a:r>
+            <a:r>
+              <a:rPr lang="ko-KR" altLang="en-US" dirty="0"/>
+              <a:t>무엇을 할 수 있는지 전체적인 개념을 기억해두고</a:t>
+            </a:r>
+            <a:r>
+              <a:rPr lang="en-US" altLang="ko-KR" dirty="0"/>
+              <a:t>, </a:t>
+            </a:r>
+            <a:r>
+              <a:rPr lang="ko-KR" altLang="en-US" dirty="0"/>
+              <a:t>필요할 때마다 인터넷을 통해 찾아서 작업하는 것이 효율적</a:t>
+            </a:r>
+            <a:endParaRPr lang="en-US" altLang="ko-KR" dirty="0"/>
+          </a:p>
+          <a:p>
+            <a:endParaRPr lang="en-US" dirty="0"/>
+          </a:p>
+          <a:p>
+            <a:pPr marL="0" marR="0" lvl="0" indent="0" algn="l" defTabSz="914400" rtl="0" eaLnBrk="1" fontAlgn="auto" latinLnBrk="1" hangingPunct="1">
+              <a:lnSpc>
+                <a:spcPct val="100000"/>
+              </a:lnSpc>
+              <a:spcBef>
+                <a:spcPts val="0"/>
+              </a:spcBef>
+              <a:spcAft>
+                <a:spcPts val="0"/>
+              </a:spcAft>
+              <a:buClrTx/>
+              <a:buSzTx/>
+              <a:buFontTx/>
+              <a:buNone/>
+              <a:tabLst/>
+              <a:defRPr/>
+            </a:pPr>
+            <a:r>
+              <a:rPr lang="ko-KR" altLang="en-US" dirty="0"/>
+              <a:t>테이블 생성 및 변경</a:t>
+            </a:r>
+            <a:r>
+              <a:rPr lang="en-US" altLang="ko-KR" dirty="0"/>
+              <a:t>, </a:t>
+            </a:r>
+            <a:r>
+              <a:rPr lang="ko-KR" altLang="en-US" dirty="0"/>
+              <a:t>삭제</a:t>
+            </a:r>
+            <a:r>
+              <a:rPr lang="en-US" altLang="ko-KR" dirty="0"/>
+              <a:t> </a:t>
+            </a:r>
+            <a:r>
+              <a:rPr lang="ko-KR" altLang="en-US" dirty="0"/>
+              <a:t>및 데이터베이스 생성 등의 사항을 변경하고자 할 때 사용</a:t>
+            </a:r>
+            <a:endParaRPr lang="en-GB" altLang="ko-KR" dirty="0"/>
           </a:p>
           <a:p>
             <a:endParaRPr lang="en-GB" dirty="0"/>
@@ -642,7 +743,7 @@
           <a:p>
             <a:fld id="{245E38B4-F827-48FD-9C71-892AE46CA46F}" type="slidenum">
               <a:rPr lang="en-GB" smtClean="0"/>
-              <a:t>19</a:t>
+              <a:t>22</a:t>
             </a:fld>
             <a:endParaRPr lang="en-GB"/>
           </a:p>
@@ -651,7 +752,7 @@
     </p:spTree>
     <p:extLst>
       <p:ext uri="{BB962C8B-B14F-4D97-AF65-F5344CB8AC3E}">
-        <p14:creationId xmlns:p14="http://schemas.microsoft.com/office/powerpoint/2010/main" val="204264889"/>
+        <p14:creationId xmlns:p14="http://schemas.microsoft.com/office/powerpoint/2010/main" val="3958144341"/>
       </p:ext>
     </p:extLst>
   </p:cSld>
@@ -706,6 +807,104 @@
           <a:lstStyle/>
           <a:p>
             <a:r>
+              <a:rPr lang="en-US" dirty="0"/>
+              <a:t>RDBMS</a:t>
+            </a:r>
+            <a:r>
+              <a:rPr lang="ko-KR" altLang="en-US" dirty="0"/>
+              <a:t> 상에서 유저에게 권한을 부여할 때 주로 사용</a:t>
+            </a:r>
+            <a:r>
+              <a:rPr lang="en-US" altLang="ko-KR" dirty="0"/>
+              <a:t>.</a:t>
+            </a:r>
+          </a:p>
+          <a:p>
+            <a:endParaRPr lang="en-GB" dirty="0"/>
+          </a:p>
+        </p:txBody>
+      </p:sp>
+      <p:sp>
+        <p:nvSpPr>
+          <p:cNvPr id="4" name="Slide Number Placeholder 3"/>
+          <p:cNvSpPr>
+            <a:spLocks noGrp="1"/>
+          </p:cNvSpPr>
+          <p:nvPr>
+            <p:ph type="sldNum" sz="quarter" idx="5"/>
+          </p:nvPr>
+        </p:nvSpPr>
+        <p:spPr/>
+        <p:txBody>
+          <a:bodyPr/>
+          <a:lstStyle/>
+          <a:p>
+            <a:fld id="{245E38B4-F827-48FD-9C71-892AE46CA46F}" type="slidenum">
+              <a:rPr lang="en-GB" smtClean="0"/>
+              <a:t>23</a:t>
+            </a:fld>
+            <a:endParaRPr lang="en-GB"/>
+          </a:p>
+        </p:txBody>
+      </p:sp>
+    </p:spTree>
+    <p:extLst>
+      <p:ext uri="{BB962C8B-B14F-4D97-AF65-F5344CB8AC3E}">
+        <p14:creationId xmlns:p14="http://schemas.microsoft.com/office/powerpoint/2010/main" val="204264889"/>
+      </p:ext>
+    </p:extLst>
+  </p:cSld>
+  <p:clrMapOvr>
+    <a:masterClrMapping/>
+  </p:clrMapOvr>
+</p:notes>
+</file>
+
+<file path=ppt/notesSlides/notesSlide12.xml><?xml version="1.0" encoding="utf-8"?>
+<p:notes xmlns:a="http://schemas.openxmlformats.org/drawingml/2006/main" xmlns:r="http://schemas.openxmlformats.org/officeDocument/2006/relationships" xmlns:p="http://schemas.openxmlformats.org/presentationml/2006/main">
+  <p:cSld>
+    <p:spTree>
+      <p:nvGrpSpPr>
+        <p:cNvPr id="1" name=""/>
+        <p:cNvGrpSpPr/>
+        <p:nvPr/>
+      </p:nvGrpSpPr>
+      <p:grpSpPr>
+        <a:xfrm>
+          <a:off x="0" y="0"/>
+          <a:ext cx="0" cy="0"/>
+          <a:chOff x="0" y="0"/>
+          <a:chExt cx="0" cy="0"/>
+        </a:xfrm>
+      </p:grpSpPr>
+      <p:sp>
+        <p:nvSpPr>
+          <p:cNvPr id="2" name="Slide Image Placeholder 1"/>
+          <p:cNvSpPr>
+            <a:spLocks noGrp="1" noRot="1" noChangeAspect="1"/>
+          </p:cNvSpPr>
+          <p:nvPr>
+            <p:ph type="sldImg"/>
+          </p:nvPr>
+        </p:nvSpPr>
+        <p:spPr/>
+      </p:sp>
+      <p:sp>
+        <p:nvSpPr>
+          <p:cNvPr id="3" name="Notes Placeholder 2"/>
+          <p:cNvSpPr>
+            <a:spLocks noGrp="1"/>
+          </p:cNvSpPr>
+          <p:nvPr>
+            <p:ph type="body" idx="1"/>
+          </p:nvPr>
+        </p:nvSpPr>
+        <p:spPr/>
+        <p:txBody>
+          <a:bodyPr/>
+          <a:lstStyle/>
+          <a:p>
+            <a:r>
               <a:rPr lang="ko-KR" altLang="en-US" dirty="0"/>
               <a:t>예를 들어</a:t>
             </a:r>
@@ -752,7 +951,7 @@
           <a:p>
             <a:fld id="{245E38B4-F827-48FD-9C71-892AE46CA46F}" type="slidenum">
               <a:rPr lang="en-GB" smtClean="0"/>
-              <a:t>20</a:t>
+              <a:t>24</a:t>
             </a:fld>
             <a:endParaRPr lang="en-GB"/>
           </a:p>
@@ -815,22 +1014,6 @@
           <a:bodyPr/>
           <a:lstStyle/>
           <a:p>
-            <a:r>
-              <a:rPr lang="ko-KR" altLang="en-US" dirty="0"/>
-              <a:t>또한 제품별로</a:t>
-            </a:r>
-            <a:r>
-              <a:rPr lang="en-US" altLang="ko-KR" dirty="0"/>
-              <a:t>, </a:t>
-            </a:r>
-            <a:r>
-              <a:rPr lang="ko-KR" altLang="en-US" dirty="0"/>
-              <a:t>제공하는 기능이나 함수가 다 다름</a:t>
-            </a:r>
-            <a:r>
-              <a:rPr lang="en-US" altLang="ko-KR" dirty="0"/>
-              <a:t>.</a:t>
-            </a:r>
             <a:endParaRPr lang="en-GB" dirty="0"/>
           </a:p>
         </p:txBody>
@@ -852,7 +1035,7 @@
           <a:p>
             <a:fld id="{245E38B4-F827-48FD-9C71-892AE46CA46F}" type="slidenum">
               <a:rPr lang="en-GB" smtClean="0"/>
-              <a:t>9</a:t>
+              <a:t>6</a:t>
             </a:fld>
             <a:endParaRPr lang="en-GB"/>
           </a:p>
@@ -861,7 +1044,7 @@
     </p:spTree>
     <p:extLst>
       <p:ext uri="{BB962C8B-B14F-4D97-AF65-F5344CB8AC3E}">
-        <p14:creationId xmlns:p14="http://schemas.microsoft.com/office/powerpoint/2010/main" val="1647791300"/>
+        <p14:creationId xmlns:p14="http://schemas.microsoft.com/office/powerpoint/2010/main" val="1143372574"/>
       </p:ext>
     </p:extLst>
   </p:cSld>
@@ -915,6 +1098,22 @@
           <a:bodyPr/>
           <a:lstStyle/>
           <a:p>
+            <a:r>
+              <a:rPr lang="ko-KR" altLang="en-US" dirty="0"/>
+              <a:t>또한 제품별로</a:t>
+            </a:r>
+            <a:r>
+              <a:rPr lang="en-US" altLang="ko-KR" dirty="0"/>
+              <a:t>, </a:t>
+            </a:r>
+            <a:r>
+              <a:rPr lang="ko-KR" altLang="en-US" dirty="0"/>
+              <a:t>제공하는 기능이나 함수가 다 다름</a:t>
+            </a:r>
+            <a:r>
+              <a:rPr lang="en-US" altLang="ko-KR" dirty="0"/>
+              <a:t>.</a:t>
+            </a:r>
             <a:endParaRPr lang="en-GB" dirty="0"/>
           </a:p>
         </p:txBody>
@@ -936,7 +1135,7 @@
           <a:p>
             <a:fld id="{245E38B4-F827-48FD-9C71-892AE46CA46F}" type="slidenum">
               <a:rPr lang="en-GB" smtClean="0"/>
-              <a:t>10</a:t>
+              <a:t>13</a:t>
             </a:fld>
             <a:endParaRPr lang="en-GB"/>
           </a:p>
@@ -945,7 +1144,7 @@
     </p:spTree>
     <p:extLst>
       <p:ext uri="{BB962C8B-B14F-4D97-AF65-F5344CB8AC3E}">
-        <p14:creationId xmlns:p14="http://schemas.microsoft.com/office/powerpoint/2010/main" val="280363734"/>
+        <p14:creationId xmlns:p14="http://schemas.microsoft.com/office/powerpoint/2010/main" val="1647791300"/>
       </p:ext>
     </p:extLst>
   </p:cSld>
@@ -1020,7 +1219,7 @@
           <a:p>
             <a:fld id="{245E38B4-F827-48FD-9C71-892AE46CA46F}" type="slidenum">
               <a:rPr lang="en-GB" smtClean="0"/>
-              <a:t>11</a:t>
+              <a:t>14</a:t>
             </a:fld>
             <a:endParaRPr lang="en-GB"/>
           </a:p>
@@ -1029,7 +1228,7 @@
     </p:spTree>
     <p:extLst>
       <p:ext uri="{BB962C8B-B14F-4D97-AF65-F5344CB8AC3E}">
-        <p14:creationId xmlns:p14="http://schemas.microsoft.com/office/powerpoint/2010/main" val="3258079981"/>
+        <p14:creationId xmlns:p14="http://schemas.microsoft.com/office/powerpoint/2010/main" val="280363734"/>
       </p:ext>
     </p:extLst>
   </p:cSld>
@@ -1083,109 +1282,6 @@
           <a:bodyPr/>
           <a:lstStyle/>
           <a:p>
-            <a:pPr marL="0" marR="0" lvl="0" indent="0" algn="l" defTabSz="914400" rtl="0" eaLnBrk="1" fontAlgn="auto" latinLnBrk="1" hangingPunct="1">
-              <a:lnSpc>
-                <a:spcPct val="100000"/>
-              </a:lnSpc>
-              <a:spcBef>
-                <a:spcPts val="0"/>
-              </a:spcBef>
-              <a:spcAft>
-                <a:spcPts val="0"/>
-              </a:spcAft>
-              <a:buClrTx/>
-              <a:buSzTx/>
-              <a:buFontTx/>
-              <a:buNone/>
-              <a:tabLst/>
-              <a:defRPr/>
-            </a:pPr>
-            <a:r>
-              <a:rPr lang="en-GB" altLang="ko-KR" dirty="0"/>
-              <a:t>CREATE TABLE `</a:t>
-            </a:r>
-            <a:r>
-              <a:rPr lang="en-GB" altLang="ko-KR" dirty="0" err="1"/>
-              <a:t>company_system</a:t>
-            </a:r>
-            <a:r>
-              <a:rPr lang="en-GB" altLang="ko-KR" dirty="0"/>
-              <a:t>` (  `</a:t>
-            </a:r>
-            <a:r>
-              <a:rPr lang="en-GB" altLang="ko-KR" dirty="0" err="1"/>
-              <a:t>employ_name</a:t>
-            </a:r>
-            <a:r>
-              <a:rPr lang="en-GB" altLang="ko-KR" dirty="0"/>
-              <a:t>` VARCHAR(30) NOT NULL,  `</a:t>
-            </a:r>
-            <a:r>
-              <a:rPr lang="en-GB" altLang="ko-KR" dirty="0" err="1"/>
-              <a:t>employ_age</a:t>
-            </a:r>
-            <a:r>
-              <a:rPr lang="en-GB" altLang="ko-KR" dirty="0"/>
-              <a:t>` INT NULL,  `</a:t>
-            </a:r>
-            <a:r>
-              <a:rPr lang="en-GB" altLang="ko-KR" dirty="0" err="1"/>
-              <a:t>employ_id</a:t>
-            </a:r>
-            <a:r>
-              <a:rPr lang="en-GB" altLang="ko-KR" dirty="0"/>
-              <a:t>` INT NOT NULL,  `</a:t>
-            </a:r>
-            <a:r>
-              <a:rPr lang="en-GB" altLang="ko-KR" dirty="0" err="1"/>
-              <a:t>dept_name</a:t>
-            </a:r>
-            <a:r>
-              <a:rPr lang="en-GB" altLang="ko-KR" dirty="0"/>
-              <a:t>` VARCHAR(45) NULL,  `</a:t>
-            </a:r>
-            <a:r>
-              <a:rPr lang="en-GB" altLang="ko-KR" dirty="0" err="1"/>
-              <a:t>dept_created_date</a:t>
-            </a:r>
-            <a:r>
-              <a:rPr lang="en-GB" altLang="ko-KR" dirty="0"/>
-              <a:t>` DATETIME NULL,  PRIMARY KEY (`</a:t>
-            </a:r>
-            <a:r>
-              <a:rPr lang="en-GB" altLang="ko-KR" dirty="0" err="1"/>
-              <a:t>employ_id</a:t>
-            </a:r>
-            <a:r>
-              <a:rPr lang="en-GB" altLang="ko-KR" dirty="0"/>
-              <a:t>`),  UNIQUE INDEX `</a:t>
-            </a:r>
-            <a:r>
-              <a:rPr lang="en-GB" altLang="ko-KR" dirty="0" err="1"/>
-              <a:t>employ_id_UNIQUE</a:t>
-            </a:r>
-            <a:r>
-              <a:rPr lang="en-GB" altLang="ko-KR" dirty="0"/>
-              <a:t>` (`</a:t>
-            </a:r>
-            <a:r>
-              <a:rPr lang="en-GB" altLang="ko-KR" dirty="0" err="1"/>
-              <a:t>employ_id</a:t>
-            </a:r>
-            <a:r>
-              <a:rPr lang="en-GB" altLang="ko-KR" dirty="0"/>
-              <a:t>` ASC) VISIBLE)ENGINE = </a:t>
-            </a:r>
-            <a:r>
-              <a:rPr lang="en-GB" altLang="ko-KR" dirty="0" err="1"/>
-              <a:t>InnoDBDEFAULT</a:t>
-            </a:r>
-            <a:r>
-              <a:rPr lang="en-GB" altLang="ko-KR" dirty="0"/>
-              <a:t> CHARACTER SET = utf8COLLATE = utf8_bin;</a:t>
-            </a:r>
-          </a:p>
-          <a:p>
             <a:endParaRPr lang="en-GB" dirty="0"/>
           </a:p>
         </p:txBody>
@@ -1207,7 +1303,7 @@
           <a:p>
             <a:fld id="{245E38B4-F827-48FD-9C71-892AE46CA46F}" type="slidenum">
               <a:rPr lang="en-GB" smtClean="0"/>
-              <a:t>13</a:t>
+              <a:t>15</a:t>
             </a:fld>
             <a:endParaRPr lang="en-GB"/>
           </a:p>
@@ -1216,7 +1312,7 @@
     </p:spTree>
     <p:extLst>
       <p:ext uri="{BB962C8B-B14F-4D97-AF65-F5344CB8AC3E}">
-        <p14:creationId xmlns:p14="http://schemas.microsoft.com/office/powerpoint/2010/main" val="4281721345"/>
+        <p14:creationId xmlns:p14="http://schemas.microsoft.com/office/powerpoint/2010/main" val="3258079981"/>
       </p:ext>
     </p:extLst>
   </p:cSld>
@@ -1270,6 +1366,109 @@
           <a:bodyPr/>
           <a:lstStyle/>
           <a:p>
+            <a:pPr marL="0" marR="0" lvl="0" indent="0" algn="l" defTabSz="914400" rtl="0" eaLnBrk="1" fontAlgn="auto" latinLnBrk="1" hangingPunct="1">
+              <a:lnSpc>
+                <a:spcPct val="100000"/>
+              </a:lnSpc>
+              <a:spcBef>
+                <a:spcPts val="0"/>
+              </a:spcBef>
+              <a:spcAft>
+                <a:spcPts val="0"/>
+              </a:spcAft>
+              <a:buClrTx/>
+              <a:buSzTx/>
+              <a:buFontTx/>
+              <a:buNone/>
+              <a:tabLst/>
+              <a:defRPr/>
+            </a:pPr>
+            <a:r>
+              <a:rPr lang="en-GB" altLang="ko-KR" dirty="0"/>
+              <a:t>CREATE TABLE `</a:t>
+            </a:r>
+            <a:r>
+              <a:rPr lang="en-GB" altLang="ko-KR" dirty="0" err="1"/>
+              <a:t>company_system</a:t>
+            </a:r>
+            <a:r>
+              <a:rPr lang="en-GB" altLang="ko-KR" dirty="0"/>
+              <a:t>` (  `</a:t>
+            </a:r>
+            <a:r>
+              <a:rPr lang="en-GB" altLang="ko-KR" dirty="0" err="1"/>
+              <a:t>employ_name</a:t>
+            </a:r>
+            <a:r>
+              <a:rPr lang="en-GB" altLang="ko-KR" dirty="0"/>
+              <a:t>` VARCHAR(30) NOT NULL,  `</a:t>
+            </a:r>
+            <a:r>
+              <a:rPr lang="en-GB" altLang="ko-KR" dirty="0" err="1"/>
+              <a:t>employ_age</a:t>
+            </a:r>
+            <a:r>
+              <a:rPr lang="en-GB" altLang="ko-KR" dirty="0"/>
+              <a:t>` INT NULL,  `</a:t>
+            </a:r>
+            <a:r>
+              <a:rPr lang="en-GB" altLang="ko-KR" dirty="0" err="1"/>
+              <a:t>employ_id</a:t>
+            </a:r>
+            <a:r>
+              <a:rPr lang="en-GB" altLang="ko-KR" dirty="0"/>
+              <a:t>` INT NOT NULL,  `</a:t>
+            </a:r>
+            <a:r>
+              <a:rPr lang="en-GB" altLang="ko-KR" dirty="0" err="1"/>
+              <a:t>dept_name</a:t>
+            </a:r>
+            <a:r>
+              <a:rPr lang="en-GB" altLang="ko-KR" dirty="0"/>
+              <a:t>` VARCHAR(45) NULL,  `</a:t>
+            </a:r>
+            <a:r>
+              <a:rPr lang="en-GB" altLang="ko-KR" dirty="0" err="1"/>
+              <a:t>dept_created_date</a:t>
+            </a:r>
+            <a:r>
+              <a:rPr lang="en-GB" altLang="ko-KR" dirty="0"/>
+              <a:t>` DATETIME NULL,  PRIMARY KEY (`</a:t>
+            </a:r>
+            <a:r>
+              <a:rPr lang="en-GB" altLang="ko-KR" dirty="0" err="1"/>
+              <a:t>employ_id</a:t>
+            </a:r>
+            <a:r>
+              <a:rPr lang="en-GB" altLang="ko-KR" dirty="0"/>
+              <a:t>`),  UNIQUE INDEX `</a:t>
+            </a:r>
+            <a:r>
+              <a:rPr lang="en-GB" altLang="ko-KR" dirty="0" err="1"/>
+              <a:t>employ_id_UNIQUE</a:t>
+            </a:r>
+            <a:r>
+              <a:rPr lang="en-GB" altLang="ko-KR" dirty="0"/>
+              <a:t>` (`</a:t>
+            </a:r>
+            <a:r>
+              <a:rPr lang="en-GB" altLang="ko-KR" dirty="0" err="1"/>
+              <a:t>employ_id</a:t>
+            </a:r>
+            <a:r>
+              <a:rPr lang="en-GB" altLang="ko-KR" dirty="0"/>
+              <a:t>` ASC) VISIBLE)ENGINE = </a:t>
+            </a:r>
+            <a:r>
+              <a:rPr lang="en-GB" altLang="ko-KR" dirty="0" err="1"/>
+              <a:t>InnoDBDEFAULT</a:t>
+            </a:r>
+            <a:r>
+              <a:rPr lang="en-GB" altLang="ko-KR" dirty="0"/>
+              <a:t> CHARACTER SET = utf8COLLATE = utf8_bin;</a:t>
+            </a:r>
+          </a:p>
+          <a:p>
             <a:endParaRPr lang="en-GB" dirty="0"/>
           </a:p>
         </p:txBody>
@@ -1291,7 +1490,7 @@
           <a:p>
             <a:fld id="{245E38B4-F827-48FD-9C71-892AE46CA46F}" type="slidenum">
               <a:rPr lang="en-GB" smtClean="0"/>
-              <a:t>14</a:t>
+              <a:t>17</a:t>
             </a:fld>
             <a:endParaRPr lang="en-GB"/>
           </a:p>
@@ -1300,7 +1499,7 @@
     </p:spTree>
     <p:extLst>
       <p:ext uri="{BB962C8B-B14F-4D97-AF65-F5344CB8AC3E}">
-        <p14:creationId xmlns:p14="http://schemas.microsoft.com/office/powerpoint/2010/main" val="2206721086"/>
+        <p14:creationId xmlns:p14="http://schemas.microsoft.com/office/powerpoint/2010/main" val="4281721345"/>
       </p:ext>
     </p:extLst>
   </p:cSld>
@@ -1375,7 +1574,7 @@
           <a:p>
             <a:fld id="{245E38B4-F827-48FD-9C71-892AE46CA46F}" type="slidenum">
               <a:rPr lang="en-GB" smtClean="0"/>
-              <a:t>15</a:t>
+              <a:t>18</a:t>
             </a:fld>
             <a:endParaRPr lang="en-GB"/>
           </a:p>
@@ -1384,7 +1583,7 @@
     </p:spTree>
     <p:extLst>
       <p:ext uri="{BB962C8B-B14F-4D97-AF65-F5344CB8AC3E}">
-        <p14:creationId xmlns:p14="http://schemas.microsoft.com/office/powerpoint/2010/main" val="3869596919"/>
+        <p14:creationId xmlns:p14="http://schemas.microsoft.com/office/powerpoint/2010/main" val="2206721086"/>
       </p:ext>
     </p:extLst>
   </p:cSld>
@@ -1459,7 +1658,7 @@
           <a:p>
             <a:fld id="{245E38B4-F827-48FD-9C71-892AE46CA46F}" type="slidenum">
               <a:rPr lang="en-GB" smtClean="0"/>
-              <a:t>17</a:t>
+              <a:t>19</a:t>
             </a:fld>
             <a:endParaRPr lang="en-GB"/>
           </a:p>
@@ -1468,7 +1667,7 @@
     </p:spTree>
     <p:extLst>
       <p:ext uri="{BB962C8B-B14F-4D97-AF65-F5344CB8AC3E}">
-        <p14:creationId xmlns:p14="http://schemas.microsoft.com/office/powerpoint/2010/main" val="3258193779"/>
+        <p14:creationId xmlns:p14="http://schemas.microsoft.com/office/powerpoint/2010/main" val="3869596919"/>
       </p:ext>
     </p:extLst>
   </p:cSld>
@@ -1522,112 +1721,6 @@
           <a:bodyPr/>
           <a:lstStyle/>
           <a:p>
-            <a:r>
-              <a:rPr lang="ko-KR" altLang="en-US" dirty="0"/>
-              <a:t>대부분의 </a:t>
-            </a:r>
-            <a:r>
-              <a:rPr lang="en-US" altLang="ko-KR" dirty="0"/>
-              <a:t>DDL </a:t>
-            </a:r>
-            <a:r>
-              <a:rPr lang="ko-KR" altLang="en-US" dirty="0"/>
-              <a:t>작업은 </a:t>
-            </a:r>
-            <a:r>
-              <a:rPr lang="en-US" altLang="ko-KR" dirty="0"/>
-              <a:t>GUI </a:t>
-            </a:r>
-            <a:r>
-              <a:rPr lang="ko-KR" altLang="en-US" dirty="0"/>
-              <a:t>툴을 이용하여 작업하기 때문에</a:t>
-            </a:r>
-            <a:r>
-              <a:rPr lang="en-US" altLang="ko-KR" dirty="0"/>
-              <a:t>, </a:t>
-            </a:r>
-            <a:r>
-              <a:rPr lang="ko-KR" altLang="en-US" dirty="0"/>
-              <a:t>문법 그 자체를 외우는 것은 큰 의미가 없음</a:t>
-            </a:r>
-            <a:r>
-              <a:rPr lang="en-US" altLang="ko-KR" dirty="0"/>
-              <a:t>. </a:t>
-            </a:r>
-            <a:r>
-              <a:rPr lang="ko-KR" altLang="en-US" dirty="0"/>
-              <a:t>대신</a:t>
-            </a:r>
-            <a:r>
-              <a:rPr lang="en-US" altLang="ko-KR" dirty="0"/>
-              <a:t>, DDL</a:t>
-            </a:r>
-            <a:r>
-              <a:rPr lang="ko-KR" altLang="en-US" dirty="0"/>
-              <a:t>이 의미하는 것이 무엇이고</a:t>
-            </a:r>
-            <a:r>
-              <a:rPr lang="en-US" altLang="ko-KR" dirty="0"/>
-              <a:t>, </a:t>
-            </a:r>
-            <a:r>
-              <a:rPr lang="ko-KR" altLang="en-US" dirty="0"/>
-              <a:t>무엇을 할 수 있는지 전체적인 개념을 기억해두고</a:t>
-            </a:r>
-            <a:r>
-              <a:rPr lang="en-US" altLang="ko-KR" dirty="0"/>
-              <a:t>, </a:t>
-            </a:r>
-            <a:r>
-              <a:rPr lang="ko-KR" altLang="en-US" dirty="0"/>
-              <a:t>필요할 때마다 인터넷을 통해 찾아서 작업하는 것이 효율적</a:t>
-            </a:r>
-            <a:endParaRPr lang="en-US" altLang="ko-KR" dirty="0"/>
-          </a:p>
-          <a:p>
-            <a:endParaRPr lang="en-US" dirty="0"/>
-          </a:p>
-          <a:p>
-            <a:pPr marL="0" marR="0" lvl="0" indent="0" algn="l" defTabSz="914400" rtl="0" eaLnBrk="1" fontAlgn="auto" latinLnBrk="1" hangingPunct="1">
-              <a:lnSpc>
-                <a:spcPct val="100000"/>
-              </a:lnSpc>
-              <a:spcBef>
-                <a:spcPts val="0"/>
-              </a:spcBef>
-              <a:spcAft>
-                <a:spcPts val="0"/>
-              </a:spcAft>
-              <a:buClrTx/>
-              <a:buSzTx/>
-              <a:buFontTx/>
-              <a:buNone/>
-              <a:tabLst/>
-              <a:defRPr/>
-            </a:pPr>
-            <a:r>
-              <a:rPr lang="ko-KR" altLang="en-US" dirty="0"/>
-              <a:t>테이블 생성 및 변경</a:t>
-            </a:r>
-            <a:r>
-              <a:rPr lang="en-US" altLang="ko-KR" dirty="0"/>
-              <a:t>, </a:t>
-            </a:r>
-            <a:r>
-              <a:rPr lang="ko-KR" altLang="en-US" dirty="0"/>
-              <a:t>삭제</a:t>
-            </a:r>
-            <a:r>
-              <a:rPr lang="en-US" altLang="ko-KR" dirty="0"/>
-              <a:t> </a:t>
-            </a:r>
-            <a:r>
-              <a:rPr lang="ko-KR" altLang="en-US" dirty="0"/>
-              <a:t>및 데이터베이스 생성 등의 사항을 변경하고자 할 때 사용</a:t>
-            </a:r>
-            <a:endParaRPr lang="en-GB" altLang="ko-KR" dirty="0"/>
-          </a:p>
-          <a:p>
             <a:endParaRPr lang="en-GB" dirty="0"/>
           </a:p>
         </p:txBody>
@@ -1649,7 +1742,7 @@
           <a:p>
             <a:fld id="{245E38B4-F827-48FD-9C71-892AE46CA46F}" type="slidenum">
               <a:rPr lang="en-GB" smtClean="0"/>
-              <a:t>18</a:t>
+              <a:t>21</a:t>
             </a:fld>
             <a:endParaRPr lang="en-GB"/>
           </a:p>
@@ -1658,7 +1751,7 @@
     </p:spTree>
     <p:extLst>
       <p:ext uri="{BB962C8B-B14F-4D97-AF65-F5344CB8AC3E}">
-        <p14:creationId xmlns:p14="http://schemas.microsoft.com/office/powerpoint/2010/main" val="3958144341"/>
+        <p14:creationId xmlns:p14="http://schemas.microsoft.com/office/powerpoint/2010/main" val="3258193779"/>
       </p:ext>
     </p:extLst>
   </p:cSld>
@@ -1817,7 +1910,7 @@
           <a:p>
             <a:fld id="{F548C6B5-D173-4EAE-9712-BBBC67C1F3FA}" type="datetimeFigureOut">
               <a:rPr lang="en-GB" smtClean="0"/>
-              <a:t>09/10/2024</a:t>
+              <a:t>10/10/2024</a:t>
             </a:fld>
             <a:endParaRPr lang="en-GB"/>
           </a:p>
@@ -2017,7 +2110,7 @@
           <a:p>
             <a:fld id="{F548C6B5-D173-4EAE-9712-BBBC67C1F3FA}" type="datetimeFigureOut">
               <a:rPr lang="en-GB" smtClean="0"/>
-              <a:t>09/10/2024</a:t>
+              <a:t>10/10/2024</a:t>
             </a:fld>
             <a:endParaRPr lang="en-GB"/>
           </a:p>
@@ -2227,7 +2320,7 @@
           <a:p>
             <a:fld id="{F548C6B5-D173-4EAE-9712-BBBC67C1F3FA}" type="datetimeFigureOut">
               <a:rPr lang="en-GB" smtClean="0"/>
-              <a:t>09/10/2024</a:t>
+              <a:t>10/10/2024</a:t>
             </a:fld>
             <a:endParaRPr lang="en-GB"/>
           </a:p>
@@ -2427,7 +2520,7 @@
           <a:p>
             <a:fld id="{F548C6B5-D173-4EAE-9712-BBBC67C1F3FA}" type="datetimeFigureOut">
               <a:rPr lang="en-GB" smtClean="0"/>
-              <a:t>09/10/2024</a:t>
+              <a:t>10/10/2024</a:t>
             </a:fld>
             <a:endParaRPr lang="en-GB"/>
           </a:p>
@@ -2703,7 +2796,7 @@
           <a:p>
             <a:fld id="{F548C6B5-D173-4EAE-9712-BBBC67C1F3FA}" type="datetimeFigureOut">
               <a:rPr lang="en-GB" smtClean="0"/>
-              <a:t>09/10/2024</a:t>
+              <a:t>10/10/2024</a:t>
             </a:fld>
             <a:endParaRPr lang="en-GB"/>
           </a:p>
@@ -2971,7 +3064,7 @@
           <a:p>
             <a:fld id="{F548C6B5-D173-4EAE-9712-BBBC67C1F3FA}" type="datetimeFigureOut">
               <a:rPr lang="en-GB" smtClean="0"/>
-              <a:t>09/10/2024</a:t>
+              <a:t>10/10/2024</a:t>
             </a:fld>
             <a:endParaRPr lang="en-GB"/>
           </a:p>
@@ -3386,7 +3479,7 @@
           <a:p>
             <a:fld id="{F548C6B5-D173-4EAE-9712-BBBC67C1F3FA}" type="datetimeFigureOut">
               <a:rPr lang="en-GB" smtClean="0"/>
-              <a:t>09/10/2024</a:t>
+              <a:t>10/10/2024</a:t>
             </a:fld>
             <a:endParaRPr lang="en-GB"/>
           </a:p>
@@ -3528,7 +3621,7 @@
           <a:p>
             <a:fld id="{F548C6B5-D173-4EAE-9712-BBBC67C1F3FA}" type="datetimeFigureOut">
               <a:rPr lang="en-GB" smtClean="0"/>
-              <a:t>09/10/2024</a:t>
+              <a:t>10/10/2024</a:t>
             </a:fld>
             <a:endParaRPr lang="en-GB"/>
           </a:p>
@@ -3641,7 +3734,7 @@
           <a:p>
             <a:fld id="{F548C6B5-D173-4EAE-9712-BBBC67C1F3FA}" type="datetimeFigureOut">
               <a:rPr lang="en-GB" smtClean="0"/>
-              <a:t>09/10/2024</a:t>
+              <a:t>10/10/2024</a:t>
             </a:fld>
             <a:endParaRPr lang="en-GB"/>
           </a:p>
@@ -3954,7 +4047,7 @@
           <a:p>
             <a:fld id="{F548C6B5-D173-4EAE-9712-BBBC67C1F3FA}" type="datetimeFigureOut">
               <a:rPr lang="en-GB" smtClean="0"/>
-              <a:t>09/10/2024</a:t>
+              <a:t>10/10/2024</a:t>
             </a:fld>
             <a:endParaRPr lang="en-GB"/>
           </a:p>
@@ -4243,7 +4336,7 @@
           <a:p>
             <a:fld id="{F548C6B5-D173-4EAE-9712-BBBC67C1F3FA}" type="datetimeFigureOut">
               <a:rPr lang="en-GB" smtClean="0"/>
-              <a:t>09/10/2024</a:t>
+              <a:t>10/10/2024</a:t>
             </a:fld>
             <a:endParaRPr lang="en-GB"/>
           </a:p>
@@ -4486,7 +4579,7 @@
           <a:p>
             <a:fld id="{F548C6B5-D173-4EAE-9712-BBBC67C1F3FA}" type="datetimeFigureOut">
               <a:rPr lang="en-GB" smtClean="0"/>
-              <a:t>09/10/2024</a:t>
+              <a:t>10/10/2024</a:t>
             </a:fld>
             <a:endParaRPr lang="en-GB"/>
           </a:p>
@@ -4991,274 +5084,333 @@
           <a:chExt cx="0" cy="0"/>
         </a:xfrm>
       </p:grpSpPr>
-      <p:sp>
-        <p:nvSpPr>
-          <p:cNvPr id="2" name="Title 1">
-            <a:extLst>
-              <a:ext uri="{FF2B5EF4-FFF2-40B4-BE49-F238E27FC236}">
-                <a16:creationId xmlns:a16="http://schemas.microsoft.com/office/drawing/2014/main" id="{BBEFE354-62C3-B58F-D005-9B2EBCF366DA}"/>
-              </a:ext>
-            </a:extLst>
-          </p:cNvPr>
-          <p:cNvSpPr>
-            <a:spLocks noGrp="1"/>
-          </p:cNvSpPr>
-          <p:nvPr>
-            <p:ph type="title"/>
-          </p:nvPr>
-        </p:nvSpPr>
-        <p:spPr/>
-        <p:txBody>
-          <a:bodyPr/>
-          <a:lstStyle/>
-          <a:p>
-            <a:r>
-              <a:rPr lang="en-GB" dirty="0"/>
-              <a:t>ANSI SQL</a:t>
-            </a:r>
-          </a:p>
-        </p:txBody>
-      </p:sp>
-      <p:sp>
-        <p:nvSpPr>
-          <p:cNvPr id="3" name="Content Placeholder 2">
-            <a:extLst>
-              <a:ext uri="{FF2B5EF4-FFF2-40B4-BE49-F238E27FC236}">
-                <a16:creationId xmlns:a16="http://schemas.microsoft.com/office/drawing/2014/main" id="{A03AEFFC-9BE1-912C-21E2-B69D5306DDAE}"/>
-              </a:ext>
-            </a:extLst>
-          </p:cNvPr>
-          <p:cNvSpPr>
-            <a:spLocks noGrp="1"/>
-          </p:cNvSpPr>
-          <p:nvPr>
-            <p:ph idx="1"/>
-          </p:nvPr>
-        </p:nvSpPr>
-        <p:spPr/>
-        <p:txBody>
-          <a:bodyPr>
-            <a:noAutofit/>
+      <p:pic>
+        <p:nvPicPr>
+          <p:cNvPr id="4" name="Picture 2" descr="Corporate User icon PNG and SVG Vector ...">
+            <a:extLst>
+              <a:ext uri="{FF2B5EF4-FFF2-40B4-BE49-F238E27FC236}">
+                <a16:creationId xmlns:a16="http://schemas.microsoft.com/office/drawing/2014/main" id="{73100FD4-0CF4-A0E0-8F0C-EF538BF84AF4}"/>
+              </a:ext>
+            </a:extLst>
+          </p:cNvPr>
+          <p:cNvPicPr>
+            <a:picLocks noChangeAspect="1" noChangeArrowheads="1"/>
+          </p:cNvPicPr>
+          <p:nvPr/>
+        </p:nvPicPr>
+        <p:blipFill>
+          <a:blip r:embed="rId2">
+            <a:extLst>
+              <a:ext uri="{28A0092B-C50C-407E-A947-70E740481C1C}">
+                <a14:useLocalDpi xmlns:a14="http://schemas.microsoft.com/office/drawing/2010/main" val="0"/>
+              </a:ext>
+            </a:extLst>
+          </a:blip>
+          <a:srcRect l="4412" r="4099" b="1"/>
+          <a:stretch/>
+        </p:blipFill>
+        <p:spPr bwMode="auto">
+          <a:xfrm>
+            <a:off x="702170" y="2204843"/>
+            <a:ext cx="1781029" cy="1781030"/>
+          </a:xfrm>
+          <a:custGeom>
+            <a:avLst/>
+            <a:gdLst/>
+            <a:ahLst/>
+            <a:cxnLst/>
+            <a:rect l="l" t="t" r="r" b="b"/>
+            <a:pathLst>
+              <a:path w="4627646" h="4627648">
+                <a:moveTo>
+                  <a:pt x="2313823" y="0"/>
+                </a:moveTo>
+                <a:cubicBezTo>
+                  <a:pt x="3591712" y="0"/>
+                  <a:pt x="4627646" y="1035934"/>
+                  <a:pt x="4627646" y="2313824"/>
+                </a:cubicBezTo>
+                <a:cubicBezTo>
+                  <a:pt x="4627646" y="3591714"/>
+                  <a:pt x="3591712" y="4627648"/>
+                  <a:pt x="2313823" y="4627648"/>
+                </a:cubicBezTo>
+                <a:cubicBezTo>
+                  <a:pt x="1035934" y="4627648"/>
+                  <a:pt x="0" y="3591714"/>
+                  <a:pt x="0" y="2313824"/>
+                </a:cubicBezTo>
+                <a:cubicBezTo>
+                  <a:pt x="0" y="1035934"/>
+                  <a:pt x="1035934" y="0"/>
+                  <a:pt x="2313823" y="0"/>
+                </a:cubicBezTo>
+                <a:close/>
+              </a:path>
+            </a:pathLst>
+          </a:custGeom>
+          <a:noFill/>
+          <a:extLst>
+            <a:ext uri="{909E8E84-426E-40DD-AFC4-6F175D3DCCD1}">
+              <a14:hiddenFill xmlns:a14="http://schemas.microsoft.com/office/drawing/2010/main">
+                <a:solidFill>
+                  <a:srgbClr val="FFFFFF"/>
+                </a:solidFill>
+              </a14:hiddenFill>
+            </a:ext>
+          </a:extLst>
+        </p:spPr>
+      </p:pic>
+      <p:pic>
+        <p:nvPicPr>
+          <p:cNvPr id="5" name="Picture 4">
+            <a:extLst>
+              <a:ext uri="{FF2B5EF4-FFF2-40B4-BE49-F238E27FC236}">
+                <a16:creationId xmlns:a16="http://schemas.microsoft.com/office/drawing/2014/main" id="{B2BCF94A-D6A9-FA41-BF94-A31227CAC039}"/>
+              </a:ext>
+            </a:extLst>
+          </p:cNvPr>
+          <p:cNvPicPr>
+            <a:picLocks noChangeAspect="1"/>
+          </p:cNvPicPr>
+          <p:nvPr/>
+        </p:nvPicPr>
+        <p:blipFill>
+          <a:blip r:embed="rId3"/>
+          <a:stretch>
+            <a:fillRect/>
+          </a:stretch>
+        </p:blipFill>
+        <p:spPr>
+          <a:xfrm>
+            <a:off x="8438649" y="1453991"/>
+            <a:ext cx="3051181" cy="2076061"/>
+          </a:xfrm>
+          <a:prstGeom prst="rect">
+            <a:avLst/>
+          </a:prstGeom>
+        </p:spPr>
+      </p:pic>
+      <p:sp>
+        <p:nvSpPr>
+          <p:cNvPr id="7" name="TextBox 6">
+            <a:extLst>
+              <a:ext uri="{FF2B5EF4-FFF2-40B4-BE49-F238E27FC236}">
+                <a16:creationId xmlns:a16="http://schemas.microsoft.com/office/drawing/2014/main" id="{F23F471B-BE79-AFE2-79AB-60DAF67127CE}"/>
+              </a:ext>
+            </a:extLst>
+          </p:cNvPr>
+          <p:cNvSpPr txBox="1"/>
+          <p:nvPr/>
+        </p:nvSpPr>
+        <p:spPr>
+          <a:xfrm>
+            <a:off x="3304903" y="1214846"/>
+            <a:ext cx="4663440" cy="923330"/>
+          </a:xfrm>
+          <a:prstGeom prst="rect">
+            <a:avLst/>
+          </a:prstGeom>
+          <a:noFill/>
+        </p:spPr>
+        <p:txBody>
+          <a:bodyPr wrap="square" rtlCol="0">
+            <a:spAutoFit/>
           </a:bodyPr>
           <a:lstStyle/>
           <a:p>
             <a:r>
-              <a:rPr lang="ko-KR" altLang="en-US" sz="2000" b="1" i="1" dirty="0"/>
-              <a:t>호환성</a:t>
-            </a:r>
-            <a:r>
-              <a:rPr lang="en-US" altLang="ko-KR" sz="2000" dirty="0"/>
-              <a:t> </a:t>
-            </a:r>
-          </a:p>
-          <a:p>
-            <a:pPr lvl="1"/>
-            <a:r>
-              <a:rPr lang="en-US" altLang="ko-KR" sz="2000" dirty="0"/>
-              <a:t>ANSI SQL</a:t>
-            </a:r>
-            <a:r>
-              <a:rPr lang="ko-KR" altLang="en-US" sz="2000" dirty="0"/>
-              <a:t>은 서로 다른 데이터베이스 시스템 간의 호환성을 높이기 위해 만들어졌습니다</a:t>
-            </a:r>
-            <a:r>
-              <a:rPr lang="en-US" altLang="ko-KR" sz="2000" dirty="0"/>
-              <a:t>. </a:t>
-            </a:r>
-            <a:r>
-              <a:rPr lang="ko-KR" altLang="en-US" sz="2000" dirty="0"/>
-              <a:t>즉</a:t>
-            </a:r>
-            <a:r>
-              <a:rPr lang="en-US" altLang="ko-KR" sz="2000" dirty="0"/>
-              <a:t>, ANSI SQL </a:t>
-            </a:r>
-            <a:r>
-              <a:rPr lang="ko-KR" altLang="en-US" sz="2000" dirty="0"/>
-              <a:t>표준을 따르면</a:t>
-            </a:r>
-            <a:r>
-              <a:rPr lang="en-US" altLang="ko-KR" sz="2000" dirty="0"/>
-              <a:t>, Oracle, MySQL, PostgreSQL </a:t>
-            </a:r>
-            <a:r>
-              <a:rPr lang="ko-KR" altLang="en-US" sz="2000" dirty="0"/>
-              <a:t>등 여러 데이터베이스에서 같은 </a:t>
-            </a:r>
-            <a:r>
-              <a:rPr lang="en-US" altLang="ko-KR" sz="2000" dirty="0"/>
-              <a:t>SQL </a:t>
-            </a:r>
-            <a:r>
-              <a:rPr lang="ko-KR" altLang="en-US" sz="2000" dirty="0"/>
-              <a:t>문을 사용할 수 있어야 합니다</a:t>
-            </a:r>
-            <a:r>
-              <a:rPr lang="en-US" altLang="ko-KR" sz="2000" dirty="0"/>
+              <a:rPr lang="ko-KR" altLang="en-US" dirty="0"/>
+              <a:t>내 이름은 </a:t>
+            </a:r>
+            <a:r>
+              <a:rPr lang="en-US" altLang="ko-KR" dirty="0" err="1"/>
+              <a:t>root@localhost</a:t>
+            </a:r>
+            <a:r>
+              <a:rPr lang="ko-KR" altLang="en-US" dirty="0"/>
+              <a:t>이고</a:t>
+            </a:r>
+            <a:r>
+              <a:rPr lang="en-US" altLang="ko-KR" dirty="0"/>
+              <a:t>, </a:t>
+            </a:r>
+            <a:r>
+              <a:rPr lang="ko-KR" altLang="en-US" dirty="0"/>
+              <a:t>비밀번호는 </a:t>
+            </a:r>
+            <a:r>
+              <a:rPr lang="en-US" altLang="ko-KR" dirty="0"/>
+              <a:t>1234</a:t>
+            </a:r>
+            <a:r>
+              <a:rPr lang="ko-KR" altLang="en-US" dirty="0"/>
+              <a:t>야</a:t>
+            </a:r>
+            <a:r>
+              <a:rPr lang="en-US" altLang="ko-KR" dirty="0"/>
               <a:t>.</a:t>
             </a:r>
           </a:p>
           <a:p>
             <a:r>
-              <a:rPr lang="ko-KR" altLang="en-US" sz="2000" b="1" i="1" dirty="0"/>
-              <a:t>표준화</a:t>
-            </a:r>
-            <a:r>
-              <a:rPr lang="en-US" altLang="ko-KR" sz="2000" dirty="0"/>
-              <a:t> </a:t>
-            </a:r>
-          </a:p>
-          <a:p>
-            <a:pPr lvl="1"/>
-            <a:r>
-              <a:rPr lang="ko-KR" altLang="en-US" sz="2000" dirty="0"/>
-              <a:t>데이터베이스 벤더들이 </a:t>
-            </a:r>
-            <a:r>
-              <a:rPr lang="en-US" altLang="ko-KR" sz="2000" dirty="0"/>
-              <a:t>ANSI SQL </a:t>
-            </a:r>
-            <a:r>
-              <a:rPr lang="ko-KR" altLang="en-US" sz="2000" dirty="0"/>
-              <a:t>표준을 따르도록 권장함으로써</a:t>
-            </a:r>
-            <a:r>
-              <a:rPr lang="en-US" altLang="ko-KR" sz="2000" dirty="0"/>
-              <a:t>, SQL</a:t>
-            </a:r>
-            <a:r>
-              <a:rPr lang="ko-KR" altLang="en-US" sz="2000" dirty="0"/>
-              <a:t>을 사용하는 방식에 일관성을 제공합니다</a:t>
-            </a:r>
-            <a:r>
-              <a:rPr lang="en-US" altLang="ko-KR" sz="2000" dirty="0"/>
-              <a:t>. </a:t>
-            </a:r>
-            <a:r>
-              <a:rPr lang="ko-KR" altLang="en-US" sz="2000" dirty="0"/>
-              <a:t>이를 통해 개발자는 한 데이터베이스에서 다른 데이터베이스로 쉽게 전환할 수 있게 됩니다</a:t>
-            </a:r>
-            <a:r>
-              <a:rPr lang="en-US" altLang="ko-KR" sz="2000" dirty="0"/>
-              <a:t>.</a:t>
-            </a:r>
-          </a:p>
-          <a:p>
-            <a:r>
-              <a:rPr lang="ko-KR" altLang="en-US" sz="2000" b="1" i="1" dirty="0"/>
-              <a:t>확장성</a:t>
-            </a:r>
-            <a:r>
-              <a:rPr lang="en-US" altLang="ko-KR" sz="2000" dirty="0"/>
-              <a:t> </a:t>
-            </a:r>
-          </a:p>
-          <a:p>
-            <a:pPr lvl="1"/>
-            <a:r>
-              <a:rPr lang="ko-KR" altLang="en-US" sz="2000" dirty="0"/>
-              <a:t>대부분의 데이터베이스 시스템은 </a:t>
-            </a:r>
-            <a:r>
-              <a:rPr lang="en-US" altLang="ko-KR" sz="2000" dirty="0"/>
-              <a:t>ANSI SQL </a:t>
-            </a:r>
-            <a:r>
-              <a:rPr lang="ko-KR" altLang="en-US" sz="2000" dirty="0"/>
-              <a:t>표준을 기본으로 지원하지만</a:t>
-            </a:r>
-            <a:r>
-              <a:rPr lang="en-US" altLang="ko-KR" sz="2000" dirty="0"/>
-              <a:t>, </a:t>
-            </a:r>
-            <a:r>
-              <a:rPr lang="ko-KR" altLang="en-US" sz="2000" dirty="0"/>
-              <a:t>각 시스템은 고유한 기능을 추가로 제공하는 확장된 </a:t>
-            </a:r>
-            <a:r>
-              <a:rPr lang="en-US" altLang="ko-KR" sz="2000" dirty="0"/>
-              <a:t>SQL</a:t>
-            </a:r>
-            <a:r>
-              <a:rPr lang="ko-KR" altLang="en-US" sz="2000" dirty="0"/>
-              <a:t>도 가지고 있습니다</a:t>
-            </a:r>
-            <a:r>
-              <a:rPr lang="en-US" altLang="ko-KR" sz="2000" dirty="0"/>
-              <a:t>. </a:t>
-            </a:r>
-            <a:r>
-              <a:rPr lang="ko-KR" altLang="en-US" sz="2000" dirty="0"/>
-              <a:t>예를 들어</a:t>
-            </a:r>
-            <a:r>
-              <a:rPr lang="en-US" altLang="ko-KR" sz="2000" dirty="0"/>
-              <a:t>, Oracle</a:t>
-            </a:r>
-            <a:r>
-              <a:rPr lang="ko-KR" altLang="en-US" sz="2000" dirty="0"/>
-              <a:t>이나 </a:t>
-            </a:r>
-            <a:r>
-              <a:rPr lang="en-US" altLang="ko-KR" sz="2000" dirty="0"/>
-              <a:t>SQL Server</a:t>
-            </a:r>
-            <a:r>
-              <a:rPr lang="ko-KR" altLang="en-US" sz="2000" dirty="0"/>
-              <a:t>에는 </a:t>
-            </a:r>
-            <a:r>
-              <a:rPr lang="en-US" altLang="ko-KR" sz="2000" dirty="0"/>
-              <a:t>ANSI SQL </a:t>
-            </a:r>
-            <a:r>
-              <a:rPr lang="ko-KR" altLang="en-US" sz="2000" dirty="0"/>
-              <a:t>표준 외에도 그들만의 고유한 </a:t>
-            </a:r>
-            <a:r>
-              <a:rPr lang="en-US" altLang="ko-KR" sz="2000" dirty="0"/>
-              <a:t>SQL </a:t>
-            </a:r>
-            <a:r>
-              <a:rPr lang="ko-KR" altLang="en-US" sz="2000" dirty="0"/>
-              <a:t>문법이나 기능이 있습니다</a:t>
-            </a:r>
-            <a:r>
-              <a:rPr lang="en-US" altLang="ko-KR" sz="2000" dirty="0"/>
-              <a:t>. </a:t>
-            </a:r>
-            <a:r>
-              <a:rPr lang="ko-KR" altLang="en-US" sz="2000" dirty="0"/>
-              <a:t>그러나 기본적인 </a:t>
-            </a:r>
-            <a:r>
-              <a:rPr lang="en-US" altLang="ko-KR" sz="2000" dirty="0"/>
-              <a:t>SQL</a:t>
-            </a:r>
-            <a:r>
-              <a:rPr lang="ko-KR" altLang="en-US" sz="2000" dirty="0"/>
-              <a:t>은 </a:t>
-            </a:r>
-            <a:r>
-              <a:rPr lang="en-US" altLang="ko-KR" sz="2000" dirty="0"/>
-              <a:t>ANSI SQL </a:t>
-            </a:r>
-            <a:r>
-              <a:rPr lang="ko-KR" altLang="en-US" sz="2000" dirty="0"/>
-              <a:t>표준을 따르기 때문에 대부분의 쿼리 문법은 일관성을 유지합니다</a:t>
-            </a:r>
-            <a:r>
-              <a:rPr lang="en-US" altLang="ko-KR" sz="2000" dirty="0"/>
-              <a:t>.</a:t>
-            </a:r>
-            <a:endParaRPr lang="en-GB" sz="2000" dirty="0"/>
+              <a:rPr lang="ko-KR" altLang="en-US" dirty="0"/>
+              <a:t>나랑 통신하자</a:t>
+            </a:r>
+            <a:r>
+              <a:rPr lang="en-US" altLang="ko-KR" dirty="0"/>
+              <a:t>!</a:t>
+            </a:r>
+            <a:endParaRPr lang="en-US" dirty="0"/>
+          </a:p>
+        </p:txBody>
+      </p:sp>
+      <p:sp>
+        <p:nvSpPr>
+          <p:cNvPr id="8" name="Flowchart: Magnetic Disk 7">
+            <a:extLst>
+              <a:ext uri="{FF2B5EF4-FFF2-40B4-BE49-F238E27FC236}">
+                <a16:creationId xmlns:a16="http://schemas.microsoft.com/office/drawing/2014/main" id="{9C800A8A-357E-F7DD-16BF-25493793A17E}"/>
+              </a:ext>
+            </a:extLst>
+          </p:cNvPr>
+          <p:cNvSpPr/>
+          <p:nvPr/>
+        </p:nvSpPr>
+        <p:spPr>
+          <a:xfrm>
+            <a:off x="9380136" y="5251269"/>
+            <a:ext cx="2129246" cy="1894114"/>
+          </a:xfrm>
+          <a:prstGeom prst="flowChartMagneticDisk">
+            <a:avLst/>
+          </a:prstGeom>
+        </p:spPr>
+        <p:style>
+          <a:lnRef idx="2">
+            <a:schemeClr val="accent1">
+              <a:shade val="15000"/>
+            </a:schemeClr>
+          </a:lnRef>
+          <a:fillRef idx="1">
+            <a:schemeClr val="accent1"/>
+          </a:fillRef>
+          <a:effectRef idx="0">
+            <a:schemeClr val="accent1"/>
+          </a:effectRef>
+          <a:fontRef idx="minor">
+            <a:schemeClr val="lt1"/>
+          </a:fontRef>
+        </p:style>
+        <p:txBody>
+          <a:bodyPr rtlCol="0" anchor="ctr"/>
+          <a:lstStyle/>
+          <a:p>
+            <a:pPr algn="ctr"/>
+            <a:r>
+              <a:rPr lang="ko-KR" altLang="en-US" dirty="0"/>
+              <a:t>사용자 정보 데이터베이스</a:t>
+            </a:r>
+            <a:endParaRPr lang="en-GB" dirty="0"/>
+          </a:p>
+        </p:txBody>
+      </p:sp>
+      <p:sp>
+        <p:nvSpPr>
+          <p:cNvPr id="9" name="Arrow: Right 8">
+            <a:extLst>
+              <a:ext uri="{FF2B5EF4-FFF2-40B4-BE49-F238E27FC236}">
+                <a16:creationId xmlns:a16="http://schemas.microsoft.com/office/drawing/2014/main" id="{BC34492A-9384-FED7-D6A4-6969160BE9F0}"/>
+              </a:ext>
+            </a:extLst>
+          </p:cNvPr>
+          <p:cNvSpPr/>
+          <p:nvPr/>
+        </p:nvSpPr>
+        <p:spPr>
+          <a:xfrm rot="5400000">
+            <a:off x="9559487" y="4584162"/>
+            <a:ext cx="1770543" cy="293633"/>
+          </a:xfrm>
+          <a:prstGeom prst="rightArrow">
+            <a:avLst/>
+          </a:prstGeom>
+        </p:spPr>
+        <p:style>
+          <a:lnRef idx="2">
+            <a:schemeClr val="accent1">
+              <a:shade val="15000"/>
+            </a:schemeClr>
+          </a:lnRef>
+          <a:fillRef idx="1">
+            <a:schemeClr val="accent1"/>
+          </a:fillRef>
+          <a:effectRef idx="0">
+            <a:schemeClr val="accent1"/>
+          </a:effectRef>
+          <a:fontRef idx="minor">
+            <a:schemeClr val="lt1"/>
+          </a:fontRef>
+        </p:style>
+        <p:txBody>
+          <a:bodyPr rtlCol="0" anchor="ctr"/>
+          <a:lstStyle/>
+          <a:p>
+            <a:pPr algn="ctr"/>
+            <a:endParaRPr lang="en-GB"/>
+          </a:p>
+        </p:txBody>
+      </p:sp>
+      <p:sp>
+        <p:nvSpPr>
+          <p:cNvPr id="13" name="Minus Sign 12">
+            <a:extLst>
+              <a:ext uri="{FF2B5EF4-FFF2-40B4-BE49-F238E27FC236}">
+                <a16:creationId xmlns:a16="http://schemas.microsoft.com/office/drawing/2014/main" id="{763A70D3-88D2-98FC-BC1F-5553C26161D2}"/>
+              </a:ext>
+            </a:extLst>
+          </p:cNvPr>
+          <p:cNvSpPr/>
+          <p:nvPr/>
+        </p:nvSpPr>
+        <p:spPr>
+          <a:xfrm>
+            <a:off x="1998660" y="2088979"/>
+            <a:ext cx="6439989" cy="1896894"/>
+          </a:xfrm>
+          <a:prstGeom prst="mathMinus">
+            <a:avLst/>
+          </a:prstGeom>
+        </p:spPr>
+        <p:style>
+          <a:lnRef idx="2">
+            <a:schemeClr val="accent1">
+              <a:shade val="15000"/>
+            </a:schemeClr>
+          </a:lnRef>
+          <a:fillRef idx="1">
+            <a:schemeClr val="accent1"/>
+          </a:fillRef>
+          <a:effectRef idx="0">
+            <a:schemeClr val="accent1"/>
+          </a:effectRef>
+          <a:fontRef idx="minor">
+            <a:schemeClr val="lt1"/>
+          </a:fontRef>
+        </p:style>
+        <p:txBody>
+          <a:bodyPr rtlCol="0" anchor="ctr"/>
+          <a:lstStyle/>
+          <a:p>
+            <a:pPr algn="ctr"/>
+            <a:endParaRPr lang="en-GB"/>
           </a:p>
         </p:txBody>
       </p:sp>
     </p:spTree>
     <p:extLst>
       <p:ext uri="{BB962C8B-B14F-4D97-AF65-F5344CB8AC3E}">
-        <p14:creationId xmlns:p14="http://schemas.microsoft.com/office/powerpoint/2010/main" val="1581107325"/>
+        <p14:creationId xmlns:p14="http://schemas.microsoft.com/office/powerpoint/2010/main" val="359170824"/>
       </p:ext>
     </p:extLst>
   </p:cSld>
@@ -5285,71 +5437,529 @@
           <a:chExt cx="0" cy="0"/>
         </a:xfrm>
       </p:grpSpPr>
-      <p:sp>
-        <p:nvSpPr>
-          <p:cNvPr id="2" name="Title 1">
-            <a:extLst>
-              <a:ext uri="{FF2B5EF4-FFF2-40B4-BE49-F238E27FC236}">
-                <a16:creationId xmlns:a16="http://schemas.microsoft.com/office/drawing/2014/main" id="{78F60B7F-BA1F-8BCA-674D-64DE5CC9851F}"/>
-              </a:ext>
-            </a:extLst>
-          </p:cNvPr>
-          <p:cNvSpPr>
-            <a:spLocks noGrp="1"/>
-          </p:cNvSpPr>
-          <p:nvPr>
-            <p:ph type="title"/>
-          </p:nvPr>
-        </p:nvSpPr>
-        <p:spPr/>
-        <p:txBody>
-          <a:bodyPr/>
-          <a:lstStyle/>
-          <a:p>
-            <a:r>
-              <a:rPr lang="ko-KR" altLang="en-US" dirty="0"/>
-              <a:t>관계란</a:t>
+      <p:pic>
+        <p:nvPicPr>
+          <p:cNvPr id="2050" name="Picture 2" descr="2) RDBMS - 테이블 구조/ 키/ 정규형/ Join">
+            <a:extLst>
+              <a:ext uri="{FF2B5EF4-FFF2-40B4-BE49-F238E27FC236}">
+                <a16:creationId xmlns:a16="http://schemas.microsoft.com/office/drawing/2014/main" id="{48CB3048-CE0B-BFB5-4272-EF25D71D8228}"/>
+              </a:ext>
+            </a:extLst>
+          </p:cNvPr>
+          <p:cNvPicPr>
+            <a:picLocks noGrp="1" noChangeAspect="1" noChangeArrowheads="1"/>
+          </p:cNvPicPr>
+          <p:nvPr>
+            <p:ph idx="1"/>
+          </p:nvPr>
+        </p:nvPicPr>
+        <p:blipFill>
+          <a:blip r:embed="rId2">
+            <a:extLst>
+              <a:ext uri="{28A0092B-C50C-407E-A947-70E740481C1C}">
+                <a14:useLocalDpi xmlns:a14="http://schemas.microsoft.com/office/drawing/2010/main" val="0"/>
+              </a:ext>
+            </a:extLst>
+          </a:blip>
+          <a:srcRect/>
+          <a:stretch>
+            <a:fillRect/>
+          </a:stretch>
+        </p:blipFill>
+        <p:spPr bwMode="auto">
+          <a:xfrm>
+            <a:off x="5171551" y="1803355"/>
+            <a:ext cx="7235306" cy="3533775"/>
+          </a:xfrm>
+          <a:prstGeom prst="rect">
+            <a:avLst/>
+          </a:prstGeom>
+          <a:noFill/>
+          <a:extLst>
+            <a:ext uri="{909E8E84-426E-40DD-AFC4-6F175D3DCCD1}">
+              <a14:hiddenFill xmlns:a14="http://schemas.microsoft.com/office/drawing/2010/main">
+                <a:solidFill>
+                  <a:srgbClr val="FFFFFF"/>
+                </a:solidFill>
+              </a14:hiddenFill>
+            </a:ext>
+          </a:extLst>
+        </p:spPr>
+      </p:pic>
+      <p:sp>
+        <p:nvSpPr>
+          <p:cNvPr id="4" name="Rectangle 3">
+            <a:extLst>
+              <a:ext uri="{FF2B5EF4-FFF2-40B4-BE49-F238E27FC236}">
+                <a16:creationId xmlns:a16="http://schemas.microsoft.com/office/drawing/2014/main" id="{85B468AB-ADF1-7662-CB7C-14F374997005}"/>
+              </a:ext>
+            </a:extLst>
+          </p:cNvPr>
+          <p:cNvSpPr/>
+          <p:nvPr/>
+        </p:nvSpPr>
+        <p:spPr>
+          <a:xfrm>
+            <a:off x="5794978" y="2949640"/>
+            <a:ext cx="9746442" cy="479360"/>
+          </a:xfrm>
+          <a:prstGeom prst="rect">
+            <a:avLst/>
+          </a:prstGeom>
+          <a:noFill/>
+          <a:ln w="38100">
+            <a:solidFill>
+              <a:srgbClr val="FF0000"/>
+            </a:solidFill>
+          </a:ln>
+        </p:spPr>
+        <p:style>
+          <a:lnRef idx="2">
+            <a:schemeClr val="accent1">
+              <a:shade val="15000"/>
+            </a:schemeClr>
+          </a:lnRef>
+          <a:fillRef idx="1">
+            <a:schemeClr val="accent1"/>
+          </a:fillRef>
+          <a:effectRef idx="0">
+            <a:schemeClr val="accent1"/>
+          </a:effectRef>
+          <a:fontRef idx="minor">
+            <a:schemeClr val="lt1"/>
+          </a:fontRef>
+        </p:style>
+        <p:txBody>
+          <a:bodyPr rtlCol="0" anchor="ctr"/>
+          <a:lstStyle/>
+          <a:p>
+            <a:pPr algn="ctr"/>
+            <a:endParaRPr lang="en-GB"/>
+          </a:p>
+        </p:txBody>
+      </p:sp>
+      <p:sp>
+        <p:nvSpPr>
+          <p:cNvPr id="5" name="Rectangle 4">
+            <a:extLst>
+              <a:ext uri="{FF2B5EF4-FFF2-40B4-BE49-F238E27FC236}">
+                <a16:creationId xmlns:a16="http://schemas.microsoft.com/office/drawing/2014/main" id="{0014D1B4-2108-B03D-BBF8-374F38B73828}"/>
+              </a:ext>
+            </a:extLst>
+          </p:cNvPr>
+          <p:cNvSpPr/>
+          <p:nvPr/>
+        </p:nvSpPr>
+        <p:spPr>
+          <a:xfrm>
+            <a:off x="1102178" y="2310492"/>
+            <a:ext cx="1436915" cy="2536757"/>
+          </a:xfrm>
+          <a:prstGeom prst="rect">
+            <a:avLst/>
+          </a:prstGeom>
+          <a:noFill/>
+        </p:spPr>
+        <p:style>
+          <a:lnRef idx="2">
+            <a:schemeClr val="accent1">
+              <a:shade val="15000"/>
+            </a:schemeClr>
+          </a:lnRef>
+          <a:fillRef idx="1">
+            <a:schemeClr val="accent1"/>
+          </a:fillRef>
+          <a:effectRef idx="0">
+            <a:schemeClr val="accent1"/>
+          </a:effectRef>
+          <a:fontRef idx="minor">
+            <a:schemeClr val="lt1"/>
+          </a:fontRef>
+        </p:style>
+        <p:txBody>
+          <a:bodyPr rtlCol="0" anchor="ctr"/>
+          <a:lstStyle/>
+          <a:p>
+            <a:pPr algn="ctr"/>
+            <a:endParaRPr lang="en-GB"/>
+          </a:p>
+        </p:txBody>
+      </p:sp>
+      <p:cxnSp>
+        <p:nvCxnSpPr>
+          <p:cNvPr id="7" name="Straight Connector 6">
+            <a:extLst>
+              <a:ext uri="{FF2B5EF4-FFF2-40B4-BE49-F238E27FC236}">
+                <a16:creationId xmlns:a16="http://schemas.microsoft.com/office/drawing/2014/main" id="{92152534-170D-81AA-816D-6067EB895DFC}"/>
+              </a:ext>
+            </a:extLst>
+          </p:cNvPr>
+          <p:cNvCxnSpPr>
+            <a:cxnSpLocks/>
+          </p:cNvCxnSpPr>
+          <p:nvPr/>
+        </p:nvCxnSpPr>
+        <p:spPr>
+          <a:xfrm>
+            <a:off x="1102179" y="3037115"/>
+            <a:ext cx="1436914" cy="0"/>
+          </a:xfrm>
+          <a:prstGeom prst="line">
+            <a:avLst/>
+          </a:prstGeom>
+        </p:spPr>
+        <p:style>
+          <a:lnRef idx="2">
+            <a:schemeClr val="accent1"/>
+          </a:lnRef>
+          <a:fillRef idx="0">
+            <a:schemeClr val="accent1"/>
+          </a:fillRef>
+          <a:effectRef idx="1">
+            <a:schemeClr val="accent1"/>
+          </a:effectRef>
+          <a:fontRef idx="minor">
+            <a:schemeClr val="tx1"/>
+          </a:fontRef>
+        </p:style>
+      </p:cxnSp>
+      <p:sp>
+        <p:nvSpPr>
+          <p:cNvPr id="9" name="TextBox 8">
+            <a:extLst>
+              <a:ext uri="{FF2B5EF4-FFF2-40B4-BE49-F238E27FC236}">
+                <a16:creationId xmlns:a16="http://schemas.microsoft.com/office/drawing/2014/main" id="{4E1A3E15-A442-3123-8359-35F2A0BA7385}"/>
+              </a:ext>
+            </a:extLst>
+          </p:cNvPr>
+          <p:cNvSpPr txBox="1"/>
+          <p:nvPr/>
+        </p:nvSpPr>
+        <p:spPr>
+          <a:xfrm>
+            <a:off x="1200150" y="2514601"/>
+            <a:ext cx="1004207" cy="523220"/>
+          </a:xfrm>
+          <a:prstGeom prst="rect">
+            <a:avLst/>
+          </a:prstGeom>
+          <a:noFill/>
+        </p:spPr>
+        <p:txBody>
+          <a:bodyPr wrap="square" rtlCol="0">
+            <a:spAutoFit/>
+          </a:bodyPr>
+          <a:lstStyle/>
+          <a:p>
+            <a:r>
+              <a:rPr lang="en-GB" sz="1400" dirty="0"/>
+              <a:t>Student_</a:t>
+            </a:r>
+          </a:p>
+          <a:p>
+            <a:r>
+              <a:rPr lang="en-GB" sz="1400" dirty="0"/>
+              <a:t>table</a:t>
+            </a:r>
+          </a:p>
+        </p:txBody>
+      </p:sp>
+      <p:sp>
+        <p:nvSpPr>
+          <p:cNvPr id="10" name="TextBox 9">
+            <a:extLst>
+              <a:ext uri="{FF2B5EF4-FFF2-40B4-BE49-F238E27FC236}">
+                <a16:creationId xmlns:a16="http://schemas.microsoft.com/office/drawing/2014/main" id="{3E506B05-3D4D-4BBD-1174-1EDE66DD8E5E}"/>
+              </a:ext>
+            </a:extLst>
+          </p:cNvPr>
+          <p:cNvSpPr txBox="1"/>
+          <p:nvPr/>
+        </p:nvSpPr>
+        <p:spPr>
+          <a:xfrm>
+            <a:off x="1200150" y="3159579"/>
+            <a:ext cx="1338943" cy="1477328"/>
+          </a:xfrm>
+          <a:prstGeom prst="rect">
+            <a:avLst/>
+          </a:prstGeom>
+          <a:noFill/>
+        </p:spPr>
+        <p:txBody>
+          <a:bodyPr wrap="square" rtlCol="0">
+            <a:spAutoFit/>
+          </a:bodyPr>
+          <a:lstStyle/>
+          <a:p>
+            <a:r>
+              <a:rPr lang="ko-KR" altLang="en-US" dirty="0"/>
+              <a:t>학번</a:t>
             </a:r>
             <a:r>
               <a:rPr lang="en-US" altLang="ko-KR" dirty="0"/>
-              <a:t>?</a:t>
+              <a:t>(int)</a:t>
+            </a:r>
+          </a:p>
+          <a:p>
+            <a:r>
+              <a:rPr lang="ko-KR" altLang="en-US" dirty="0"/>
+              <a:t>이름</a:t>
+            </a:r>
+            <a:r>
+              <a:rPr lang="en-US" altLang="ko-KR" dirty="0"/>
+              <a:t>(char)</a:t>
+            </a:r>
+          </a:p>
+          <a:p>
+            <a:r>
+              <a:rPr lang="ko-KR" altLang="en-US" dirty="0"/>
+              <a:t>학년</a:t>
+            </a:r>
+            <a:r>
+              <a:rPr lang="en-US" altLang="ko-KR" dirty="0"/>
+              <a:t>(int)</a:t>
+            </a:r>
+          </a:p>
+          <a:p>
+            <a:r>
+              <a:rPr lang="ko-KR" altLang="en-US" dirty="0"/>
+              <a:t>신장</a:t>
+            </a:r>
+            <a:r>
+              <a:rPr lang="en-US" altLang="ko-KR" dirty="0"/>
+              <a:t>(float)</a:t>
+            </a:r>
+          </a:p>
+          <a:p>
+            <a:r>
+              <a:rPr lang="ko-KR" altLang="en-US" dirty="0"/>
+              <a:t>학과</a:t>
+            </a:r>
+            <a:r>
+              <a:rPr lang="en-US" altLang="ko-KR" dirty="0"/>
+              <a:t>(char)</a:t>
             </a:r>
             <a:endParaRPr lang="en-GB" dirty="0"/>
           </a:p>
         </p:txBody>
       </p:sp>
-      <p:sp>
-        <p:nvSpPr>
-          <p:cNvPr id="3" name="Content Placeholder 2">
-            <a:extLst>
-              <a:ext uri="{FF2B5EF4-FFF2-40B4-BE49-F238E27FC236}">
-                <a16:creationId xmlns:a16="http://schemas.microsoft.com/office/drawing/2014/main" id="{569EB47B-EB66-1D58-8C18-BA0742DCE246}"/>
-              </a:ext>
-            </a:extLst>
-          </p:cNvPr>
-          <p:cNvSpPr>
-            <a:spLocks noGrp="1"/>
-          </p:cNvSpPr>
-          <p:nvPr>
-            <p:ph idx="1"/>
-          </p:nvPr>
-        </p:nvSpPr>
-        <p:spPr/>
-        <p:txBody>
-          <a:bodyPr/>
-          <a:lstStyle/>
-          <a:p>
-            <a:r>
-              <a:rPr lang="ko-KR" altLang="en-US" dirty="0"/>
-              <a:t>관계형 데이터베이스의 이름에서 알 수 있듯이</a:t>
+      <p:cxnSp>
+        <p:nvCxnSpPr>
+          <p:cNvPr id="12" name="Straight Arrow Connector 11">
+            <a:extLst>
+              <a:ext uri="{FF2B5EF4-FFF2-40B4-BE49-F238E27FC236}">
+                <a16:creationId xmlns:a16="http://schemas.microsoft.com/office/drawing/2014/main" id="{F87B185E-1485-809C-9F09-826D9766E7D8}"/>
+              </a:ext>
+            </a:extLst>
+          </p:cNvPr>
+          <p:cNvCxnSpPr>
+            <a:cxnSpLocks/>
+          </p:cNvCxnSpPr>
+          <p:nvPr/>
+        </p:nvCxnSpPr>
+        <p:spPr>
+          <a:xfrm>
+            <a:off x="3069772" y="3429000"/>
+            <a:ext cx="1820635" cy="0"/>
+          </a:xfrm>
+          <a:prstGeom prst="straightConnector1">
+            <a:avLst/>
+          </a:prstGeom>
+          <a:ln>
+            <a:tailEnd type="triangle"/>
+          </a:ln>
+        </p:spPr>
+        <p:style>
+          <a:lnRef idx="2">
+            <a:schemeClr val="accent1"/>
+          </a:lnRef>
+          <a:fillRef idx="0">
+            <a:schemeClr val="accent1"/>
+          </a:fillRef>
+          <a:effectRef idx="1">
+            <a:schemeClr val="accent1"/>
+          </a:effectRef>
+          <a:fontRef idx="minor">
+            <a:schemeClr val="tx1"/>
+          </a:fontRef>
+        </p:style>
+      </p:cxnSp>
+      <p:sp>
+        <p:nvSpPr>
+          <p:cNvPr id="15" name="Arrow: Down 14">
+            <a:extLst>
+              <a:ext uri="{FF2B5EF4-FFF2-40B4-BE49-F238E27FC236}">
+                <a16:creationId xmlns:a16="http://schemas.microsoft.com/office/drawing/2014/main" id="{DFD970A4-FC59-0735-12A9-74ED52C6AEFF}"/>
+              </a:ext>
+            </a:extLst>
+          </p:cNvPr>
+          <p:cNvSpPr/>
+          <p:nvPr/>
+        </p:nvSpPr>
+        <p:spPr>
+          <a:xfrm>
+            <a:off x="1604281" y="1232813"/>
+            <a:ext cx="432707" cy="726622"/>
+          </a:xfrm>
+          <a:prstGeom prst="downArrow">
+            <a:avLst/>
+          </a:prstGeom>
+        </p:spPr>
+        <p:style>
+          <a:lnRef idx="2">
+            <a:schemeClr val="accent1">
+              <a:shade val="15000"/>
+            </a:schemeClr>
+          </a:lnRef>
+          <a:fillRef idx="1">
+            <a:schemeClr val="accent1"/>
+          </a:fillRef>
+          <a:effectRef idx="0">
+            <a:schemeClr val="accent1"/>
+          </a:effectRef>
+          <a:fontRef idx="minor">
+            <a:schemeClr val="lt1"/>
+          </a:fontRef>
+        </p:style>
+        <p:txBody>
+          <a:bodyPr rtlCol="0" anchor="ctr"/>
+          <a:lstStyle/>
+          <a:p>
+            <a:pPr algn="ctr"/>
+            <a:endParaRPr lang="en-GB"/>
+          </a:p>
+        </p:txBody>
+      </p:sp>
+      <p:sp>
+        <p:nvSpPr>
+          <p:cNvPr id="17" name="TextBox 16">
+            <a:extLst>
+              <a:ext uri="{FF2B5EF4-FFF2-40B4-BE49-F238E27FC236}">
+                <a16:creationId xmlns:a16="http://schemas.microsoft.com/office/drawing/2014/main" id="{0DC8605E-D1F3-1BAB-A420-D831870A448D}"/>
+              </a:ext>
+            </a:extLst>
+          </p:cNvPr>
+          <p:cNvSpPr txBox="1"/>
+          <p:nvPr/>
+        </p:nvSpPr>
+        <p:spPr>
+          <a:xfrm>
+            <a:off x="1383846" y="576761"/>
+            <a:ext cx="3102429" cy="369332"/>
+          </a:xfrm>
+          <a:prstGeom prst="rect">
+            <a:avLst/>
+          </a:prstGeom>
+          <a:noFill/>
+        </p:spPr>
+        <p:txBody>
+          <a:bodyPr wrap="square" rtlCol="0">
+            <a:spAutoFit/>
+          </a:bodyPr>
+          <a:lstStyle/>
+          <a:p>
+            <a:r>
+              <a:rPr lang="ko-KR" altLang="en-US"/>
+              <a:t>스키마</a:t>
+            </a:r>
+            <a:endParaRPr lang="en-GB" dirty="0"/>
+          </a:p>
+        </p:txBody>
+      </p:sp>
+      <p:sp>
+        <p:nvSpPr>
+          <p:cNvPr id="2" name="Rectangle 1">
+            <a:extLst>
+              <a:ext uri="{FF2B5EF4-FFF2-40B4-BE49-F238E27FC236}">
+                <a16:creationId xmlns:a16="http://schemas.microsoft.com/office/drawing/2014/main" id="{9A9D3DC2-1133-0395-7B9D-B42E92AE5649}"/>
+              </a:ext>
+            </a:extLst>
+          </p:cNvPr>
+          <p:cNvSpPr/>
+          <p:nvPr/>
+        </p:nvSpPr>
+        <p:spPr>
+          <a:xfrm rot="5400000">
+            <a:off x="6156640" y="3114232"/>
+            <a:ext cx="2133328" cy="934067"/>
+          </a:xfrm>
+          <a:prstGeom prst="rect">
+            <a:avLst/>
+          </a:prstGeom>
+          <a:noFill/>
+          <a:ln w="38100">
+            <a:solidFill>
+              <a:schemeClr val="accent6"/>
+            </a:solidFill>
+          </a:ln>
+        </p:spPr>
+        <p:style>
+          <a:lnRef idx="2">
+            <a:schemeClr val="accent1">
+              <a:shade val="15000"/>
+            </a:schemeClr>
+          </a:lnRef>
+          <a:fillRef idx="1">
+            <a:schemeClr val="accent1"/>
+          </a:fillRef>
+          <a:effectRef idx="0">
+            <a:schemeClr val="accent1"/>
+          </a:effectRef>
+          <a:fontRef idx="minor">
+            <a:schemeClr val="lt1"/>
+          </a:fontRef>
+        </p:style>
+        <p:txBody>
+          <a:bodyPr rtlCol="0" anchor="ctr"/>
+          <a:lstStyle/>
+          <a:p>
+            <a:pPr algn="ctr"/>
+            <a:endParaRPr lang="en-GB" dirty="0"/>
+          </a:p>
+        </p:txBody>
+      </p:sp>
+      <p:sp>
+        <p:nvSpPr>
+          <p:cNvPr id="3" name="TextBox 2">
+            <a:extLst>
+              <a:ext uri="{FF2B5EF4-FFF2-40B4-BE49-F238E27FC236}">
+                <a16:creationId xmlns:a16="http://schemas.microsoft.com/office/drawing/2014/main" id="{786CBED7-C3C0-6625-7492-29FD13BEEEBD}"/>
+              </a:ext>
+            </a:extLst>
+          </p:cNvPr>
+          <p:cNvSpPr txBox="1"/>
+          <p:nvPr/>
+        </p:nvSpPr>
+        <p:spPr>
+          <a:xfrm>
+            <a:off x="6365631" y="5603631"/>
+            <a:ext cx="5357446" cy="923330"/>
+          </a:xfrm>
+          <a:prstGeom prst="rect">
+            <a:avLst/>
+          </a:prstGeom>
+          <a:noFill/>
+        </p:spPr>
+        <p:txBody>
+          <a:bodyPr wrap="square" rtlCol="0">
+            <a:spAutoFit/>
+          </a:bodyPr>
+          <a:lstStyle/>
+          <a:p>
+            <a:r>
+              <a:rPr lang="ko-KR" altLang="en-US" dirty="0"/>
+              <a:t>테이블 내부에 저장된 행의 식별자를 </a:t>
             </a:r>
             <a:r>
               <a:rPr lang="en-US" altLang="ko-KR" dirty="0"/>
-              <a:t>, RDBMS</a:t>
-            </a:r>
-            <a:r>
-              <a:rPr lang="ko-KR" altLang="en-US" dirty="0"/>
-              <a:t>에서는</a:t>
+              <a:t>PK(Primary Key)</a:t>
+            </a:r>
+          </a:p>
+          <a:p>
+            <a:r>
+              <a:rPr lang="ko-KR" altLang="en-US" dirty="0"/>
+              <a:t>자연키</a:t>
             </a:r>
             <a:r>
               <a:rPr lang="en-US" altLang="ko-KR" dirty="0"/>
@@ -5357,51 +5967,72 @@
             </a:r>
             <a:r>
               <a:rPr lang="ko-KR" altLang="en-US" dirty="0"/>
-              <a:t>데이터를 저장 및 관리할 때</a:t>
+              <a:t>인조키</a:t>
             </a:r>
             <a:r>
               <a:rPr lang="en-US" altLang="ko-KR" dirty="0"/>
-              <a:t>, </a:t>
-            </a:r>
-            <a:r>
-              <a:rPr lang="ko-KR" altLang="en-US" dirty="0"/>
-              <a:t>테이블간의 논리적 연결을 이용함</a:t>
-            </a:r>
-            <a:r>
-              <a:rPr lang="en-US" altLang="ko-KR" dirty="0"/>
-              <a:t>.</a:t>
-            </a:r>
-          </a:p>
-          <a:p>
-            <a:r>
-              <a:rPr lang="ko-KR" altLang="en-US" dirty="0"/>
-              <a:t>이를 정규화라고 표현하며</a:t>
-            </a:r>
-            <a:r>
-              <a:rPr lang="en-US" altLang="ko-KR" dirty="0"/>
-              <a:t>, </a:t>
-            </a:r>
-            <a:r>
-              <a:rPr lang="ko-KR" altLang="en-US" dirty="0"/>
-              <a:t>그 반대는 비정규화라고 한다</a:t>
-            </a:r>
-            <a:r>
-              <a:rPr lang="en-US" altLang="ko-KR" dirty="0"/>
-              <a:t>.</a:t>
-            </a:r>
-          </a:p>
-          <a:p>
-            <a:pPr marL="0" indent="0">
-              <a:buNone/>
-            </a:pPr>
+              <a:t>(surrogate key)</a:t>
+            </a:r>
             <a:endParaRPr lang="en-GB" dirty="0"/>
+          </a:p>
+        </p:txBody>
+      </p:sp>
+      <p:sp>
+        <p:nvSpPr>
+          <p:cNvPr id="6" name="Rectangle 5">
+            <a:extLst>
+              <a:ext uri="{FF2B5EF4-FFF2-40B4-BE49-F238E27FC236}">
+                <a16:creationId xmlns:a16="http://schemas.microsoft.com/office/drawing/2014/main" id="{22311AEF-7EDC-8494-3A3D-2268BD2F9A55}"/>
+              </a:ext>
+            </a:extLst>
+          </p:cNvPr>
+          <p:cNvSpPr/>
+          <p:nvPr/>
+        </p:nvSpPr>
+        <p:spPr>
+          <a:xfrm>
+            <a:off x="5794977" y="4217030"/>
+            <a:ext cx="4861299" cy="419877"/>
+          </a:xfrm>
+          <a:prstGeom prst="rect">
+            <a:avLst/>
+          </a:prstGeom>
+          <a:noFill/>
+          <a:ln w="38100">
+            <a:solidFill>
+              <a:srgbClr val="FF0000"/>
+            </a:solidFill>
+          </a:ln>
+        </p:spPr>
+        <p:style>
+          <a:lnRef idx="2">
+            <a:schemeClr val="accent1">
+              <a:shade val="15000"/>
+            </a:schemeClr>
+          </a:lnRef>
+          <a:fillRef idx="1">
+            <a:schemeClr val="accent1"/>
+          </a:fillRef>
+          <a:effectRef idx="0">
+            <a:schemeClr val="accent1"/>
+          </a:effectRef>
+          <a:fontRef idx="minor">
+            <a:schemeClr val="lt1"/>
+          </a:fontRef>
+        </p:style>
+        <p:txBody>
+          <a:bodyPr rtlCol="0" anchor="ctr"/>
+          <a:lstStyle/>
+          <a:p>
+            <a:pPr algn="ctr"/>
+            <a:endParaRPr lang="en-GB"/>
           </a:p>
         </p:txBody>
       </p:sp>
     </p:spTree>
     <p:extLst>
       <p:ext uri="{BB962C8B-B14F-4D97-AF65-F5344CB8AC3E}">
-        <p14:creationId xmlns:p14="http://schemas.microsoft.com/office/powerpoint/2010/main" val="1463117697"/>
+        <p14:creationId xmlns:p14="http://schemas.microsoft.com/office/powerpoint/2010/main" val="1115469292"/>
       </p:ext>
     </p:extLst>
   </p:cSld>
@@ -5433,6 +6064,852 @@
           <p:cNvPr id="2" name="Title 1">
             <a:extLst>
               <a:ext uri="{FF2B5EF4-FFF2-40B4-BE49-F238E27FC236}">
+                <a16:creationId xmlns:a16="http://schemas.microsoft.com/office/drawing/2014/main" id="{E616ECFE-99CA-7D80-7ACA-8452815095AA}"/>
+              </a:ext>
+            </a:extLst>
+          </p:cNvPr>
+          <p:cNvSpPr>
+            <a:spLocks noGrp="1"/>
+          </p:cNvSpPr>
+          <p:nvPr>
+            <p:ph type="title"/>
+          </p:nvPr>
+        </p:nvSpPr>
+        <p:spPr>
+          <a:xfrm>
+            <a:off x="846364" y="365125"/>
+            <a:ext cx="10515600" cy="1325563"/>
+          </a:xfrm>
+        </p:spPr>
+        <p:txBody>
+          <a:bodyPr/>
+          <a:lstStyle/>
+          <a:p>
+            <a:r>
+              <a:rPr lang="en-GB" dirty="0"/>
+              <a:t>MySQL?</a:t>
+            </a:r>
+          </a:p>
+        </p:txBody>
+      </p:sp>
+      <p:sp>
+        <p:nvSpPr>
+          <p:cNvPr id="3" name="Content Placeholder 2">
+            <a:extLst>
+              <a:ext uri="{FF2B5EF4-FFF2-40B4-BE49-F238E27FC236}">
+                <a16:creationId xmlns:a16="http://schemas.microsoft.com/office/drawing/2014/main" id="{BC35B764-435F-ED9B-0B0F-DC0F6E7AE63E}"/>
+              </a:ext>
+            </a:extLst>
+          </p:cNvPr>
+          <p:cNvSpPr>
+            <a:spLocks noGrp="1"/>
+          </p:cNvSpPr>
+          <p:nvPr>
+            <p:ph idx="1"/>
+          </p:nvPr>
+        </p:nvSpPr>
+        <p:spPr/>
+        <p:txBody>
+          <a:bodyPr/>
+          <a:lstStyle/>
+          <a:p>
+            <a:r>
+              <a:rPr lang="ko-KR" altLang="en-US" dirty="0"/>
+              <a:t>시중에는 이미 다양한 </a:t>
+            </a:r>
+            <a:r>
+              <a:rPr lang="en-US" altLang="ko-KR" dirty="0"/>
+              <a:t>RDBMS</a:t>
+            </a:r>
+            <a:r>
+              <a:rPr lang="ko-KR" altLang="en-US" dirty="0"/>
+              <a:t>가 존재함</a:t>
+            </a:r>
+            <a:endParaRPr lang="en-US" altLang="ko-KR" dirty="0"/>
+          </a:p>
+          <a:p>
+            <a:r>
+              <a:rPr lang="en-US" dirty="0"/>
+              <a:t>MySQL, </a:t>
+            </a:r>
+            <a:r>
+              <a:rPr lang="en-US" dirty="0" err="1"/>
+              <a:t>Mariadb</a:t>
+            </a:r>
+            <a:r>
+              <a:rPr lang="en-US" dirty="0"/>
+              <a:t>, MSSQL, PostgreSQL, Oracle….</a:t>
+            </a:r>
+          </a:p>
+          <a:p>
+            <a:r>
+              <a:rPr lang="ko-KR" altLang="en-US" dirty="0"/>
+              <a:t>제품마다</a:t>
+            </a:r>
+            <a:r>
+              <a:rPr lang="en-US" altLang="ko-KR" dirty="0"/>
+              <a:t>, </a:t>
+            </a:r>
+            <a:r>
+              <a:rPr lang="ko-KR" altLang="en-US" dirty="0"/>
+              <a:t>라이선스 및 정책이 다름</a:t>
+            </a:r>
+            <a:r>
+              <a:rPr lang="en-US" altLang="ko-KR" dirty="0"/>
+              <a:t>.</a:t>
+            </a:r>
+          </a:p>
+          <a:p>
+            <a:r>
+              <a:rPr lang="ko-KR" altLang="en-US" dirty="0"/>
+              <a:t>실무에서는</a:t>
+            </a:r>
+            <a:r>
+              <a:rPr lang="en-US" altLang="ko-KR" dirty="0"/>
+              <a:t>, </a:t>
+            </a:r>
+            <a:r>
+              <a:rPr lang="ko-KR" altLang="en-US" dirty="0"/>
+              <a:t>제품 별 특징이 문제를 해결하는데 중요한 해결책이 되기도 하나</a:t>
+            </a:r>
+            <a:r>
+              <a:rPr lang="en-US" altLang="ko-KR" dirty="0"/>
+              <a:t>, </a:t>
+            </a:r>
+            <a:r>
+              <a:rPr lang="ko-KR" altLang="en-US" dirty="0"/>
+              <a:t>회바회</a:t>
+            </a:r>
+            <a:r>
+              <a:rPr lang="en-US" altLang="ko-KR" dirty="0"/>
+              <a:t>, </a:t>
+            </a:r>
+            <a:r>
+              <a:rPr lang="ko-KR" altLang="en-US" dirty="0"/>
+              <a:t>팀바팀</a:t>
+            </a:r>
+            <a:endParaRPr lang="en-US" dirty="0"/>
+          </a:p>
+          <a:p>
+            <a:endParaRPr lang="en-GB" dirty="0"/>
+          </a:p>
+        </p:txBody>
+      </p:sp>
+    </p:spTree>
+    <p:extLst>
+      <p:ext uri="{BB962C8B-B14F-4D97-AF65-F5344CB8AC3E}">
+        <p14:creationId xmlns:p14="http://schemas.microsoft.com/office/powerpoint/2010/main" val="384131278"/>
+      </p:ext>
+    </p:extLst>
+  </p:cSld>
+  <p:clrMapOvr>
+    <a:masterClrMapping/>
+  </p:clrMapOvr>
+</p:sld>
+</file>
+
+<file path=ppt/slides/slide13.xml><?xml version="1.0" encoding="utf-8"?>
+<p:sld xmlns:a="http://schemas.openxmlformats.org/drawingml/2006/main" xmlns:r="http://schemas.openxmlformats.org/officeDocument/2006/relationships" xmlns:p="http://schemas.openxmlformats.org/presentationml/2006/main">
+  <p:cSld>
+    <p:spTree>
+      <p:nvGrpSpPr>
+        <p:cNvPr id="1" name=""/>
+        <p:cNvGrpSpPr/>
+        <p:nvPr/>
+      </p:nvGrpSpPr>
+      <p:grpSpPr>
+        <a:xfrm>
+          <a:off x="0" y="0"/>
+          <a:ext cx="0" cy="0"/>
+          <a:chOff x="0" y="0"/>
+          <a:chExt cx="0" cy="0"/>
+        </a:xfrm>
+      </p:grpSpPr>
+      <p:pic>
+        <p:nvPicPr>
+          <p:cNvPr id="4" name="Picture 3">
+            <a:extLst>
+              <a:ext uri="{FF2B5EF4-FFF2-40B4-BE49-F238E27FC236}">
+                <a16:creationId xmlns:a16="http://schemas.microsoft.com/office/drawing/2014/main" id="{ADBFEB8A-3226-2D70-A211-C020B970A25F}"/>
+              </a:ext>
+            </a:extLst>
+          </p:cNvPr>
+          <p:cNvPicPr>
+            <a:picLocks noChangeAspect="1"/>
+          </p:cNvPicPr>
+          <p:nvPr/>
+        </p:nvPicPr>
+        <p:blipFill>
+          <a:blip r:embed="rId3"/>
+          <a:stretch>
+            <a:fillRect/>
+          </a:stretch>
+        </p:blipFill>
+        <p:spPr>
+          <a:xfrm>
+            <a:off x="519816" y="2390969"/>
+            <a:ext cx="3051181" cy="2076061"/>
+          </a:xfrm>
+          <a:prstGeom prst="rect">
+            <a:avLst/>
+          </a:prstGeom>
+        </p:spPr>
+      </p:pic>
+      <p:pic>
+        <p:nvPicPr>
+          <p:cNvPr id="5122" name="Picture 2" descr="MariaDB (@mariadb) / X">
+            <a:extLst>
+              <a:ext uri="{FF2B5EF4-FFF2-40B4-BE49-F238E27FC236}">
+                <a16:creationId xmlns:a16="http://schemas.microsoft.com/office/drawing/2014/main" id="{866EE1AA-2AF1-EC6B-5C6B-17A6CEA9AC51}"/>
+              </a:ext>
+            </a:extLst>
+          </p:cNvPr>
+          <p:cNvPicPr>
+            <a:picLocks noChangeAspect="1" noChangeArrowheads="1"/>
+          </p:cNvPicPr>
+          <p:nvPr/>
+        </p:nvPicPr>
+        <p:blipFill>
+          <a:blip r:embed="rId4">
+            <a:extLst>
+              <a:ext uri="{28A0092B-C50C-407E-A947-70E740481C1C}">
+                <a14:useLocalDpi xmlns:a14="http://schemas.microsoft.com/office/drawing/2010/main" val="0"/>
+              </a:ext>
+            </a:extLst>
+          </a:blip>
+          <a:srcRect/>
+          <a:stretch>
+            <a:fillRect/>
+          </a:stretch>
+        </p:blipFill>
+        <p:spPr bwMode="auto">
+          <a:xfrm>
+            <a:off x="5024437" y="1553642"/>
+            <a:ext cx="2143125" cy="2143125"/>
+          </a:xfrm>
+          <a:prstGeom prst="rect">
+            <a:avLst/>
+          </a:prstGeom>
+          <a:noFill/>
+          <a:extLst>
+            <a:ext uri="{909E8E84-426E-40DD-AFC4-6F175D3DCCD1}">
+              <a14:hiddenFill xmlns:a14="http://schemas.microsoft.com/office/drawing/2010/main">
+                <a:solidFill>
+                  <a:srgbClr val="FFFFFF"/>
+                </a:solidFill>
+              </a14:hiddenFill>
+            </a:ext>
+          </a:extLst>
+        </p:spPr>
+      </p:pic>
+      <p:pic>
+        <p:nvPicPr>
+          <p:cNvPr id="5124" name="Picture 4" descr="What is Oracle? | Webopedia">
+            <a:extLst>
+              <a:ext uri="{FF2B5EF4-FFF2-40B4-BE49-F238E27FC236}">
+                <a16:creationId xmlns:a16="http://schemas.microsoft.com/office/drawing/2014/main" id="{A16DCB8D-5CAE-4611-9D83-C1B9D2FEA9F0}"/>
+              </a:ext>
+            </a:extLst>
+          </p:cNvPr>
+          <p:cNvPicPr>
+            <a:picLocks noChangeAspect="1" noChangeArrowheads="1"/>
+          </p:cNvPicPr>
+          <p:nvPr/>
+        </p:nvPicPr>
+        <p:blipFill>
+          <a:blip r:embed="rId5">
+            <a:extLst>
+              <a:ext uri="{28A0092B-C50C-407E-A947-70E740481C1C}">
+                <a14:useLocalDpi xmlns:a14="http://schemas.microsoft.com/office/drawing/2010/main" val="0"/>
+              </a:ext>
+            </a:extLst>
+          </a:blip>
+          <a:srcRect/>
+          <a:stretch>
+            <a:fillRect/>
+          </a:stretch>
+        </p:blipFill>
+        <p:spPr bwMode="auto">
+          <a:xfrm>
+            <a:off x="8621002" y="2625205"/>
+            <a:ext cx="2143125" cy="2143125"/>
+          </a:xfrm>
+          <a:prstGeom prst="rect">
+            <a:avLst/>
+          </a:prstGeom>
+          <a:noFill/>
+          <a:extLst>
+            <a:ext uri="{909E8E84-426E-40DD-AFC4-6F175D3DCCD1}">
+              <a14:hiddenFill xmlns:a14="http://schemas.microsoft.com/office/drawing/2010/main">
+                <a:solidFill>
+                  <a:srgbClr val="FFFFFF"/>
+                </a:solidFill>
+              </a14:hiddenFill>
+            </a:ext>
+          </a:extLst>
+        </p:spPr>
+      </p:pic>
+      <p:pic>
+        <p:nvPicPr>
+          <p:cNvPr id="5126" name="Picture 6" descr="Query Postgres Database ...">
+            <a:extLst>
+              <a:ext uri="{FF2B5EF4-FFF2-40B4-BE49-F238E27FC236}">
+                <a16:creationId xmlns:a16="http://schemas.microsoft.com/office/drawing/2014/main" id="{A97BC08E-6D7A-B5D4-65EE-8B5D48FC6688}"/>
+              </a:ext>
+            </a:extLst>
+          </p:cNvPr>
+          <p:cNvPicPr>
+            <a:picLocks noChangeAspect="1" noChangeArrowheads="1"/>
+          </p:cNvPicPr>
+          <p:nvPr/>
+        </p:nvPicPr>
+        <p:blipFill>
+          <a:blip r:embed="rId6">
+            <a:extLst>
+              <a:ext uri="{28A0092B-C50C-407E-A947-70E740481C1C}">
+                <a14:useLocalDpi xmlns:a14="http://schemas.microsoft.com/office/drawing/2010/main" val="0"/>
+              </a:ext>
+            </a:extLst>
+          </a:blip>
+          <a:srcRect/>
+          <a:stretch>
+            <a:fillRect/>
+          </a:stretch>
+        </p:blipFill>
+        <p:spPr bwMode="auto">
+          <a:xfrm>
+            <a:off x="4677487" y="4768330"/>
+            <a:ext cx="3162300" cy="1447800"/>
+          </a:xfrm>
+          <a:prstGeom prst="rect">
+            <a:avLst/>
+          </a:prstGeom>
+          <a:noFill/>
+          <a:extLst>
+            <a:ext uri="{909E8E84-426E-40DD-AFC4-6F175D3DCCD1}">
+              <a14:hiddenFill xmlns:a14="http://schemas.microsoft.com/office/drawing/2010/main">
+                <a:solidFill>
+                  <a:srgbClr val="FFFFFF"/>
+                </a:solidFill>
+              </a14:hiddenFill>
+            </a:ext>
+          </a:extLst>
+        </p:spPr>
+      </p:pic>
+      <p:sp>
+        <p:nvSpPr>
+          <p:cNvPr id="5" name="Title 1">
+            <a:extLst>
+              <a:ext uri="{FF2B5EF4-FFF2-40B4-BE49-F238E27FC236}">
+                <a16:creationId xmlns:a16="http://schemas.microsoft.com/office/drawing/2014/main" id="{970474A8-ED41-7B5F-F65C-B65616C6F109}"/>
+              </a:ext>
+            </a:extLst>
+          </p:cNvPr>
+          <p:cNvSpPr>
+            <a:spLocks noGrp="1"/>
+          </p:cNvSpPr>
+          <p:nvPr>
+            <p:ph type="title"/>
+          </p:nvPr>
+        </p:nvSpPr>
+        <p:spPr>
+          <a:xfrm>
+            <a:off x="838200" y="365125"/>
+            <a:ext cx="10515600" cy="1325563"/>
+          </a:xfrm>
+        </p:spPr>
+        <p:txBody>
+          <a:bodyPr/>
+          <a:lstStyle/>
+          <a:p>
+            <a:r>
+              <a:rPr lang="ko-KR" altLang="en-US" dirty="0"/>
+              <a:t>시중에는 다양한 </a:t>
+            </a:r>
+            <a:r>
+              <a:rPr lang="en-US" altLang="ko-KR" dirty="0"/>
+              <a:t>RDBMS </a:t>
+            </a:r>
+            <a:r>
+              <a:rPr lang="ko-KR" altLang="en-US" dirty="0"/>
+              <a:t>제품이 존재</a:t>
+            </a:r>
+            <a:endParaRPr lang="en-GB" dirty="0"/>
+          </a:p>
+        </p:txBody>
+      </p:sp>
+    </p:spTree>
+    <p:extLst>
+      <p:ext uri="{BB962C8B-B14F-4D97-AF65-F5344CB8AC3E}">
+        <p14:creationId xmlns:p14="http://schemas.microsoft.com/office/powerpoint/2010/main" val="1264242488"/>
+      </p:ext>
+    </p:extLst>
+  </p:cSld>
+  <p:clrMapOvr>
+    <a:masterClrMapping/>
+  </p:clrMapOvr>
+</p:sld>
+</file>
+
+<file path=ppt/slides/slide14.xml><?xml version="1.0" encoding="utf-8"?>
+<p:sld xmlns:a="http://schemas.openxmlformats.org/drawingml/2006/main" xmlns:r="http://schemas.openxmlformats.org/officeDocument/2006/relationships" xmlns:p="http://schemas.openxmlformats.org/presentationml/2006/main">
+  <p:cSld>
+    <p:spTree>
+      <p:nvGrpSpPr>
+        <p:cNvPr id="1" name=""/>
+        <p:cNvGrpSpPr/>
+        <p:nvPr/>
+      </p:nvGrpSpPr>
+      <p:grpSpPr>
+        <a:xfrm>
+          <a:off x="0" y="0"/>
+          <a:ext cx="0" cy="0"/>
+          <a:chOff x="0" y="0"/>
+          <a:chExt cx="0" cy="0"/>
+        </a:xfrm>
+      </p:grpSpPr>
+      <p:sp>
+        <p:nvSpPr>
+          <p:cNvPr id="2" name="Title 1">
+            <a:extLst>
+              <a:ext uri="{FF2B5EF4-FFF2-40B4-BE49-F238E27FC236}">
+                <a16:creationId xmlns:a16="http://schemas.microsoft.com/office/drawing/2014/main" id="{BBEFE354-62C3-B58F-D005-9B2EBCF366DA}"/>
+              </a:ext>
+            </a:extLst>
+          </p:cNvPr>
+          <p:cNvSpPr>
+            <a:spLocks noGrp="1"/>
+          </p:cNvSpPr>
+          <p:nvPr>
+            <p:ph type="title"/>
+          </p:nvPr>
+        </p:nvSpPr>
+        <p:spPr/>
+        <p:txBody>
+          <a:bodyPr/>
+          <a:lstStyle/>
+          <a:p>
+            <a:r>
+              <a:rPr lang="en-GB" dirty="0"/>
+              <a:t>ANSI SQL</a:t>
+            </a:r>
+          </a:p>
+        </p:txBody>
+      </p:sp>
+      <p:sp>
+        <p:nvSpPr>
+          <p:cNvPr id="3" name="Content Placeholder 2">
+            <a:extLst>
+              <a:ext uri="{FF2B5EF4-FFF2-40B4-BE49-F238E27FC236}">
+                <a16:creationId xmlns:a16="http://schemas.microsoft.com/office/drawing/2014/main" id="{A03AEFFC-9BE1-912C-21E2-B69D5306DDAE}"/>
+              </a:ext>
+            </a:extLst>
+          </p:cNvPr>
+          <p:cNvSpPr>
+            <a:spLocks noGrp="1"/>
+          </p:cNvSpPr>
+          <p:nvPr>
+            <p:ph idx="1"/>
+          </p:nvPr>
+        </p:nvSpPr>
+        <p:spPr/>
+        <p:txBody>
+          <a:bodyPr>
+            <a:noAutofit/>
+          </a:bodyPr>
+          <a:lstStyle/>
+          <a:p>
+            <a:r>
+              <a:rPr lang="ko-KR" altLang="en-US" sz="2000" b="1" i="1" dirty="0"/>
+              <a:t>호환성</a:t>
+            </a:r>
+            <a:r>
+              <a:rPr lang="en-US" altLang="ko-KR" sz="2000" dirty="0"/>
+              <a:t> </a:t>
+            </a:r>
+          </a:p>
+          <a:p>
+            <a:pPr lvl="1"/>
+            <a:r>
+              <a:rPr lang="en-US" altLang="ko-KR" sz="2000" dirty="0"/>
+              <a:t>ANSI SQL</a:t>
+            </a:r>
+            <a:r>
+              <a:rPr lang="ko-KR" altLang="en-US" sz="2000" dirty="0"/>
+              <a:t>은 서로 다른 데이터베이스 시스템 간의 호환성을 높이기 위해 만들어졌습니다</a:t>
+            </a:r>
+            <a:r>
+              <a:rPr lang="en-US" altLang="ko-KR" sz="2000" dirty="0"/>
+              <a:t>. </a:t>
+            </a:r>
+            <a:r>
+              <a:rPr lang="ko-KR" altLang="en-US" sz="2000" dirty="0"/>
+              <a:t>즉</a:t>
+            </a:r>
+            <a:r>
+              <a:rPr lang="en-US" altLang="ko-KR" sz="2000" dirty="0"/>
+              <a:t>, ANSI SQL </a:t>
+            </a:r>
+            <a:r>
+              <a:rPr lang="ko-KR" altLang="en-US" sz="2000" dirty="0"/>
+              <a:t>표준을 따르면</a:t>
+            </a:r>
+            <a:r>
+              <a:rPr lang="en-US" altLang="ko-KR" sz="2000" dirty="0"/>
+              <a:t>, Oracle, MySQL, PostgreSQL </a:t>
+            </a:r>
+            <a:r>
+              <a:rPr lang="ko-KR" altLang="en-US" sz="2000" dirty="0"/>
+              <a:t>등 여러 데이터베이스에서 같은 </a:t>
+            </a:r>
+            <a:r>
+              <a:rPr lang="en-US" altLang="ko-KR" sz="2000" dirty="0"/>
+              <a:t>SQL </a:t>
+            </a:r>
+            <a:r>
+              <a:rPr lang="ko-KR" altLang="en-US" sz="2000" dirty="0"/>
+              <a:t>문을 사용할 수 있어야 합니다</a:t>
+            </a:r>
+            <a:r>
+              <a:rPr lang="en-US" altLang="ko-KR" sz="2000" dirty="0"/>
+              <a:t>.</a:t>
+            </a:r>
+          </a:p>
+          <a:p>
+            <a:r>
+              <a:rPr lang="ko-KR" altLang="en-US" sz="2000" b="1" i="1" dirty="0"/>
+              <a:t>표준화</a:t>
+            </a:r>
+            <a:r>
+              <a:rPr lang="en-US" altLang="ko-KR" sz="2000" dirty="0"/>
+              <a:t> </a:t>
+            </a:r>
+          </a:p>
+          <a:p>
+            <a:pPr lvl="1"/>
+            <a:r>
+              <a:rPr lang="ko-KR" altLang="en-US" sz="2000" dirty="0"/>
+              <a:t>데이터베이스 벤더들이 </a:t>
+            </a:r>
+            <a:r>
+              <a:rPr lang="en-US" altLang="ko-KR" sz="2000" dirty="0"/>
+              <a:t>ANSI SQL </a:t>
+            </a:r>
+            <a:r>
+              <a:rPr lang="ko-KR" altLang="en-US" sz="2000" dirty="0"/>
+              <a:t>표준을 따르도록 권장함으로써</a:t>
+            </a:r>
+            <a:r>
+              <a:rPr lang="en-US" altLang="ko-KR" sz="2000" dirty="0"/>
+              <a:t>, SQL</a:t>
+            </a:r>
+            <a:r>
+              <a:rPr lang="ko-KR" altLang="en-US" sz="2000" dirty="0"/>
+              <a:t>을 사용하는 방식에 일관성을 제공합니다</a:t>
+            </a:r>
+            <a:r>
+              <a:rPr lang="en-US" altLang="ko-KR" sz="2000" dirty="0"/>
+              <a:t>. </a:t>
+            </a:r>
+            <a:r>
+              <a:rPr lang="ko-KR" altLang="en-US" sz="2000" dirty="0"/>
+              <a:t>이를 통해 개발자는 한 데이터베이스에서 다른 데이터베이스로 쉽게 전환할 수 있게 됩니다</a:t>
+            </a:r>
+            <a:r>
+              <a:rPr lang="en-US" altLang="ko-KR" sz="2000" dirty="0"/>
+              <a:t>.</a:t>
+            </a:r>
+          </a:p>
+          <a:p>
+            <a:r>
+              <a:rPr lang="ko-KR" altLang="en-US" sz="2000" b="1" i="1" dirty="0"/>
+              <a:t>확장성</a:t>
+            </a:r>
+            <a:r>
+              <a:rPr lang="en-US" altLang="ko-KR" sz="2000" dirty="0"/>
+              <a:t> </a:t>
+            </a:r>
+          </a:p>
+          <a:p>
+            <a:pPr lvl="1"/>
+            <a:r>
+              <a:rPr lang="ko-KR" altLang="en-US" sz="2000" dirty="0"/>
+              <a:t>대부분의 데이터베이스 시스템은 </a:t>
+            </a:r>
+            <a:r>
+              <a:rPr lang="en-US" altLang="ko-KR" sz="2000" dirty="0"/>
+              <a:t>ANSI SQL </a:t>
+            </a:r>
+            <a:r>
+              <a:rPr lang="ko-KR" altLang="en-US" sz="2000" dirty="0"/>
+              <a:t>표준을 기본으로 지원하지만</a:t>
+            </a:r>
+            <a:r>
+              <a:rPr lang="en-US" altLang="ko-KR" sz="2000" dirty="0"/>
+              <a:t>, </a:t>
+            </a:r>
+            <a:r>
+              <a:rPr lang="ko-KR" altLang="en-US" sz="2000" dirty="0"/>
+              <a:t>각 시스템은 고유한 기능을 추가로 제공하는 확장된 </a:t>
+            </a:r>
+            <a:r>
+              <a:rPr lang="en-US" altLang="ko-KR" sz="2000" dirty="0"/>
+              <a:t>SQL</a:t>
+            </a:r>
+            <a:r>
+              <a:rPr lang="ko-KR" altLang="en-US" sz="2000" dirty="0"/>
+              <a:t>도 가지고 있습니다</a:t>
+            </a:r>
+            <a:r>
+              <a:rPr lang="en-US" altLang="ko-KR" sz="2000" dirty="0"/>
+              <a:t>. </a:t>
+            </a:r>
+            <a:r>
+              <a:rPr lang="ko-KR" altLang="en-US" sz="2000" dirty="0"/>
+              <a:t>예를 들어</a:t>
+            </a:r>
+            <a:r>
+              <a:rPr lang="en-US" altLang="ko-KR" sz="2000" dirty="0"/>
+              <a:t>, Oracle</a:t>
+            </a:r>
+            <a:r>
+              <a:rPr lang="ko-KR" altLang="en-US" sz="2000" dirty="0"/>
+              <a:t>이나 </a:t>
+            </a:r>
+            <a:r>
+              <a:rPr lang="en-US" altLang="ko-KR" sz="2000" dirty="0"/>
+              <a:t>SQL Server</a:t>
+            </a:r>
+            <a:r>
+              <a:rPr lang="ko-KR" altLang="en-US" sz="2000" dirty="0"/>
+              <a:t>에는 </a:t>
+            </a:r>
+            <a:r>
+              <a:rPr lang="en-US" altLang="ko-KR" sz="2000" dirty="0"/>
+              <a:t>ANSI SQL </a:t>
+            </a:r>
+            <a:r>
+              <a:rPr lang="ko-KR" altLang="en-US" sz="2000" dirty="0"/>
+              <a:t>표준 외에도 그들만의 고유한 </a:t>
+            </a:r>
+            <a:r>
+              <a:rPr lang="en-US" altLang="ko-KR" sz="2000" dirty="0"/>
+              <a:t>SQL </a:t>
+            </a:r>
+            <a:r>
+              <a:rPr lang="ko-KR" altLang="en-US" sz="2000" dirty="0"/>
+              <a:t>문법이나 기능이 있습니다</a:t>
+            </a:r>
+            <a:r>
+              <a:rPr lang="en-US" altLang="ko-KR" sz="2000" dirty="0"/>
+              <a:t>. </a:t>
+            </a:r>
+            <a:r>
+              <a:rPr lang="ko-KR" altLang="en-US" sz="2000" dirty="0"/>
+              <a:t>그러나 기본적인 </a:t>
+            </a:r>
+            <a:r>
+              <a:rPr lang="en-US" altLang="ko-KR" sz="2000" dirty="0"/>
+              <a:t>SQL</a:t>
+            </a:r>
+            <a:r>
+              <a:rPr lang="ko-KR" altLang="en-US" sz="2000" dirty="0"/>
+              <a:t>은 </a:t>
+            </a:r>
+            <a:r>
+              <a:rPr lang="en-US" altLang="ko-KR" sz="2000" dirty="0"/>
+              <a:t>ANSI SQL </a:t>
+            </a:r>
+            <a:r>
+              <a:rPr lang="ko-KR" altLang="en-US" sz="2000" dirty="0"/>
+              <a:t>표준을 따르기 때문에 대부분의 쿼리 문법은 일관성을 유지합니다</a:t>
+            </a:r>
+            <a:r>
+              <a:rPr lang="en-US" altLang="ko-KR" sz="2000" dirty="0"/>
+              <a:t>.</a:t>
+            </a:r>
+            <a:endParaRPr lang="en-GB" sz="2000" dirty="0"/>
+          </a:p>
+        </p:txBody>
+      </p:sp>
+    </p:spTree>
+    <p:extLst>
+      <p:ext uri="{BB962C8B-B14F-4D97-AF65-F5344CB8AC3E}">
+        <p14:creationId xmlns:p14="http://schemas.microsoft.com/office/powerpoint/2010/main" val="1581107325"/>
+      </p:ext>
+    </p:extLst>
+  </p:cSld>
+  <p:clrMapOvr>
+    <a:masterClrMapping/>
+  </p:clrMapOvr>
+</p:sld>
+</file>
+
+<file path=ppt/slides/slide15.xml><?xml version="1.0" encoding="utf-8"?>
+<p:sld xmlns:a="http://schemas.openxmlformats.org/drawingml/2006/main" xmlns:r="http://schemas.openxmlformats.org/officeDocument/2006/relationships" xmlns:p="http://schemas.openxmlformats.org/presentationml/2006/main">
+  <p:cSld>
+    <p:spTree>
+      <p:nvGrpSpPr>
+        <p:cNvPr id="1" name=""/>
+        <p:cNvGrpSpPr/>
+        <p:nvPr/>
+      </p:nvGrpSpPr>
+      <p:grpSpPr>
+        <a:xfrm>
+          <a:off x="0" y="0"/>
+          <a:ext cx="0" cy="0"/>
+          <a:chOff x="0" y="0"/>
+          <a:chExt cx="0" cy="0"/>
+        </a:xfrm>
+      </p:grpSpPr>
+      <p:sp>
+        <p:nvSpPr>
+          <p:cNvPr id="2" name="Title 1">
+            <a:extLst>
+              <a:ext uri="{FF2B5EF4-FFF2-40B4-BE49-F238E27FC236}">
+                <a16:creationId xmlns:a16="http://schemas.microsoft.com/office/drawing/2014/main" id="{78F60B7F-BA1F-8BCA-674D-64DE5CC9851F}"/>
+              </a:ext>
+            </a:extLst>
+          </p:cNvPr>
+          <p:cNvSpPr>
+            <a:spLocks noGrp="1"/>
+          </p:cNvSpPr>
+          <p:nvPr>
+            <p:ph type="title"/>
+          </p:nvPr>
+        </p:nvSpPr>
+        <p:spPr/>
+        <p:txBody>
+          <a:bodyPr/>
+          <a:lstStyle/>
+          <a:p>
+            <a:r>
+              <a:rPr lang="ko-KR" altLang="en-US" dirty="0"/>
+              <a:t>관계란</a:t>
+            </a:r>
+            <a:r>
+              <a:rPr lang="en-US" altLang="ko-KR" dirty="0"/>
+              <a:t>?</a:t>
+            </a:r>
+            <a:endParaRPr lang="en-GB" dirty="0"/>
+          </a:p>
+        </p:txBody>
+      </p:sp>
+      <p:sp>
+        <p:nvSpPr>
+          <p:cNvPr id="3" name="Content Placeholder 2">
+            <a:extLst>
+              <a:ext uri="{FF2B5EF4-FFF2-40B4-BE49-F238E27FC236}">
+                <a16:creationId xmlns:a16="http://schemas.microsoft.com/office/drawing/2014/main" id="{569EB47B-EB66-1D58-8C18-BA0742DCE246}"/>
+              </a:ext>
+            </a:extLst>
+          </p:cNvPr>
+          <p:cNvSpPr>
+            <a:spLocks noGrp="1"/>
+          </p:cNvSpPr>
+          <p:nvPr>
+            <p:ph idx="1"/>
+          </p:nvPr>
+        </p:nvSpPr>
+        <p:spPr/>
+        <p:txBody>
+          <a:bodyPr/>
+          <a:lstStyle/>
+          <a:p>
+            <a:r>
+              <a:rPr lang="ko-KR" altLang="en-US" dirty="0"/>
+              <a:t>관계형 데이터베이스의 이름에서 알 수 있듯이</a:t>
+            </a:r>
+            <a:r>
+              <a:rPr lang="en-US" altLang="ko-KR" dirty="0"/>
+              <a:t>, RDBMS</a:t>
+            </a:r>
+            <a:r>
+              <a:rPr lang="ko-KR" altLang="en-US" dirty="0"/>
+              <a:t>에서는</a:t>
+            </a:r>
+            <a:r>
+              <a:rPr lang="en-US" altLang="ko-KR" dirty="0"/>
+              <a:t>, </a:t>
+            </a:r>
+            <a:r>
+              <a:rPr lang="ko-KR" altLang="en-US" dirty="0"/>
+              <a:t>데이터를 저장 및 관리할 때</a:t>
+            </a:r>
+            <a:r>
+              <a:rPr lang="en-US" altLang="ko-KR" dirty="0"/>
+              <a:t>, </a:t>
+            </a:r>
+            <a:r>
+              <a:rPr lang="ko-KR" altLang="en-US" dirty="0"/>
+              <a:t>테이블간의 논리적 연결을 이용함</a:t>
+            </a:r>
+            <a:r>
+              <a:rPr lang="en-US" altLang="ko-KR" dirty="0"/>
+              <a:t>.</a:t>
+            </a:r>
+          </a:p>
+          <a:p>
+            <a:r>
+              <a:rPr lang="ko-KR" altLang="en-US" dirty="0"/>
+              <a:t>이를 정규화라고 표현하며</a:t>
+            </a:r>
+            <a:r>
+              <a:rPr lang="en-US" altLang="ko-KR" dirty="0"/>
+              <a:t>, </a:t>
+            </a:r>
+            <a:r>
+              <a:rPr lang="ko-KR" altLang="en-US" dirty="0"/>
+              <a:t>그 반대는 비정규화라고 한다</a:t>
+            </a:r>
+            <a:r>
+              <a:rPr lang="en-US" altLang="ko-KR" dirty="0"/>
+              <a:t>.</a:t>
+            </a:r>
+          </a:p>
+          <a:p>
+            <a:pPr marL="0" indent="0">
+              <a:buNone/>
+            </a:pPr>
+            <a:endParaRPr lang="en-GB" dirty="0"/>
+          </a:p>
+        </p:txBody>
+      </p:sp>
+    </p:spTree>
+    <p:extLst>
+      <p:ext uri="{BB962C8B-B14F-4D97-AF65-F5344CB8AC3E}">
+        <p14:creationId xmlns:p14="http://schemas.microsoft.com/office/powerpoint/2010/main" val="1463117697"/>
+      </p:ext>
+    </p:extLst>
+  </p:cSld>
+  <p:clrMapOvr>
+    <a:masterClrMapping/>
+  </p:clrMapOvr>
+</p:sld>
+</file>
+
+<file path=ppt/slides/slide16.xml><?xml version="1.0" encoding="utf-8"?>
+<p:sld xmlns:a="http://schemas.openxmlformats.org/drawingml/2006/main" xmlns:r="http://schemas.openxmlformats.org/officeDocument/2006/relationships" xmlns:p="http://schemas.openxmlformats.org/presentationml/2006/main">
+  <p:cSld>
+    <p:spTree>
+      <p:nvGrpSpPr>
+        <p:cNvPr id="1" name=""/>
+        <p:cNvGrpSpPr/>
+        <p:nvPr/>
+      </p:nvGrpSpPr>
+      <p:grpSpPr>
+        <a:xfrm>
+          <a:off x="0" y="0"/>
+          <a:ext cx="0" cy="0"/>
+          <a:chOff x="0" y="0"/>
+          <a:chExt cx="0" cy="0"/>
+        </a:xfrm>
+      </p:grpSpPr>
+      <p:sp>
+        <p:nvSpPr>
+          <p:cNvPr id="2" name="Title 1">
+            <a:extLst>
+              <a:ext uri="{FF2B5EF4-FFF2-40B4-BE49-F238E27FC236}">
                 <a16:creationId xmlns:a16="http://schemas.microsoft.com/office/drawing/2014/main" id="{82FF5186-4E03-9895-0808-0207C4EF752B}"/>
               </a:ext>
             </a:extLst>
@@ -5549,7 +7026,7 @@
 </p:sld>
 </file>
 
-<file path=ppt/slides/slide13.xml><?xml version="1.0" encoding="utf-8"?>
+<file path=ppt/slides/slide17.xml><?xml version="1.0" encoding="utf-8"?>
 <p:sld xmlns:a="http://schemas.openxmlformats.org/drawingml/2006/main" xmlns:r="http://schemas.openxmlformats.org/officeDocument/2006/relationships" xmlns:p="http://schemas.openxmlformats.org/presentationml/2006/main">
   <p:cSld>
     <p:spTree>
@@ -5609,7 +7086,7 @@
 </p:sld>
 </file>
 
-<file path=ppt/slides/slide14.xml><?xml version="1.0" encoding="utf-8"?>
+<file path=ppt/slides/slide18.xml><?xml version="1.0" encoding="utf-8"?>
 <p:sld xmlns:a="http://schemas.openxmlformats.org/drawingml/2006/main" xmlns:r="http://schemas.openxmlformats.org/officeDocument/2006/relationships" xmlns:p="http://schemas.openxmlformats.org/presentationml/2006/main">
   <p:cSld>
     <p:spTree>
@@ -5921,7 +7398,7 @@
 </p:sld>
 </file>
 
-<file path=ppt/slides/slide15.xml><?xml version="1.0" encoding="utf-8"?>
+<file path=ppt/slides/slide19.xml><?xml version="1.0" encoding="utf-8"?>
 <p:sld xmlns:a="http://schemas.openxmlformats.org/drawingml/2006/main" xmlns:r="http://schemas.openxmlformats.org/officeDocument/2006/relationships" xmlns:p="http://schemas.openxmlformats.org/presentationml/2006/main">
   <p:cSld>
     <p:spTree>
@@ -6054,7 +7531,120 @@
 </p:sld>
 </file>
 
-<file path=ppt/slides/slide16.xml><?xml version="1.0" encoding="utf-8"?>
+<file path=ppt/slides/slide2.xml><?xml version="1.0" encoding="utf-8"?>
+<p:sld xmlns:a="http://schemas.openxmlformats.org/drawingml/2006/main" xmlns:r="http://schemas.openxmlformats.org/officeDocument/2006/relationships" xmlns:p="http://schemas.openxmlformats.org/presentationml/2006/main">
+  <p:cSld>
+    <p:spTree>
+      <p:nvGrpSpPr>
+        <p:cNvPr id="1" name=""/>
+        <p:cNvGrpSpPr/>
+        <p:nvPr/>
+      </p:nvGrpSpPr>
+      <p:grpSpPr>
+        <a:xfrm>
+          <a:off x="0" y="0"/>
+          <a:ext cx="0" cy="0"/>
+          <a:chOff x="0" y="0"/>
+          <a:chExt cx="0" cy="0"/>
+        </a:xfrm>
+      </p:grpSpPr>
+      <p:sp>
+        <p:nvSpPr>
+          <p:cNvPr id="2" name="Title 1">
+            <a:extLst>
+              <a:ext uri="{FF2B5EF4-FFF2-40B4-BE49-F238E27FC236}">
+                <a16:creationId xmlns:a16="http://schemas.microsoft.com/office/drawing/2014/main" id="{D2137A1F-D287-1BC4-70F7-D0D572B5C6BD}"/>
+              </a:ext>
+            </a:extLst>
+          </p:cNvPr>
+          <p:cNvSpPr>
+            <a:spLocks noGrp="1"/>
+          </p:cNvSpPr>
+          <p:nvPr>
+            <p:ph type="title"/>
+          </p:nvPr>
+        </p:nvSpPr>
+        <p:spPr/>
+        <p:txBody>
+          <a:bodyPr/>
+          <a:lstStyle/>
+          <a:p>
+            <a:r>
+              <a:rPr lang="en-GB" dirty="0"/>
+              <a:t>CRUD</a:t>
+            </a:r>
+          </a:p>
+        </p:txBody>
+      </p:sp>
+      <p:sp>
+        <p:nvSpPr>
+          <p:cNvPr id="3" name="Content Placeholder 2">
+            <a:extLst>
+              <a:ext uri="{FF2B5EF4-FFF2-40B4-BE49-F238E27FC236}">
+                <a16:creationId xmlns:a16="http://schemas.microsoft.com/office/drawing/2014/main" id="{EF928BB8-8B3B-C93F-E579-50FF76D2709F}"/>
+              </a:ext>
+            </a:extLst>
+          </p:cNvPr>
+          <p:cNvSpPr>
+            <a:spLocks noGrp="1"/>
+          </p:cNvSpPr>
+          <p:nvPr>
+            <p:ph idx="1"/>
+          </p:nvPr>
+        </p:nvSpPr>
+        <p:spPr/>
+        <p:txBody>
+          <a:bodyPr/>
+          <a:lstStyle/>
+          <a:p>
+            <a:r>
+              <a:rPr lang="en-GB" dirty="0"/>
+              <a:t>C : create</a:t>
+            </a:r>
+          </a:p>
+          <a:p>
+            <a:r>
+              <a:rPr lang="en-GB" dirty="0"/>
+              <a:t>R : Read</a:t>
+            </a:r>
+          </a:p>
+          <a:p>
+            <a:r>
+              <a:rPr lang="en-GB" dirty="0"/>
+              <a:t>U : Update</a:t>
+            </a:r>
+          </a:p>
+          <a:p>
+            <a:r>
+              <a:rPr lang="en-GB" dirty="0"/>
+              <a:t>D : delete</a:t>
+            </a:r>
+          </a:p>
+          <a:p>
+            <a:endParaRPr lang="en-GB" dirty="0"/>
+          </a:p>
+          <a:p>
+            <a:r>
+              <a:rPr lang="en-GB" dirty="0"/>
+              <a:t>DBA(Database Administrator)</a:t>
+            </a:r>
+          </a:p>
+        </p:txBody>
+      </p:sp>
+    </p:spTree>
+    <p:extLst>
+      <p:ext uri="{BB962C8B-B14F-4D97-AF65-F5344CB8AC3E}">
+        <p14:creationId xmlns:p14="http://schemas.microsoft.com/office/powerpoint/2010/main" val="3144491425"/>
+      </p:ext>
+    </p:extLst>
+  </p:cSld>
+  <p:clrMapOvr>
+    <a:masterClrMapping/>
+  </p:clrMapOvr>
+</p:sld>
+</file>
+
+<file path=ppt/slides/slide20.xml><?xml version="1.0" encoding="utf-8"?>
 <p:sld xmlns:a="http://schemas.openxmlformats.org/drawingml/2006/main" xmlns:r="http://schemas.openxmlformats.org/officeDocument/2006/relationships" xmlns:p="http://schemas.openxmlformats.org/presentationml/2006/main">
   <p:cSld>
     <p:spTree>
@@ -6211,7 +7801,7 @@
 </p:sld>
 </file>
 
-<file path=ppt/slides/slide17.xml><?xml version="1.0" encoding="utf-8"?>
+<file path=ppt/slides/slide21.xml><?xml version="1.0" encoding="utf-8"?>
 <p:sld xmlns:a="http://schemas.openxmlformats.org/drawingml/2006/main" xmlns:r="http://schemas.openxmlformats.org/officeDocument/2006/relationships" xmlns:p="http://schemas.openxmlformats.org/presentationml/2006/main">
   <p:cSld>
     <p:spTree>
@@ -6314,7 +7904,7 @@
 </p:sld>
 </file>
 
-<file path=ppt/slides/slide18.xml><?xml version="1.0" encoding="utf-8"?>
+<file path=ppt/slides/slide22.xml><?xml version="1.0" encoding="utf-8"?>
 <p:sld xmlns:a="http://schemas.openxmlformats.org/drawingml/2006/main" xmlns:r="http://schemas.openxmlformats.org/officeDocument/2006/relationships" xmlns:p="http://schemas.openxmlformats.org/presentationml/2006/main">
   <p:cSld>
     <p:spTree>
@@ -6401,7 +7991,7 @@
 </p:sld>
 </file>
 
-<file path=ppt/slides/slide19.xml><?xml version="1.0" encoding="utf-8"?>
+<file path=ppt/slides/slide23.xml><?xml version="1.0" encoding="utf-8"?>
 <p:sld xmlns:a="http://schemas.openxmlformats.org/drawingml/2006/main" xmlns:r="http://schemas.openxmlformats.org/officeDocument/2006/relationships" xmlns:p="http://schemas.openxmlformats.org/presentationml/2006/main">
   <p:cSld>
     <p:spTree>
@@ -6489,7 +8079,7 @@
 </p:sld>
 </file>
 
-<file path=ppt/slides/slide2.xml><?xml version="1.0" encoding="utf-8"?>
+<file path=ppt/slides/slide24.xml><?xml version="1.0" encoding="utf-8"?>
 <p:sld xmlns:a="http://schemas.openxmlformats.org/drawingml/2006/main" xmlns:r="http://schemas.openxmlformats.org/officeDocument/2006/relationships" xmlns:p="http://schemas.openxmlformats.org/presentationml/2006/main">
   <p:cSld>
     <p:spTree>
@@ -6511,7 +8101,7 @@
           <p:cNvPr id="2" name="Title 1">
             <a:extLst>
               <a:ext uri="{FF2B5EF4-FFF2-40B4-BE49-F238E27FC236}">
-                <a16:creationId xmlns:a16="http://schemas.microsoft.com/office/drawing/2014/main" id="{D59091C9-6C4C-94BE-F89C-0882EF9E335F}"/>
+                <a16:creationId xmlns:a16="http://schemas.microsoft.com/office/drawing/2014/main" id="{B4D5FC9D-97A6-9EC7-44E4-E7C2C36F6ECD}"/>
               </a:ext>
             </a:extLst>
           </p:cNvPr>
@@ -6528,12 +8118,8 @@
           <a:lstStyle/>
           <a:p>
             <a:r>
-              <a:rPr lang="en-GB" dirty="0"/>
-              <a:t>SQL</a:t>
-            </a:r>
-            <a:r>
-              <a:rPr lang="ko-KR" altLang="en-US" dirty="0"/>
-              <a:t>이란</a:t>
+              <a:rPr lang="ko-KR" altLang="en-US" dirty="0"/>
+              <a:t>권한이란</a:t>
             </a:r>
             <a:r>
               <a:rPr lang="en-US" altLang="ko-KR" dirty="0"/>
@@ -6548,7 +8134,7 @@
           <p:cNvPr id="3" name="Content Placeholder 2">
             <a:extLst>
               <a:ext uri="{FF2B5EF4-FFF2-40B4-BE49-F238E27FC236}">
-                <a16:creationId xmlns:a16="http://schemas.microsoft.com/office/drawing/2014/main" id="{5A0DEB98-ED77-B73B-8A89-7BD52C446A52}"/>
+                <a16:creationId xmlns:a16="http://schemas.microsoft.com/office/drawing/2014/main" id="{06128E20-DD4B-10E0-C7D5-953AD589F983}"/>
               </a:ext>
             </a:extLst>
           </p:cNvPr>
@@ -6566,11 +8152,37 @@
           <a:p>
             <a:r>
               <a:rPr lang="en-GB" dirty="0"/>
-              <a:t>Structured Query Language</a:t>
-            </a:r>
-            <a:r>
-              <a:rPr lang="ko-KR" altLang="en-US" dirty="0"/>
-              <a:t>의 약자로</a:t>
+              <a:t>RDBMS</a:t>
+            </a:r>
+            <a:r>
+              <a:rPr lang="ko-KR" altLang="en-US" dirty="0"/>
+              <a:t>에 </a:t>
+            </a:r>
+            <a:r>
+              <a:rPr lang="en-US" altLang="ko-KR" dirty="0"/>
+              <a:t>DML,DCL,DDL </a:t>
+            </a:r>
+            <a:r>
+              <a:rPr lang="ko-KR" altLang="en-US" dirty="0"/>
+              <a:t>등 무엇인가 처리를 하기 위해선</a:t>
+            </a:r>
+            <a:r>
+              <a:rPr lang="en-US" altLang="ko-KR" dirty="0"/>
+              <a:t>, RDBMS</a:t>
+            </a:r>
+            <a:r>
+              <a:rPr lang="ko-KR" altLang="en-US" dirty="0"/>
+              <a:t>에 접속해야 함</a:t>
+            </a:r>
+            <a:r>
+              <a:rPr lang="en-US" altLang="ko-KR" dirty="0"/>
+              <a:t>.</a:t>
+            </a:r>
+          </a:p>
+          <a:p>
+            <a:r>
+              <a:rPr lang="ko-KR" altLang="en-US" dirty="0"/>
+              <a:t>이때</a:t>
             </a:r>
             <a:r>
               <a:rPr lang="en-US" altLang="ko-KR" dirty="0"/>
@@ -6578,15 +8190,7 @@
             </a:r>
             <a:r>
               <a:rPr lang="ko-KR" altLang="en-US" dirty="0"/>
-              <a:t>주로 </a:t>
-            </a:r>
-            <a:r>
-              <a:rPr lang="en-US" altLang="ko-KR" dirty="0"/>
-              <a:t>RDBMS </a:t>
-            </a:r>
-            <a:r>
-              <a:rPr lang="ko-KR" altLang="en-US" dirty="0"/>
-              <a:t>상의 데이터를 관리하고</a:t>
+              <a:t>접속한 유저가 가지고 있는 권한에 따라서</a:t>
             </a:r>
             <a:r>
               <a:rPr lang="en-US" altLang="ko-KR" dirty="0"/>
@@ -6594,30 +8198,25 @@
             </a:r>
             <a:r>
               <a:rPr lang="ko-KR" altLang="en-US" dirty="0"/>
-              <a:t>사용하기 위하여 사용하는 프로그래밍 언어</a:t>
-            </a:r>
-            <a:endParaRPr lang="en-US" altLang="ko-KR" dirty="0"/>
-          </a:p>
-          <a:p>
+              <a:t>수행할 수 있는 작업에 제한이 있음</a:t>
+            </a:r>
             <a:r>
               <a:rPr lang="en-US" altLang="ko-KR" dirty="0"/>
-              <a:t>SQL </a:t>
-            </a:r>
-            <a:r>
-              <a:rPr lang="ko-KR" altLang="en-US" dirty="0"/>
-              <a:t>종류</a:t>
-            </a:r>
-            <a:endParaRPr lang="en-US" altLang="ko-KR" dirty="0"/>
-          </a:p>
-          <a:p>
-            <a:pPr lvl="1"/>
+              <a:t>.</a:t>
+            </a:r>
+          </a:p>
+          <a:p>
+            <a:r>
+              <a:rPr lang="ko-KR" altLang="en-US" dirty="0"/>
+              <a:t>이렇게 하는 이유는</a:t>
+            </a:r>
             <a:r>
               <a:rPr lang="en-US" altLang="ko-KR" dirty="0"/>
-              <a:t>DML (Data Manipulation Language): </a:t>
-            </a:r>
-            <a:r>
-              <a:rPr lang="ko-KR" altLang="en-US" dirty="0"/>
-              <a:t>데이터 저장</a:t>
+              <a:t>, RDBMS</a:t>
+            </a:r>
+            <a:r>
+              <a:rPr lang="ko-KR" altLang="en-US" dirty="0"/>
+              <a:t>를 관리하기 위함이며</a:t>
             </a:r>
             <a:r>
               <a:rPr lang="en-US" altLang="ko-KR" dirty="0"/>
@@ -6625,7 +8224,67 @@
             </a:r>
             <a:r>
               <a:rPr lang="ko-KR" altLang="en-US" dirty="0"/>
-              <a:t>삭제</a:t>
+              <a:t>적절한 권한 부여를 해주어야 함</a:t>
+            </a:r>
+            <a:r>
+              <a:rPr lang="en-US" altLang="ko-KR" dirty="0"/>
+              <a:t>.</a:t>
+            </a:r>
+          </a:p>
+          <a:p>
+            <a:r>
+              <a:rPr lang="ko-KR" altLang="en-US" b="0" i="0" dirty="0">
+                <a:solidFill>
+                  <a:srgbClr val="1F1F1F"/>
+                </a:solidFill>
+                <a:effectLst/>
+                <a:latin typeface="Google Sans"/>
+              </a:rPr>
+              <a:t>참고</a:t>
+            </a:r>
+            <a:r>
+              <a:rPr lang="en-US" altLang="ko-KR" b="0" i="0" dirty="0">
+                <a:solidFill>
+                  <a:srgbClr val="1F1F1F"/>
+                </a:solidFill>
+                <a:effectLst/>
+                <a:latin typeface="Google Sans"/>
+              </a:rPr>
+              <a:t>: </a:t>
+            </a:r>
+            <a:r>
+              <a:rPr lang="en-GB" altLang="ko-KR" b="0" i="0" dirty="0">
+                <a:solidFill>
+                  <a:srgbClr val="1F1F1F"/>
+                </a:solidFill>
+                <a:effectLst/>
+                <a:latin typeface="Google Sans"/>
+              </a:rPr>
+              <a:t>RBAC(Role Based Access Control)</a:t>
+            </a:r>
+            <a:r>
+              <a:rPr lang="ko-KR" altLang="en-US" b="0" i="0" dirty="0">
+                <a:solidFill>
+                  <a:srgbClr val="1F1F1F"/>
+                </a:solidFill>
+                <a:effectLst/>
+                <a:latin typeface="Google Sans"/>
+              </a:rPr>
+              <a:t> </a:t>
+            </a:r>
+            <a:endParaRPr lang="en-US" altLang="ko-KR" b="0" i="0" dirty="0">
+              <a:solidFill>
+                <a:srgbClr val="1F1F1F"/>
+              </a:solidFill>
+              <a:effectLst/>
+              <a:latin typeface="Google Sans"/>
+            </a:endParaRPr>
+          </a:p>
+          <a:p>
+            <a:pPr lvl="1"/>
+            <a:r>
+              <a:rPr lang="ko-KR" altLang="en-US" dirty="0"/>
+              <a:t>사용자 개개인에게 권한을 부여하는 것은 쉬운 작업이 아니기 때문에</a:t>
             </a:r>
             <a:r>
               <a:rPr lang="en-US" altLang="ko-KR" dirty="0"/>
@@ -6633,7 +8292,7 @@
             </a:r>
             <a:r>
               <a:rPr lang="ko-KR" altLang="en-US" dirty="0"/>
-              <a:t>변경</a:t>
+              <a:t>역할을 생성하고</a:t>
             </a:r>
             <a:r>
               <a:rPr lang="en-US" altLang="ko-KR" dirty="0"/>
@@ -6641,55 +8300,16 @@
             </a:r>
             <a:r>
               <a:rPr lang="ko-KR" altLang="en-US" dirty="0"/>
-              <a:t>검색 등</a:t>
-            </a:r>
-            <a:endParaRPr lang="en-US" altLang="ko-KR" dirty="0"/>
-          </a:p>
-          <a:p>
-            <a:pPr lvl="1"/>
+              <a:t>역할에 대한 권한을 부여한 후</a:t>
+            </a:r>
             <a:r>
               <a:rPr lang="en-US" altLang="ko-KR" dirty="0"/>
-              <a:t>DDL (Data Definition Language): </a:t>
-            </a:r>
-            <a:r>
-              <a:rPr lang="ko-KR" altLang="en-US" sz="2000" dirty="0"/>
-              <a:t>테이블 정의</a:t>
-            </a:r>
-            <a:r>
-              <a:rPr lang="en-US" altLang="ko-KR" sz="2000" dirty="0"/>
               <a:t>, </a:t>
             </a:r>
             <a:r>
-              <a:rPr lang="ko-KR" altLang="en-US" sz="2000" dirty="0"/>
-              <a:t>테이블 수정</a:t>
-            </a:r>
-            <a:r>
-              <a:rPr lang="en-US" altLang="ko-KR" sz="2000" dirty="0"/>
-              <a:t>, Database </a:t>
-            </a:r>
-            <a:r>
-              <a:rPr lang="ko-KR" altLang="en-US" sz="2000" dirty="0"/>
-              <a:t>생성 등</a:t>
-            </a:r>
-            <a:endParaRPr lang="en-US" altLang="ko-KR" dirty="0"/>
-          </a:p>
-          <a:p>
-            <a:pPr lvl="1"/>
-            <a:r>
-              <a:rPr lang="en-US" altLang="ko-KR" dirty="0"/>
-              <a:t>DCL (Data Control Language): </a:t>
-            </a:r>
-            <a:r>
-              <a:rPr lang="ko-KR" altLang="en-US" dirty="0"/>
-              <a:t>유저 권한 설정 등</a:t>
-            </a:r>
-            <a:endParaRPr lang="en-US" altLang="ko-KR" dirty="0"/>
-          </a:p>
-          <a:p>
-            <a:pPr lvl="1"/>
-            <a:endParaRPr lang="en-US" altLang="ko-KR" dirty="0"/>
-          </a:p>
-          <a:p>
+              <a:rPr lang="ko-KR" altLang="en-US" dirty="0"/>
+              <a:t>이를 사용자 계정에 부여하는 방법</a:t>
+            </a:r>
             <a:endParaRPr lang="en-GB" dirty="0"/>
           </a:p>
         </p:txBody>
@@ -6697,7 +8317,7 @@
     </p:spTree>
     <p:extLst>
       <p:ext uri="{BB962C8B-B14F-4D97-AF65-F5344CB8AC3E}">
-        <p14:creationId xmlns:p14="http://schemas.microsoft.com/office/powerpoint/2010/main" val="392119684"/>
+        <p14:creationId xmlns:p14="http://schemas.microsoft.com/office/powerpoint/2010/main" val="3677172311"/>
       </p:ext>
     </p:extLst>
   </p:cSld>
@@ -6707,7 +8327,7 @@
 </p:sld>
 </file>
 
-<file path=ppt/slides/slide20.xml><?xml version="1.0" encoding="utf-8"?>
+<file path=ppt/slides/slide3.xml><?xml version="1.0" encoding="utf-8"?>
 <p:sld xmlns:a="http://schemas.openxmlformats.org/drawingml/2006/main" xmlns:r="http://schemas.openxmlformats.org/officeDocument/2006/relationships" xmlns:p="http://schemas.openxmlformats.org/presentationml/2006/main">
   <p:cSld>
     <p:spTree>
@@ -6729,7 +8349,7 @@
           <p:cNvPr id="2" name="Title 1">
             <a:extLst>
               <a:ext uri="{FF2B5EF4-FFF2-40B4-BE49-F238E27FC236}">
-                <a16:creationId xmlns:a16="http://schemas.microsoft.com/office/drawing/2014/main" id="{B4D5FC9D-97A6-9EC7-44E4-E7C2C36F6ECD}"/>
+                <a16:creationId xmlns:a16="http://schemas.microsoft.com/office/drawing/2014/main" id="{D59091C9-6C4C-94BE-F89C-0882EF9E335F}"/>
               </a:ext>
             </a:extLst>
           </p:cNvPr>
@@ -6746,8 +8366,12 @@
           <a:lstStyle/>
           <a:p>
             <a:r>
-              <a:rPr lang="ko-KR" altLang="en-US" dirty="0"/>
-              <a:t>권한이란</a:t>
+              <a:rPr lang="en-GB" dirty="0"/>
+              <a:t>SQL</a:t>
+            </a:r>
+            <a:r>
+              <a:rPr lang="ko-KR" altLang="en-US" dirty="0"/>
+              <a:t>이란</a:t>
             </a:r>
             <a:r>
               <a:rPr lang="en-US" altLang="ko-KR" dirty="0"/>
@@ -6762,7 +8386,7 @@
           <p:cNvPr id="3" name="Content Placeholder 2">
             <a:extLst>
               <a:ext uri="{FF2B5EF4-FFF2-40B4-BE49-F238E27FC236}">
-                <a16:creationId xmlns:a16="http://schemas.microsoft.com/office/drawing/2014/main" id="{06128E20-DD4B-10E0-C7D5-953AD589F983}"/>
+                <a16:creationId xmlns:a16="http://schemas.microsoft.com/office/drawing/2014/main" id="{5A0DEB98-ED77-B73B-8A89-7BD52C446A52}"/>
               </a:ext>
             </a:extLst>
           </p:cNvPr>
@@ -6780,37 +8404,11 @@
           <a:p>
             <a:r>
               <a:rPr lang="en-GB" dirty="0"/>
-              <a:t>RDBMS</a:t>
-            </a:r>
-            <a:r>
-              <a:rPr lang="ko-KR" altLang="en-US" dirty="0"/>
-              <a:t>에 </a:t>
-            </a:r>
-            <a:r>
-              <a:rPr lang="en-US" altLang="ko-KR" dirty="0"/>
-              <a:t>DML,DCL,DDL </a:t>
-            </a:r>
-            <a:r>
-              <a:rPr lang="ko-KR" altLang="en-US" dirty="0"/>
-              <a:t>등 무엇인가 처리를 하기 위해선</a:t>
-            </a:r>
-            <a:r>
-              <a:rPr lang="en-US" altLang="ko-KR" dirty="0"/>
-              <a:t>, RDBMS</a:t>
-            </a:r>
-            <a:r>
-              <a:rPr lang="ko-KR" altLang="en-US" dirty="0"/>
-              <a:t>에 접속해야 함</a:t>
-            </a:r>
-            <a:r>
-              <a:rPr lang="en-US" altLang="ko-KR" dirty="0"/>
-              <a:t>.</a:t>
-            </a:r>
-          </a:p>
-          <a:p>
-            <a:r>
-              <a:rPr lang="ko-KR" altLang="en-US" dirty="0"/>
-              <a:t>이때</a:t>
+              <a:t>Structured Query Language</a:t>
+            </a:r>
+            <a:r>
+              <a:rPr lang="ko-KR" altLang="en-US" dirty="0"/>
+              <a:t>의 약자로</a:t>
             </a:r>
             <a:r>
               <a:rPr lang="en-US" altLang="ko-KR" dirty="0"/>
@@ -6818,7 +8416,15 @@
             </a:r>
             <a:r>
               <a:rPr lang="ko-KR" altLang="en-US" dirty="0"/>
-              <a:t>접속한 유저가 가지고 있는 권한에 따라서</a:t>
+              <a:t>주로 </a:t>
+            </a:r>
+            <a:r>
+              <a:rPr lang="en-US" altLang="ko-KR" dirty="0"/>
+              <a:t>RDBMS </a:t>
+            </a:r>
+            <a:r>
+              <a:rPr lang="ko-KR" altLang="en-US" dirty="0"/>
+              <a:t>상의 데이터를 관리하고</a:t>
             </a:r>
             <a:r>
               <a:rPr lang="en-US" altLang="ko-KR" dirty="0"/>
@@ -6826,25 +8432,30 @@
             </a:r>
             <a:r>
               <a:rPr lang="ko-KR" altLang="en-US" dirty="0"/>
-              <a:t>수행할 수 있는 작업에 제한이 있음</a:t>
-            </a:r>
+              <a:t>사용하기 위하여 사용하는 프로그래밍 언어</a:t>
+            </a:r>
+            <a:endParaRPr lang="en-US" altLang="ko-KR" dirty="0"/>
+          </a:p>
+          <a:p>
             <a:r>
               <a:rPr lang="en-US" altLang="ko-KR" dirty="0"/>
-              <a:t>.</a:t>
-            </a:r>
-          </a:p>
-          <a:p>
-            <a:r>
-              <a:rPr lang="ko-KR" altLang="en-US" dirty="0"/>
-              <a:t>이렇게 하는 이유는</a:t>
-            </a:r>
+              <a:t>SQL </a:t>
+            </a:r>
+            <a:r>
+              <a:rPr lang="ko-KR" altLang="en-US" dirty="0"/>
+              <a:t>종류</a:t>
+            </a:r>
+            <a:endParaRPr lang="en-US" altLang="ko-KR" dirty="0"/>
+          </a:p>
+          <a:p>
+            <a:pPr lvl="1"/>
             <a:r>
               <a:rPr lang="en-US" altLang="ko-KR" dirty="0"/>
-              <a:t>, RDBMS</a:t>
-            </a:r>
-            <a:r>
-              <a:rPr lang="ko-KR" altLang="en-US" dirty="0"/>
-              <a:t>를 관리하기 위함이며</a:t>
+              <a:t>DML (Data Manipulation Language): </a:t>
+            </a:r>
+            <a:r>
+              <a:rPr lang="ko-KR" altLang="en-US" dirty="0"/>
+              <a:t>데이터 저장</a:t>
             </a:r>
             <a:r>
               <a:rPr lang="en-US" altLang="ko-KR" dirty="0"/>
@@ -6852,67 +8463,7 @@
             </a:r>
             <a:r>
               <a:rPr lang="ko-KR" altLang="en-US" dirty="0"/>
-              <a:t>적절한 권한 부여를 해주어야 함</a:t>
-            </a:r>
-            <a:r>
-              <a:rPr lang="en-US" altLang="ko-KR" dirty="0"/>
-              <a:t>.</a:t>
-            </a:r>
-          </a:p>
-          <a:p>
-            <a:r>
-              <a:rPr lang="ko-KR" altLang="en-US" b="0" i="0" dirty="0">
-                <a:solidFill>
-                  <a:srgbClr val="1F1F1F"/>
-                </a:solidFill>
-                <a:effectLst/>
-                <a:latin typeface="Google Sans"/>
-              </a:rPr>
-              <a:t>참고</a:t>
-            </a:r>
-            <a:r>
-              <a:rPr lang="en-US" altLang="ko-KR" b="0" i="0" dirty="0">
-                <a:solidFill>
-                  <a:srgbClr val="1F1F1F"/>
-                </a:solidFill>
-                <a:effectLst/>
-                <a:latin typeface="Google Sans"/>
-              </a:rPr>
-              <a:t>: </a:t>
-            </a:r>
-            <a:r>
-              <a:rPr lang="en-GB" altLang="ko-KR" b="0" i="0" dirty="0">
-                <a:solidFill>
-                  <a:srgbClr val="1F1F1F"/>
-                </a:solidFill>
-                <a:effectLst/>
-                <a:latin typeface="Google Sans"/>
-              </a:rPr>
-              <a:t>RBAC(Role Based Access Control)</a:t>
-            </a:r>
-            <a:r>
-              <a:rPr lang="ko-KR" altLang="en-US" b="0" i="0" dirty="0">
-                <a:solidFill>
-                  <a:srgbClr val="1F1F1F"/>
-                </a:solidFill>
-                <a:effectLst/>
-                <a:latin typeface="Google Sans"/>
-              </a:rPr>
-              <a:t> </a:t>
-            </a:r>
-            <a:endParaRPr lang="en-US" altLang="ko-KR" b="0" i="0" dirty="0">
-              <a:solidFill>
-                <a:srgbClr val="1F1F1F"/>
-              </a:solidFill>
-              <a:effectLst/>
-              <a:latin typeface="Google Sans"/>
-            </a:endParaRPr>
-          </a:p>
-          <a:p>
-            <a:pPr lvl="1"/>
-            <a:r>
-              <a:rPr lang="ko-KR" altLang="en-US" dirty="0"/>
-              <a:t>사용자 개개인에게 권한을 부여하는 것은 쉬운 작업이 아니기 때문에</a:t>
+              <a:t>삭제</a:t>
             </a:r>
             <a:r>
               <a:rPr lang="en-US" altLang="ko-KR" dirty="0"/>
@@ -6920,7 +8471,7 @@
             </a:r>
             <a:r>
               <a:rPr lang="ko-KR" altLang="en-US" dirty="0"/>
-              <a:t>역할을 생성하고</a:t>
+              <a:t>변경</a:t>
             </a:r>
             <a:r>
               <a:rPr lang="en-US" altLang="ko-KR" dirty="0"/>
@@ -6928,16 +8479,61 @@
             </a:r>
             <a:r>
               <a:rPr lang="ko-KR" altLang="en-US" dirty="0"/>
-              <a:t>역할에 대한 권한을 부여한 후</a:t>
-            </a:r>
+              <a:t>검색 등</a:t>
+            </a:r>
+            <a:endParaRPr lang="en-US" altLang="ko-KR" dirty="0"/>
+          </a:p>
+          <a:p>
+            <a:pPr lvl="1"/>
             <a:r>
               <a:rPr lang="en-US" altLang="ko-KR" dirty="0"/>
+              <a:t>DDL (Data Definition Language): </a:t>
+            </a:r>
+            <a:r>
+              <a:rPr lang="ko-KR" altLang="en-US" sz="2000" dirty="0"/>
+              <a:t>테이블 정의</a:t>
+            </a:r>
+            <a:r>
+              <a:rPr lang="en-US" altLang="ko-KR" sz="2000" dirty="0"/>
               <a:t>, </a:t>
             </a:r>
             <a:r>
-              <a:rPr lang="ko-KR" altLang="en-US" dirty="0"/>
-              <a:t>이를 사용자 계정에 부여하는 방법</a:t>
-            </a:r>
+              <a:rPr lang="ko-KR" altLang="en-US" sz="2000" dirty="0"/>
+              <a:t>테이블 수정</a:t>
+            </a:r>
+            <a:r>
+              <a:rPr lang="en-US" altLang="ko-KR" sz="2000" dirty="0"/>
+              <a:t>, Database </a:t>
+            </a:r>
+            <a:r>
+              <a:rPr lang="ko-KR" altLang="en-US" sz="2000" dirty="0"/>
+              <a:t>생성 등</a:t>
+            </a:r>
+            <a:endParaRPr lang="en-US" altLang="ko-KR" dirty="0"/>
+          </a:p>
+          <a:p>
+            <a:pPr lvl="1"/>
+            <a:r>
+              <a:rPr lang="en-US" altLang="ko-KR" dirty="0"/>
+              <a:t>DCL (Data Control Language): </a:t>
+            </a:r>
+            <a:r>
+              <a:rPr lang="ko-KR" altLang="en-US" dirty="0"/>
+              <a:t>유저 권한 설정 등</a:t>
+            </a:r>
+            <a:endParaRPr lang="en-US" altLang="ko-KR" dirty="0"/>
+          </a:p>
+          <a:p>
+            <a:pPr marL="457200" lvl="1" indent="0">
+              <a:buNone/>
+            </a:pPr>
+            <a:endParaRPr lang="en-US" altLang="ko-KR" dirty="0"/>
+          </a:p>
+          <a:p>
+            <a:pPr lvl="1"/>
+            <a:endParaRPr lang="en-US" altLang="ko-KR" dirty="0"/>
+          </a:p>
+          <a:p>
             <a:endParaRPr lang="en-GB" dirty="0"/>
           </a:p>
         </p:txBody>
@@ -6945,7 +8541,7 @@
     </p:spTree>
     <p:extLst>
       <p:ext uri="{BB962C8B-B14F-4D97-AF65-F5344CB8AC3E}">
-        <p14:creationId xmlns:p14="http://schemas.microsoft.com/office/powerpoint/2010/main" val="3677172311"/>
+        <p14:creationId xmlns:p14="http://schemas.microsoft.com/office/powerpoint/2010/main" val="392119684"/>
       </p:ext>
     </p:extLst>
   </p:cSld>
@@ -6955,7 +8551,7 @@
 </p:sld>
 </file>
 
-<file path=ppt/slides/slide3.xml><?xml version="1.0" encoding="utf-8"?>
+<file path=ppt/slides/slide4.xml><?xml version="1.0" encoding="utf-8"?>
 <p:sld xmlns:a="http://schemas.openxmlformats.org/drawingml/2006/main" xmlns:r="http://schemas.openxmlformats.org/officeDocument/2006/relationships" xmlns:p="http://schemas.openxmlformats.org/presentationml/2006/main">
   <p:cSld>
     <p:bg>
@@ -7007,7 +8603,7 @@
         </p:blipFill>
         <p:spPr bwMode="auto">
           <a:xfrm>
-            <a:off x="381599" y="2440687"/>
+            <a:off x="303586" y="2251735"/>
             <a:ext cx="1781029" cy="1781030"/>
           </a:xfrm>
           <a:custGeom>
@@ -7495,453 +9091,127 @@
           </a:p>
         </p:txBody>
       </p:sp>
+      <p:sp>
+        <p:nvSpPr>
+          <p:cNvPr id="4" name="TextBox 3">
+            <a:extLst>
+              <a:ext uri="{FF2B5EF4-FFF2-40B4-BE49-F238E27FC236}">
+                <a16:creationId xmlns:a16="http://schemas.microsoft.com/office/drawing/2014/main" id="{A6408070-E9C6-5B01-6360-9BDC30B92CA9}"/>
+              </a:ext>
+            </a:extLst>
+          </p:cNvPr>
+          <p:cNvSpPr txBox="1"/>
+          <p:nvPr/>
+        </p:nvSpPr>
+        <p:spPr>
+          <a:xfrm>
+            <a:off x="7108371" y="2752840"/>
+            <a:ext cx="1012371" cy="369332"/>
+          </a:xfrm>
+          <a:prstGeom prst="rect">
+            <a:avLst/>
+          </a:prstGeom>
+          <a:noFill/>
+        </p:spPr>
+        <p:txBody>
+          <a:bodyPr wrap="square" rtlCol="0">
+            <a:spAutoFit/>
+          </a:bodyPr>
+          <a:lstStyle/>
+          <a:p>
+            <a:r>
+              <a:rPr lang="en-GB" dirty="0"/>
+              <a:t>Query</a:t>
+            </a:r>
+          </a:p>
+        </p:txBody>
+      </p:sp>
+      <p:cxnSp>
+        <p:nvCxnSpPr>
+          <p:cNvPr id="5" name="Straight Arrow Connector 4">
+            <a:extLst>
+              <a:ext uri="{FF2B5EF4-FFF2-40B4-BE49-F238E27FC236}">
+                <a16:creationId xmlns:a16="http://schemas.microsoft.com/office/drawing/2014/main" id="{462D9E21-C987-904A-31EC-6E92D7FEDEC0}"/>
+              </a:ext>
+            </a:extLst>
+          </p:cNvPr>
+          <p:cNvCxnSpPr>
+            <a:cxnSpLocks/>
+          </p:cNvCxnSpPr>
+          <p:nvPr/>
+        </p:nvCxnSpPr>
+        <p:spPr>
+          <a:xfrm flipH="1">
+            <a:off x="6096000" y="3534508"/>
+            <a:ext cx="2656114" cy="0"/>
+          </a:xfrm>
+          <a:prstGeom prst="straightConnector1">
+            <a:avLst/>
+          </a:prstGeom>
+          <a:ln>
+            <a:tailEnd type="triangle"/>
+          </a:ln>
+        </p:spPr>
+        <p:style>
+          <a:lnRef idx="2">
+            <a:schemeClr val="accent1"/>
+          </a:lnRef>
+          <a:fillRef idx="0">
+            <a:schemeClr val="accent1"/>
+          </a:fillRef>
+          <a:effectRef idx="1">
+            <a:schemeClr val="accent1"/>
+          </a:effectRef>
+          <a:fontRef idx="minor">
+            <a:schemeClr val="tx1"/>
+          </a:fontRef>
+        </p:style>
+      </p:cxnSp>
+      <p:cxnSp>
+        <p:nvCxnSpPr>
+          <p:cNvPr id="8" name="Straight Arrow Connector 7">
+            <a:extLst>
+              <a:ext uri="{FF2B5EF4-FFF2-40B4-BE49-F238E27FC236}">
+                <a16:creationId xmlns:a16="http://schemas.microsoft.com/office/drawing/2014/main" id="{91EE6C51-3660-EBB4-CA96-848F050B3809}"/>
+              </a:ext>
+            </a:extLst>
+          </p:cNvPr>
+          <p:cNvCxnSpPr>
+            <a:cxnSpLocks/>
+          </p:cNvCxnSpPr>
+          <p:nvPr/>
+        </p:nvCxnSpPr>
+        <p:spPr>
+          <a:xfrm flipH="1">
+            <a:off x="2162628" y="3540370"/>
+            <a:ext cx="1143908" cy="0"/>
+          </a:xfrm>
+          <a:prstGeom prst="straightConnector1">
+            <a:avLst/>
+          </a:prstGeom>
+          <a:ln>
+            <a:tailEnd type="triangle"/>
+          </a:ln>
+        </p:spPr>
+        <p:style>
+          <a:lnRef idx="2">
+            <a:schemeClr val="accent1"/>
+          </a:lnRef>
+          <a:fillRef idx="0">
+            <a:schemeClr val="accent1"/>
+          </a:fillRef>
+          <a:effectRef idx="1">
+            <a:schemeClr val="accent1"/>
+          </a:effectRef>
+          <a:fontRef idx="minor">
+            <a:schemeClr val="tx1"/>
+          </a:fontRef>
+        </p:style>
+      </p:cxnSp>
     </p:spTree>
     <p:extLst>
       <p:ext uri="{BB962C8B-B14F-4D97-AF65-F5344CB8AC3E}">
         <p14:creationId xmlns:p14="http://schemas.microsoft.com/office/powerpoint/2010/main" val="665920197"/>
-      </p:ext>
-    </p:extLst>
-  </p:cSld>
-  <p:clrMapOvr>
-    <a:masterClrMapping/>
-  </p:clrMapOvr>
-</p:sld>
-</file>
-
-<file path=ppt/slides/slide4.xml><?xml version="1.0" encoding="utf-8"?>
-<p:sld xmlns:a="http://schemas.openxmlformats.org/drawingml/2006/main" xmlns:r="http://schemas.openxmlformats.org/officeDocument/2006/relationships" xmlns:p="http://schemas.openxmlformats.org/presentationml/2006/main">
-  <p:cSld>
-    <p:spTree>
-      <p:nvGrpSpPr>
-        <p:cNvPr id="1" name=""/>
-        <p:cNvGrpSpPr/>
-        <p:nvPr/>
-      </p:nvGrpSpPr>
-      <p:grpSpPr>
-        <a:xfrm>
-          <a:off x="0" y="0"/>
-          <a:ext cx="0" cy="0"/>
-          <a:chOff x="0" y="0"/>
-          <a:chExt cx="0" cy="0"/>
-        </a:xfrm>
-      </p:grpSpPr>
-      <p:sp>
-        <p:nvSpPr>
-          <p:cNvPr id="2" name="Title 1">
-            <a:extLst>
-              <a:ext uri="{FF2B5EF4-FFF2-40B4-BE49-F238E27FC236}">
-                <a16:creationId xmlns:a16="http://schemas.microsoft.com/office/drawing/2014/main" id="{46F87F05-666F-3260-CC2C-C177B891B590}"/>
-              </a:ext>
-            </a:extLst>
-          </p:cNvPr>
-          <p:cNvSpPr>
-            <a:spLocks noGrp="1"/>
-          </p:cNvSpPr>
-          <p:nvPr>
-            <p:ph type="title"/>
-          </p:nvPr>
-        </p:nvSpPr>
-        <p:spPr/>
-        <p:txBody>
-          <a:bodyPr/>
-          <a:lstStyle/>
-          <a:p>
-            <a:r>
-              <a:rPr lang="en-GB" dirty="0"/>
-              <a:t>RDBMS</a:t>
-            </a:r>
-            <a:r>
-              <a:rPr lang="ko-KR" altLang="en-US" dirty="0"/>
-              <a:t>란</a:t>
-            </a:r>
-            <a:r>
-              <a:rPr lang="en-US" altLang="ko-KR" dirty="0"/>
-              <a:t>?</a:t>
-            </a:r>
-            <a:endParaRPr lang="en-GB" dirty="0"/>
-          </a:p>
-        </p:txBody>
-      </p:sp>
-      <p:sp>
-        <p:nvSpPr>
-          <p:cNvPr id="3" name="Content Placeholder 2">
-            <a:extLst>
-              <a:ext uri="{FF2B5EF4-FFF2-40B4-BE49-F238E27FC236}">
-                <a16:creationId xmlns:a16="http://schemas.microsoft.com/office/drawing/2014/main" id="{DF79CE6C-4B61-B5F7-B83D-19894709AAA9}"/>
-              </a:ext>
-            </a:extLst>
-          </p:cNvPr>
-          <p:cNvSpPr>
-            <a:spLocks noGrp="1"/>
-          </p:cNvSpPr>
-          <p:nvPr>
-            <p:ph idx="1"/>
-          </p:nvPr>
-        </p:nvSpPr>
-        <p:spPr/>
-        <p:txBody>
-          <a:bodyPr>
-            <a:normAutofit fontScale="92500" lnSpcReduction="10000"/>
-          </a:bodyPr>
-          <a:lstStyle/>
-          <a:p>
-            <a:r>
-              <a:rPr lang="ko-KR" altLang="en-US" sz="2000" dirty="0"/>
-              <a:t>데이터를 체계적으로 저장하고 관리할 수 있는 시스템으로</a:t>
-            </a:r>
-            <a:r>
-              <a:rPr lang="en-US" altLang="ko-KR" sz="2000" dirty="0"/>
-              <a:t> </a:t>
-            </a:r>
-            <a:r>
-              <a:rPr lang="ko-KR" altLang="en-US" sz="2000" dirty="0"/>
-              <a:t>데이터를 테이블</a:t>
-            </a:r>
-            <a:r>
-              <a:rPr lang="en-US" altLang="ko-KR" sz="2000" dirty="0"/>
-              <a:t> </a:t>
-            </a:r>
-            <a:r>
-              <a:rPr lang="ko-KR" altLang="en-US" sz="2000" dirty="0"/>
-              <a:t>형태로 저장</a:t>
-            </a:r>
-            <a:r>
-              <a:rPr lang="en-US" altLang="ko-KR" sz="2000" dirty="0"/>
-              <a:t>, </a:t>
-            </a:r>
-            <a:r>
-              <a:rPr lang="ko-KR" altLang="en-US" sz="2000" dirty="0"/>
-              <a:t>관리한다</a:t>
-            </a:r>
-            <a:r>
-              <a:rPr lang="en-US" altLang="ko-KR" sz="2000" dirty="0"/>
-              <a:t>.</a:t>
-            </a:r>
-          </a:p>
-          <a:p>
-            <a:r>
-              <a:rPr lang="ko-KR" altLang="en-US" sz="2000" dirty="0"/>
-              <a:t>구성요소</a:t>
-            </a:r>
-            <a:endParaRPr lang="en-US" altLang="ko-KR" sz="2000" dirty="0"/>
-          </a:p>
-          <a:p>
-            <a:pPr lvl="1"/>
-            <a:r>
-              <a:rPr lang="ko-KR" altLang="en-US" sz="1600" b="1" dirty="0"/>
-              <a:t>데이터베이스</a:t>
-            </a:r>
-            <a:endParaRPr lang="en-US" altLang="ko-KR" sz="1600" b="1" dirty="0"/>
-          </a:p>
-          <a:p>
-            <a:pPr lvl="2"/>
-            <a:r>
-              <a:rPr lang="ko-KR" altLang="en-US" sz="1200" b="1" dirty="0"/>
-              <a:t>논리적으로 동일한 테이블의 집합</a:t>
-            </a:r>
-            <a:endParaRPr lang="en-US" altLang="ko-KR" sz="1200" b="1" dirty="0"/>
-          </a:p>
-          <a:p>
-            <a:pPr lvl="1"/>
-            <a:r>
-              <a:rPr lang="ko-KR" altLang="en-US" sz="1600" b="1" dirty="0"/>
-              <a:t>스키마</a:t>
-            </a:r>
-            <a:endParaRPr lang="en-US" altLang="ko-KR" sz="1600" b="1" dirty="0"/>
-          </a:p>
-          <a:p>
-            <a:pPr lvl="2"/>
-            <a:r>
-              <a:rPr lang="ko-KR" altLang="en-US" sz="1200" dirty="0"/>
-              <a:t>테이블의 논리적 구조를 정의하며</a:t>
-            </a:r>
-            <a:r>
-              <a:rPr lang="en-US" altLang="ko-KR" sz="1200" dirty="0"/>
-              <a:t>, </a:t>
-            </a:r>
-            <a:r>
-              <a:rPr lang="ko-KR" altLang="en-US" sz="1200" dirty="0"/>
-              <a:t>테이블의 이름 및 속성</a:t>
-            </a:r>
-            <a:r>
-              <a:rPr lang="en-US" altLang="ko-KR" sz="1200" dirty="0"/>
-              <a:t>, </a:t>
-            </a:r>
-            <a:r>
-              <a:rPr lang="ko-KR" altLang="en-US" sz="1200" dirty="0"/>
-              <a:t>설정 정보 등을 나타낸다</a:t>
-            </a:r>
-            <a:r>
-              <a:rPr lang="en-US" altLang="ko-KR" sz="1200" dirty="0"/>
-              <a:t>.</a:t>
-            </a:r>
-          </a:p>
-          <a:p>
-            <a:pPr lvl="1"/>
-            <a:r>
-              <a:rPr lang="ko-KR" altLang="en-US" sz="1600" b="1" dirty="0"/>
-              <a:t>테이블</a:t>
-            </a:r>
-            <a:r>
-              <a:rPr lang="en-US" altLang="ko-KR" sz="1600" b="1" dirty="0"/>
-              <a:t> </a:t>
-            </a:r>
-          </a:p>
-          <a:p>
-            <a:pPr lvl="2"/>
-            <a:r>
-              <a:rPr lang="ko-KR" altLang="en-US" sz="1200" dirty="0"/>
-              <a:t>행</a:t>
-            </a:r>
-            <a:r>
-              <a:rPr lang="en-US" altLang="ko-KR" sz="1200" dirty="0"/>
-              <a:t>(row)</a:t>
-            </a:r>
-            <a:r>
-              <a:rPr lang="ko-KR" altLang="en-US" sz="1200" dirty="0"/>
-              <a:t>과 열</a:t>
-            </a:r>
-            <a:r>
-              <a:rPr lang="en-US" altLang="ko-KR" sz="1200" dirty="0"/>
-              <a:t>(column)</a:t>
-            </a:r>
-            <a:r>
-              <a:rPr lang="ko-KR" altLang="en-US" sz="1200" dirty="0"/>
-              <a:t>로 데이터를 관리한다</a:t>
-            </a:r>
-            <a:r>
-              <a:rPr lang="en-US" altLang="ko-KR" sz="1200" dirty="0"/>
-              <a:t>. </a:t>
-            </a:r>
-            <a:r>
-              <a:rPr lang="ko-KR" altLang="en-US" sz="1200" dirty="0"/>
-              <a:t>이때</a:t>
-            </a:r>
-            <a:r>
-              <a:rPr lang="en-US" altLang="ko-KR" sz="1200" dirty="0"/>
-              <a:t>, </a:t>
-            </a:r>
-            <a:r>
-              <a:rPr lang="ko-KR" altLang="en-US" sz="1200" dirty="0"/>
-              <a:t>행은 개별 데이터 항목</a:t>
-            </a:r>
-            <a:r>
-              <a:rPr lang="en-US" altLang="ko-KR" sz="1200" dirty="0"/>
-              <a:t>(</a:t>
-            </a:r>
-            <a:r>
-              <a:rPr lang="ko-KR" altLang="en-US" sz="1200" dirty="0"/>
-              <a:t>예</a:t>
-            </a:r>
-            <a:r>
-              <a:rPr lang="en-US" altLang="ko-KR" sz="1200" dirty="0"/>
-              <a:t>: </a:t>
-            </a:r>
-            <a:r>
-              <a:rPr lang="ko-KR" altLang="en-US" sz="1200" dirty="0"/>
-              <a:t>사람 한 명의 정보</a:t>
-            </a:r>
-            <a:r>
-              <a:rPr lang="en-US" altLang="ko-KR" sz="1200" dirty="0"/>
-              <a:t>)</a:t>
-            </a:r>
-            <a:r>
-              <a:rPr lang="ko-KR" altLang="en-US" sz="1200" dirty="0"/>
-              <a:t>을 나타내고</a:t>
-            </a:r>
-            <a:r>
-              <a:rPr lang="en-US" altLang="ko-KR" sz="1200" dirty="0"/>
-              <a:t>, </a:t>
-            </a:r>
-            <a:r>
-              <a:rPr lang="ko-KR" altLang="en-US" sz="1200" dirty="0"/>
-              <a:t>열은 그 데이터의 속성</a:t>
-            </a:r>
-            <a:r>
-              <a:rPr lang="en-US" altLang="ko-KR" sz="1200" dirty="0"/>
-              <a:t>(</a:t>
-            </a:r>
-            <a:r>
-              <a:rPr lang="ko-KR" altLang="en-US" sz="1200" dirty="0"/>
-              <a:t>예</a:t>
-            </a:r>
-            <a:r>
-              <a:rPr lang="en-US" altLang="ko-KR" sz="1200" dirty="0"/>
-              <a:t>: </a:t>
-            </a:r>
-            <a:r>
-              <a:rPr lang="ko-KR" altLang="en-US" sz="1200" dirty="0"/>
-              <a:t>이름</a:t>
-            </a:r>
-            <a:r>
-              <a:rPr lang="en-US" altLang="ko-KR" sz="1200" dirty="0"/>
-              <a:t>, </a:t>
-            </a:r>
-            <a:r>
-              <a:rPr lang="ko-KR" altLang="en-US" sz="1200" dirty="0"/>
-              <a:t>나이</a:t>
-            </a:r>
-            <a:r>
-              <a:rPr lang="en-US" altLang="ko-KR" sz="1200" dirty="0"/>
-              <a:t>, </a:t>
-            </a:r>
-            <a:r>
-              <a:rPr lang="ko-KR" altLang="en-US" sz="1200" dirty="0"/>
-              <a:t>주소 등</a:t>
-            </a:r>
-            <a:r>
-              <a:rPr lang="en-US" altLang="ko-KR" sz="1200" dirty="0"/>
-              <a:t>)</a:t>
-            </a:r>
-            <a:r>
-              <a:rPr lang="ko-KR" altLang="en-US" sz="1200" dirty="0"/>
-              <a:t>을 나타낸다</a:t>
-            </a:r>
-            <a:r>
-              <a:rPr lang="en-US" altLang="ko-KR" sz="1200" dirty="0"/>
-              <a:t>..</a:t>
-            </a:r>
-          </a:p>
-          <a:p>
-            <a:pPr lvl="1"/>
-            <a:r>
-              <a:rPr lang="ko-KR" altLang="en-US" sz="1600" b="1" dirty="0"/>
-              <a:t>기본 키</a:t>
-            </a:r>
-            <a:r>
-              <a:rPr lang="en-US" altLang="ko-KR" sz="1600" b="1" dirty="0"/>
-              <a:t>(Primary Key)</a:t>
-            </a:r>
-          </a:p>
-          <a:p>
-            <a:pPr lvl="2"/>
-            <a:r>
-              <a:rPr lang="ko-KR" altLang="en-US" sz="1600" dirty="0"/>
-              <a:t>테이블에서 각 행을 고유하게 식별하는 열이나 열들의 조합입니다</a:t>
-            </a:r>
-            <a:r>
-              <a:rPr lang="en-US" altLang="ko-KR" sz="1600" dirty="0"/>
-              <a:t>.</a:t>
-            </a:r>
-          </a:p>
-          <a:p>
-            <a:pPr lvl="2"/>
-            <a:r>
-              <a:rPr lang="ko-KR" altLang="en-US" sz="1600" dirty="0"/>
-              <a:t>기본 키는 중복될 수 없고</a:t>
-            </a:r>
-            <a:r>
-              <a:rPr lang="en-US" altLang="ko-KR" sz="1600" dirty="0"/>
-              <a:t>, null </a:t>
-            </a:r>
-            <a:r>
-              <a:rPr lang="ko-KR" altLang="en-US" sz="1600" dirty="0"/>
-              <a:t>값을 가질 수 없습니다</a:t>
-            </a:r>
-            <a:r>
-              <a:rPr lang="en-US" altLang="ko-KR" sz="1600" dirty="0"/>
-              <a:t>. </a:t>
-            </a:r>
-            <a:r>
-              <a:rPr lang="ko-KR" altLang="en-US" sz="1600" dirty="0"/>
-              <a:t>예를 들어</a:t>
-            </a:r>
-            <a:r>
-              <a:rPr lang="en-US" altLang="ko-KR" sz="1600" dirty="0"/>
-              <a:t>, "</a:t>
-            </a:r>
-            <a:r>
-              <a:rPr lang="ko-KR" altLang="en-US" sz="1600" dirty="0"/>
-              <a:t>고객 </a:t>
-            </a:r>
-            <a:r>
-              <a:rPr lang="en-US" altLang="ko-KR" sz="1600" dirty="0"/>
-              <a:t>ID"</a:t>
-            </a:r>
-            <a:r>
-              <a:rPr lang="ko-KR" altLang="en-US" sz="1600" dirty="0"/>
-              <a:t>는 고유하므로 기본 키로 사용될 수 있습니다</a:t>
-            </a:r>
-            <a:r>
-              <a:rPr lang="en-US" altLang="ko-KR" sz="1600" dirty="0"/>
-              <a:t>.</a:t>
-            </a:r>
-          </a:p>
-          <a:p>
-            <a:pPr lvl="1"/>
-            <a:r>
-              <a:rPr lang="ko-KR" altLang="en-US" sz="1600" b="1" dirty="0"/>
-              <a:t>외래 키</a:t>
-            </a:r>
-            <a:r>
-              <a:rPr lang="en-US" altLang="ko-KR" sz="1600" b="1" dirty="0"/>
-              <a:t>(Foreign Key)</a:t>
-            </a:r>
-          </a:p>
-          <a:p>
-            <a:pPr lvl="2"/>
-            <a:r>
-              <a:rPr lang="ko-KR" altLang="en-US" sz="1600" dirty="0"/>
-              <a:t>다른 테이블의 기본 키를 참조하는 열입니다</a:t>
-            </a:r>
-            <a:r>
-              <a:rPr lang="en-US" altLang="ko-KR" sz="1600" dirty="0"/>
-              <a:t>.</a:t>
-            </a:r>
-          </a:p>
-          <a:p>
-            <a:pPr lvl="2"/>
-            <a:r>
-              <a:rPr lang="ko-KR" altLang="en-US" sz="1600" dirty="0"/>
-              <a:t>외래 키는 두 테이블 간의 관계를 나타내며</a:t>
-            </a:r>
-            <a:r>
-              <a:rPr lang="en-US" altLang="ko-KR" sz="1600" dirty="0"/>
-              <a:t>, </a:t>
-            </a:r>
-            <a:r>
-              <a:rPr lang="ko-KR" altLang="en-US" sz="1600" dirty="0"/>
-              <a:t>예를 들어 주문 테이블에서 </a:t>
-            </a:r>
-            <a:r>
-              <a:rPr lang="en-US" altLang="ko-KR" sz="1600" dirty="0"/>
-              <a:t>"</a:t>
-            </a:r>
-            <a:r>
-              <a:rPr lang="ko-KR" altLang="en-US" sz="1600" dirty="0"/>
-              <a:t>고객 </a:t>
-            </a:r>
-            <a:r>
-              <a:rPr lang="en-US" altLang="ko-KR" sz="1600" dirty="0"/>
-              <a:t>ID"</a:t>
-            </a:r>
-            <a:r>
-              <a:rPr lang="ko-KR" altLang="en-US" sz="1600" dirty="0"/>
-              <a:t>는 고객 테이블의 기본 키를 참조하는 외래 키일 수 있습니다</a:t>
-            </a:r>
-            <a:r>
-              <a:rPr lang="en-US" altLang="ko-KR" sz="1600" dirty="0"/>
-              <a:t>.</a:t>
-            </a:r>
-          </a:p>
-          <a:p>
-            <a:pPr lvl="1"/>
-            <a:endParaRPr lang="en-US" altLang="ko-KR" sz="1200" dirty="0"/>
-          </a:p>
-          <a:p>
-            <a:pPr lvl="1"/>
-            <a:endParaRPr lang="en-US" altLang="ko-KR" sz="1200" dirty="0"/>
-          </a:p>
-          <a:p>
-            <a:pPr lvl="1"/>
-            <a:endParaRPr lang="en-GB" sz="1600" dirty="0"/>
-          </a:p>
-        </p:txBody>
-      </p:sp>
-    </p:spTree>
-    <p:extLst>
-      <p:ext uri="{BB962C8B-B14F-4D97-AF65-F5344CB8AC3E}">
-        <p14:creationId xmlns:p14="http://schemas.microsoft.com/office/powerpoint/2010/main" val="2434104277"/>
       </p:ext>
     </p:extLst>
   </p:cSld>
@@ -7973,6 +9243,620 @@
           <p:cNvPr id="2" name="Title 1">
             <a:extLst>
               <a:ext uri="{FF2B5EF4-FFF2-40B4-BE49-F238E27FC236}">
+                <a16:creationId xmlns:a16="http://schemas.microsoft.com/office/drawing/2014/main" id="{46F87F05-666F-3260-CC2C-C177B891B590}"/>
+              </a:ext>
+            </a:extLst>
+          </p:cNvPr>
+          <p:cNvSpPr>
+            <a:spLocks noGrp="1"/>
+          </p:cNvSpPr>
+          <p:nvPr>
+            <p:ph type="title"/>
+          </p:nvPr>
+        </p:nvSpPr>
+        <p:spPr/>
+        <p:txBody>
+          <a:bodyPr/>
+          <a:lstStyle/>
+          <a:p>
+            <a:r>
+              <a:rPr lang="en-GB" dirty="0"/>
+              <a:t>RDBMS</a:t>
+            </a:r>
+            <a:r>
+              <a:rPr lang="ko-KR" altLang="en-US" dirty="0"/>
+              <a:t>란</a:t>
+            </a:r>
+            <a:r>
+              <a:rPr lang="en-US" altLang="ko-KR" dirty="0"/>
+              <a:t>?</a:t>
+            </a:r>
+            <a:endParaRPr lang="en-GB" dirty="0"/>
+          </a:p>
+        </p:txBody>
+      </p:sp>
+      <p:sp>
+        <p:nvSpPr>
+          <p:cNvPr id="3" name="Content Placeholder 2">
+            <a:extLst>
+              <a:ext uri="{FF2B5EF4-FFF2-40B4-BE49-F238E27FC236}">
+                <a16:creationId xmlns:a16="http://schemas.microsoft.com/office/drawing/2014/main" id="{DF79CE6C-4B61-B5F7-B83D-19894709AAA9}"/>
+              </a:ext>
+            </a:extLst>
+          </p:cNvPr>
+          <p:cNvSpPr>
+            <a:spLocks noGrp="1"/>
+          </p:cNvSpPr>
+          <p:nvPr>
+            <p:ph idx="1"/>
+          </p:nvPr>
+        </p:nvSpPr>
+        <p:spPr/>
+        <p:txBody>
+          <a:bodyPr>
+            <a:normAutofit fontScale="92500" lnSpcReduction="10000"/>
+          </a:bodyPr>
+          <a:lstStyle/>
+          <a:p>
+            <a:r>
+              <a:rPr lang="ko-KR" altLang="en-US" sz="2000" dirty="0"/>
+              <a:t>데이터를 체계적으로 저장하고 관리할 수 있는 시스템으로</a:t>
+            </a:r>
+            <a:r>
+              <a:rPr lang="en-US" altLang="ko-KR" sz="2000" dirty="0"/>
+              <a:t> </a:t>
+            </a:r>
+            <a:r>
+              <a:rPr lang="ko-KR" altLang="en-US" sz="2000" dirty="0"/>
+              <a:t>데이터를 테이블</a:t>
+            </a:r>
+            <a:r>
+              <a:rPr lang="en-US" altLang="ko-KR" sz="2000" dirty="0"/>
+              <a:t> </a:t>
+            </a:r>
+            <a:r>
+              <a:rPr lang="ko-KR" altLang="en-US" sz="2000" dirty="0"/>
+              <a:t>형태로 저장</a:t>
+            </a:r>
+            <a:r>
+              <a:rPr lang="en-US" altLang="ko-KR" sz="2000" dirty="0"/>
+              <a:t>, </a:t>
+            </a:r>
+            <a:r>
+              <a:rPr lang="ko-KR" altLang="en-US" sz="2000" dirty="0"/>
+              <a:t>관리한다</a:t>
+            </a:r>
+            <a:r>
+              <a:rPr lang="en-US" altLang="ko-KR" sz="2000" dirty="0"/>
+              <a:t>.</a:t>
+            </a:r>
+          </a:p>
+          <a:p>
+            <a:r>
+              <a:rPr lang="ko-KR" altLang="en-US" sz="2000" dirty="0"/>
+              <a:t>구성요소</a:t>
+            </a:r>
+            <a:endParaRPr lang="en-US" altLang="ko-KR" sz="2000" dirty="0"/>
+          </a:p>
+          <a:p>
+            <a:pPr lvl="1"/>
+            <a:r>
+              <a:rPr lang="ko-KR" altLang="en-US" sz="1600" b="1" dirty="0"/>
+              <a:t>데이터베이스</a:t>
+            </a:r>
+            <a:endParaRPr lang="en-US" altLang="ko-KR" sz="1600" b="1" dirty="0"/>
+          </a:p>
+          <a:p>
+            <a:pPr lvl="2"/>
+            <a:r>
+              <a:rPr lang="ko-KR" altLang="en-US" sz="1200" b="1" dirty="0"/>
+              <a:t>논리적으로 동일한 테이블의 집합</a:t>
+            </a:r>
+            <a:endParaRPr lang="en-US" altLang="ko-KR" sz="1200" b="1" dirty="0"/>
+          </a:p>
+          <a:p>
+            <a:pPr lvl="1"/>
+            <a:r>
+              <a:rPr lang="ko-KR" altLang="en-US" sz="1600" b="1" dirty="0"/>
+              <a:t>스키마</a:t>
+            </a:r>
+            <a:endParaRPr lang="en-US" altLang="ko-KR" sz="1600" b="1" dirty="0"/>
+          </a:p>
+          <a:p>
+            <a:pPr lvl="2"/>
+            <a:r>
+              <a:rPr lang="ko-KR" altLang="en-US" sz="1200" dirty="0"/>
+              <a:t>테이블의 논리적 구조를 정의하며</a:t>
+            </a:r>
+            <a:r>
+              <a:rPr lang="en-US" altLang="ko-KR" sz="1200" dirty="0"/>
+              <a:t>, </a:t>
+            </a:r>
+            <a:r>
+              <a:rPr lang="ko-KR" altLang="en-US" sz="1200" dirty="0"/>
+              <a:t>테이블의 이름 및 속성</a:t>
+            </a:r>
+            <a:r>
+              <a:rPr lang="en-US" altLang="ko-KR" sz="1200" dirty="0"/>
+              <a:t>, </a:t>
+            </a:r>
+            <a:r>
+              <a:rPr lang="ko-KR" altLang="en-US" sz="1200" dirty="0"/>
+              <a:t>설정 정보 등을 나타낸다</a:t>
+            </a:r>
+            <a:r>
+              <a:rPr lang="en-US" altLang="ko-KR" sz="1200" dirty="0"/>
+              <a:t>.</a:t>
+            </a:r>
+          </a:p>
+          <a:p>
+            <a:pPr lvl="1"/>
+            <a:r>
+              <a:rPr lang="ko-KR" altLang="en-US" sz="1600" b="1" dirty="0"/>
+              <a:t>테이블</a:t>
+            </a:r>
+            <a:r>
+              <a:rPr lang="en-US" altLang="ko-KR" sz="1600" b="1" dirty="0"/>
+              <a:t> </a:t>
+            </a:r>
+          </a:p>
+          <a:p>
+            <a:pPr lvl="2"/>
+            <a:r>
+              <a:rPr lang="ko-KR" altLang="en-US" sz="1200" dirty="0"/>
+              <a:t>행</a:t>
+            </a:r>
+            <a:r>
+              <a:rPr lang="en-US" altLang="ko-KR" sz="1200" dirty="0"/>
+              <a:t>(row)</a:t>
+            </a:r>
+            <a:r>
+              <a:rPr lang="ko-KR" altLang="en-US" sz="1200" dirty="0"/>
+              <a:t>과 열</a:t>
+            </a:r>
+            <a:r>
+              <a:rPr lang="en-US" altLang="ko-KR" sz="1200" dirty="0"/>
+              <a:t>(column)</a:t>
+            </a:r>
+            <a:r>
+              <a:rPr lang="ko-KR" altLang="en-US" sz="1200" dirty="0"/>
+              <a:t>로 데이터를 관리한다</a:t>
+            </a:r>
+            <a:r>
+              <a:rPr lang="en-US" altLang="ko-KR" sz="1200" dirty="0"/>
+              <a:t>. </a:t>
+            </a:r>
+            <a:r>
+              <a:rPr lang="ko-KR" altLang="en-US" sz="1200" dirty="0"/>
+              <a:t>이때</a:t>
+            </a:r>
+            <a:r>
+              <a:rPr lang="en-US" altLang="ko-KR" sz="1200" dirty="0"/>
+              <a:t>, </a:t>
+            </a:r>
+            <a:r>
+              <a:rPr lang="ko-KR" altLang="en-US" sz="1200" dirty="0"/>
+              <a:t>행은 개별 데이터 항목</a:t>
+            </a:r>
+            <a:r>
+              <a:rPr lang="en-US" altLang="ko-KR" sz="1200" dirty="0"/>
+              <a:t>(</a:t>
+            </a:r>
+            <a:r>
+              <a:rPr lang="ko-KR" altLang="en-US" sz="1200" dirty="0"/>
+              <a:t>예</a:t>
+            </a:r>
+            <a:r>
+              <a:rPr lang="en-US" altLang="ko-KR" sz="1200" dirty="0"/>
+              <a:t>: </a:t>
+            </a:r>
+            <a:r>
+              <a:rPr lang="ko-KR" altLang="en-US" sz="1200" dirty="0"/>
+              <a:t>사람 한 명의 정보</a:t>
+            </a:r>
+            <a:r>
+              <a:rPr lang="en-US" altLang="ko-KR" sz="1200" dirty="0"/>
+              <a:t>)</a:t>
+            </a:r>
+            <a:r>
+              <a:rPr lang="ko-KR" altLang="en-US" sz="1200" dirty="0"/>
+              <a:t>을 나타내고</a:t>
+            </a:r>
+            <a:r>
+              <a:rPr lang="en-US" altLang="ko-KR" sz="1200" dirty="0"/>
+              <a:t>, </a:t>
+            </a:r>
+            <a:r>
+              <a:rPr lang="ko-KR" altLang="en-US" sz="1200" dirty="0"/>
+              <a:t>열은 그 데이터의 속성</a:t>
+            </a:r>
+            <a:r>
+              <a:rPr lang="en-US" altLang="ko-KR" sz="1200" dirty="0"/>
+              <a:t>(</a:t>
+            </a:r>
+            <a:r>
+              <a:rPr lang="ko-KR" altLang="en-US" sz="1200" dirty="0"/>
+              <a:t>예</a:t>
+            </a:r>
+            <a:r>
+              <a:rPr lang="en-US" altLang="ko-KR" sz="1200" dirty="0"/>
+              <a:t>: </a:t>
+            </a:r>
+            <a:r>
+              <a:rPr lang="ko-KR" altLang="en-US" sz="1200" dirty="0"/>
+              <a:t>이름</a:t>
+            </a:r>
+            <a:r>
+              <a:rPr lang="en-US" altLang="ko-KR" sz="1200" dirty="0"/>
+              <a:t>, </a:t>
+            </a:r>
+            <a:r>
+              <a:rPr lang="ko-KR" altLang="en-US" sz="1200" dirty="0"/>
+              <a:t>나이</a:t>
+            </a:r>
+            <a:r>
+              <a:rPr lang="en-US" altLang="ko-KR" sz="1200" dirty="0"/>
+              <a:t>, </a:t>
+            </a:r>
+            <a:r>
+              <a:rPr lang="ko-KR" altLang="en-US" sz="1200" dirty="0"/>
+              <a:t>주소 등</a:t>
+            </a:r>
+            <a:r>
+              <a:rPr lang="en-US" altLang="ko-KR" sz="1200" dirty="0"/>
+              <a:t>)</a:t>
+            </a:r>
+            <a:r>
+              <a:rPr lang="ko-KR" altLang="en-US" sz="1200" dirty="0"/>
+              <a:t>을 나타낸다</a:t>
+            </a:r>
+            <a:r>
+              <a:rPr lang="en-US" altLang="ko-KR" sz="1200" dirty="0"/>
+              <a:t>..</a:t>
+            </a:r>
+          </a:p>
+          <a:p>
+            <a:pPr lvl="1"/>
+            <a:r>
+              <a:rPr lang="ko-KR" altLang="en-US" sz="1600" b="1" dirty="0"/>
+              <a:t>기본 키</a:t>
+            </a:r>
+            <a:r>
+              <a:rPr lang="en-US" altLang="ko-KR" sz="1600" b="1" dirty="0"/>
+              <a:t>(Primary Key)</a:t>
+            </a:r>
+          </a:p>
+          <a:p>
+            <a:pPr lvl="2"/>
+            <a:r>
+              <a:rPr lang="ko-KR" altLang="en-US" sz="1600" dirty="0"/>
+              <a:t>테이블에서 각 행을 고유하게 식별하는 열이나 열들의 조합입니다</a:t>
+            </a:r>
+            <a:r>
+              <a:rPr lang="en-US" altLang="ko-KR" sz="1600" dirty="0"/>
+              <a:t>.</a:t>
+            </a:r>
+          </a:p>
+          <a:p>
+            <a:pPr lvl="2"/>
+            <a:r>
+              <a:rPr lang="ko-KR" altLang="en-US" sz="1600" dirty="0"/>
+              <a:t>기본 키는 중복될 수 없고</a:t>
+            </a:r>
+            <a:r>
+              <a:rPr lang="en-US" altLang="ko-KR" sz="1600" dirty="0"/>
+              <a:t>, null </a:t>
+            </a:r>
+            <a:r>
+              <a:rPr lang="ko-KR" altLang="en-US" sz="1600" dirty="0"/>
+              <a:t>값을 가질 수 없습니다</a:t>
+            </a:r>
+            <a:r>
+              <a:rPr lang="en-US" altLang="ko-KR" sz="1600" dirty="0"/>
+              <a:t>. </a:t>
+            </a:r>
+            <a:r>
+              <a:rPr lang="ko-KR" altLang="en-US" sz="1600" dirty="0"/>
+              <a:t>예를 들어</a:t>
+            </a:r>
+            <a:r>
+              <a:rPr lang="en-US" altLang="ko-KR" sz="1600" dirty="0"/>
+              <a:t>, "</a:t>
+            </a:r>
+            <a:r>
+              <a:rPr lang="ko-KR" altLang="en-US" sz="1600" dirty="0"/>
+              <a:t>고객 </a:t>
+            </a:r>
+            <a:r>
+              <a:rPr lang="en-US" altLang="ko-KR" sz="1600" dirty="0"/>
+              <a:t>ID"</a:t>
+            </a:r>
+            <a:r>
+              <a:rPr lang="ko-KR" altLang="en-US" sz="1600" dirty="0"/>
+              <a:t>는 고유하므로 기본 키로 사용될 수 있습니다</a:t>
+            </a:r>
+            <a:r>
+              <a:rPr lang="en-US" altLang="ko-KR" sz="1600" dirty="0"/>
+              <a:t>.</a:t>
+            </a:r>
+          </a:p>
+          <a:p>
+            <a:pPr lvl="1"/>
+            <a:r>
+              <a:rPr lang="ko-KR" altLang="en-US" sz="1600" b="1" dirty="0"/>
+              <a:t>외래 키</a:t>
+            </a:r>
+            <a:r>
+              <a:rPr lang="en-US" altLang="ko-KR" sz="1600" b="1" dirty="0"/>
+              <a:t>(Foreign Key)</a:t>
+            </a:r>
+          </a:p>
+          <a:p>
+            <a:pPr lvl="2"/>
+            <a:r>
+              <a:rPr lang="ko-KR" altLang="en-US" sz="1600" dirty="0"/>
+              <a:t>다른 테이블의 기본 키를 참조하는 열입니다</a:t>
+            </a:r>
+            <a:r>
+              <a:rPr lang="en-US" altLang="ko-KR" sz="1600" dirty="0"/>
+              <a:t>.</a:t>
+            </a:r>
+          </a:p>
+          <a:p>
+            <a:pPr lvl="2"/>
+            <a:r>
+              <a:rPr lang="ko-KR" altLang="en-US" sz="1600" dirty="0"/>
+              <a:t>외래 키는 두 테이블 간의 관계를 나타내며</a:t>
+            </a:r>
+            <a:r>
+              <a:rPr lang="en-US" altLang="ko-KR" sz="1600" dirty="0"/>
+              <a:t>, </a:t>
+            </a:r>
+            <a:r>
+              <a:rPr lang="ko-KR" altLang="en-US" sz="1600" dirty="0"/>
+              <a:t>예를 들어 주문 테이블에서 </a:t>
+            </a:r>
+            <a:r>
+              <a:rPr lang="en-US" altLang="ko-KR" sz="1600" dirty="0"/>
+              <a:t>"</a:t>
+            </a:r>
+            <a:r>
+              <a:rPr lang="ko-KR" altLang="en-US" sz="1600" dirty="0"/>
+              <a:t>고객 </a:t>
+            </a:r>
+            <a:r>
+              <a:rPr lang="en-US" altLang="ko-KR" sz="1600" dirty="0"/>
+              <a:t>ID"</a:t>
+            </a:r>
+            <a:r>
+              <a:rPr lang="ko-KR" altLang="en-US" sz="1600" dirty="0"/>
+              <a:t>는 고객 테이블의 기본 키를 참조하는 외래 키일 수 있습니다</a:t>
+            </a:r>
+            <a:r>
+              <a:rPr lang="en-US" altLang="ko-KR" sz="1600" dirty="0"/>
+              <a:t>.</a:t>
+            </a:r>
+          </a:p>
+          <a:p>
+            <a:pPr lvl="1"/>
+            <a:endParaRPr lang="en-US" altLang="ko-KR" sz="1200" dirty="0"/>
+          </a:p>
+          <a:p>
+            <a:pPr lvl="1"/>
+            <a:endParaRPr lang="en-US" altLang="ko-KR" sz="1200" dirty="0"/>
+          </a:p>
+          <a:p>
+            <a:pPr lvl="1"/>
+            <a:endParaRPr lang="en-GB" sz="1600" dirty="0"/>
+          </a:p>
+        </p:txBody>
+      </p:sp>
+    </p:spTree>
+    <p:extLst>
+      <p:ext uri="{BB962C8B-B14F-4D97-AF65-F5344CB8AC3E}">
+        <p14:creationId xmlns:p14="http://schemas.microsoft.com/office/powerpoint/2010/main" val="2434104277"/>
+      </p:ext>
+    </p:extLst>
+  </p:cSld>
+  <p:clrMapOvr>
+    <a:masterClrMapping/>
+  </p:clrMapOvr>
+</p:sld>
+</file>
+
+<file path=ppt/slides/slide6.xml><?xml version="1.0" encoding="utf-8"?>
+<p:sld xmlns:a="http://schemas.openxmlformats.org/drawingml/2006/main" xmlns:r="http://schemas.openxmlformats.org/officeDocument/2006/relationships" xmlns:p="http://schemas.openxmlformats.org/presentationml/2006/main">
+  <p:cSld>
+    <p:spTree>
+      <p:nvGrpSpPr>
+        <p:cNvPr id="1" name=""/>
+        <p:cNvGrpSpPr/>
+        <p:nvPr/>
+      </p:nvGrpSpPr>
+      <p:grpSpPr>
+        <a:xfrm>
+          <a:off x="0" y="0"/>
+          <a:ext cx="0" cy="0"/>
+          <a:chOff x="0" y="0"/>
+          <a:chExt cx="0" cy="0"/>
+        </a:xfrm>
+      </p:grpSpPr>
+      <p:sp>
+        <p:nvSpPr>
+          <p:cNvPr id="4" name="Rectangle 3">
+            <a:extLst>
+              <a:ext uri="{FF2B5EF4-FFF2-40B4-BE49-F238E27FC236}">
+                <a16:creationId xmlns:a16="http://schemas.microsoft.com/office/drawing/2014/main" id="{017454CD-5AD6-661E-855B-67D4D5544A3E}"/>
+              </a:ext>
+            </a:extLst>
+          </p:cNvPr>
+          <p:cNvSpPr/>
+          <p:nvPr/>
+        </p:nvSpPr>
+        <p:spPr>
+          <a:xfrm>
+            <a:off x="1488831" y="890954"/>
+            <a:ext cx="8956431" cy="5498123"/>
+          </a:xfrm>
+          <a:prstGeom prst="rect">
+            <a:avLst/>
+          </a:prstGeom>
+          <a:noFill/>
+        </p:spPr>
+        <p:style>
+          <a:lnRef idx="2">
+            <a:schemeClr val="accent1">
+              <a:shade val="15000"/>
+            </a:schemeClr>
+          </a:lnRef>
+          <a:fillRef idx="1">
+            <a:schemeClr val="accent1"/>
+          </a:fillRef>
+          <a:effectRef idx="0">
+            <a:schemeClr val="accent1"/>
+          </a:effectRef>
+          <a:fontRef idx="minor">
+            <a:schemeClr val="lt1"/>
+          </a:fontRef>
+        </p:style>
+        <p:txBody>
+          <a:bodyPr rtlCol="0" anchor="ctr"/>
+          <a:lstStyle/>
+          <a:p>
+            <a:pPr algn="ctr"/>
+            <a:endParaRPr lang="en-GB"/>
+          </a:p>
+        </p:txBody>
+      </p:sp>
+      <p:sp>
+        <p:nvSpPr>
+          <p:cNvPr id="5" name="Rectangle 4">
+            <a:extLst>
+              <a:ext uri="{FF2B5EF4-FFF2-40B4-BE49-F238E27FC236}">
+                <a16:creationId xmlns:a16="http://schemas.microsoft.com/office/drawing/2014/main" id="{749C3D34-6C19-F780-51FA-C28760C7C4B8}"/>
+              </a:ext>
+            </a:extLst>
+          </p:cNvPr>
+          <p:cNvSpPr/>
+          <p:nvPr/>
+        </p:nvSpPr>
+        <p:spPr>
+          <a:xfrm>
+            <a:off x="2180492" y="1148862"/>
+            <a:ext cx="2602523" cy="4818184"/>
+          </a:xfrm>
+          <a:prstGeom prst="rect">
+            <a:avLst/>
+          </a:prstGeom>
+          <a:noFill/>
+        </p:spPr>
+        <p:style>
+          <a:lnRef idx="2">
+            <a:schemeClr val="accent1">
+              <a:shade val="15000"/>
+            </a:schemeClr>
+          </a:lnRef>
+          <a:fillRef idx="1">
+            <a:schemeClr val="accent1"/>
+          </a:fillRef>
+          <a:effectRef idx="0">
+            <a:schemeClr val="accent1"/>
+          </a:effectRef>
+          <a:fontRef idx="minor">
+            <a:schemeClr val="lt1"/>
+          </a:fontRef>
+        </p:style>
+        <p:txBody>
+          <a:bodyPr rtlCol="0" anchor="ctr"/>
+          <a:lstStyle/>
+          <a:p>
+            <a:pPr algn="ctr"/>
+            <a:endParaRPr lang="en-GB"/>
+          </a:p>
+        </p:txBody>
+      </p:sp>
+      <p:sp>
+        <p:nvSpPr>
+          <p:cNvPr id="6" name="Rectangle 5">
+            <a:extLst>
+              <a:ext uri="{FF2B5EF4-FFF2-40B4-BE49-F238E27FC236}">
+                <a16:creationId xmlns:a16="http://schemas.microsoft.com/office/drawing/2014/main" id="{5536BA8E-B1B0-395B-3E5B-3A935F6071BB}"/>
+              </a:ext>
+            </a:extLst>
+          </p:cNvPr>
+          <p:cNvSpPr/>
+          <p:nvPr/>
+        </p:nvSpPr>
+        <p:spPr>
+          <a:xfrm>
+            <a:off x="6881445" y="1148862"/>
+            <a:ext cx="2602523" cy="4818184"/>
+          </a:xfrm>
+          <a:prstGeom prst="rect">
+            <a:avLst/>
+          </a:prstGeom>
+          <a:noFill/>
+        </p:spPr>
+        <p:style>
+          <a:lnRef idx="2">
+            <a:schemeClr val="accent1">
+              <a:shade val="15000"/>
+            </a:schemeClr>
+          </a:lnRef>
+          <a:fillRef idx="1">
+            <a:schemeClr val="accent1"/>
+          </a:fillRef>
+          <a:effectRef idx="0">
+            <a:schemeClr val="accent1"/>
+          </a:effectRef>
+          <a:fontRef idx="minor">
+            <a:schemeClr val="lt1"/>
+          </a:fontRef>
+        </p:style>
+        <p:txBody>
+          <a:bodyPr rtlCol="0" anchor="ctr"/>
+          <a:lstStyle/>
+          <a:p>
+            <a:pPr algn="ctr"/>
+            <a:endParaRPr lang="en-GB"/>
+          </a:p>
+        </p:txBody>
+      </p:sp>
+    </p:spTree>
+    <p:extLst>
+      <p:ext uri="{BB962C8B-B14F-4D97-AF65-F5344CB8AC3E}">
+        <p14:creationId xmlns:p14="http://schemas.microsoft.com/office/powerpoint/2010/main" val="3756922762"/>
+      </p:ext>
+    </p:extLst>
+  </p:cSld>
+  <p:clrMapOvr>
+    <a:masterClrMapping/>
+  </p:clrMapOvr>
+</p:sld>
+</file>
+
+<file path=ppt/slides/slide7.xml><?xml version="1.0" encoding="utf-8"?>
+<p:sld xmlns:a="http://schemas.openxmlformats.org/drawingml/2006/main" xmlns:r="http://schemas.openxmlformats.org/officeDocument/2006/relationships" xmlns:p="http://schemas.openxmlformats.org/presentationml/2006/main">
+  <p:cSld>
+    <p:spTree>
+      <p:nvGrpSpPr>
+        <p:cNvPr id="1" name=""/>
+        <p:cNvGrpSpPr/>
+        <p:nvPr/>
+      </p:nvGrpSpPr>
+      <p:grpSpPr>
+        <a:xfrm>
+          <a:off x="0" y="0"/>
+          <a:ext cx="0" cy="0"/>
+          <a:chOff x="0" y="0"/>
+          <a:chExt cx="0" cy="0"/>
+        </a:xfrm>
+      </p:grpSpPr>
+      <p:sp>
+        <p:nvSpPr>
+          <p:cNvPr id="2" name="Title 1">
+            <a:extLst>
+              <a:ext uri="{FF2B5EF4-FFF2-40B4-BE49-F238E27FC236}">
                 <a16:creationId xmlns:a16="http://schemas.microsoft.com/office/drawing/2014/main" id="{F0963C71-A2FB-FBC5-FA67-77306E1488DA}"/>
               </a:ext>
             </a:extLst>
@@ -8016,7 +9900,7 @@
         </p:nvSpPr>
         <p:spPr>
           <a:xfrm>
-            <a:off x="2718708" y="1690689"/>
+            <a:off x="2583299" y="1684792"/>
             <a:ext cx="3233057" cy="4449535"/>
           </a:xfrm>
           <a:prstGeom prst="rect">
@@ -8205,8 +10089,8 @@
         </p:blipFill>
         <p:spPr bwMode="auto">
           <a:xfrm>
-            <a:off x="2718708" y="2996293"/>
-            <a:ext cx="3170611" cy="2083254"/>
+            <a:off x="2834777" y="3060559"/>
+            <a:ext cx="2850915" cy="2083254"/>
           </a:xfrm>
           <a:prstGeom prst="rect">
             <a:avLst/>
@@ -8252,7 +10136,7 @@
         </p:blipFill>
         <p:spPr bwMode="auto">
           <a:xfrm>
-            <a:off x="6656614" y="3187473"/>
+            <a:off x="6562167" y="3067563"/>
             <a:ext cx="2761656" cy="1455964"/>
           </a:xfrm>
           <a:prstGeom prst="rect">
@@ -8342,223 +10226,12 @@
           </a:p>
         </p:txBody>
       </p:sp>
-    </p:spTree>
-    <p:extLst>
-      <p:ext uri="{BB962C8B-B14F-4D97-AF65-F5344CB8AC3E}">
-        <p14:creationId xmlns:p14="http://schemas.microsoft.com/office/powerpoint/2010/main" val="1331805132"/>
-      </p:ext>
-    </p:extLst>
-  </p:cSld>
-  <p:clrMapOvr>
-    <a:masterClrMapping/>
-  </p:clrMapOvr>
-</p:sld>
-</file>
-
-<file path=ppt/slides/slide6.xml><?xml version="1.0" encoding="utf-8"?>
-<p:sld xmlns:a="http://schemas.openxmlformats.org/drawingml/2006/main" xmlns:r="http://schemas.openxmlformats.org/officeDocument/2006/relationships" xmlns:p="http://schemas.openxmlformats.org/presentationml/2006/main">
-  <p:cSld>
-    <p:spTree>
-      <p:nvGrpSpPr>
-        <p:cNvPr id="1" name=""/>
-        <p:cNvGrpSpPr/>
-        <p:nvPr/>
-      </p:nvGrpSpPr>
-      <p:grpSpPr>
-        <a:xfrm>
-          <a:off x="0" y="0"/>
-          <a:ext cx="0" cy="0"/>
-          <a:chOff x="0" y="0"/>
-          <a:chExt cx="0" cy="0"/>
-        </a:xfrm>
-      </p:grpSpPr>
-      <p:sp>
-        <p:nvSpPr>
-          <p:cNvPr id="2" name="Title 1">
-            <a:extLst>
-              <a:ext uri="{FF2B5EF4-FFF2-40B4-BE49-F238E27FC236}">
-                <a16:creationId xmlns:a16="http://schemas.microsoft.com/office/drawing/2014/main" id="{9A026C49-A64B-FEC4-6E72-C0FA13727DD3}"/>
-              </a:ext>
-            </a:extLst>
-          </p:cNvPr>
-          <p:cNvSpPr>
-            <a:spLocks noGrp="1"/>
-          </p:cNvSpPr>
-          <p:nvPr>
-            <p:ph type="title"/>
-          </p:nvPr>
-        </p:nvSpPr>
-        <p:spPr/>
-        <p:txBody>
-          <a:bodyPr/>
-          <a:lstStyle/>
-          <a:p>
-            <a:r>
-              <a:rPr lang="ko-KR" altLang="en-US" dirty="0"/>
-              <a:t>실습</a:t>
-            </a:r>
-            <a:r>
-              <a:rPr lang="en-US" altLang="ko-KR" dirty="0"/>
-              <a:t>(</a:t>
-            </a:r>
-            <a:r>
-              <a:rPr lang="ko-KR" altLang="en-US" dirty="0"/>
-              <a:t>데이터베이스 생성 및 관리</a:t>
-            </a:r>
-            <a:r>
-              <a:rPr lang="en-US" altLang="ko-KR" dirty="0"/>
-              <a:t>)</a:t>
-            </a:r>
-            <a:endParaRPr lang="en-GB" dirty="0"/>
-          </a:p>
-        </p:txBody>
-      </p:sp>
-      <p:sp>
-        <p:nvSpPr>
-          <p:cNvPr id="3" name="Content Placeholder 2">
-            <a:extLst>
-              <a:ext uri="{FF2B5EF4-FFF2-40B4-BE49-F238E27FC236}">
-                <a16:creationId xmlns:a16="http://schemas.microsoft.com/office/drawing/2014/main" id="{DDB14C06-4019-14BF-5463-9CB3409DF4D2}"/>
-              </a:ext>
-            </a:extLst>
-          </p:cNvPr>
-          <p:cNvSpPr>
-            <a:spLocks noGrp="1"/>
-          </p:cNvSpPr>
-          <p:nvPr>
-            <p:ph idx="1"/>
-          </p:nvPr>
-        </p:nvSpPr>
-        <p:spPr/>
-        <p:txBody>
-          <a:bodyPr/>
-          <a:lstStyle/>
-          <a:p>
-            <a:r>
-              <a:rPr lang="ko-KR" altLang="en-US" dirty="0"/>
-              <a:t>데이터 베이스를 생성한다</a:t>
-            </a:r>
-            <a:r>
-              <a:rPr lang="en-US" altLang="ko-KR" dirty="0"/>
-              <a:t>.</a:t>
-            </a:r>
-          </a:p>
-          <a:p>
-            <a:r>
-              <a:rPr lang="ko-KR" altLang="en-US" dirty="0"/>
-              <a:t>생성된 데이터베이스 목록을 확인한다</a:t>
-            </a:r>
-            <a:r>
-              <a:rPr lang="en-US" altLang="ko-KR" dirty="0"/>
-              <a:t>.</a:t>
-            </a:r>
-          </a:p>
-          <a:p>
-            <a:r>
-              <a:rPr lang="ko-KR" altLang="en-US" dirty="0"/>
-              <a:t>생성된 데이터베이스 중 하나를 선택하고</a:t>
-            </a:r>
-            <a:r>
-              <a:rPr lang="en-US" altLang="ko-KR" dirty="0"/>
-              <a:t>, </a:t>
-            </a:r>
-            <a:r>
-              <a:rPr lang="ko-KR" altLang="en-US" dirty="0"/>
-              <a:t>테이블을 생성한다</a:t>
-            </a:r>
-            <a:r>
-              <a:rPr lang="en-US" altLang="ko-KR" dirty="0"/>
-              <a:t>.</a:t>
-            </a:r>
-            <a:endParaRPr lang="en-GB" dirty="0"/>
-          </a:p>
-        </p:txBody>
-      </p:sp>
-    </p:spTree>
-    <p:extLst>
-      <p:ext uri="{BB962C8B-B14F-4D97-AF65-F5344CB8AC3E}">
-        <p14:creationId xmlns:p14="http://schemas.microsoft.com/office/powerpoint/2010/main" val="3371571398"/>
-      </p:ext>
-    </p:extLst>
-  </p:cSld>
-  <p:clrMapOvr>
-    <a:masterClrMapping/>
-  </p:clrMapOvr>
-</p:sld>
-</file>
-
-<file path=ppt/slides/slide7.xml><?xml version="1.0" encoding="utf-8"?>
-<p:sld xmlns:a="http://schemas.openxmlformats.org/drawingml/2006/main" xmlns:r="http://schemas.openxmlformats.org/officeDocument/2006/relationships" xmlns:p="http://schemas.openxmlformats.org/presentationml/2006/main">
-  <p:cSld>
-    <p:spTree>
-      <p:nvGrpSpPr>
-        <p:cNvPr id="1" name=""/>
-        <p:cNvGrpSpPr/>
-        <p:nvPr/>
-      </p:nvGrpSpPr>
-      <p:grpSpPr>
-        <a:xfrm>
-          <a:off x="0" y="0"/>
-          <a:ext cx="0" cy="0"/>
-          <a:chOff x="0" y="0"/>
-          <a:chExt cx="0" cy="0"/>
-        </a:xfrm>
-      </p:grpSpPr>
-      <p:pic>
-        <p:nvPicPr>
-          <p:cNvPr id="2050" name="Picture 2" descr="2) RDBMS - 테이블 구조/ 키/ 정규형/ Join">
-            <a:extLst>
-              <a:ext uri="{FF2B5EF4-FFF2-40B4-BE49-F238E27FC236}">
-                <a16:creationId xmlns:a16="http://schemas.microsoft.com/office/drawing/2014/main" id="{48CB3048-CE0B-BFB5-4272-EF25D71D8228}"/>
-              </a:ext>
-            </a:extLst>
-          </p:cNvPr>
-          <p:cNvPicPr>
-            <a:picLocks noGrp="1" noChangeAspect="1" noChangeArrowheads="1"/>
-          </p:cNvPicPr>
-          <p:nvPr>
-            <p:ph idx="1"/>
-          </p:nvPr>
-        </p:nvPicPr>
-        <p:blipFill>
-          <a:blip r:embed="rId2">
-            <a:extLst>
-              <a:ext uri="{28A0092B-C50C-407E-A947-70E740481C1C}">
-                <a14:useLocalDpi xmlns:a14="http://schemas.microsoft.com/office/drawing/2010/main" val="0"/>
-              </a:ext>
-            </a:extLst>
-          </a:blip>
-          <a:srcRect/>
-          <a:stretch>
-            <a:fillRect/>
-          </a:stretch>
-        </p:blipFill>
-        <p:spPr bwMode="auto">
-          <a:xfrm>
-            <a:off x="5159828" y="1777481"/>
-            <a:ext cx="7235306" cy="3533775"/>
-          </a:xfrm>
-          <a:prstGeom prst="rect">
-            <a:avLst/>
-          </a:prstGeom>
-          <a:noFill/>
-          <a:extLst>
-            <a:ext uri="{909E8E84-426E-40DD-AFC4-6F175D3DCCD1}">
-              <a14:hiddenFill xmlns:a14="http://schemas.microsoft.com/office/drawing/2010/main">
-                <a:solidFill>
-                  <a:srgbClr val="FFFFFF"/>
-                </a:solidFill>
-              </a14:hiddenFill>
-            </a:ext>
-          </a:extLst>
-        </p:spPr>
-      </p:pic>
-      <p:sp>
-        <p:nvSpPr>
-          <p:cNvPr id="4" name="Rectangle 3">
-            <a:extLst>
-              <a:ext uri="{FF2B5EF4-FFF2-40B4-BE49-F238E27FC236}">
-                <a16:creationId xmlns:a16="http://schemas.microsoft.com/office/drawing/2014/main" id="{85B468AB-ADF1-7662-CB7C-14F374997005}"/>
+      <p:sp>
+        <p:nvSpPr>
+          <p:cNvPr id="3" name="Rectangle 2">
+            <a:extLst>
+              <a:ext uri="{FF2B5EF4-FFF2-40B4-BE49-F238E27FC236}">
+                <a16:creationId xmlns:a16="http://schemas.microsoft.com/office/drawing/2014/main" id="{A09FF479-6C2F-0F4B-4ED6-1B62183876A0}"/>
               </a:ext>
             </a:extLst>
           </p:cNvPr>
@@ -8567,60 +10240,8 @@
         </p:nvSpPr>
         <p:spPr>
           <a:xfrm>
-            <a:off x="5794979" y="2920482"/>
-            <a:ext cx="4922393" cy="419877"/>
-          </a:xfrm>
-          <a:prstGeom prst="rect">
-            <a:avLst/>
-          </a:prstGeom>
-          <a:noFill/>
-          <a:ln w="38100">
-            <a:solidFill>
-              <a:srgbClr val="FF0000"/>
-            </a:solidFill>
-          </a:ln>
-        </p:spPr>
-        <p:style>
-          <a:lnRef idx="2">
-            <a:schemeClr val="accent1">
-              <a:shade val="15000"/>
-            </a:schemeClr>
-          </a:lnRef>
-          <a:fillRef idx="1">
-            <a:schemeClr val="accent1"/>
-          </a:fillRef>
-          <a:effectRef idx="0">
-            <a:schemeClr val="accent1"/>
-          </a:effectRef>
-          <a:fontRef idx="minor">
-            <a:schemeClr val="lt1"/>
-          </a:fontRef>
-        </p:style>
-        <p:txBody>
-          <a:bodyPr rtlCol="0" anchor="ctr"/>
-          <a:lstStyle/>
-          <a:p>
-            <a:pPr algn="ctr"/>
-            <a:endParaRPr lang="en-GB"/>
-          </a:p>
-        </p:txBody>
-      </p:sp>
-      <p:sp>
-        <p:nvSpPr>
-          <p:cNvPr id="5" name="Rectangle 4">
-            <a:extLst>
-              <a:ext uri="{FF2B5EF4-FFF2-40B4-BE49-F238E27FC236}">
-                <a16:creationId xmlns:a16="http://schemas.microsoft.com/office/drawing/2014/main" id="{0014D1B4-2108-B03D-BBF8-374F38B73828}"/>
-              </a:ext>
-            </a:extLst>
-          </p:cNvPr>
-          <p:cNvSpPr/>
-          <p:nvPr/>
-        </p:nvSpPr>
-        <p:spPr>
-          <a:xfrm>
-            <a:off x="1102178" y="2310492"/>
-            <a:ext cx="1436915" cy="2536757"/>
+            <a:off x="1488831" y="890954"/>
+            <a:ext cx="8956431" cy="5498123"/>
           </a:xfrm>
           <a:prstGeom prst="rect">
             <a:avLst/>
@@ -8652,212 +10273,12 @@
           </a:p>
         </p:txBody>
       </p:sp>
-      <p:cxnSp>
-        <p:nvCxnSpPr>
-          <p:cNvPr id="7" name="Straight Connector 6">
-            <a:extLst>
-              <a:ext uri="{FF2B5EF4-FFF2-40B4-BE49-F238E27FC236}">
-                <a16:creationId xmlns:a16="http://schemas.microsoft.com/office/drawing/2014/main" id="{92152534-170D-81AA-816D-6067EB895DFC}"/>
-              </a:ext>
-            </a:extLst>
-          </p:cNvPr>
-          <p:cNvCxnSpPr>
-            <a:cxnSpLocks/>
-          </p:cNvCxnSpPr>
-          <p:nvPr/>
-        </p:nvCxnSpPr>
-        <p:spPr>
-          <a:xfrm>
-            <a:off x="1102179" y="3037115"/>
-            <a:ext cx="1436914" cy="0"/>
-          </a:xfrm>
-          <a:prstGeom prst="line">
-            <a:avLst/>
-          </a:prstGeom>
-        </p:spPr>
-        <p:style>
-          <a:lnRef idx="2">
-            <a:schemeClr val="accent1"/>
-          </a:lnRef>
-          <a:fillRef idx="0">
-            <a:schemeClr val="accent1"/>
-          </a:fillRef>
-          <a:effectRef idx="1">
-            <a:schemeClr val="accent1"/>
-          </a:effectRef>
-          <a:fontRef idx="minor">
-            <a:schemeClr val="tx1"/>
-          </a:fontRef>
-        </p:style>
-      </p:cxnSp>
-      <p:sp>
-        <p:nvSpPr>
-          <p:cNvPr id="9" name="TextBox 8">
-            <a:extLst>
-              <a:ext uri="{FF2B5EF4-FFF2-40B4-BE49-F238E27FC236}">
-                <a16:creationId xmlns:a16="http://schemas.microsoft.com/office/drawing/2014/main" id="{4E1A3E15-A442-3123-8359-35F2A0BA7385}"/>
-              </a:ext>
-            </a:extLst>
-          </p:cNvPr>
-          <p:cNvSpPr txBox="1"/>
-          <p:nvPr/>
-        </p:nvSpPr>
-        <p:spPr>
-          <a:xfrm>
-            <a:off x="1200150" y="2514601"/>
-            <a:ext cx="1004207" cy="523220"/>
-          </a:xfrm>
-          <a:prstGeom prst="rect">
-            <a:avLst/>
-          </a:prstGeom>
-          <a:noFill/>
-        </p:spPr>
-        <p:txBody>
-          <a:bodyPr wrap="square" rtlCol="0">
-            <a:spAutoFit/>
-          </a:bodyPr>
-          <a:lstStyle/>
-          <a:p>
-            <a:r>
-              <a:rPr lang="en-GB" sz="1400" dirty="0"/>
-              <a:t>Student_</a:t>
-            </a:r>
-          </a:p>
-          <a:p>
-            <a:r>
-              <a:rPr lang="en-GB" sz="1400" dirty="0"/>
-              <a:t>table</a:t>
-            </a:r>
-          </a:p>
-        </p:txBody>
-      </p:sp>
-      <p:sp>
-        <p:nvSpPr>
-          <p:cNvPr id="10" name="TextBox 9">
-            <a:extLst>
-              <a:ext uri="{FF2B5EF4-FFF2-40B4-BE49-F238E27FC236}">
-                <a16:creationId xmlns:a16="http://schemas.microsoft.com/office/drawing/2014/main" id="{3E506B05-3D4D-4BBD-1174-1EDE66DD8E5E}"/>
-              </a:ext>
-            </a:extLst>
-          </p:cNvPr>
-          <p:cNvSpPr txBox="1"/>
-          <p:nvPr/>
-        </p:nvSpPr>
-        <p:spPr>
-          <a:xfrm>
-            <a:off x="1200150" y="3159579"/>
-            <a:ext cx="1338943" cy="1477328"/>
-          </a:xfrm>
-          <a:prstGeom prst="rect">
-            <a:avLst/>
-          </a:prstGeom>
-          <a:noFill/>
-        </p:spPr>
-        <p:txBody>
-          <a:bodyPr wrap="square" rtlCol="0">
-            <a:spAutoFit/>
-          </a:bodyPr>
-          <a:lstStyle/>
-          <a:p>
-            <a:r>
-              <a:rPr lang="ko-KR" altLang="en-US" dirty="0"/>
-              <a:t>학번</a:t>
-            </a:r>
-            <a:r>
-              <a:rPr lang="en-US" altLang="ko-KR" dirty="0"/>
-              <a:t>(int)</a:t>
-            </a:r>
-          </a:p>
-          <a:p>
-            <a:r>
-              <a:rPr lang="ko-KR" altLang="en-US" dirty="0"/>
-              <a:t>이름</a:t>
-            </a:r>
-            <a:r>
-              <a:rPr lang="en-US" altLang="ko-KR" dirty="0"/>
-              <a:t>(char)</a:t>
-            </a:r>
-          </a:p>
-          <a:p>
-            <a:r>
-              <a:rPr lang="ko-KR" altLang="en-US" dirty="0"/>
-              <a:t>학년</a:t>
-            </a:r>
-            <a:r>
-              <a:rPr lang="en-US" altLang="ko-KR" dirty="0"/>
-              <a:t>(int)</a:t>
-            </a:r>
-          </a:p>
-          <a:p>
-            <a:r>
-              <a:rPr lang="ko-KR" altLang="en-US" dirty="0"/>
-              <a:t>신장</a:t>
-            </a:r>
-            <a:r>
-              <a:rPr lang="en-US" altLang="ko-KR" dirty="0"/>
-              <a:t>(float)</a:t>
-            </a:r>
-          </a:p>
-          <a:p>
-            <a:r>
-              <a:rPr lang="ko-KR" altLang="en-US" dirty="0"/>
-              <a:t>학과</a:t>
-            </a:r>
-            <a:r>
-              <a:rPr lang="en-US" altLang="ko-KR" dirty="0"/>
-              <a:t>(char)</a:t>
-            </a:r>
-            <a:endParaRPr lang="en-GB" dirty="0"/>
-          </a:p>
-        </p:txBody>
-      </p:sp>
-      <p:cxnSp>
-        <p:nvCxnSpPr>
-          <p:cNvPr id="12" name="Straight Arrow Connector 11">
-            <a:extLst>
-              <a:ext uri="{FF2B5EF4-FFF2-40B4-BE49-F238E27FC236}">
-                <a16:creationId xmlns:a16="http://schemas.microsoft.com/office/drawing/2014/main" id="{F87B185E-1485-809C-9F09-826D9766E7D8}"/>
-              </a:ext>
-            </a:extLst>
-          </p:cNvPr>
-          <p:cNvCxnSpPr>
-            <a:cxnSpLocks/>
-          </p:cNvCxnSpPr>
-          <p:nvPr/>
-        </p:nvCxnSpPr>
-        <p:spPr>
-          <a:xfrm>
-            <a:off x="3069772" y="3429000"/>
-            <a:ext cx="1820635" cy="0"/>
-          </a:xfrm>
-          <a:prstGeom prst="straightConnector1">
-            <a:avLst/>
-          </a:prstGeom>
-          <a:ln>
-            <a:tailEnd type="triangle"/>
-          </a:ln>
-        </p:spPr>
-        <p:style>
-          <a:lnRef idx="2">
-            <a:schemeClr val="accent1"/>
-          </a:lnRef>
-          <a:fillRef idx="0">
-            <a:schemeClr val="accent1"/>
-          </a:fillRef>
-          <a:effectRef idx="1">
-            <a:schemeClr val="accent1"/>
-          </a:effectRef>
-          <a:fontRef idx="minor">
-            <a:schemeClr val="tx1"/>
-          </a:fontRef>
-        </p:style>
-      </p:cxnSp>
-      <p:sp>
-        <p:nvSpPr>
-          <p:cNvPr id="15" name="Arrow: Down 14">
-            <a:extLst>
-              <a:ext uri="{FF2B5EF4-FFF2-40B4-BE49-F238E27FC236}">
-                <a16:creationId xmlns:a16="http://schemas.microsoft.com/office/drawing/2014/main" id="{DFD970A4-FC59-0735-12A9-74ED52C6AEFF}"/>
+      <p:sp>
+        <p:nvSpPr>
+          <p:cNvPr id="8" name="Arrow: Up-Down 7">
+            <a:extLst>
+              <a:ext uri="{FF2B5EF4-FFF2-40B4-BE49-F238E27FC236}">
+                <a16:creationId xmlns:a16="http://schemas.microsoft.com/office/drawing/2014/main" id="{62F41058-D64B-D277-7AB0-2EDC137856F3}"/>
               </a:ext>
             </a:extLst>
           </p:cNvPr>
@@ -8865,11 +10286,11 @@
           <p:nvPr/>
         </p:nvSpPr>
         <p:spPr>
-          <a:xfrm>
-            <a:off x="1604281" y="1232813"/>
-            <a:ext cx="432707" cy="726622"/>
+          <a:xfrm rot="5400000">
+            <a:off x="5820019" y="3553192"/>
+            <a:ext cx="1225132" cy="1962956"/>
           </a:xfrm>
-          <a:prstGeom prst="downArrow">
+          <a:prstGeom prst="upDownArrow">
             <a:avLst/>
           </a:prstGeom>
         </p:spPr>
@@ -8898,46 +10319,10 @@
           </a:p>
         </p:txBody>
       </p:sp>
-      <p:sp>
-        <p:nvSpPr>
-          <p:cNvPr id="17" name="TextBox 16">
-            <a:extLst>
-              <a:ext uri="{FF2B5EF4-FFF2-40B4-BE49-F238E27FC236}">
-                <a16:creationId xmlns:a16="http://schemas.microsoft.com/office/drawing/2014/main" id="{0DC8605E-D1F3-1BAB-A420-D831870A448D}"/>
-              </a:ext>
-            </a:extLst>
-          </p:cNvPr>
-          <p:cNvSpPr txBox="1"/>
-          <p:nvPr/>
-        </p:nvSpPr>
-        <p:spPr>
-          <a:xfrm>
-            <a:off x="1383846" y="576761"/>
-            <a:ext cx="3102429" cy="369332"/>
-          </a:xfrm>
-          <a:prstGeom prst="rect">
-            <a:avLst/>
-          </a:prstGeom>
-          <a:noFill/>
-        </p:spPr>
-        <p:txBody>
-          <a:bodyPr wrap="square" rtlCol="0">
-            <a:spAutoFit/>
-          </a:bodyPr>
-          <a:lstStyle/>
-          <a:p>
-            <a:r>
-              <a:rPr lang="ko-KR" altLang="en-US"/>
-              <a:t>스키마</a:t>
-            </a:r>
-            <a:endParaRPr lang="en-GB" dirty="0"/>
-          </a:p>
-        </p:txBody>
-      </p:sp>
     </p:spTree>
     <p:extLst>
       <p:ext uri="{BB962C8B-B14F-4D97-AF65-F5344CB8AC3E}">
-        <p14:creationId xmlns:p14="http://schemas.microsoft.com/office/powerpoint/2010/main" val="1115469292"/>
+        <p14:creationId xmlns:p14="http://schemas.microsoft.com/office/powerpoint/2010/main" val="1331805132"/>
       </p:ext>
     </p:extLst>
   </p:cSld>
@@ -8969,7 +10354,7 @@
           <p:cNvPr id="2" name="Title 1">
             <a:extLst>
               <a:ext uri="{FF2B5EF4-FFF2-40B4-BE49-F238E27FC236}">
-                <a16:creationId xmlns:a16="http://schemas.microsoft.com/office/drawing/2014/main" id="{E616ECFE-99CA-7D80-7ACA-8452815095AA}"/>
+                <a16:creationId xmlns:a16="http://schemas.microsoft.com/office/drawing/2014/main" id="{9A026C49-A64B-FEC4-6E72-C0FA13727DD3}"/>
               </a:ext>
             </a:extLst>
           </p:cNvPr>
@@ -8980,20 +10365,28 @@
             <p:ph type="title"/>
           </p:nvPr>
         </p:nvSpPr>
-        <p:spPr>
-          <a:xfrm>
-            <a:off x="846364" y="365125"/>
-            <a:ext cx="10515600" cy="1325563"/>
-          </a:xfrm>
-        </p:spPr>
+        <p:spPr/>
         <p:txBody>
           <a:bodyPr/>
           <a:lstStyle/>
           <a:p>
             <a:r>
-              <a:rPr lang="en-GB" dirty="0"/>
-              <a:t>MySQL?</a:t>
-            </a:r>
+              <a:rPr lang="ko-KR" altLang="en-US" dirty="0"/>
+              <a:t>실습</a:t>
+            </a:r>
+            <a:r>
+              <a:rPr lang="en-US" altLang="ko-KR" dirty="0"/>
+              <a:t>(</a:t>
+            </a:r>
+            <a:r>
+              <a:rPr lang="ko-KR" altLang="en-US" dirty="0"/>
+              <a:t>데이터베이스 생성 및 관리</a:t>
+            </a:r>
+            <a:r>
+              <a:rPr lang="en-US" altLang="ko-KR" dirty="0"/>
+              <a:t>)</a:t>
+            </a:r>
+            <a:endParaRPr lang="en-GB" dirty="0"/>
           </a:p>
         </p:txBody>
       </p:sp>
@@ -9002,7 +10395,7 @@
           <p:cNvPr id="3" name="Content Placeholder 2">
             <a:extLst>
               <a:ext uri="{FF2B5EF4-FFF2-40B4-BE49-F238E27FC236}">
-                <a16:creationId xmlns:a16="http://schemas.microsoft.com/office/drawing/2014/main" id="{BC35B764-435F-ED9B-0B0F-DC0F6E7AE63E}"/>
+                <a16:creationId xmlns:a16="http://schemas.microsoft.com/office/drawing/2014/main" id="{DDB14C06-4019-14BF-5463-9CB3409DF4D2}"/>
               </a:ext>
             </a:extLst>
           </p:cNvPr>
@@ -9020,36 +10413,27 @@
           <a:p>
             <a:r>
               <a:rPr lang="ko-KR" altLang="en-US" dirty="0"/>
-              <a:t>시중에는 이미 다양한 </a:t>
+              <a:t>데이터 베이스를 생성한다</a:t>
             </a:r>
             <a:r>
               <a:rPr lang="en-US" altLang="ko-KR" dirty="0"/>
-              <a:t>RDBMS</a:t>
-            </a:r>
-            <a:r>
-              <a:rPr lang="ko-KR" altLang="en-US" dirty="0"/>
-              <a:t>가 존재함</a:t>
-            </a:r>
-            <a:endParaRPr lang="en-US" altLang="ko-KR" dirty="0"/>
-          </a:p>
-          <a:p>
-            <a:r>
-              <a:rPr lang="en-US" dirty="0"/>
-              <a:t>MySQL, </a:t>
-            </a:r>
-            <a:r>
-              <a:rPr lang="en-US" dirty="0" err="1"/>
-              <a:t>Mariadb</a:t>
-            </a:r>
-            <a:r>
-              <a:rPr lang="en-US" dirty="0"/>
-              <a:t>, MSSQL, PostgreSQL, Oracle….</a:t>
-            </a:r>
-          </a:p>
-          <a:p>
-            <a:r>
-              <a:rPr lang="ko-KR" altLang="en-US" dirty="0"/>
-              <a:t>제품마다</a:t>
+              <a:t>.</a:t>
+            </a:r>
+          </a:p>
+          <a:p>
+            <a:r>
+              <a:rPr lang="ko-KR" altLang="en-US" dirty="0"/>
+              <a:t>생성된 데이터베이스 목록을 확인한다</a:t>
+            </a:r>
+            <a:r>
+              <a:rPr lang="en-US" altLang="ko-KR" dirty="0"/>
+              <a:t>.</a:t>
+            </a:r>
+          </a:p>
+          <a:p>
+            <a:r>
+              <a:rPr lang="ko-KR" altLang="en-US" dirty="0"/>
+              <a:t>생성된 데이터베이스 중 하나를 선택하고</a:t>
             </a:r>
             <a:r>
               <a:rPr lang="en-US" altLang="ko-KR" dirty="0"/>
@@ -9057,45 +10441,12 @@
             </a:r>
             <a:r>
               <a:rPr lang="ko-KR" altLang="en-US" dirty="0"/>
-              <a:t>라이선스 및 정책이 다름</a:t>
+              <a:t>테이블을 생성한다</a:t>
             </a:r>
             <a:r>
               <a:rPr lang="en-US" altLang="ko-KR" dirty="0"/>
               <a:t>.</a:t>
             </a:r>
-          </a:p>
-          <a:p>
-            <a:r>
-              <a:rPr lang="ko-KR" altLang="en-US" dirty="0"/>
-              <a:t>실무에서는</a:t>
-            </a:r>
-            <a:r>
-              <a:rPr lang="en-US" altLang="ko-KR" dirty="0"/>
-              <a:t>, </a:t>
-            </a:r>
-            <a:r>
-              <a:rPr lang="ko-KR" altLang="en-US" dirty="0"/>
-              <a:t>제품 별 특징이 문제를 해결하는데 중요한 해결책이 되기도 하나</a:t>
-            </a:r>
-            <a:r>
-              <a:rPr lang="en-US" altLang="ko-KR" dirty="0"/>
-              <a:t>, </a:t>
-            </a:r>
-            <a:r>
-              <a:rPr lang="ko-KR" altLang="en-US" dirty="0"/>
-              <a:t>회바회</a:t>
-            </a:r>
-            <a:r>
-              <a:rPr lang="en-US" altLang="ko-KR" dirty="0"/>
-              <a:t>, </a:t>
-            </a:r>
-            <a:r>
-              <a:rPr lang="ko-KR" altLang="en-US" dirty="0"/>
-              <a:t>팀바팀</a:t>
-            </a:r>
-            <a:endParaRPr lang="en-US" dirty="0"/>
-          </a:p>
-          <a:p>
             <a:endParaRPr lang="en-GB" dirty="0"/>
           </a:p>
         </p:txBody>
@@ -9103,7 +10454,7 @@
     </p:spTree>
     <p:extLst>
       <p:ext uri="{BB962C8B-B14F-4D97-AF65-F5344CB8AC3E}">
-        <p14:creationId xmlns:p14="http://schemas.microsoft.com/office/powerpoint/2010/main" val="384131278"/>
+        <p14:creationId xmlns:p14="http://schemas.microsoft.com/office/powerpoint/2010/main" val="3371571398"/>
       </p:ext>
     </p:extLst>
   </p:cSld>
@@ -9130,215 +10481,407 @@
           <a:chExt cx="0" cy="0"/>
         </a:xfrm>
       </p:grpSpPr>
-      <p:pic>
-        <p:nvPicPr>
-          <p:cNvPr id="4" name="Picture 3">
-            <a:extLst>
-              <a:ext uri="{FF2B5EF4-FFF2-40B4-BE49-F238E27FC236}">
-                <a16:creationId xmlns:a16="http://schemas.microsoft.com/office/drawing/2014/main" id="{ADBFEB8A-3226-2D70-A211-C020B970A25F}"/>
-              </a:ext>
-            </a:extLst>
-          </p:cNvPr>
-          <p:cNvPicPr>
-            <a:picLocks noChangeAspect="1"/>
-          </p:cNvPicPr>
+      <p:sp>
+        <p:nvSpPr>
+          <p:cNvPr id="4" name="TextBox 3">
+            <a:extLst>
+              <a:ext uri="{FF2B5EF4-FFF2-40B4-BE49-F238E27FC236}">
+                <a16:creationId xmlns:a16="http://schemas.microsoft.com/office/drawing/2014/main" id="{7B828523-1098-4F1F-B4B8-24E6704A2402}"/>
+              </a:ext>
+            </a:extLst>
+          </p:cNvPr>
+          <p:cNvSpPr txBox="1"/>
           <p:nvPr/>
-        </p:nvPicPr>
-        <p:blipFill>
-          <a:blip r:embed="rId3"/>
-          <a:stretch>
-            <a:fillRect/>
-          </a:stretch>
-        </p:blipFill>
+        </p:nvSpPr>
         <p:spPr>
           <a:xfrm>
-            <a:off x="519817" y="2550465"/>
-            <a:ext cx="3051181" cy="2076061"/>
-          </a:xfrm>
-          <a:prstGeom prst="rect">
-            <a:avLst/>
-          </a:prstGeom>
-        </p:spPr>
-      </p:pic>
-      <p:pic>
-        <p:nvPicPr>
-          <p:cNvPr id="5122" name="Picture 2" descr="MariaDB (@mariadb) / X">
-            <a:extLst>
-              <a:ext uri="{FF2B5EF4-FFF2-40B4-BE49-F238E27FC236}">
-                <a16:creationId xmlns:a16="http://schemas.microsoft.com/office/drawing/2014/main" id="{866EE1AA-2AF1-EC6B-5C6B-17A6CEA9AC51}"/>
-              </a:ext>
-            </a:extLst>
-          </p:cNvPr>
-          <p:cNvPicPr>
-            <a:picLocks noChangeAspect="1" noChangeArrowheads="1"/>
-          </p:cNvPicPr>
-          <p:nvPr/>
-        </p:nvPicPr>
-        <p:blipFill>
-          <a:blip r:embed="rId4">
-            <a:extLst>
-              <a:ext uri="{28A0092B-C50C-407E-A947-70E740481C1C}">
-                <a14:useLocalDpi xmlns:a14="http://schemas.microsoft.com/office/drawing/2010/main" val="0"/>
-              </a:ext>
-            </a:extLst>
-          </a:blip>
-          <a:srcRect/>
-          <a:stretch>
-            <a:fillRect/>
-          </a:stretch>
-        </p:blipFill>
-        <p:spPr bwMode="auto">
-          <a:xfrm>
-            <a:off x="4934829" y="2214269"/>
-            <a:ext cx="2143125" cy="2143125"/>
+            <a:off x="1195754" y="2690336"/>
+            <a:ext cx="2250831" cy="1477328"/>
           </a:xfrm>
           <a:prstGeom prst="rect">
             <a:avLst/>
           </a:prstGeom>
           <a:noFill/>
-          <a:extLst>
-            <a:ext uri="{909E8E84-426E-40DD-AFC4-6F175D3DCCD1}">
-              <a14:hiddenFill xmlns:a14="http://schemas.microsoft.com/office/drawing/2010/main">
-                <a:solidFill>
-                  <a:srgbClr val="FFFFFF"/>
-                </a:solidFill>
-              </a14:hiddenFill>
-            </a:ext>
-          </a:extLst>
+          <a:ln>
+            <a:solidFill>
+              <a:schemeClr val="tx1"/>
+            </a:solidFill>
+          </a:ln>
         </p:spPr>
-      </p:pic>
-      <p:pic>
-        <p:nvPicPr>
-          <p:cNvPr id="5124" name="Picture 4" descr="What is Oracle? | Webopedia">
-            <a:extLst>
-              <a:ext uri="{FF2B5EF4-FFF2-40B4-BE49-F238E27FC236}">
-                <a16:creationId xmlns:a16="http://schemas.microsoft.com/office/drawing/2014/main" id="{A16DCB8D-5CAE-4611-9D83-C1B9D2FEA9F0}"/>
-              </a:ext>
-            </a:extLst>
-          </p:cNvPr>
-          <p:cNvPicPr>
-            <a:picLocks noChangeAspect="1" noChangeArrowheads="1"/>
-          </p:cNvPicPr>
+        <p:txBody>
+          <a:bodyPr wrap="square" rtlCol="0">
+            <a:spAutoFit/>
+          </a:bodyPr>
+          <a:lstStyle/>
+          <a:p>
+            <a:r>
+              <a:rPr lang="ko-KR" altLang="en-US" dirty="0"/>
+              <a:t>수업</a:t>
+            </a:r>
+            <a:r>
+              <a:rPr lang="en-US" altLang="ko-KR" dirty="0"/>
+              <a:t>_ID (</a:t>
+            </a:r>
+            <a:r>
+              <a:rPr lang="ko-KR" altLang="en-US" dirty="0"/>
+              <a:t>인조키</a:t>
+            </a:r>
+            <a:r>
+              <a:rPr lang="en-US" altLang="ko-KR" dirty="0"/>
+              <a:t>)</a:t>
+            </a:r>
+          </a:p>
+          <a:p>
+            <a:r>
+              <a:rPr lang="ko-KR" altLang="en-US" dirty="0"/>
+              <a:t>수업</a:t>
+            </a:r>
+            <a:r>
+              <a:rPr lang="en-US" altLang="ko-KR" dirty="0"/>
+              <a:t>_</a:t>
+            </a:r>
+            <a:r>
+              <a:rPr lang="ko-KR" altLang="en-US" dirty="0"/>
+              <a:t>날짜</a:t>
+            </a:r>
+            <a:endParaRPr lang="en-US" altLang="ko-KR" dirty="0"/>
+          </a:p>
+          <a:p>
+            <a:r>
+              <a:rPr lang="ko-KR" altLang="en-US" dirty="0"/>
+              <a:t>수업</a:t>
+            </a:r>
+            <a:r>
+              <a:rPr lang="en-US" altLang="ko-KR" dirty="0"/>
+              <a:t>_</a:t>
+            </a:r>
+            <a:r>
+              <a:rPr lang="ko-KR" altLang="en-US" dirty="0"/>
+              <a:t>시작시간</a:t>
+            </a:r>
+            <a:endParaRPr lang="en-US" altLang="ko-KR" dirty="0"/>
+          </a:p>
+          <a:p>
+            <a:r>
+              <a:rPr lang="ko-KR" altLang="en-US" dirty="0"/>
+              <a:t>수업</a:t>
+            </a:r>
+            <a:r>
+              <a:rPr lang="en-US" altLang="ko-KR" dirty="0"/>
+              <a:t>_</a:t>
+            </a:r>
+            <a:r>
+              <a:rPr lang="ko-KR" altLang="en-US" dirty="0"/>
+              <a:t>종료시간</a:t>
+            </a:r>
+            <a:endParaRPr lang="en-US" altLang="ko-KR" dirty="0"/>
+          </a:p>
+          <a:p>
+            <a:r>
+              <a:rPr lang="ko-KR" altLang="en-US" dirty="0"/>
+              <a:t>수업</a:t>
+            </a:r>
+            <a:r>
+              <a:rPr lang="en-US" altLang="ko-KR" dirty="0"/>
+              <a:t>_</a:t>
+            </a:r>
+            <a:r>
+              <a:rPr lang="ko-KR" altLang="en-US" dirty="0"/>
+              <a:t>주제</a:t>
+            </a:r>
+            <a:endParaRPr lang="en-US" altLang="ko-KR" dirty="0"/>
+          </a:p>
+        </p:txBody>
+      </p:sp>
+      <p:sp>
+        <p:nvSpPr>
+          <p:cNvPr id="5" name="TextBox 4">
+            <a:extLst>
+              <a:ext uri="{FF2B5EF4-FFF2-40B4-BE49-F238E27FC236}">
+                <a16:creationId xmlns:a16="http://schemas.microsoft.com/office/drawing/2014/main" id="{C9B8B8E5-2D14-7EEB-103A-1FD526F48F42}"/>
+              </a:ext>
+            </a:extLst>
+          </p:cNvPr>
+          <p:cNvSpPr txBox="1"/>
           <p:nvPr/>
-        </p:nvPicPr>
-        <p:blipFill>
-          <a:blip r:embed="rId5">
-            <a:extLst>
-              <a:ext uri="{28A0092B-C50C-407E-A947-70E740481C1C}">
-                <a14:useLocalDpi xmlns:a14="http://schemas.microsoft.com/office/drawing/2010/main" val="0"/>
-              </a:ext>
-            </a:extLst>
-          </a:blip>
-          <a:srcRect/>
-          <a:stretch>
-            <a:fillRect/>
-          </a:stretch>
-        </p:blipFill>
-        <p:spPr bwMode="auto">
+        </p:nvSpPr>
+        <p:spPr>
           <a:xfrm>
-            <a:off x="8621004" y="3200693"/>
-            <a:ext cx="2143125" cy="2143125"/>
+            <a:off x="1359877" y="2239108"/>
+            <a:ext cx="1735015" cy="369332"/>
           </a:xfrm>
           <a:prstGeom prst="rect">
             <a:avLst/>
           </a:prstGeom>
           <a:noFill/>
-          <a:extLst>
-            <a:ext uri="{909E8E84-426E-40DD-AFC4-6F175D3DCCD1}">
-              <a14:hiddenFill xmlns:a14="http://schemas.microsoft.com/office/drawing/2010/main">
-                <a:solidFill>
-                  <a:srgbClr val="FFFFFF"/>
-                </a:solidFill>
-              </a14:hiddenFill>
-            </a:ext>
-          </a:extLst>
         </p:spPr>
-      </p:pic>
-      <p:pic>
-        <p:nvPicPr>
-          <p:cNvPr id="5126" name="Picture 6" descr="Query Postgres Database ...">
-            <a:extLst>
-              <a:ext uri="{FF2B5EF4-FFF2-40B4-BE49-F238E27FC236}">
-                <a16:creationId xmlns:a16="http://schemas.microsoft.com/office/drawing/2014/main" id="{A97BC08E-6D7A-B5D4-65EE-8B5D48FC6688}"/>
-              </a:ext>
-            </a:extLst>
-          </p:cNvPr>
-          <p:cNvPicPr>
-            <a:picLocks noChangeAspect="1" noChangeArrowheads="1"/>
-          </p:cNvPicPr>
+        <p:txBody>
+          <a:bodyPr wrap="square" rtlCol="0">
+            <a:spAutoFit/>
+          </a:bodyPr>
+          <a:lstStyle/>
+          <a:p>
+            <a:r>
+              <a:rPr lang="ko-KR" altLang="en-US" dirty="0"/>
+              <a:t>수업 관리 </a:t>
+            </a:r>
+            <a:r>
+              <a:rPr lang="en-US" altLang="ko-KR" dirty="0" err="1"/>
+              <a:t>tbl</a:t>
+            </a:r>
+            <a:endParaRPr lang="en-GB" dirty="0"/>
+          </a:p>
+        </p:txBody>
+      </p:sp>
+      <p:sp>
+        <p:nvSpPr>
+          <p:cNvPr id="7" name="TextBox 6">
+            <a:extLst>
+              <a:ext uri="{FF2B5EF4-FFF2-40B4-BE49-F238E27FC236}">
+                <a16:creationId xmlns:a16="http://schemas.microsoft.com/office/drawing/2014/main" id="{F7C2E243-95D1-EACD-75D4-8BD1C98436E0}"/>
+              </a:ext>
+            </a:extLst>
+          </p:cNvPr>
+          <p:cNvSpPr txBox="1"/>
           <p:nvPr/>
-        </p:nvPicPr>
-        <p:blipFill>
-          <a:blip r:embed="rId6">
-            <a:extLst>
-              <a:ext uri="{28A0092B-C50C-407E-A947-70E740481C1C}">
-                <a14:useLocalDpi xmlns:a14="http://schemas.microsoft.com/office/drawing/2010/main" val="0"/>
-              </a:ext>
-            </a:extLst>
-          </a:blip>
-          <a:srcRect/>
-          <a:stretch>
-            <a:fillRect/>
-          </a:stretch>
-        </p:blipFill>
-        <p:spPr bwMode="auto">
+        </p:nvSpPr>
+        <p:spPr>
           <a:xfrm>
-            <a:off x="4038118" y="4539731"/>
-            <a:ext cx="3162300" cy="1447800"/>
+            <a:off x="6764215" y="3068432"/>
+            <a:ext cx="2250831" cy="646331"/>
           </a:xfrm>
           <a:prstGeom prst="rect">
             <a:avLst/>
           </a:prstGeom>
           <a:noFill/>
-          <a:extLst>
-            <a:ext uri="{909E8E84-426E-40DD-AFC4-6F175D3DCCD1}">
-              <a14:hiddenFill xmlns:a14="http://schemas.microsoft.com/office/drawing/2010/main">
-                <a:solidFill>
-                  <a:srgbClr val="FFFFFF"/>
-                </a:solidFill>
-              </a14:hiddenFill>
-            </a:ext>
-          </a:extLst>
+          <a:ln>
+            <a:solidFill>
+              <a:schemeClr val="tx1"/>
+            </a:solidFill>
+          </a:ln>
         </p:spPr>
-      </p:pic>
-      <p:sp>
-        <p:nvSpPr>
-          <p:cNvPr id="5" name="Title 1">
-            <a:extLst>
-              <a:ext uri="{FF2B5EF4-FFF2-40B4-BE49-F238E27FC236}">
-                <a16:creationId xmlns:a16="http://schemas.microsoft.com/office/drawing/2014/main" id="{970474A8-ED41-7B5F-F65C-B65616C6F109}"/>
-              </a:ext>
-            </a:extLst>
-          </p:cNvPr>
-          <p:cNvSpPr>
-            <a:spLocks noGrp="1"/>
-          </p:cNvSpPr>
-          <p:nvPr>
-            <p:ph type="title"/>
-          </p:nvPr>
+        <p:txBody>
+          <a:bodyPr wrap="square" rtlCol="0">
+            <a:spAutoFit/>
+          </a:bodyPr>
+          <a:lstStyle/>
+          <a:p>
+            <a:r>
+              <a:rPr lang="ko-KR" altLang="en-US" dirty="0"/>
+              <a:t>수업</a:t>
+            </a:r>
+            <a:r>
+              <a:rPr lang="en-US" altLang="ko-KR" dirty="0"/>
+              <a:t>_ID(</a:t>
+            </a:r>
+            <a:r>
+              <a:rPr lang="ko-KR" altLang="en-US" dirty="0"/>
+              <a:t>외래키</a:t>
+            </a:r>
+            <a:r>
+              <a:rPr lang="en-US" altLang="ko-KR" dirty="0"/>
+              <a:t>)</a:t>
+            </a:r>
+          </a:p>
+          <a:p>
+            <a:r>
+              <a:rPr lang="ko-KR" altLang="en-US" dirty="0"/>
+              <a:t>참가자</a:t>
+            </a:r>
+            <a:r>
+              <a:rPr lang="en-US" altLang="ko-KR" dirty="0"/>
+              <a:t>_ID</a:t>
+            </a:r>
+          </a:p>
+        </p:txBody>
+      </p:sp>
+      <p:sp>
+        <p:nvSpPr>
+          <p:cNvPr id="8" name="TextBox 7">
+            <a:extLst>
+              <a:ext uri="{FF2B5EF4-FFF2-40B4-BE49-F238E27FC236}">
+                <a16:creationId xmlns:a16="http://schemas.microsoft.com/office/drawing/2014/main" id="{C720B83E-1448-B86C-8DA1-673939E3ACF2}"/>
+              </a:ext>
+            </a:extLst>
+          </p:cNvPr>
+          <p:cNvSpPr txBox="1"/>
+          <p:nvPr/>
         </p:nvSpPr>
         <p:spPr>
           <a:xfrm>
-            <a:off x="838200" y="365125"/>
-            <a:ext cx="10515600" cy="1325563"/>
+            <a:off x="7022122" y="2684640"/>
+            <a:ext cx="1735015" cy="369332"/>
           </a:xfrm>
+          <a:prstGeom prst="rect">
+            <a:avLst/>
+          </a:prstGeom>
+          <a:noFill/>
         </p:spPr>
         <p:txBody>
-          <a:bodyPr/>
-          <a:lstStyle/>
-          <a:p>
-            <a:r>
-              <a:rPr lang="ko-KR" altLang="en-US" dirty="0"/>
-              <a:t>시중에는 다양한 </a:t>
-            </a:r>
-            <a:r>
-              <a:rPr lang="en-US" altLang="ko-KR" dirty="0"/>
-              <a:t>RDBMS </a:t>
-            </a:r>
-            <a:r>
-              <a:rPr lang="ko-KR" altLang="en-US" dirty="0"/>
-              <a:t>제품이 존재</a:t>
-            </a:r>
+          <a:bodyPr wrap="square" rtlCol="0">
+            <a:spAutoFit/>
+          </a:bodyPr>
+          <a:lstStyle/>
+          <a:p>
+            <a:r>
+              <a:rPr lang="ko-KR" altLang="en-US" dirty="0"/>
+              <a:t>참가자 </a:t>
+            </a:r>
+            <a:r>
+              <a:rPr lang="en-US" altLang="ko-KR" dirty="0" err="1"/>
+              <a:t>tbl</a:t>
+            </a:r>
+            <a:endParaRPr lang="en-GB" dirty="0"/>
+          </a:p>
+        </p:txBody>
+      </p:sp>
+      <p:cxnSp>
+        <p:nvCxnSpPr>
+          <p:cNvPr id="10" name="Straight Connector 9">
+            <a:extLst>
+              <a:ext uri="{FF2B5EF4-FFF2-40B4-BE49-F238E27FC236}">
+                <a16:creationId xmlns:a16="http://schemas.microsoft.com/office/drawing/2014/main" id="{AF2CE943-5C54-BEF7-6017-FCB65D6AE95B}"/>
+              </a:ext>
+            </a:extLst>
+          </p:cNvPr>
+          <p:cNvCxnSpPr>
+            <a:stCxn id="4" idx="3"/>
+          </p:cNvCxnSpPr>
+          <p:nvPr/>
+        </p:nvCxnSpPr>
+        <p:spPr>
+          <a:xfrm>
+            <a:off x="3446585" y="3429000"/>
+            <a:ext cx="3223846" cy="0"/>
+          </a:xfrm>
+          <a:prstGeom prst="line">
+            <a:avLst/>
+          </a:prstGeom>
+        </p:spPr>
+        <p:style>
+          <a:lnRef idx="2">
+            <a:schemeClr val="accent1"/>
+          </a:lnRef>
+          <a:fillRef idx="0">
+            <a:schemeClr val="accent1"/>
+          </a:fillRef>
+          <a:effectRef idx="1">
+            <a:schemeClr val="accent1"/>
+          </a:effectRef>
+          <a:fontRef idx="minor">
+            <a:schemeClr val="tx1"/>
+          </a:fontRef>
+        </p:style>
+      </p:cxnSp>
+      <p:sp>
+        <p:nvSpPr>
+          <p:cNvPr id="11" name="TextBox 10">
+            <a:extLst>
+              <a:ext uri="{FF2B5EF4-FFF2-40B4-BE49-F238E27FC236}">
+                <a16:creationId xmlns:a16="http://schemas.microsoft.com/office/drawing/2014/main" id="{2BD45721-D349-08A0-C625-D3BB69E47613}"/>
+              </a:ext>
+            </a:extLst>
+          </p:cNvPr>
+          <p:cNvSpPr txBox="1"/>
+          <p:nvPr/>
+        </p:nvSpPr>
+        <p:spPr>
+          <a:xfrm>
+            <a:off x="1559169" y="4407877"/>
+            <a:ext cx="2708031" cy="1477328"/>
+          </a:xfrm>
+          <a:prstGeom prst="rect">
+            <a:avLst/>
+          </a:prstGeom>
+          <a:noFill/>
+        </p:spPr>
+        <p:txBody>
+          <a:bodyPr wrap="square" rtlCol="0">
+            <a:spAutoFit/>
+          </a:bodyPr>
+          <a:lstStyle/>
+          <a:p>
+            <a:r>
+              <a:rPr lang="en-GB" dirty="0"/>
+              <a:t>1</a:t>
+            </a:r>
+          </a:p>
+          <a:p>
+            <a:r>
+              <a:rPr lang="en-GB" dirty="0"/>
+              <a:t>2</a:t>
+            </a:r>
+          </a:p>
+          <a:p>
+            <a:r>
+              <a:rPr lang="en-GB" dirty="0"/>
+              <a:t>3</a:t>
+            </a:r>
+          </a:p>
+          <a:p>
+            <a:r>
+              <a:rPr lang="en-GB" dirty="0"/>
+              <a:t>4</a:t>
+            </a:r>
+          </a:p>
+          <a:p>
+            <a:r>
+              <a:rPr lang="en-GB" dirty="0"/>
+              <a:t>5</a:t>
+            </a:r>
+          </a:p>
+        </p:txBody>
+      </p:sp>
+      <p:sp>
+        <p:nvSpPr>
+          <p:cNvPr id="12" name="TextBox 11">
+            <a:extLst>
+              <a:ext uri="{FF2B5EF4-FFF2-40B4-BE49-F238E27FC236}">
+                <a16:creationId xmlns:a16="http://schemas.microsoft.com/office/drawing/2014/main" id="{3463E396-28B3-D338-8F02-65C9A04581F2}"/>
+              </a:ext>
+            </a:extLst>
+          </p:cNvPr>
+          <p:cNvSpPr txBox="1"/>
+          <p:nvPr/>
+        </p:nvSpPr>
+        <p:spPr>
+          <a:xfrm>
+            <a:off x="7022122" y="3997569"/>
+            <a:ext cx="2708031" cy="923330"/>
+          </a:xfrm>
+          <a:prstGeom prst="rect">
+            <a:avLst/>
+          </a:prstGeom>
+          <a:noFill/>
+        </p:spPr>
+        <p:txBody>
+          <a:bodyPr wrap="square" rtlCol="0">
+            <a:spAutoFit/>
+          </a:bodyPr>
+          <a:lstStyle/>
+          <a:p>
+            <a:r>
+              <a:rPr lang="en-GB" dirty="0"/>
+              <a:t>1 </a:t>
+            </a:r>
+            <a:r>
+              <a:rPr lang="ko-KR" altLang="en-US" dirty="0"/>
+              <a:t>조현일</a:t>
+            </a:r>
+            <a:endParaRPr lang="en-GB" dirty="0"/>
+          </a:p>
+          <a:p>
+            <a:r>
+              <a:rPr lang="en-GB" dirty="0"/>
+              <a:t>6 </a:t>
+            </a:r>
+            <a:r>
+              <a:rPr lang="ko-KR" altLang="en-US" dirty="0"/>
+              <a:t>황정민</a:t>
+            </a:r>
+            <a:endParaRPr lang="en-GB" dirty="0"/>
+          </a:p>
+          <a:p>
             <a:endParaRPr lang="en-GB" dirty="0"/>
           </a:p>
         </p:txBody>
@@ -9346,7 +10889,7 @@
     </p:spTree>
     <p:extLst>
       <p:ext uri="{BB962C8B-B14F-4D97-AF65-F5344CB8AC3E}">
-        <p14:creationId xmlns:p14="http://schemas.microsoft.com/office/powerpoint/2010/main" val="1264242488"/>
+        <p14:creationId xmlns:p14="http://schemas.microsoft.com/office/powerpoint/2010/main" val="3328389504"/>
       </p:ext>
     </p:extLst>
   </p:cSld>

--- a/hy/수업자료/9주차 SQL/SQL.pptx
+++ b/hy/수업자료/9주차 SQL/SQL.pptx
@@ -5,7 +5,7 @@
     <p:sldMasterId id="2147483648" r:id="rId1"/>
   </p:sldMasterIdLst>
   <p:notesMasterIdLst>
-    <p:notesMasterId r:id="rId26"/>
+    <p:notesMasterId r:id="rId39"/>
   </p:notesMasterIdLst>
   <p:sldIdLst>
     <p:sldId id="256" r:id="rId2"/>
@@ -32,6 +32,19 @@
     <p:sldId id="275" r:id="rId23"/>
     <p:sldId id="276" r:id="rId24"/>
     <p:sldId id="277" r:id="rId25"/>
+    <p:sldId id="282" r:id="rId26"/>
+    <p:sldId id="283" r:id="rId27"/>
+    <p:sldId id="284" r:id="rId28"/>
+    <p:sldId id="285" r:id="rId29"/>
+    <p:sldId id="286" r:id="rId30"/>
+    <p:sldId id="287" r:id="rId31"/>
+    <p:sldId id="288" r:id="rId32"/>
+    <p:sldId id="289" r:id="rId33"/>
+    <p:sldId id="290" r:id="rId34"/>
+    <p:sldId id="291" r:id="rId35"/>
+    <p:sldId id="292" r:id="rId36"/>
+    <p:sldId id="293" r:id="rId37"/>
+    <p:sldId id="294" r:id="rId38"/>
   </p:sldIdLst>
   <p:sldSz cx="12192000" cy="6858000"/>
   <p:notesSz cx="6858000" cy="9144000"/>
@@ -187,7 +200,7 @@
             </a:lvl1pPr>
           </a:lstStyle>
           <a:p>
-            <a:endParaRPr lang="en-GB"/>
+            <a:endParaRPr lang="en-GB" dirty="0"/>
           </a:p>
         </p:txBody>
       </p:sp>
@@ -220,9 +233,9 @@
           <a:p>
             <a:fld id="{D8B4EACE-847A-4F03-899D-850B056C42FF}" type="datetimeFigureOut">
               <a:rPr lang="en-GB" smtClean="0"/>
-              <a:t>10/10/2024</a:t>
+              <a:t>12/10/2024</a:t>
             </a:fld>
-            <a:endParaRPr lang="en-GB"/>
+            <a:endParaRPr lang="en-GB" dirty="0"/>
           </a:p>
         </p:txBody>
       </p:sp>
@@ -255,7 +268,7 @@
           <a:bodyPr vert="horz" lIns="91440" tIns="45720" rIns="91440" bIns="45720" rtlCol="0" anchor="ctr"/>
           <a:lstStyle/>
           <a:p>
-            <a:endParaRPr lang="en-GB"/>
+            <a:endParaRPr lang="en-GB" dirty="0"/>
           </a:p>
         </p:txBody>
       </p:sp>
@@ -346,7 +359,7 @@
             </a:lvl1pPr>
           </a:lstStyle>
           <a:p>
-            <a:endParaRPr lang="en-GB"/>
+            <a:endParaRPr lang="en-GB" dirty="0"/>
           </a:p>
         </p:txBody>
       </p:sp>
@@ -381,7 +394,7 @@
               <a:rPr lang="en-GB" smtClean="0"/>
               <a:t>‹#›</a:t>
             </a:fld>
-            <a:endParaRPr lang="en-GB"/>
+            <a:endParaRPr lang="en-GB" dirty="0"/>
           </a:p>
         </p:txBody>
       </p:sp>
@@ -555,7 +568,7 @@
               <a:rPr lang="en-GB" smtClean="0"/>
               <a:t>5</a:t>
             </a:fld>
-            <a:endParaRPr lang="en-GB"/>
+            <a:endParaRPr lang="en-GB" dirty="0"/>
           </a:p>
         </p:txBody>
       </p:sp>
@@ -970,6 +983,708 @@
 </p:notes>
 </file>
 
+<file path=ppt/notesSlides/notesSlide13.xml><?xml version="1.0" encoding="utf-8"?>
+<p:notes xmlns:a="http://schemas.openxmlformats.org/drawingml/2006/main" xmlns:r="http://schemas.openxmlformats.org/officeDocument/2006/relationships" xmlns:p="http://schemas.openxmlformats.org/presentationml/2006/main">
+  <p:cSld>
+    <p:spTree>
+      <p:nvGrpSpPr>
+        <p:cNvPr id="1" name=""/>
+        <p:cNvGrpSpPr/>
+        <p:nvPr/>
+      </p:nvGrpSpPr>
+      <p:grpSpPr>
+        <a:xfrm>
+          <a:off x="0" y="0"/>
+          <a:ext cx="0" cy="0"/>
+          <a:chOff x="0" y="0"/>
+          <a:chExt cx="0" cy="0"/>
+        </a:xfrm>
+      </p:grpSpPr>
+      <p:sp>
+        <p:nvSpPr>
+          <p:cNvPr id="2" name="Slide Image Placeholder 1"/>
+          <p:cNvSpPr>
+            <a:spLocks noGrp="1" noRot="1" noChangeAspect="1"/>
+          </p:cNvSpPr>
+          <p:nvPr>
+            <p:ph type="sldImg"/>
+          </p:nvPr>
+        </p:nvSpPr>
+        <p:spPr/>
+      </p:sp>
+      <p:sp>
+        <p:nvSpPr>
+          <p:cNvPr id="3" name="Notes Placeholder 2"/>
+          <p:cNvSpPr>
+            <a:spLocks noGrp="1"/>
+          </p:cNvSpPr>
+          <p:nvPr>
+            <p:ph type="body" idx="1"/>
+          </p:nvPr>
+        </p:nvSpPr>
+        <p:spPr/>
+        <p:txBody>
+          <a:bodyPr/>
+          <a:lstStyle/>
+          <a:p>
+            <a:r>
+              <a:rPr lang="ko-KR" altLang="en-US" dirty="0"/>
+              <a:t>모든 </a:t>
+            </a:r>
+            <a:r>
+              <a:rPr lang="en-US" altLang="ko-KR" dirty="0"/>
+              <a:t>SQL</a:t>
+            </a:r>
+            <a:r>
+              <a:rPr lang="ko-KR" altLang="en-US" dirty="0"/>
+              <a:t>을 알려드릴 수는 없음</a:t>
+            </a:r>
+            <a:r>
+              <a:rPr lang="en-US" altLang="ko-KR" dirty="0"/>
+              <a:t>. </a:t>
+            </a:r>
+            <a:r>
+              <a:rPr lang="ko-KR" altLang="en-US" dirty="0"/>
+              <a:t>이는 물리적으로도 불가능하며</a:t>
+            </a:r>
+            <a:r>
+              <a:rPr lang="en-US" altLang="ko-KR" dirty="0"/>
+              <a:t>, </a:t>
+            </a:r>
+            <a:r>
+              <a:rPr lang="ko-KR" altLang="en-US" dirty="0"/>
+              <a:t>설령 가능하더라도</a:t>
+            </a:r>
+            <a:r>
+              <a:rPr lang="en-US" altLang="ko-KR" dirty="0"/>
+              <a:t>, </a:t>
+            </a:r>
+            <a:r>
+              <a:rPr lang="ko-KR" altLang="en-US" dirty="0"/>
+              <a:t>휘발성 기억으로 학습 효율에도 좋지 않음</a:t>
+            </a:r>
+            <a:r>
+              <a:rPr lang="en-US" altLang="ko-KR" dirty="0"/>
+              <a:t>.</a:t>
+            </a:r>
+          </a:p>
+          <a:p>
+            <a:r>
+              <a:rPr lang="ko-KR" altLang="en-US" dirty="0"/>
+              <a:t>그렇기 때문에</a:t>
+            </a:r>
+            <a:r>
+              <a:rPr lang="en-US" altLang="ko-KR" dirty="0"/>
+              <a:t>, </a:t>
+            </a:r>
+            <a:r>
+              <a:rPr lang="ko-KR" altLang="en-US" dirty="0"/>
+              <a:t>항상 말씀드리는 것처럼</a:t>
+            </a:r>
+            <a:r>
+              <a:rPr lang="en-US" altLang="ko-KR" dirty="0"/>
+              <a:t>, </a:t>
+            </a:r>
+            <a:r>
+              <a:rPr lang="ko-KR" altLang="en-US" dirty="0"/>
+              <a:t>내가 필요로 하는 기능이 무엇인지 정확하게 이해하고</a:t>
+            </a:r>
+            <a:r>
+              <a:rPr lang="en-US" altLang="ko-KR" dirty="0"/>
+              <a:t>, </a:t>
+            </a:r>
+            <a:r>
+              <a:rPr lang="ko-KR" altLang="en-US" dirty="0"/>
+              <a:t>필요 시</a:t>
+            </a:r>
+            <a:r>
+              <a:rPr lang="en-US" altLang="ko-KR" dirty="0"/>
+              <a:t>, </a:t>
+            </a:r>
+            <a:r>
+              <a:rPr lang="ko-KR" altLang="en-US" dirty="0"/>
+              <a:t>적절하게 검색을 하고</a:t>
+            </a:r>
+            <a:r>
+              <a:rPr lang="en-US" altLang="ko-KR" dirty="0"/>
+              <a:t>, </a:t>
+            </a:r>
+            <a:r>
+              <a:rPr lang="ko-KR" altLang="en-US" dirty="0"/>
+              <a:t>찾아보는 능력을 키우는 것이 중요함</a:t>
+            </a:r>
+            <a:endParaRPr lang="en-US" altLang="ko-KR" dirty="0"/>
+          </a:p>
+          <a:p>
+            <a:r>
+              <a:rPr lang="en-US" dirty="0"/>
+              <a:t>ChatGPT </a:t>
+            </a:r>
+            <a:r>
+              <a:rPr lang="ko-KR" altLang="en-US" dirty="0"/>
+              <a:t>시대에 모든 함수</a:t>
+            </a:r>
+            <a:r>
+              <a:rPr lang="en-US" altLang="ko-KR" dirty="0"/>
+              <a:t>, </a:t>
+            </a:r>
+            <a:r>
+              <a:rPr lang="ko-KR" altLang="en-US" dirty="0"/>
+              <a:t>모든 명령을 다 외우는 것은 애초에 불가능하면서도 동시에 비효율적임</a:t>
+            </a:r>
+            <a:r>
+              <a:rPr lang="en-US" altLang="ko-KR" dirty="0"/>
+              <a:t>.</a:t>
+            </a:r>
+          </a:p>
+          <a:p>
+            <a:endParaRPr lang="en-US" dirty="0"/>
+          </a:p>
+          <a:p>
+            <a:endParaRPr lang="en-US" dirty="0"/>
+          </a:p>
+        </p:txBody>
+      </p:sp>
+      <p:sp>
+        <p:nvSpPr>
+          <p:cNvPr id="4" name="Slide Number Placeholder 3"/>
+          <p:cNvSpPr>
+            <a:spLocks noGrp="1"/>
+          </p:cNvSpPr>
+          <p:nvPr>
+            <p:ph type="sldNum" sz="quarter" idx="5"/>
+          </p:nvPr>
+        </p:nvSpPr>
+        <p:spPr/>
+        <p:txBody>
+          <a:bodyPr/>
+          <a:lstStyle/>
+          <a:p>
+            <a:fld id="{245E38B4-F827-48FD-9C71-892AE46CA46F}" type="slidenum">
+              <a:rPr lang="en-GB" smtClean="0"/>
+              <a:t>25</a:t>
+            </a:fld>
+            <a:endParaRPr lang="en-GB"/>
+          </a:p>
+        </p:txBody>
+      </p:sp>
+    </p:spTree>
+    <p:extLst>
+      <p:ext uri="{BB962C8B-B14F-4D97-AF65-F5344CB8AC3E}">
+        <p14:creationId xmlns:p14="http://schemas.microsoft.com/office/powerpoint/2010/main" val="2833941471"/>
+      </p:ext>
+    </p:extLst>
+  </p:cSld>
+  <p:clrMapOvr>
+    <a:masterClrMapping/>
+  </p:clrMapOvr>
+</p:notes>
+</file>
+
+<file path=ppt/notesSlides/notesSlide14.xml><?xml version="1.0" encoding="utf-8"?>
+<p:notes xmlns:a="http://schemas.openxmlformats.org/drawingml/2006/main" xmlns:r="http://schemas.openxmlformats.org/officeDocument/2006/relationships" xmlns:p="http://schemas.openxmlformats.org/presentationml/2006/main">
+  <p:cSld>
+    <p:spTree>
+      <p:nvGrpSpPr>
+        <p:cNvPr id="1" name=""/>
+        <p:cNvGrpSpPr/>
+        <p:nvPr/>
+      </p:nvGrpSpPr>
+      <p:grpSpPr>
+        <a:xfrm>
+          <a:off x="0" y="0"/>
+          <a:ext cx="0" cy="0"/>
+          <a:chOff x="0" y="0"/>
+          <a:chExt cx="0" cy="0"/>
+        </a:xfrm>
+      </p:grpSpPr>
+      <p:sp>
+        <p:nvSpPr>
+          <p:cNvPr id="2" name="Slide Image Placeholder 1"/>
+          <p:cNvSpPr>
+            <a:spLocks noGrp="1" noRot="1" noChangeAspect="1"/>
+          </p:cNvSpPr>
+          <p:nvPr>
+            <p:ph type="sldImg"/>
+          </p:nvPr>
+        </p:nvSpPr>
+        <p:spPr/>
+      </p:sp>
+      <p:sp>
+        <p:nvSpPr>
+          <p:cNvPr id="3" name="Notes Placeholder 2"/>
+          <p:cNvSpPr>
+            <a:spLocks noGrp="1"/>
+          </p:cNvSpPr>
+          <p:nvPr>
+            <p:ph type="body" idx="1"/>
+          </p:nvPr>
+        </p:nvSpPr>
+        <p:spPr/>
+        <p:txBody>
+          <a:bodyPr/>
+          <a:lstStyle/>
+          <a:p>
+            <a:endParaRPr lang="en-GB" dirty="0"/>
+          </a:p>
+        </p:txBody>
+      </p:sp>
+      <p:sp>
+        <p:nvSpPr>
+          <p:cNvPr id="4" name="Slide Number Placeholder 3"/>
+          <p:cNvSpPr>
+            <a:spLocks noGrp="1"/>
+          </p:cNvSpPr>
+          <p:nvPr>
+            <p:ph type="sldNum" sz="quarter" idx="5"/>
+          </p:nvPr>
+        </p:nvSpPr>
+        <p:spPr/>
+        <p:txBody>
+          <a:bodyPr/>
+          <a:lstStyle/>
+          <a:p>
+            <a:fld id="{245E38B4-F827-48FD-9C71-892AE46CA46F}" type="slidenum">
+              <a:rPr lang="en-GB" smtClean="0"/>
+              <a:t>27</a:t>
+            </a:fld>
+            <a:endParaRPr lang="en-GB"/>
+          </a:p>
+        </p:txBody>
+      </p:sp>
+    </p:spTree>
+    <p:extLst>
+      <p:ext uri="{BB962C8B-B14F-4D97-AF65-F5344CB8AC3E}">
+        <p14:creationId xmlns:p14="http://schemas.microsoft.com/office/powerpoint/2010/main" val="3385504087"/>
+      </p:ext>
+    </p:extLst>
+  </p:cSld>
+  <p:clrMapOvr>
+    <a:masterClrMapping/>
+  </p:clrMapOvr>
+</p:notes>
+</file>
+
+<file path=ppt/notesSlides/notesSlide15.xml><?xml version="1.0" encoding="utf-8"?>
+<p:notes xmlns:a="http://schemas.openxmlformats.org/drawingml/2006/main" xmlns:r="http://schemas.openxmlformats.org/officeDocument/2006/relationships" xmlns:p="http://schemas.openxmlformats.org/presentationml/2006/main">
+  <p:cSld>
+    <p:spTree>
+      <p:nvGrpSpPr>
+        <p:cNvPr id="1" name=""/>
+        <p:cNvGrpSpPr/>
+        <p:nvPr/>
+      </p:nvGrpSpPr>
+      <p:grpSpPr>
+        <a:xfrm>
+          <a:off x="0" y="0"/>
+          <a:ext cx="0" cy="0"/>
+          <a:chOff x="0" y="0"/>
+          <a:chExt cx="0" cy="0"/>
+        </a:xfrm>
+      </p:grpSpPr>
+      <p:sp>
+        <p:nvSpPr>
+          <p:cNvPr id="2" name="Slide Image Placeholder 1"/>
+          <p:cNvSpPr>
+            <a:spLocks noGrp="1" noRot="1" noChangeAspect="1"/>
+          </p:cNvSpPr>
+          <p:nvPr>
+            <p:ph type="sldImg"/>
+          </p:nvPr>
+        </p:nvSpPr>
+        <p:spPr/>
+      </p:sp>
+      <p:sp>
+        <p:nvSpPr>
+          <p:cNvPr id="3" name="Notes Placeholder 2"/>
+          <p:cNvSpPr>
+            <a:spLocks noGrp="1"/>
+          </p:cNvSpPr>
+          <p:nvPr>
+            <p:ph type="body" idx="1"/>
+          </p:nvPr>
+        </p:nvSpPr>
+        <p:spPr/>
+        <p:txBody>
+          <a:bodyPr/>
+          <a:lstStyle/>
+          <a:p>
+            <a:endParaRPr lang="en-GB" dirty="0"/>
+          </a:p>
+        </p:txBody>
+      </p:sp>
+      <p:sp>
+        <p:nvSpPr>
+          <p:cNvPr id="4" name="Slide Number Placeholder 3"/>
+          <p:cNvSpPr>
+            <a:spLocks noGrp="1"/>
+          </p:cNvSpPr>
+          <p:nvPr>
+            <p:ph type="sldNum" sz="quarter" idx="5"/>
+          </p:nvPr>
+        </p:nvSpPr>
+        <p:spPr/>
+        <p:txBody>
+          <a:bodyPr/>
+          <a:lstStyle/>
+          <a:p>
+            <a:fld id="{245E38B4-F827-48FD-9C71-892AE46CA46F}" type="slidenum">
+              <a:rPr lang="en-GB" smtClean="0"/>
+              <a:t>28</a:t>
+            </a:fld>
+            <a:endParaRPr lang="en-GB"/>
+          </a:p>
+        </p:txBody>
+      </p:sp>
+    </p:spTree>
+    <p:extLst>
+      <p:ext uri="{BB962C8B-B14F-4D97-AF65-F5344CB8AC3E}">
+        <p14:creationId xmlns:p14="http://schemas.microsoft.com/office/powerpoint/2010/main" val="3178042028"/>
+      </p:ext>
+    </p:extLst>
+  </p:cSld>
+  <p:clrMapOvr>
+    <a:masterClrMapping/>
+  </p:clrMapOvr>
+</p:notes>
+</file>
+
+<file path=ppt/notesSlides/notesSlide16.xml><?xml version="1.0" encoding="utf-8"?>
+<p:notes xmlns:a="http://schemas.openxmlformats.org/drawingml/2006/main" xmlns:r="http://schemas.openxmlformats.org/officeDocument/2006/relationships" xmlns:p="http://schemas.openxmlformats.org/presentationml/2006/main">
+  <p:cSld>
+    <p:spTree>
+      <p:nvGrpSpPr>
+        <p:cNvPr id="1" name=""/>
+        <p:cNvGrpSpPr/>
+        <p:nvPr/>
+      </p:nvGrpSpPr>
+      <p:grpSpPr>
+        <a:xfrm>
+          <a:off x="0" y="0"/>
+          <a:ext cx="0" cy="0"/>
+          <a:chOff x="0" y="0"/>
+          <a:chExt cx="0" cy="0"/>
+        </a:xfrm>
+      </p:grpSpPr>
+      <p:sp>
+        <p:nvSpPr>
+          <p:cNvPr id="2" name="Slide Image Placeholder 1"/>
+          <p:cNvSpPr>
+            <a:spLocks noGrp="1" noRot="1" noChangeAspect="1"/>
+          </p:cNvSpPr>
+          <p:nvPr>
+            <p:ph type="sldImg"/>
+          </p:nvPr>
+        </p:nvSpPr>
+        <p:spPr/>
+      </p:sp>
+      <p:sp>
+        <p:nvSpPr>
+          <p:cNvPr id="3" name="Notes Placeholder 2"/>
+          <p:cNvSpPr>
+            <a:spLocks noGrp="1"/>
+          </p:cNvSpPr>
+          <p:nvPr>
+            <p:ph type="body" idx="1"/>
+          </p:nvPr>
+        </p:nvSpPr>
+        <p:spPr/>
+        <p:txBody>
+          <a:bodyPr/>
+          <a:lstStyle/>
+          <a:p>
+            <a:endParaRPr lang="en-GB" dirty="0"/>
+          </a:p>
+        </p:txBody>
+      </p:sp>
+      <p:sp>
+        <p:nvSpPr>
+          <p:cNvPr id="4" name="Slide Number Placeholder 3"/>
+          <p:cNvSpPr>
+            <a:spLocks noGrp="1"/>
+          </p:cNvSpPr>
+          <p:nvPr>
+            <p:ph type="sldNum" sz="quarter" idx="5"/>
+          </p:nvPr>
+        </p:nvSpPr>
+        <p:spPr/>
+        <p:txBody>
+          <a:bodyPr/>
+          <a:lstStyle/>
+          <a:p>
+            <a:fld id="{245E38B4-F827-48FD-9C71-892AE46CA46F}" type="slidenum">
+              <a:rPr lang="en-GB" smtClean="0"/>
+              <a:t>29</a:t>
+            </a:fld>
+            <a:endParaRPr lang="en-GB"/>
+          </a:p>
+        </p:txBody>
+      </p:sp>
+    </p:spTree>
+    <p:extLst>
+      <p:ext uri="{BB962C8B-B14F-4D97-AF65-F5344CB8AC3E}">
+        <p14:creationId xmlns:p14="http://schemas.microsoft.com/office/powerpoint/2010/main" val="3713746902"/>
+      </p:ext>
+    </p:extLst>
+  </p:cSld>
+  <p:clrMapOvr>
+    <a:masterClrMapping/>
+  </p:clrMapOvr>
+</p:notes>
+</file>
+
+<file path=ppt/notesSlides/notesSlide17.xml><?xml version="1.0" encoding="utf-8"?>
+<p:notes xmlns:a="http://schemas.openxmlformats.org/drawingml/2006/main" xmlns:r="http://schemas.openxmlformats.org/officeDocument/2006/relationships" xmlns:p="http://schemas.openxmlformats.org/presentationml/2006/main">
+  <p:cSld>
+    <p:spTree>
+      <p:nvGrpSpPr>
+        <p:cNvPr id="1" name=""/>
+        <p:cNvGrpSpPr/>
+        <p:nvPr/>
+      </p:nvGrpSpPr>
+      <p:grpSpPr>
+        <a:xfrm>
+          <a:off x="0" y="0"/>
+          <a:ext cx="0" cy="0"/>
+          <a:chOff x="0" y="0"/>
+          <a:chExt cx="0" cy="0"/>
+        </a:xfrm>
+      </p:grpSpPr>
+      <p:sp>
+        <p:nvSpPr>
+          <p:cNvPr id="2" name="Slide Image Placeholder 1"/>
+          <p:cNvSpPr>
+            <a:spLocks noGrp="1" noRot="1" noChangeAspect="1"/>
+          </p:cNvSpPr>
+          <p:nvPr>
+            <p:ph type="sldImg"/>
+          </p:nvPr>
+        </p:nvSpPr>
+        <p:spPr/>
+      </p:sp>
+      <p:sp>
+        <p:nvSpPr>
+          <p:cNvPr id="3" name="Notes Placeholder 2"/>
+          <p:cNvSpPr>
+            <a:spLocks noGrp="1"/>
+          </p:cNvSpPr>
+          <p:nvPr>
+            <p:ph type="body" idx="1"/>
+          </p:nvPr>
+        </p:nvSpPr>
+        <p:spPr/>
+        <p:txBody>
+          <a:bodyPr/>
+          <a:lstStyle/>
+          <a:p>
+            <a:endParaRPr lang="en-GB" dirty="0"/>
+          </a:p>
+        </p:txBody>
+      </p:sp>
+      <p:sp>
+        <p:nvSpPr>
+          <p:cNvPr id="4" name="Slide Number Placeholder 3"/>
+          <p:cNvSpPr>
+            <a:spLocks noGrp="1"/>
+          </p:cNvSpPr>
+          <p:nvPr>
+            <p:ph type="sldNum" sz="quarter" idx="5"/>
+          </p:nvPr>
+        </p:nvSpPr>
+        <p:spPr/>
+        <p:txBody>
+          <a:bodyPr/>
+          <a:lstStyle/>
+          <a:p>
+            <a:fld id="{245E38B4-F827-48FD-9C71-892AE46CA46F}" type="slidenum">
+              <a:rPr lang="en-GB" smtClean="0"/>
+              <a:t>30</a:t>
+            </a:fld>
+            <a:endParaRPr lang="en-GB"/>
+          </a:p>
+        </p:txBody>
+      </p:sp>
+    </p:spTree>
+    <p:extLst>
+      <p:ext uri="{BB962C8B-B14F-4D97-AF65-F5344CB8AC3E}">
+        <p14:creationId xmlns:p14="http://schemas.microsoft.com/office/powerpoint/2010/main" val="2647828990"/>
+      </p:ext>
+    </p:extLst>
+  </p:cSld>
+  <p:clrMapOvr>
+    <a:masterClrMapping/>
+  </p:clrMapOvr>
+</p:notes>
+</file>
+
+<file path=ppt/notesSlides/notesSlide18.xml><?xml version="1.0" encoding="utf-8"?>
+<p:notes xmlns:a="http://schemas.openxmlformats.org/drawingml/2006/main" xmlns:r="http://schemas.openxmlformats.org/officeDocument/2006/relationships" xmlns:p="http://schemas.openxmlformats.org/presentationml/2006/main">
+  <p:cSld>
+    <p:spTree>
+      <p:nvGrpSpPr>
+        <p:cNvPr id="1" name=""/>
+        <p:cNvGrpSpPr/>
+        <p:nvPr/>
+      </p:nvGrpSpPr>
+      <p:grpSpPr>
+        <a:xfrm>
+          <a:off x="0" y="0"/>
+          <a:ext cx="0" cy="0"/>
+          <a:chOff x="0" y="0"/>
+          <a:chExt cx="0" cy="0"/>
+        </a:xfrm>
+      </p:grpSpPr>
+      <p:sp>
+        <p:nvSpPr>
+          <p:cNvPr id="2" name="Slide Image Placeholder 1"/>
+          <p:cNvSpPr>
+            <a:spLocks noGrp="1" noRot="1" noChangeAspect="1"/>
+          </p:cNvSpPr>
+          <p:nvPr>
+            <p:ph type="sldImg"/>
+          </p:nvPr>
+        </p:nvSpPr>
+        <p:spPr/>
+      </p:sp>
+      <p:sp>
+        <p:nvSpPr>
+          <p:cNvPr id="3" name="Notes Placeholder 2"/>
+          <p:cNvSpPr>
+            <a:spLocks noGrp="1"/>
+          </p:cNvSpPr>
+          <p:nvPr>
+            <p:ph type="body" idx="1"/>
+          </p:nvPr>
+        </p:nvSpPr>
+        <p:spPr/>
+        <p:txBody>
+          <a:bodyPr/>
+          <a:lstStyle/>
+          <a:p>
+            <a:endParaRPr lang="en-GB" dirty="0"/>
+          </a:p>
+        </p:txBody>
+      </p:sp>
+      <p:sp>
+        <p:nvSpPr>
+          <p:cNvPr id="4" name="Slide Number Placeholder 3"/>
+          <p:cNvSpPr>
+            <a:spLocks noGrp="1"/>
+          </p:cNvSpPr>
+          <p:nvPr>
+            <p:ph type="sldNum" sz="quarter" idx="5"/>
+          </p:nvPr>
+        </p:nvSpPr>
+        <p:spPr/>
+        <p:txBody>
+          <a:bodyPr/>
+          <a:lstStyle/>
+          <a:p>
+            <a:fld id="{245E38B4-F827-48FD-9C71-892AE46CA46F}" type="slidenum">
+              <a:rPr lang="en-GB" smtClean="0"/>
+              <a:t>31</a:t>
+            </a:fld>
+            <a:endParaRPr lang="en-GB"/>
+          </a:p>
+        </p:txBody>
+      </p:sp>
+    </p:spTree>
+    <p:extLst>
+      <p:ext uri="{BB962C8B-B14F-4D97-AF65-F5344CB8AC3E}">
+        <p14:creationId xmlns:p14="http://schemas.microsoft.com/office/powerpoint/2010/main" val="2967375990"/>
+      </p:ext>
+    </p:extLst>
+  </p:cSld>
+  <p:clrMapOvr>
+    <a:masterClrMapping/>
+  </p:clrMapOvr>
+</p:notes>
+</file>
+
+<file path=ppt/notesSlides/notesSlide19.xml><?xml version="1.0" encoding="utf-8"?>
+<p:notes xmlns:a="http://schemas.openxmlformats.org/drawingml/2006/main" xmlns:r="http://schemas.openxmlformats.org/officeDocument/2006/relationships" xmlns:p="http://schemas.openxmlformats.org/presentationml/2006/main">
+  <p:cSld>
+    <p:spTree>
+      <p:nvGrpSpPr>
+        <p:cNvPr id="1" name=""/>
+        <p:cNvGrpSpPr/>
+        <p:nvPr/>
+      </p:nvGrpSpPr>
+      <p:grpSpPr>
+        <a:xfrm>
+          <a:off x="0" y="0"/>
+          <a:ext cx="0" cy="0"/>
+          <a:chOff x="0" y="0"/>
+          <a:chExt cx="0" cy="0"/>
+        </a:xfrm>
+      </p:grpSpPr>
+      <p:sp>
+        <p:nvSpPr>
+          <p:cNvPr id="2" name="Slide Image Placeholder 1"/>
+          <p:cNvSpPr>
+            <a:spLocks noGrp="1" noRot="1" noChangeAspect="1"/>
+          </p:cNvSpPr>
+          <p:nvPr>
+            <p:ph type="sldImg"/>
+          </p:nvPr>
+        </p:nvSpPr>
+        <p:spPr/>
+      </p:sp>
+      <p:sp>
+        <p:nvSpPr>
+          <p:cNvPr id="3" name="Notes Placeholder 2"/>
+          <p:cNvSpPr>
+            <a:spLocks noGrp="1"/>
+          </p:cNvSpPr>
+          <p:nvPr>
+            <p:ph type="body" idx="1"/>
+          </p:nvPr>
+        </p:nvSpPr>
+        <p:spPr/>
+        <p:txBody>
+          <a:bodyPr/>
+          <a:lstStyle/>
+          <a:p>
+            <a:endParaRPr lang="en-GB" dirty="0"/>
+          </a:p>
+        </p:txBody>
+      </p:sp>
+      <p:sp>
+        <p:nvSpPr>
+          <p:cNvPr id="4" name="Slide Number Placeholder 3"/>
+          <p:cNvSpPr>
+            <a:spLocks noGrp="1"/>
+          </p:cNvSpPr>
+          <p:nvPr>
+            <p:ph type="sldNum" sz="quarter" idx="5"/>
+          </p:nvPr>
+        </p:nvSpPr>
+        <p:spPr/>
+        <p:txBody>
+          <a:bodyPr/>
+          <a:lstStyle/>
+          <a:p>
+            <a:fld id="{245E38B4-F827-48FD-9C71-892AE46CA46F}" type="slidenum">
+              <a:rPr lang="en-GB" smtClean="0"/>
+              <a:t>32</a:t>
+            </a:fld>
+            <a:endParaRPr lang="en-GB"/>
+          </a:p>
+        </p:txBody>
+      </p:sp>
+    </p:spTree>
+    <p:extLst>
+      <p:ext uri="{BB962C8B-B14F-4D97-AF65-F5344CB8AC3E}">
+        <p14:creationId xmlns:p14="http://schemas.microsoft.com/office/powerpoint/2010/main" val="2410549384"/>
+      </p:ext>
+    </p:extLst>
+  </p:cSld>
+  <p:clrMapOvr>
+    <a:masterClrMapping/>
+  </p:clrMapOvr>
+</p:notes>
+</file>
+
 <file path=ppt/notesSlides/notesSlide2.xml><?xml version="1.0" encoding="utf-8"?>
 <p:notes xmlns:a="http://schemas.openxmlformats.org/drawingml/2006/main" xmlns:r="http://schemas.openxmlformats.org/officeDocument/2006/relationships" xmlns:p="http://schemas.openxmlformats.org/presentationml/2006/main">
   <p:cSld>
@@ -1037,7 +1752,7 @@
               <a:rPr lang="en-GB" smtClean="0"/>
               <a:t>6</a:t>
             </a:fld>
-            <a:endParaRPr lang="en-GB"/>
+            <a:endParaRPr lang="en-GB" dirty="0"/>
           </a:p>
         </p:txBody>
       </p:sp>
@@ -1045,6 +1760,342 @@
     <p:extLst>
       <p:ext uri="{BB962C8B-B14F-4D97-AF65-F5344CB8AC3E}">
         <p14:creationId xmlns:p14="http://schemas.microsoft.com/office/powerpoint/2010/main" val="1143372574"/>
+      </p:ext>
+    </p:extLst>
+  </p:cSld>
+  <p:clrMapOvr>
+    <a:masterClrMapping/>
+  </p:clrMapOvr>
+</p:notes>
+</file>
+
+<file path=ppt/notesSlides/notesSlide20.xml><?xml version="1.0" encoding="utf-8"?>
+<p:notes xmlns:a="http://schemas.openxmlformats.org/drawingml/2006/main" xmlns:r="http://schemas.openxmlformats.org/officeDocument/2006/relationships" xmlns:p="http://schemas.openxmlformats.org/presentationml/2006/main">
+  <p:cSld>
+    <p:spTree>
+      <p:nvGrpSpPr>
+        <p:cNvPr id="1" name=""/>
+        <p:cNvGrpSpPr/>
+        <p:nvPr/>
+      </p:nvGrpSpPr>
+      <p:grpSpPr>
+        <a:xfrm>
+          <a:off x="0" y="0"/>
+          <a:ext cx="0" cy="0"/>
+          <a:chOff x="0" y="0"/>
+          <a:chExt cx="0" cy="0"/>
+        </a:xfrm>
+      </p:grpSpPr>
+      <p:sp>
+        <p:nvSpPr>
+          <p:cNvPr id="2" name="Slide Image Placeholder 1"/>
+          <p:cNvSpPr>
+            <a:spLocks noGrp="1" noRot="1" noChangeAspect="1"/>
+          </p:cNvSpPr>
+          <p:nvPr>
+            <p:ph type="sldImg"/>
+          </p:nvPr>
+        </p:nvSpPr>
+        <p:spPr/>
+      </p:sp>
+      <p:sp>
+        <p:nvSpPr>
+          <p:cNvPr id="3" name="Notes Placeholder 2"/>
+          <p:cNvSpPr>
+            <a:spLocks noGrp="1"/>
+          </p:cNvSpPr>
+          <p:nvPr>
+            <p:ph type="body" idx="1"/>
+          </p:nvPr>
+        </p:nvSpPr>
+        <p:spPr/>
+        <p:txBody>
+          <a:bodyPr/>
+          <a:lstStyle/>
+          <a:p>
+            <a:endParaRPr lang="en-GB" dirty="0"/>
+          </a:p>
+        </p:txBody>
+      </p:sp>
+      <p:sp>
+        <p:nvSpPr>
+          <p:cNvPr id="4" name="Slide Number Placeholder 3"/>
+          <p:cNvSpPr>
+            <a:spLocks noGrp="1"/>
+          </p:cNvSpPr>
+          <p:nvPr>
+            <p:ph type="sldNum" sz="quarter" idx="5"/>
+          </p:nvPr>
+        </p:nvSpPr>
+        <p:spPr/>
+        <p:txBody>
+          <a:bodyPr/>
+          <a:lstStyle/>
+          <a:p>
+            <a:fld id="{245E38B4-F827-48FD-9C71-892AE46CA46F}" type="slidenum">
+              <a:rPr lang="en-GB" smtClean="0"/>
+              <a:t>33</a:t>
+            </a:fld>
+            <a:endParaRPr lang="en-GB"/>
+          </a:p>
+        </p:txBody>
+      </p:sp>
+    </p:spTree>
+    <p:extLst>
+      <p:ext uri="{BB962C8B-B14F-4D97-AF65-F5344CB8AC3E}">
+        <p14:creationId xmlns:p14="http://schemas.microsoft.com/office/powerpoint/2010/main" val="2524363655"/>
+      </p:ext>
+    </p:extLst>
+  </p:cSld>
+  <p:clrMapOvr>
+    <a:masterClrMapping/>
+  </p:clrMapOvr>
+</p:notes>
+</file>
+
+<file path=ppt/notesSlides/notesSlide21.xml><?xml version="1.0" encoding="utf-8"?>
+<p:notes xmlns:a="http://schemas.openxmlformats.org/drawingml/2006/main" xmlns:r="http://schemas.openxmlformats.org/officeDocument/2006/relationships" xmlns:p="http://schemas.openxmlformats.org/presentationml/2006/main">
+  <p:cSld>
+    <p:spTree>
+      <p:nvGrpSpPr>
+        <p:cNvPr id="1" name=""/>
+        <p:cNvGrpSpPr/>
+        <p:nvPr/>
+      </p:nvGrpSpPr>
+      <p:grpSpPr>
+        <a:xfrm>
+          <a:off x="0" y="0"/>
+          <a:ext cx="0" cy="0"/>
+          <a:chOff x="0" y="0"/>
+          <a:chExt cx="0" cy="0"/>
+        </a:xfrm>
+      </p:grpSpPr>
+      <p:sp>
+        <p:nvSpPr>
+          <p:cNvPr id="2" name="Slide Image Placeholder 1"/>
+          <p:cNvSpPr>
+            <a:spLocks noGrp="1" noRot="1" noChangeAspect="1"/>
+          </p:cNvSpPr>
+          <p:nvPr>
+            <p:ph type="sldImg"/>
+          </p:nvPr>
+        </p:nvSpPr>
+        <p:spPr/>
+      </p:sp>
+      <p:sp>
+        <p:nvSpPr>
+          <p:cNvPr id="3" name="Notes Placeholder 2"/>
+          <p:cNvSpPr>
+            <a:spLocks noGrp="1"/>
+          </p:cNvSpPr>
+          <p:nvPr>
+            <p:ph type="body" idx="1"/>
+          </p:nvPr>
+        </p:nvSpPr>
+        <p:spPr/>
+        <p:txBody>
+          <a:bodyPr/>
+          <a:lstStyle/>
+          <a:p>
+            <a:endParaRPr lang="en-GB" dirty="0"/>
+          </a:p>
+        </p:txBody>
+      </p:sp>
+      <p:sp>
+        <p:nvSpPr>
+          <p:cNvPr id="4" name="Slide Number Placeholder 3"/>
+          <p:cNvSpPr>
+            <a:spLocks noGrp="1"/>
+          </p:cNvSpPr>
+          <p:nvPr>
+            <p:ph type="sldNum" sz="quarter" idx="5"/>
+          </p:nvPr>
+        </p:nvSpPr>
+        <p:spPr/>
+        <p:txBody>
+          <a:bodyPr/>
+          <a:lstStyle/>
+          <a:p>
+            <a:fld id="{245E38B4-F827-48FD-9C71-892AE46CA46F}" type="slidenum">
+              <a:rPr lang="en-GB" smtClean="0"/>
+              <a:t>35</a:t>
+            </a:fld>
+            <a:endParaRPr lang="en-GB" dirty="0"/>
+          </a:p>
+        </p:txBody>
+      </p:sp>
+    </p:spTree>
+    <p:extLst>
+      <p:ext uri="{BB962C8B-B14F-4D97-AF65-F5344CB8AC3E}">
+        <p14:creationId xmlns:p14="http://schemas.microsoft.com/office/powerpoint/2010/main" val="2512652404"/>
+      </p:ext>
+    </p:extLst>
+  </p:cSld>
+  <p:clrMapOvr>
+    <a:masterClrMapping/>
+  </p:clrMapOvr>
+</p:notes>
+</file>
+
+<file path=ppt/notesSlides/notesSlide22.xml><?xml version="1.0" encoding="utf-8"?>
+<p:notes xmlns:a="http://schemas.openxmlformats.org/drawingml/2006/main" xmlns:r="http://schemas.openxmlformats.org/officeDocument/2006/relationships" xmlns:p="http://schemas.openxmlformats.org/presentationml/2006/main">
+  <p:cSld>
+    <p:spTree>
+      <p:nvGrpSpPr>
+        <p:cNvPr id="1" name=""/>
+        <p:cNvGrpSpPr/>
+        <p:nvPr/>
+      </p:nvGrpSpPr>
+      <p:grpSpPr>
+        <a:xfrm>
+          <a:off x="0" y="0"/>
+          <a:ext cx="0" cy="0"/>
+          <a:chOff x="0" y="0"/>
+          <a:chExt cx="0" cy="0"/>
+        </a:xfrm>
+      </p:grpSpPr>
+      <p:sp>
+        <p:nvSpPr>
+          <p:cNvPr id="2" name="Slide Image Placeholder 1"/>
+          <p:cNvSpPr>
+            <a:spLocks noGrp="1" noRot="1" noChangeAspect="1"/>
+          </p:cNvSpPr>
+          <p:nvPr>
+            <p:ph type="sldImg"/>
+          </p:nvPr>
+        </p:nvSpPr>
+        <p:spPr/>
+      </p:sp>
+      <p:sp>
+        <p:nvSpPr>
+          <p:cNvPr id="3" name="Notes Placeholder 2"/>
+          <p:cNvSpPr>
+            <a:spLocks noGrp="1"/>
+          </p:cNvSpPr>
+          <p:nvPr>
+            <p:ph type="body" idx="1"/>
+          </p:nvPr>
+        </p:nvSpPr>
+        <p:spPr/>
+        <p:txBody>
+          <a:bodyPr/>
+          <a:lstStyle/>
+          <a:p>
+            <a:endParaRPr lang="en-GB" dirty="0"/>
+          </a:p>
+        </p:txBody>
+      </p:sp>
+      <p:sp>
+        <p:nvSpPr>
+          <p:cNvPr id="4" name="Slide Number Placeholder 3"/>
+          <p:cNvSpPr>
+            <a:spLocks noGrp="1"/>
+          </p:cNvSpPr>
+          <p:nvPr>
+            <p:ph type="sldNum" sz="quarter" idx="5"/>
+          </p:nvPr>
+        </p:nvSpPr>
+        <p:spPr/>
+        <p:txBody>
+          <a:bodyPr/>
+          <a:lstStyle/>
+          <a:p>
+            <a:fld id="{245E38B4-F827-48FD-9C71-892AE46CA46F}" type="slidenum">
+              <a:rPr lang="en-GB" smtClean="0"/>
+              <a:t>36</a:t>
+            </a:fld>
+            <a:endParaRPr lang="en-GB" dirty="0"/>
+          </a:p>
+        </p:txBody>
+      </p:sp>
+    </p:spTree>
+    <p:extLst>
+      <p:ext uri="{BB962C8B-B14F-4D97-AF65-F5344CB8AC3E}">
+        <p14:creationId xmlns:p14="http://schemas.microsoft.com/office/powerpoint/2010/main" val="1254907498"/>
+      </p:ext>
+    </p:extLst>
+  </p:cSld>
+  <p:clrMapOvr>
+    <a:masterClrMapping/>
+  </p:clrMapOvr>
+</p:notes>
+</file>
+
+<file path=ppt/notesSlides/notesSlide23.xml><?xml version="1.0" encoding="utf-8"?>
+<p:notes xmlns:a="http://schemas.openxmlformats.org/drawingml/2006/main" xmlns:r="http://schemas.openxmlformats.org/officeDocument/2006/relationships" xmlns:p="http://schemas.openxmlformats.org/presentationml/2006/main">
+  <p:cSld>
+    <p:spTree>
+      <p:nvGrpSpPr>
+        <p:cNvPr id="1" name=""/>
+        <p:cNvGrpSpPr/>
+        <p:nvPr/>
+      </p:nvGrpSpPr>
+      <p:grpSpPr>
+        <a:xfrm>
+          <a:off x="0" y="0"/>
+          <a:ext cx="0" cy="0"/>
+          <a:chOff x="0" y="0"/>
+          <a:chExt cx="0" cy="0"/>
+        </a:xfrm>
+      </p:grpSpPr>
+      <p:sp>
+        <p:nvSpPr>
+          <p:cNvPr id="2" name="Slide Image Placeholder 1"/>
+          <p:cNvSpPr>
+            <a:spLocks noGrp="1" noRot="1" noChangeAspect="1"/>
+          </p:cNvSpPr>
+          <p:nvPr>
+            <p:ph type="sldImg"/>
+          </p:nvPr>
+        </p:nvSpPr>
+        <p:spPr/>
+      </p:sp>
+      <p:sp>
+        <p:nvSpPr>
+          <p:cNvPr id="3" name="Notes Placeholder 2"/>
+          <p:cNvSpPr>
+            <a:spLocks noGrp="1"/>
+          </p:cNvSpPr>
+          <p:nvPr>
+            <p:ph type="body" idx="1"/>
+          </p:nvPr>
+        </p:nvSpPr>
+        <p:spPr/>
+        <p:txBody>
+          <a:bodyPr/>
+          <a:lstStyle/>
+          <a:p>
+            <a:endParaRPr lang="en-GB" dirty="0"/>
+          </a:p>
+        </p:txBody>
+      </p:sp>
+      <p:sp>
+        <p:nvSpPr>
+          <p:cNvPr id="4" name="Slide Number Placeholder 3"/>
+          <p:cNvSpPr>
+            <a:spLocks noGrp="1"/>
+          </p:cNvSpPr>
+          <p:nvPr>
+            <p:ph type="sldNum" sz="quarter" idx="5"/>
+          </p:nvPr>
+        </p:nvSpPr>
+        <p:spPr/>
+        <p:txBody>
+          <a:bodyPr/>
+          <a:lstStyle/>
+          <a:p>
+            <a:fld id="{245E38B4-F827-48FD-9C71-892AE46CA46F}" type="slidenum">
+              <a:rPr lang="en-GB" smtClean="0"/>
+              <a:t>37</a:t>
+            </a:fld>
+            <a:endParaRPr lang="en-GB" dirty="0"/>
+          </a:p>
+        </p:txBody>
+      </p:sp>
+    </p:spTree>
+    <p:extLst>
+      <p:ext uri="{BB962C8B-B14F-4D97-AF65-F5344CB8AC3E}">
+        <p14:creationId xmlns:p14="http://schemas.microsoft.com/office/powerpoint/2010/main" val="1981175558"/>
       </p:ext>
     </p:extLst>
   </p:cSld>
@@ -1910,9 +2961,9 @@
           <a:p>
             <a:fld id="{F548C6B5-D173-4EAE-9712-BBBC67C1F3FA}" type="datetimeFigureOut">
               <a:rPr lang="en-GB" smtClean="0"/>
-              <a:t>10/10/2024</a:t>
+              <a:t>12/10/2024</a:t>
             </a:fld>
-            <a:endParaRPr lang="en-GB"/>
+            <a:endParaRPr lang="en-GB" dirty="0"/>
           </a:p>
         </p:txBody>
       </p:sp>
@@ -1937,7 +2988,7 @@
           <a:bodyPr/>
           <a:lstStyle/>
           <a:p>
-            <a:endParaRPr lang="en-GB"/>
+            <a:endParaRPr lang="en-GB" dirty="0"/>
           </a:p>
         </p:txBody>
       </p:sp>
@@ -1966,7 +3017,7 @@
               <a:rPr lang="en-GB" smtClean="0"/>
               <a:t>‹#›</a:t>
             </a:fld>
-            <a:endParaRPr lang="en-GB"/>
+            <a:endParaRPr lang="en-GB" dirty="0"/>
           </a:p>
         </p:txBody>
       </p:sp>
@@ -2110,9 +3161,9 @@
           <a:p>
             <a:fld id="{F548C6B5-D173-4EAE-9712-BBBC67C1F3FA}" type="datetimeFigureOut">
               <a:rPr lang="en-GB" smtClean="0"/>
-              <a:t>10/10/2024</a:t>
+              <a:t>12/10/2024</a:t>
             </a:fld>
-            <a:endParaRPr lang="en-GB"/>
+            <a:endParaRPr lang="en-GB" dirty="0"/>
           </a:p>
         </p:txBody>
       </p:sp>
@@ -2137,7 +3188,7 @@
           <a:bodyPr/>
           <a:lstStyle/>
           <a:p>
-            <a:endParaRPr lang="en-GB"/>
+            <a:endParaRPr lang="en-GB" dirty="0"/>
           </a:p>
         </p:txBody>
       </p:sp>
@@ -2166,7 +3217,7 @@
               <a:rPr lang="en-GB" smtClean="0"/>
               <a:t>‹#›</a:t>
             </a:fld>
-            <a:endParaRPr lang="en-GB"/>
+            <a:endParaRPr lang="en-GB" dirty="0"/>
           </a:p>
         </p:txBody>
       </p:sp>
@@ -2320,9 +3371,9 @@
           <a:p>
             <a:fld id="{F548C6B5-D173-4EAE-9712-BBBC67C1F3FA}" type="datetimeFigureOut">
               <a:rPr lang="en-GB" smtClean="0"/>
-              <a:t>10/10/2024</a:t>
+              <a:t>12/10/2024</a:t>
             </a:fld>
-            <a:endParaRPr lang="en-GB"/>
+            <a:endParaRPr lang="en-GB" dirty="0"/>
           </a:p>
         </p:txBody>
       </p:sp>
@@ -2347,7 +3398,7 @@
           <a:bodyPr/>
           <a:lstStyle/>
           <a:p>
-            <a:endParaRPr lang="en-GB"/>
+            <a:endParaRPr lang="en-GB" dirty="0"/>
           </a:p>
         </p:txBody>
       </p:sp>
@@ -2376,7 +3427,7 @@
               <a:rPr lang="en-GB" smtClean="0"/>
               <a:t>‹#›</a:t>
             </a:fld>
-            <a:endParaRPr lang="en-GB"/>
+            <a:endParaRPr lang="en-GB" dirty="0"/>
           </a:p>
         </p:txBody>
       </p:sp>
@@ -2520,9 +3571,9 @@
           <a:p>
             <a:fld id="{F548C6B5-D173-4EAE-9712-BBBC67C1F3FA}" type="datetimeFigureOut">
               <a:rPr lang="en-GB" smtClean="0"/>
-              <a:t>10/10/2024</a:t>
+              <a:t>12/10/2024</a:t>
             </a:fld>
-            <a:endParaRPr lang="en-GB"/>
+            <a:endParaRPr lang="en-GB" dirty="0"/>
           </a:p>
         </p:txBody>
       </p:sp>
@@ -2547,7 +3598,7 @@
           <a:bodyPr/>
           <a:lstStyle/>
           <a:p>
-            <a:endParaRPr lang="en-GB"/>
+            <a:endParaRPr lang="en-GB" dirty="0"/>
           </a:p>
         </p:txBody>
       </p:sp>
@@ -2576,7 +3627,7 @@
               <a:rPr lang="en-GB" smtClean="0"/>
               <a:t>‹#›</a:t>
             </a:fld>
-            <a:endParaRPr lang="en-GB"/>
+            <a:endParaRPr lang="en-GB" dirty="0"/>
           </a:p>
         </p:txBody>
       </p:sp>
@@ -2796,9 +3847,9 @@
           <a:p>
             <a:fld id="{F548C6B5-D173-4EAE-9712-BBBC67C1F3FA}" type="datetimeFigureOut">
               <a:rPr lang="en-GB" smtClean="0"/>
-              <a:t>10/10/2024</a:t>
+              <a:t>12/10/2024</a:t>
             </a:fld>
-            <a:endParaRPr lang="en-GB"/>
+            <a:endParaRPr lang="en-GB" dirty="0"/>
           </a:p>
         </p:txBody>
       </p:sp>
@@ -2823,7 +3874,7 @@
           <a:bodyPr/>
           <a:lstStyle/>
           <a:p>
-            <a:endParaRPr lang="en-GB"/>
+            <a:endParaRPr lang="en-GB" dirty="0"/>
           </a:p>
         </p:txBody>
       </p:sp>
@@ -2852,7 +3903,7 @@
               <a:rPr lang="en-GB" smtClean="0"/>
               <a:t>‹#›</a:t>
             </a:fld>
-            <a:endParaRPr lang="en-GB"/>
+            <a:endParaRPr lang="en-GB" dirty="0"/>
           </a:p>
         </p:txBody>
       </p:sp>
@@ -3064,9 +4115,9 @@
           <a:p>
             <a:fld id="{F548C6B5-D173-4EAE-9712-BBBC67C1F3FA}" type="datetimeFigureOut">
               <a:rPr lang="en-GB" smtClean="0"/>
-              <a:t>10/10/2024</a:t>
+              <a:t>12/10/2024</a:t>
             </a:fld>
-            <a:endParaRPr lang="en-GB"/>
+            <a:endParaRPr lang="en-GB" dirty="0"/>
           </a:p>
         </p:txBody>
       </p:sp>
@@ -3091,7 +4142,7 @@
           <a:bodyPr/>
           <a:lstStyle/>
           <a:p>
-            <a:endParaRPr lang="en-GB"/>
+            <a:endParaRPr lang="en-GB" dirty="0"/>
           </a:p>
         </p:txBody>
       </p:sp>
@@ -3120,7 +4171,7 @@
               <a:rPr lang="en-GB" smtClean="0"/>
               <a:t>‹#›</a:t>
             </a:fld>
-            <a:endParaRPr lang="en-GB"/>
+            <a:endParaRPr lang="en-GB" dirty="0"/>
           </a:p>
         </p:txBody>
       </p:sp>
@@ -3479,9 +4530,9 @@
           <a:p>
             <a:fld id="{F548C6B5-D173-4EAE-9712-BBBC67C1F3FA}" type="datetimeFigureOut">
               <a:rPr lang="en-GB" smtClean="0"/>
-              <a:t>10/10/2024</a:t>
+              <a:t>12/10/2024</a:t>
             </a:fld>
-            <a:endParaRPr lang="en-GB"/>
+            <a:endParaRPr lang="en-GB" dirty="0"/>
           </a:p>
         </p:txBody>
       </p:sp>
@@ -3506,7 +4557,7 @@
           <a:bodyPr/>
           <a:lstStyle/>
           <a:p>
-            <a:endParaRPr lang="en-GB"/>
+            <a:endParaRPr lang="en-GB" dirty="0"/>
           </a:p>
         </p:txBody>
       </p:sp>
@@ -3535,7 +4586,7 @@
               <a:rPr lang="en-GB" smtClean="0"/>
               <a:t>‹#›</a:t>
             </a:fld>
-            <a:endParaRPr lang="en-GB"/>
+            <a:endParaRPr lang="en-GB" dirty="0"/>
           </a:p>
         </p:txBody>
       </p:sp>
@@ -3621,9 +4672,9 @@
           <a:p>
             <a:fld id="{F548C6B5-D173-4EAE-9712-BBBC67C1F3FA}" type="datetimeFigureOut">
               <a:rPr lang="en-GB" smtClean="0"/>
-              <a:t>10/10/2024</a:t>
+              <a:t>12/10/2024</a:t>
             </a:fld>
-            <a:endParaRPr lang="en-GB"/>
+            <a:endParaRPr lang="en-GB" dirty="0"/>
           </a:p>
         </p:txBody>
       </p:sp>
@@ -3648,7 +4699,7 @@
           <a:bodyPr/>
           <a:lstStyle/>
           <a:p>
-            <a:endParaRPr lang="en-GB"/>
+            <a:endParaRPr lang="en-GB" dirty="0"/>
           </a:p>
         </p:txBody>
       </p:sp>
@@ -3677,7 +4728,7 @@
               <a:rPr lang="en-GB" smtClean="0"/>
               <a:t>‹#›</a:t>
             </a:fld>
-            <a:endParaRPr lang="en-GB"/>
+            <a:endParaRPr lang="en-GB" dirty="0"/>
           </a:p>
         </p:txBody>
       </p:sp>
@@ -3734,9 +4785,9 @@
           <a:p>
             <a:fld id="{F548C6B5-D173-4EAE-9712-BBBC67C1F3FA}" type="datetimeFigureOut">
               <a:rPr lang="en-GB" smtClean="0"/>
-              <a:t>10/10/2024</a:t>
+              <a:t>12/10/2024</a:t>
             </a:fld>
-            <a:endParaRPr lang="en-GB"/>
+            <a:endParaRPr lang="en-GB" dirty="0"/>
           </a:p>
         </p:txBody>
       </p:sp>
@@ -3761,7 +4812,7 @@
           <a:bodyPr/>
           <a:lstStyle/>
           <a:p>
-            <a:endParaRPr lang="en-GB"/>
+            <a:endParaRPr lang="en-GB" dirty="0"/>
           </a:p>
         </p:txBody>
       </p:sp>
@@ -3790,7 +4841,7 @@
               <a:rPr lang="en-GB" smtClean="0"/>
               <a:t>‹#›</a:t>
             </a:fld>
-            <a:endParaRPr lang="en-GB"/>
+            <a:endParaRPr lang="en-GB" dirty="0"/>
           </a:p>
         </p:txBody>
       </p:sp>
@@ -4047,9 +5098,9 @@
           <a:p>
             <a:fld id="{F548C6B5-D173-4EAE-9712-BBBC67C1F3FA}" type="datetimeFigureOut">
               <a:rPr lang="en-GB" smtClean="0"/>
-              <a:t>10/10/2024</a:t>
+              <a:t>12/10/2024</a:t>
             </a:fld>
-            <a:endParaRPr lang="en-GB"/>
+            <a:endParaRPr lang="en-GB" dirty="0"/>
           </a:p>
         </p:txBody>
       </p:sp>
@@ -4074,7 +5125,7 @@
           <a:bodyPr/>
           <a:lstStyle/>
           <a:p>
-            <a:endParaRPr lang="en-GB"/>
+            <a:endParaRPr lang="en-GB" dirty="0"/>
           </a:p>
         </p:txBody>
       </p:sp>
@@ -4103,7 +5154,7 @@
               <a:rPr lang="en-GB" smtClean="0"/>
               <a:t>‹#›</a:t>
             </a:fld>
-            <a:endParaRPr lang="en-GB"/>
+            <a:endParaRPr lang="en-GB" dirty="0"/>
           </a:p>
         </p:txBody>
       </p:sp>
@@ -4238,7 +5289,7 @@
             </a:lvl9pPr>
           </a:lstStyle>
           <a:p>
-            <a:endParaRPr lang="en-GB"/>
+            <a:endParaRPr lang="en-GB" dirty="0"/>
           </a:p>
         </p:txBody>
       </p:sp>
@@ -4336,9 +5387,9 @@
           <a:p>
             <a:fld id="{F548C6B5-D173-4EAE-9712-BBBC67C1F3FA}" type="datetimeFigureOut">
               <a:rPr lang="en-GB" smtClean="0"/>
-              <a:t>10/10/2024</a:t>
+              <a:t>12/10/2024</a:t>
             </a:fld>
-            <a:endParaRPr lang="en-GB"/>
+            <a:endParaRPr lang="en-GB" dirty="0"/>
           </a:p>
         </p:txBody>
       </p:sp>
@@ -4363,7 +5414,7 @@
           <a:bodyPr/>
           <a:lstStyle/>
           <a:p>
-            <a:endParaRPr lang="en-GB"/>
+            <a:endParaRPr lang="en-GB" dirty="0"/>
           </a:p>
         </p:txBody>
       </p:sp>
@@ -4392,7 +5443,7 @@
               <a:rPr lang="en-GB" smtClean="0"/>
               <a:t>‹#›</a:t>
             </a:fld>
-            <a:endParaRPr lang="en-GB"/>
+            <a:endParaRPr lang="en-GB" dirty="0"/>
           </a:p>
         </p:txBody>
       </p:sp>
@@ -4579,9 +5630,9 @@
           <a:p>
             <a:fld id="{F548C6B5-D173-4EAE-9712-BBBC67C1F3FA}" type="datetimeFigureOut">
               <a:rPr lang="en-GB" smtClean="0"/>
-              <a:t>10/10/2024</a:t>
+              <a:t>12/10/2024</a:t>
             </a:fld>
-            <a:endParaRPr lang="en-GB"/>
+            <a:endParaRPr lang="en-GB" dirty="0"/>
           </a:p>
         </p:txBody>
       </p:sp>
@@ -4624,7 +5675,7 @@
             </a:lvl1pPr>
           </a:lstStyle>
           <a:p>
-            <a:endParaRPr lang="en-GB"/>
+            <a:endParaRPr lang="en-GB" dirty="0"/>
           </a:p>
         </p:txBody>
       </p:sp>
@@ -4671,7 +5722,7 @@
               <a:rPr lang="en-GB" smtClean="0"/>
               <a:t>‹#›</a:t>
             </a:fld>
-            <a:endParaRPr lang="en-GB"/>
+            <a:endParaRPr lang="en-GB" dirty="0"/>
           </a:p>
         </p:txBody>
       </p:sp>
@@ -8327,6 +9378,1116 @@
 </p:sld>
 </file>
 
+<file path=ppt/slides/slide25.xml><?xml version="1.0" encoding="utf-8"?>
+<p:sld xmlns:a="http://schemas.openxmlformats.org/drawingml/2006/main" xmlns:r="http://schemas.openxmlformats.org/officeDocument/2006/relationships" xmlns:p="http://schemas.openxmlformats.org/presentationml/2006/main">
+  <p:cSld>
+    <p:spTree>
+      <p:nvGrpSpPr>
+        <p:cNvPr id="1" name=""/>
+        <p:cNvGrpSpPr/>
+        <p:nvPr/>
+      </p:nvGrpSpPr>
+      <p:grpSpPr>
+        <a:xfrm>
+          <a:off x="0" y="0"/>
+          <a:ext cx="0" cy="0"/>
+          <a:chOff x="0" y="0"/>
+          <a:chExt cx="0" cy="0"/>
+        </a:xfrm>
+      </p:grpSpPr>
+      <p:sp>
+        <p:nvSpPr>
+          <p:cNvPr id="2" name="Title 1">
+            <a:extLst>
+              <a:ext uri="{FF2B5EF4-FFF2-40B4-BE49-F238E27FC236}">
+                <a16:creationId xmlns:a16="http://schemas.microsoft.com/office/drawing/2014/main" id="{8995FC2E-6E15-1FEF-519C-7C4ED2BCE56C}"/>
+              </a:ext>
+            </a:extLst>
+          </p:cNvPr>
+          <p:cNvSpPr>
+            <a:spLocks noGrp="1"/>
+          </p:cNvSpPr>
+          <p:nvPr>
+            <p:ph type="title"/>
+          </p:nvPr>
+        </p:nvSpPr>
+        <p:spPr/>
+        <p:txBody>
+          <a:bodyPr/>
+          <a:lstStyle/>
+          <a:p>
+            <a:r>
+              <a:rPr lang="en-GB" dirty="0"/>
+              <a:t>DML</a:t>
+            </a:r>
+          </a:p>
+        </p:txBody>
+      </p:sp>
+      <p:sp>
+        <p:nvSpPr>
+          <p:cNvPr id="3" name="Content Placeholder 2">
+            <a:extLst>
+              <a:ext uri="{FF2B5EF4-FFF2-40B4-BE49-F238E27FC236}">
+                <a16:creationId xmlns:a16="http://schemas.microsoft.com/office/drawing/2014/main" id="{FBC80DFD-2C13-9466-0D25-7505AB7E43C5}"/>
+              </a:ext>
+            </a:extLst>
+          </p:cNvPr>
+          <p:cNvSpPr>
+            <a:spLocks noGrp="1"/>
+          </p:cNvSpPr>
+          <p:nvPr>
+            <p:ph idx="1"/>
+          </p:nvPr>
+        </p:nvSpPr>
+        <p:spPr/>
+        <p:txBody>
+          <a:bodyPr>
+            <a:normAutofit/>
+          </a:bodyPr>
+          <a:lstStyle/>
+          <a:p>
+            <a:r>
+              <a:rPr lang="en-GB" dirty="0"/>
+              <a:t>Create</a:t>
+            </a:r>
+            <a:endParaRPr lang="en-GB" altLang="ko-KR" dirty="0"/>
+          </a:p>
+          <a:p>
+            <a:pPr lvl="1"/>
+            <a:r>
+              <a:rPr lang="en-GB" altLang="ko-KR" dirty="0"/>
+              <a:t>Insert</a:t>
+            </a:r>
+            <a:endParaRPr lang="en-GB" dirty="0"/>
+          </a:p>
+          <a:p>
+            <a:r>
+              <a:rPr lang="en-GB" dirty="0"/>
+              <a:t>Delete</a:t>
+            </a:r>
+          </a:p>
+          <a:p>
+            <a:pPr lvl="1"/>
+            <a:r>
+              <a:rPr lang="en-GB" dirty="0"/>
+              <a:t>delete</a:t>
+            </a:r>
+          </a:p>
+          <a:p>
+            <a:r>
+              <a:rPr lang="en-GB" dirty="0"/>
+              <a:t>Update</a:t>
+            </a:r>
+          </a:p>
+          <a:p>
+            <a:pPr lvl="1"/>
+            <a:r>
+              <a:rPr lang="en-GB" dirty="0"/>
+              <a:t>update</a:t>
+            </a:r>
+          </a:p>
+          <a:p>
+            <a:r>
+              <a:rPr lang="en-GB" dirty="0"/>
+              <a:t>Read</a:t>
+            </a:r>
+          </a:p>
+          <a:p>
+            <a:pPr lvl="1"/>
+            <a:r>
+              <a:rPr lang="en-GB" dirty="0"/>
+              <a:t>Select</a:t>
+            </a:r>
+          </a:p>
+          <a:p>
+            <a:pPr lvl="1"/>
+            <a:endParaRPr lang="en-GB" dirty="0"/>
+          </a:p>
+        </p:txBody>
+      </p:sp>
+    </p:spTree>
+    <p:extLst>
+      <p:ext uri="{BB962C8B-B14F-4D97-AF65-F5344CB8AC3E}">
+        <p14:creationId xmlns:p14="http://schemas.microsoft.com/office/powerpoint/2010/main" val="3441760718"/>
+      </p:ext>
+    </p:extLst>
+  </p:cSld>
+  <p:clrMapOvr>
+    <a:masterClrMapping/>
+  </p:clrMapOvr>
+</p:sld>
+</file>
+
+<file path=ppt/slides/slide26.xml><?xml version="1.0" encoding="utf-8"?>
+<p:sld xmlns:a="http://schemas.openxmlformats.org/drawingml/2006/main" xmlns:r="http://schemas.openxmlformats.org/officeDocument/2006/relationships" xmlns:p="http://schemas.openxmlformats.org/presentationml/2006/main">
+  <p:cSld>
+    <p:spTree>
+      <p:nvGrpSpPr>
+        <p:cNvPr id="1" name=""/>
+        <p:cNvGrpSpPr/>
+        <p:nvPr/>
+      </p:nvGrpSpPr>
+      <p:grpSpPr>
+        <a:xfrm>
+          <a:off x="0" y="0"/>
+          <a:ext cx="0" cy="0"/>
+          <a:chOff x="0" y="0"/>
+          <a:chExt cx="0" cy="0"/>
+        </a:xfrm>
+      </p:grpSpPr>
+      <p:sp>
+        <p:nvSpPr>
+          <p:cNvPr id="2" name="Title 1">
+            <a:extLst>
+              <a:ext uri="{FF2B5EF4-FFF2-40B4-BE49-F238E27FC236}">
+                <a16:creationId xmlns:a16="http://schemas.microsoft.com/office/drawing/2014/main" id="{75F63D42-401D-28D0-D9D5-56A645B7539D}"/>
+              </a:ext>
+            </a:extLst>
+          </p:cNvPr>
+          <p:cNvSpPr>
+            <a:spLocks noGrp="1"/>
+          </p:cNvSpPr>
+          <p:nvPr>
+            <p:ph type="title"/>
+          </p:nvPr>
+        </p:nvSpPr>
+        <p:spPr/>
+        <p:txBody>
+          <a:bodyPr/>
+          <a:lstStyle/>
+          <a:p>
+            <a:r>
+              <a:rPr lang="en-GB" dirty="0"/>
+              <a:t>Read – select(1/3)</a:t>
+            </a:r>
+          </a:p>
+        </p:txBody>
+      </p:sp>
+      <p:sp>
+        <p:nvSpPr>
+          <p:cNvPr id="3" name="Content Placeholder 2">
+            <a:extLst>
+              <a:ext uri="{FF2B5EF4-FFF2-40B4-BE49-F238E27FC236}">
+                <a16:creationId xmlns:a16="http://schemas.microsoft.com/office/drawing/2014/main" id="{B16412EA-9B89-D15D-8CF8-8EDD21B1A57E}"/>
+              </a:ext>
+            </a:extLst>
+          </p:cNvPr>
+          <p:cNvSpPr>
+            <a:spLocks noGrp="1"/>
+          </p:cNvSpPr>
+          <p:nvPr>
+            <p:ph idx="1"/>
+          </p:nvPr>
+        </p:nvSpPr>
+        <p:spPr/>
+        <p:txBody>
+          <a:bodyPr/>
+          <a:lstStyle/>
+          <a:p>
+            <a:r>
+              <a:rPr lang="en-GB" dirty="0"/>
+              <a:t>Select (</a:t>
+            </a:r>
+            <a:r>
+              <a:rPr lang="ko-KR" altLang="en-US" dirty="0"/>
+              <a:t>가져올 칼럼</a:t>
+            </a:r>
+            <a:r>
+              <a:rPr lang="en-US" altLang="ko-KR" dirty="0"/>
+              <a:t>) from (</a:t>
+            </a:r>
+            <a:r>
+              <a:rPr lang="ko-KR" altLang="en-US" dirty="0"/>
+              <a:t>데이터베이스</a:t>
+            </a:r>
+            <a:r>
+              <a:rPr lang="en-US" altLang="ko-KR" dirty="0"/>
+              <a:t>).(</a:t>
+            </a:r>
+            <a:r>
+              <a:rPr lang="ko-KR" altLang="en-US" dirty="0"/>
+              <a:t>테이블 명</a:t>
+            </a:r>
+            <a:r>
+              <a:rPr lang="en-US" altLang="ko-KR" dirty="0"/>
+              <a:t>)</a:t>
+            </a:r>
+          </a:p>
+          <a:p>
+            <a:pPr lvl="1"/>
+            <a:r>
+              <a:rPr lang="en-US" altLang="ko-KR" dirty="0"/>
+              <a:t>Select * from employee : </a:t>
+            </a:r>
+            <a:r>
+              <a:rPr lang="ko-KR" altLang="en-US" dirty="0"/>
+              <a:t>테이블의 모든 행 조회</a:t>
+            </a:r>
+            <a:endParaRPr lang="en-US" altLang="ko-KR" dirty="0"/>
+          </a:p>
+          <a:p>
+            <a:pPr lvl="1"/>
+            <a:r>
+              <a:rPr lang="en-US" altLang="ko-KR" dirty="0"/>
+              <a:t>Select </a:t>
+            </a:r>
+            <a:r>
+              <a:rPr lang="ko-KR" altLang="en-US" dirty="0"/>
+              <a:t>사원번호</a:t>
+            </a:r>
+            <a:r>
+              <a:rPr lang="en-US" altLang="ko-KR" dirty="0"/>
+              <a:t>, </a:t>
+            </a:r>
+            <a:r>
+              <a:rPr lang="ko-KR" altLang="en-US" dirty="0"/>
+              <a:t>이름 </a:t>
+            </a:r>
+            <a:r>
+              <a:rPr lang="en-US" altLang="ko-KR" dirty="0"/>
+              <a:t>from employee : </a:t>
+            </a:r>
+            <a:r>
+              <a:rPr lang="ko-KR" altLang="en-US" dirty="0"/>
+              <a:t>모든 행 데이터 중</a:t>
+            </a:r>
+            <a:r>
+              <a:rPr lang="en-US" altLang="ko-KR" dirty="0"/>
+              <a:t>, </a:t>
+            </a:r>
+            <a:r>
+              <a:rPr lang="ko-KR" altLang="en-US" dirty="0"/>
+              <a:t>사원번호</a:t>
+            </a:r>
+            <a:r>
+              <a:rPr lang="en-US" altLang="ko-KR" dirty="0"/>
+              <a:t>, </a:t>
+            </a:r>
+            <a:r>
+              <a:rPr lang="ko-KR" altLang="en-US" dirty="0"/>
+              <a:t>이름만 조회</a:t>
+            </a:r>
+            <a:endParaRPr lang="en-US" altLang="ko-KR" dirty="0"/>
+          </a:p>
+          <a:p>
+            <a:r>
+              <a:rPr lang="ko-KR" altLang="en-US" dirty="0"/>
+              <a:t>도전 과제</a:t>
+            </a:r>
+            <a:endParaRPr lang="en-US" altLang="ko-KR" dirty="0"/>
+          </a:p>
+          <a:p>
+            <a:pPr lvl="1"/>
+            <a:r>
+              <a:rPr lang="en-US" altLang="ko-KR" dirty="0"/>
+              <a:t>Employee </a:t>
+            </a:r>
+            <a:r>
+              <a:rPr lang="ko-KR" altLang="en-US" dirty="0"/>
+              <a:t>테이블에서</a:t>
+            </a:r>
+            <a:r>
+              <a:rPr lang="en-US" altLang="ko-KR" dirty="0"/>
+              <a:t>, </a:t>
+            </a:r>
+            <a:r>
+              <a:rPr lang="ko-KR" altLang="en-US" dirty="0"/>
+              <a:t>사원의 전체 이름과 입사일자 조회</a:t>
+            </a:r>
+            <a:endParaRPr lang="en-US" altLang="ko-KR" dirty="0"/>
+          </a:p>
+          <a:p>
+            <a:pPr lvl="1"/>
+            <a:endParaRPr lang="en-US" altLang="ko-KR" dirty="0"/>
+          </a:p>
+          <a:p>
+            <a:pPr lvl="1"/>
+            <a:endParaRPr lang="en-GB" altLang="ko-KR" dirty="0"/>
+          </a:p>
+        </p:txBody>
+      </p:sp>
+    </p:spTree>
+    <p:extLst>
+      <p:ext uri="{BB962C8B-B14F-4D97-AF65-F5344CB8AC3E}">
+        <p14:creationId xmlns:p14="http://schemas.microsoft.com/office/powerpoint/2010/main" val="2911914519"/>
+      </p:ext>
+    </p:extLst>
+  </p:cSld>
+  <p:clrMapOvr>
+    <a:masterClrMapping/>
+  </p:clrMapOvr>
+</p:sld>
+</file>
+
+<file path=ppt/slides/slide27.xml><?xml version="1.0" encoding="utf-8"?>
+<p:sld xmlns:a="http://schemas.openxmlformats.org/drawingml/2006/main" xmlns:r="http://schemas.openxmlformats.org/officeDocument/2006/relationships" xmlns:p="http://schemas.openxmlformats.org/presentationml/2006/main">
+  <p:cSld>
+    <p:spTree>
+      <p:nvGrpSpPr>
+        <p:cNvPr id="1" name=""/>
+        <p:cNvGrpSpPr/>
+        <p:nvPr/>
+      </p:nvGrpSpPr>
+      <p:grpSpPr>
+        <a:xfrm>
+          <a:off x="0" y="0"/>
+          <a:ext cx="0" cy="0"/>
+          <a:chOff x="0" y="0"/>
+          <a:chExt cx="0" cy="0"/>
+        </a:xfrm>
+      </p:grpSpPr>
+      <p:sp>
+        <p:nvSpPr>
+          <p:cNvPr id="2" name="Title 1">
+            <a:extLst>
+              <a:ext uri="{FF2B5EF4-FFF2-40B4-BE49-F238E27FC236}">
+                <a16:creationId xmlns:a16="http://schemas.microsoft.com/office/drawing/2014/main" id="{7B2BE612-C8D1-BF94-0F0E-845EFF692B39}"/>
+              </a:ext>
+            </a:extLst>
+          </p:cNvPr>
+          <p:cNvSpPr>
+            <a:spLocks noGrp="1"/>
+          </p:cNvSpPr>
+          <p:nvPr>
+            <p:ph type="title"/>
+          </p:nvPr>
+        </p:nvSpPr>
+        <p:spPr/>
+        <p:txBody>
+          <a:bodyPr/>
+          <a:lstStyle/>
+          <a:p>
+            <a:r>
+              <a:rPr lang="en-GB" dirty="0"/>
+              <a:t>Read – select(2/3)</a:t>
+            </a:r>
+          </a:p>
+        </p:txBody>
+      </p:sp>
+      <p:sp>
+        <p:nvSpPr>
+          <p:cNvPr id="3" name="Content Placeholder 2">
+            <a:extLst>
+              <a:ext uri="{FF2B5EF4-FFF2-40B4-BE49-F238E27FC236}">
+                <a16:creationId xmlns:a16="http://schemas.microsoft.com/office/drawing/2014/main" id="{A5B06ED8-DA92-4B69-CA4A-E7B7AD58B867}"/>
+              </a:ext>
+            </a:extLst>
+          </p:cNvPr>
+          <p:cNvSpPr>
+            <a:spLocks noGrp="1"/>
+          </p:cNvSpPr>
+          <p:nvPr>
+            <p:ph idx="1"/>
+          </p:nvPr>
+        </p:nvSpPr>
+        <p:spPr/>
+        <p:txBody>
+          <a:bodyPr/>
+          <a:lstStyle/>
+          <a:p>
+            <a:r>
+              <a:rPr lang="ko-KR" altLang="en-US" dirty="0"/>
+              <a:t>만약</a:t>
+            </a:r>
+            <a:r>
+              <a:rPr lang="en-US" altLang="ko-KR" dirty="0"/>
+              <a:t>, </a:t>
+            </a:r>
+            <a:r>
+              <a:rPr lang="ko-KR" altLang="en-US" dirty="0"/>
+              <a:t>이름이 </a:t>
+            </a:r>
+            <a:r>
+              <a:rPr lang="en-GB" altLang="ko-KR" dirty="0" err="1"/>
+              <a:t>Parto</a:t>
+            </a:r>
+            <a:r>
+              <a:rPr lang="ko-KR" altLang="en-US" dirty="0"/>
+              <a:t>이고</a:t>
+            </a:r>
+            <a:r>
+              <a:rPr lang="en-US" altLang="ko-KR" dirty="0"/>
+              <a:t>, </a:t>
+            </a:r>
+            <a:r>
+              <a:rPr lang="ko-KR" altLang="en-US" dirty="0"/>
+              <a:t>성이 </a:t>
+            </a:r>
+            <a:r>
+              <a:rPr lang="en-GB" altLang="ko-KR" dirty="0"/>
+              <a:t>Bamford</a:t>
+            </a:r>
+            <a:r>
+              <a:rPr lang="ko-KR" altLang="en-US" dirty="0"/>
+              <a:t>인 사람의 데이터만 읽어오고 싶다면</a:t>
+            </a:r>
+            <a:r>
+              <a:rPr lang="en-US" altLang="ko-KR" dirty="0"/>
+              <a:t>?</a:t>
+            </a:r>
+          </a:p>
+          <a:p>
+            <a:r>
+              <a:rPr lang="en-US" altLang="ko-KR" dirty="0"/>
+              <a:t>Select * from employee </a:t>
+            </a:r>
+            <a:r>
+              <a:rPr lang="en-US" altLang="ko-KR" b="1" i="1" dirty="0"/>
+              <a:t>where </a:t>
+            </a:r>
+            <a:r>
+              <a:rPr lang="ko-KR" altLang="en-US" b="1" i="1" dirty="0"/>
+              <a:t>이름</a:t>
+            </a:r>
+            <a:r>
+              <a:rPr lang="en-US" altLang="ko-KR" dirty="0"/>
+              <a:t>=“</a:t>
+            </a:r>
+            <a:r>
+              <a:rPr lang="en-US" altLang="ko-KR" dirty="0" err="1"/>
+              <a:t>Parto</a:t>
+            </a:r>
+            <a:r>
+              <a:rPr lang="en-US" altLang="ko-KR" dirty="0"/>
+              <a:t>” and </a:t>
+            </a:r>
+            <a:r>
+              <a:rPr lang="ko-KR" altLang="en-US" dirty="0"/>
+              <a:t>성</a:t>
+            </a:r>
+            <a:r>
+              <a:rPr lang="en-US" altLang="ko-KR" dirty="0"/>
+              <a:t>=“</a:t>
+            </a:r>
+            <a:r>
+              <a:rPr lang="en-GB" altLang="ko-KR" dirty="0"/>
+              <a:t>Bamford”</a:t>
+            </a:r>
+            <a:endParaRPr lang="en-US" altLang="ko-KR" b="1" i="1" dirty="0"/>
+          </a:p>
+          <a:p>
+            <a:pPr lvl="1"/>
+            <a:r>
+              <a:rPr lang="ko-KR" altLang="en-US" dirty="0"/>
+              <a:t>조건문 작성 </a:t>
+            </a:r>
+            <a:r>
+              <a:rPr lang="en-US" altLang="ko-KR" dirty="0"/>
+              <a:t>-&gt; where</a:t>
+            </a:r>
+            <a:r>
+              <a:rPr lang="ko-KR" altLang="en-US" dirty="0"/>
+              <a:t>을 사용</a:t>
+            </a:r>
+            <a:r>
+              <a:rPr lang="en-US" altLang="ko-KR" dirty="0"/>
+              <a:t>!!</a:t>
+            </a:r>
+          </a:p>
+          <a:p>
+            <a:pPr lvl="1"/>
+            <a:r>
+              <a:rPr lang="ko-KR" altLang="en-US" dirty="0"/>
+              <a:t>참고</a:t>
+            </a:r>
+            <a:r>
+              <a:rPr lang="en-US" altLang="ko-KR" dirty="0"/>
+              <a:t> # </a:t>
+            </a:r>
+            <a:r>
+              <a:rPr lang="ko-KR" altLang="en-US" dirty="0"/>
+              <a:t>데이터가 많을 땐</a:t>
+            </a:r>
+            <a:r>
+              <a:rPr lang="en-US" altLang="ko-KR" dirty="0"/>
+              <a:t>, </a:t>
+            </a:r>
+            <a:r>
+              <a:rPr lang="ko-KR" altLang="en-US" dirty="0"/>
+              <a:t>인덱스를 적절히 사용하지 않으면</a:t>
+            </a:r>
+            <a:r>
+              <a:rPr lang="en-US" altLang="ko-KR" dirty="0"/>
+              <a:t>, </a:t>
+            </a:r>
+            <a:r>
+              <a:rPr lang="ko-KR" altLang="en-US" dirty="0"/>
+              <a:t>쿼리 성능이 </a:t>
+            </a:r>
+            <a:endParaRPr lang="en-US" altLang="ko-KR" dirty="0"/>
+          </a:p>
+          <a:p>
+            <a:pPr lvl="1"/>
+            <a:endParaRPr lang="en-US" altLang="ko-KR" dirty="0"/>
+          </a:p>
+          <a:p>
+            <a:pPr lvl="1"/>
+            <a:endParaRPr lang="en-US" altLang="ko-KR" dirty="0"/>
+          </a:p>
+        </p:txBody>
+      </p:sp>
+    </p:spTree>
+    <p:extLst>
+      <p:ext uri="{BB962C8B-B14F-4D97-AF65-F5344CB8AC3E}">
+        <p14:creationId xmlns:p14="http://schemas.microsoft.com/office/powerpoint/2010/main" val="628108367"/>
+      </p:ext>
+    </p:extLst>
+  </p:cSld>
+  <p:clrMapOvr>
+    <a:masterClrMapping/>
+  </p:clrMapOvr>
+</p:sld>
+</file>
+
+<file path=ppt/slides/slide28.xml><?xml version="1.0" encoding="utf-8"?>
+<p:sld xmlns:a="http://schemas.openxmlformats.org/drawingml/2006/main" xmlns:r="http://schemas.openxmlformats.org/officeDocument/2006/relationships" xmlns:p="http://schemas.openxmlformats.org/presentationml/2006/main">
+  <p:cSld>
+    <p:spTree>
+      <p:nvGrpSpPr>
+        <p:cNvPr id="1" name=""/>
+        <p:cNvGrpSpPr/>
+        <p:nvPr/>
+      </p:nvGrpSpPr>
+      <p:grpSpPr>
+        <a:xfrm>
+          <a:off x="0" y="0"/>
+          <a:ext cx="0" cy="0"/>
+          <a:chOff x="0" y="0"/>
+          <a:chExt cx="0" cy="0"/>
+        </a:xfrm>
+      </p:grpSpPr>
+      <p:sp>
+        <p:nvSpPr>
+          <p:cNvPr id="2" name="Title 1">
+            <a:extLst>
+              <a:ext uri="{FF2B5EF4-FFF2-40B4-BE49-F238E27FC236}">
+                <a16:creationId xmlns:a16="http://schemas.microsoft.com/office/drawing/2014/main" id="{B67CCC02-EF6A-0F37-F20B-0578E7E235E2}"/>
+              </a:ext>
+            </a:extLst>
+          </p:cNvPr>
+          <p:cNvSpPr>
+            <a:spLocks noGrp="1"/>
+          </p:cNvSpPr>
+          <p:nvPr>
+            <p:ph type="title"/>
+          </p:nvPr>
+        </p:nvSpPr>
+        <p:spPr/>
+        <p:txBody>
+          <a:bodyPr/>
+          <a:lstStyle/>
+          <a:p>
+            <a:r>
+              <a:rPr lang="ko-KR" altLang="en-US" dirty="0"/>
+              <a:t>헷갈리는 데이터 타입 </a:t>
+            </a:r>
+            <a:r>
+              <a:rPr lang="en-US" altLang="ko-KR" dirty="0"/>
+              <a:t>– Date vs </a:t>
+            </a:r>
+            <a:r>
+              <a:rPr lang="en-US" altLang="ko-KR" dirty="0" err="1"/>
+              <a:t>DateTime</a:t>
+            </a:r>
+            <a:r>
+              <a:rPr lang="en-US" altLang="ko-KR" dirty="0"/>
+              <a:t> vs Timestamp</a:t>
+            </a:r>
+            <a:endParaRPr lang="en-GB" dirty="0"/>
+          </a:p>
+        </p:txBody>
+      </p:sp>
+      <p:sp>
+        <p:nvSpPr>
+          <p:cNvPr id="3" name="Content Placeholder 2">
+            <a:extLst>
+              <a:ext uri="{FF2B5EF4-FFF2-40B4-BE49-F238E27FC236}">
+                <a16:creationId xmlns:a16="http://schemas.microsoft.com/office/drawing/2014/main" id="{E5F4E5D1-BDB6-B2CE-BD61-25601748CC5D}"/>
+              </a:ext>
+            </a:extLst>
+          </p:cNvPr>
+          <p:cNvSpPr>
+            <a:spLocks noGrp="1"/>
+          </p:cNvSpPr>
+          <p:nvPr>
+            <p:ph idx="1"/>
+          </p:nvPr>
+        </p:nvSpPr>
+        <p:spPr/>
+        <p:txBody>
+          <a:bodyPr>
+            <a:normAutofit fontScale="92500" lnSpcReduction="20000"/>
+          </a:bodyPr>
+          <a:lstStyle/>
+          <a:p>
+            <a:r>
+              <a:rPr lang="en-GB" dirty="0">
+                <a:hlinkClick r:id="rId3"/>
+              </a:rPr>
+              <a:t>https://dev.mysql.com/doc/refman/8.4/en/datetime.html</a:t>
+            </a:r>
+            <a:endParaRPr lang="en-GB" dirty="0"/>
+          </a:p>
+          <a:p>
+            <a:r>
+              <a:rPr lang="en-GB" dirty="0"/>
+              <a:t>Date : </a:t>
+            </a:r>
+            <a:r>
+              <a:rPr lang="ko-KR" altLang="en-US" dirty="0"/>
+              <a:t>날짜 정보만 포함해야 할 경우 사용 가능</a:t>
+            </a:r>
+            <a:endParaRPr lang="en-US" altLang="ko-KR" dirty="0"/>
+          </a:p>
+          <a:p>
+            <a:r>
+              <a:rPr lang="en-US" altLang="ko-KR" dirty="0" err="1"/>
+              <a:t>DateTime</a:t>
+            </a:r>
+            <a:r>
+              <a:rPr lang="en-US" altLang="ko-KR" dirty="0"/>
+              <a:t> : </a:t>
+            </a:r>
+            <a:r>
+              <a:rPr lang="ko-KR" altLang="en-US" dirty="0"/>
+              <a:t>날짜 정보에 시간까지 포함해야 할 경우 사용</a:t>
+            </a:r>
+            <a:endParaRPr lang="en-US" altLang="ko-KR" dirty="0"/>
+          </a:p>
+          <a:p>
+            <a:pPr lvl="1"/>
+            <a:r>
+              <a:rPr lang="ko-KR" altLang="en-US" sz="2000" dirty="0"/>
+              <a:t>시간대와 무관하게 고정된 날짜와 시간을 저장</a:t>
+            </a:r>
+            <a:endParaRPr lang="en-US" altLang="ko-KR" sz="2000" dirty="0"/>
+          </a:p>
+          <a:p>
+            <a:pPr lvl="1"/>
+            <a:r>
+              <a:rPr lang="ko-KR" altLang="en-US" sz="1600" dirty="0"/>
+              <a:t>이때 기준은 서버의 설정 시간</a:t>
+            </a:r>
+            <a:endParaRPr lang="en-US" altLang="ko-KR" sz="1600" dirty="0"/>
+          </a:p>
+          <a:p>
+            <a:pPr lvl="1"/>
+            <a:r>
+              <a:rPr lang="ko-KR" altLang="en-US" sz="1600" dirty="0"/>
+              <a:t>자동 업데이트 기능 존재</a:t>
+            </a:r>
+            <a:r>
+              <a:rPr lang="en-US" altLang="ko-KR" sz="1600" dirty="0"/>
+              <a:t>X</a:t>
+            </a:r>
+          </a:p>
+          <a:p>
+            <a:pPr lvl="1"/>
+            <a:r>
+              <a:rPr lang="en-US" altLang="ko-KR" dirty="0"/>
+              <a:t>1000-01-01 00:00:00 - 9999-12-31 23:59:59 </a:t>
+            </a:r>
+            <a:r>
+              <a:rPr lang="ko-KR" altLang="en-US" dirty="0"/>
+              <a:t>시간까지 저장 가능</a:t>
+            </a:r>
+            <a:endParaRPr lang="en-US" altLang="ko-KR" dirty="0"/>
+          </a:p>
+          <a:p>
+            <a:r>
+              <a:rPr lang="en-US" altLang="ko-KR" dirty="0" err="1"/>
+              <a:t>TimeStamp</a:t>
+            </a:r>
+            <a:r>
+              <a:rPr lang="en-US" altLang="ko-KR" dirty="0"/>
+              <a:t> : </a:t>
+            </a:r>
+          </a:p>
+          <a:p>
+            <a:pPr lvl="1"/>
+            <a:r>
+              <a:rPr lang="ko-KR" altLang="en-US" dirty="0"/>
+              <a:t>시간대</a:t>
+            </a:r>
+            <a:r>
+              <a:rPr lang="en-US" altLang="ko-KR" dirty="0"/>
+              <a:t>(time zone)</a:t>
+            </a:r>
+            <a:r>
+              <a:rPr lang="ko-KR" altLang="en-US" dirty="0"/>
+              <a:t>을 이용한 변경 가능</a:t>
+            </a:r>
+            <a:endParaRPr lang="en-US" altLang="ko-KR" dirty="0"/>
+          </a:p>
+          <a:p>
+            <a:pPr lvl="2"/>
+            <a:r>
+              <a:rPr lang="ko-KR" altLang="en-US" dirty="0"/>
+              <a:t>저장 시</a:t>
+            </a:r>
+            <a:r>
+              <a:rPr lang="en-US" altLang="ko-KR" dirty="0"/>
+              <a:t>, </a:t>
+            </a:r>
+            <a:r>
+              <a:rPr lang="ko-KR" altLang="en-US" dirty="0"/>
+              <a:t>서버의 시간대로 저장되나</a:t>
+            </a:r>
+            <a:r>
+              <a:rPr lang="en-US" altLang="ko-KR" dirty="0"/>
+              <a:t>, </a:t>
+            </a:r>
+            <a:r>
+              <a:rPr lang="ko-KR" altLang="en-US" dirty="0"/>
+              <a:t>호출 시</a:t>
+            </a:r>
+            <a:r>
+              <a:rPr lang="en-US" altLang="ko-KR" dirty="0"/>
+              <a:t>, </a:t>
+            </a:r>
+            <a:r>
+              <a:rPr lang="ko-KR" altLang="en-US" dirty="0"/>
+              <a:t>사용자가 설정한 시간대로 자동 변환 가능</a:t>
+            </a:r>
+            <a:endParaRPr lang="en-US" altLang="ko-KR" dirty="0"/>
+          </a:p>
+          <a:p>
+            <a:pPr lvl="3"/>
+            <a:r>
+              <a:rPr lang="en-US" altLang="ko-KR" dirty="0"/>
+              <a:t>Ex) KST </a:t>
+            </a:r>
+            <a:r>
+              <a:rPr lang="ko-KR" altLang="en-US" dirty="0"/>
+              <a:t>시간대로 저장한 데이터에 대하여</a:t>
+            </a:r>
+            <a:r>
+              <a:rPr lang="en-US" altLang="ko-KR" dirty="0"/>
+              <a:t>, </a:t>
+            </a:r>
+            <a:r>
+              <a:rPr lang="ko-KR" altLang="en-US" dirty="0"/>
+              <a:t>미국의 사용자가 읽어들인 경우</a:t>
+            </a:r>
+            <a:r>
+              <a:rPr lang="en-US" altLang="ko-KR" dirty="0"/>
+              <a:t>, </a:t>
+            </a:r>
+            <a:r>
+              <a:rPr lang="ko-KR" altLang="en-US" dirty="0"/>
+              <a:t>미국 시간대로 자동 변환 가능</a:t>
+            </a:r>
+            <a:endParaRPr lang="en-US" altLang="ko-KR" dirty="0"/>
+          </a:p>
+          <a:p>
+            <a:pPr lvl="2"/>
+            <a:r>
+              <a:rPr lang="en-US" altLang="ko-KR" dirty="0"/>
+              <a:t>2038-01-19 03:14:07 </a:t>
+            </a:r>
+            <a:r>
+              <a:rPr lang="ko-KR" altLang="en-US" dirty="0"/>
+              <a:t>까지밖에 저장 불가능</a:t>
+            </a:r>
+            <a:endParaRPr lang="en-US" altLang="ko-KR" dirty="0"/>
+          </a:p>
+          <a:p>
+            <a:pPr lvl="3"/>
+            <a:endParaRPr lang="en-US" altLang="ko-KR" dirty="0"/>
+          </a:p>
+          <a:p>
+            <a:pPr marL="1371600" lvl="3" indent="0">
+              <a:buNone/>
+            </a:pPr>
+            <a:endParaRPr lang="en-US" altLang="ko-KR" dirty="0"/>
+          </a:p>
+          <a:p>
+            <a:pPr lvl="1"/>
+            <a:endParaRPr kumimoji="0" lang="en-US" altLang="ko-KR" sz="2000" b="0" i="0" u="none" strike="noStrike" cap="none" normalizeH="0" baseline="0" dirty="0">
+              <a:ln>
+                <a:noFill/>
+              </a:ln>
+              <a:solidFill>
+                <a:schemeClr val="tx1"/>
+              </a:solidFill>
+              <a:effectLst/>
+              <a:latin typeface="Arial" panose="020B0604020202020204" pitchFamily="34" charset="0"/>
+            </a:endParaRPr>
+          </a:p>
+          <a:p>
+            <a:pPr lvl="1"/>
+            <a:endParaRPr kumimoji="0" lang="ko-KR" altLang="ko-KR" sz="5400" b="0" i="0" u="none" strike="noStrike" cap="none" normalizeH="0" baseline="0" dirty="0">
+              <a:ln>
+                <a:noFill/>
+              </a:ln>
+              <a:solidFill>
+                <a:schemeClr val="tx1"/>
+              </a:solidFill>
+              <a:effectLst/>
+              <a:latin typeface="Arial" panose="020B0604020202020204" pitchFamily="34" charset="0"/>
+            </a:endParaRPr>
+          </a:p>
+          <a:p>
+            <a:pPr marL="457200" lvl="1" indent="0">
+              <a:buNone/>
+            </a:pPr>
+            <a:endParaRPr lang="en-GB" dirty="0"/>
+          </a:p>
+          <a:p>
+            <a:pPr marL="0" indent="0">
+              <a:buNone/>
+            </a:pPr>
+            <a:endParaRPr lang="en-GB" dirty="0"/>
+          </a:p>
+        </p:txBody>
+      </p:sp>
+      <p:sp>
+        <p:nvSpPr>
+          <p:cNvPr id="5" name="Rectangle 2">
+            <a:extLst>
+              <a:ext uri="{FF2B5EF4-FFF2-40B4-BE49-F238E27FC236}">
+                <a16:creationId xmlns:a16="http://schemas.microsoft.com/office/drawing/2014/main" id="{1A9FA898-03B2-852E-4E7D-50213E5C89B4}"/>
+              </a:ext>
+            </a:extLst>
+          </p:cNvPr>
+          <p:cNvSpPr>
+            <a:spLocks noChangeArrowheads="1"/>
+          </p:cNvSpPr>
+          <p:nvPr/>
+        </p:nvSpPr>
+        <p:spPr bwMode="auto">
+          <a:xfrm>
+            <a:off x="0" y="90100"/>
+            <a:ext cx="65" cy="276999"/>
+          </a:xfrm>
+          <a:prstGeom prst="rect">
+            <a:avLst/>
+          </a:prstGeom>
+          <a:solidFill>
+            <a:srgbClr val="FFFFFF"/>
+          </a:solidFill>
+          <a:ln>
+            <a:noFill/>
+          </a:ln>
+          <a:effectLst/>
+          <a:extLst>
+            <a:ext uri="{91240B29-F687-4F45-9708-019B960494DF}">
+              <a14:hiddenLine xmlns:a14="http://schemas.microsoft.com/office/drawing/2010/main" w="9525">
+                <a:solidFill>
+                  <a:schemeClr val="tx1"/>
+                </a:solidFill>
+                <a:miter lim="800000"/>
+                <a:headEnd/>
+                <a:tailEnd/>
+              </a14:hiddenLine>
+            </a:ext>
+            <a:ext uri="{AF507438-7753-43E0-B8FC-AC1667EBCBE1}">
+              <a14:hiddenEffects xmlns:a14="http://schemas.microsoft.com/office/drawing/2010/main">
+                <a:effectLst>
+                  <a:outerShdw dist="35921" dir="2700000" algn="ctr" rotWithShape="0">
+                    <a:schemeClr val="bg2"/>
+                  </a:outerShdw>
+                </a:effectLst>
+              </a14:hiddenEffects>
+            </a:ext>
+          </a:extLst>
+        </p:spPr>
+        <p:txBody>
+          <a:bodyPr vert="horz" wrap="none" lIns="0" tIns="0" rIns="0" bIns="0" numCol="1" anchor="ctr" anchorCtr="0" compatLnSpc="1">
+            <a:prstTxWarp prst="textNoShape">
+              <a:avLst/>
+            </a:prstTxWarp>
+            <a:spAutoFit/>
+          </a:bodyPr>
+          <a:lstStyle/>
+          <a:p>
+            <a:pPr marL="0" marR="0" lvl="0" indent="0" algn="l" defTabSz="914400" rtl="0" eaLnBrk="0" fontAlgn="base" latinLnBrk="0" hangingPunct="0">
+              <a:lnSpc>
+                <a:spcPct val="100000"/>
+              </a:lnSpc>
+              <a:spcBef>
+                <a:spcPct val="0"/>
+              </a:spcBef>
+              <a:spcAft>
+                <a:spcPct val="0"/>
+              </a:spcAft>
+              <a:buClrTx/>
+              <a:buSzTx/>
+              <a:buFontTx/>
+              <a:buNone/>
+              <a:tabLst/>
+            </a:pPr>
+            <a:endParaRPr kumimoji="0" lang="ko-KR" altLang="ko-KR" sz="1800" b="0" i="0" u="none" strike="noStrike" cap="none" normalizeH="0" baseline="0" dirty="0">
+              <a:ln>
+                <a:noFill/>
+              </a:ln>
+              <a:solidFill>
+                <a:schemeClr val="tx1"/>
+              </a:solidFill>
+              <a:effectLst/>
+              <a:latin typeface="Arial" panose="020B0604020202020204" pitchFamily="34" charset="0"/>
+            </a:endParaRPr>
+          </a:p>
+        </p:txBody>
+      </p:sp>
+    </p:spTree>
+    <p:extLst>
+      <p:ext uri="{BB962C8B-B14F-4D97-AF65-F5344CB8AC3E}">
+        <p14:creationId xmlns:p14="http://schemas.microsoft.com/office/powerpoint/2010/main" val="1623943991"/>
+      </p:ext>
+    </p:extLst>
+  </p:cSld>
+  <p:clrMapOvr>
+    <a:masterClrMapping/>
+  </p:clrMapOvr>
+</p:sld>
+</file>
+
+<file path=ppt/slides/slide29.xml><?xml version="1.0" encoding="utf-8"?>
+<p:sld xmlns:a="http://schemas.openxmlformats.org/drawingml/2006/main" xmlns:r="http://schemas.openxmlformats.org/officeDocument/2006/relationships" xmlns:p="http://schemas.openxmlformats.org/presentationml/2006/main">
+  <p:cSld>
+    <p:spTree>
+      <p:nvGrpSpPr>
+        <p:cNvPr id="1" name=""/>
+        <p:cNvGrpSpPr/>
+        <p:nvPr/>
+      </p:nvGrpSpPr>
+      <p:grpSpPr>
+        <a:xfrm>
+          <a:off x="0" y="0"/>
+          <a:ext cx="0" cy="0"/>
+          <a:chOff x="0" y="0"/>
+          <a:chExt cx="0" cy="0"/>
+        </a:xfrm>
+      </p:grpSpPr>
+      <p:sp>
+        <p:nvSpPr>
+          <p:cNvPr id="2" name="Title 1">
+            <a:extLst>
+              <a:ext uri="{FF2B5EF4-FFF2-40B4-BE49-F238E27FC236}">
+                <a16:creationId xmlns:a16="http://schemas.microsoft.com/office/drawing/2014/main" id="{6CAD874C-2353-5240-2261-7594661E45B1}"/>
+              </a:ext>
+            </a:extLst>
+          </p:cNvPr>
+          <p:cNvSpPr>
+            <a:spLocks noGrp="1"/>
+          </p:cNvSpPr>
+          <p:nvPr>
+            <p:ph type="title"/>
+          </p:nvPr>
+        </p:nvSpPr>
+        <p:spPr/>
+        <p:txBody>
+          <a:bodyPr/>
+          <a:lstStyle/>
+          <a:p>
+            <a:r>
+              <a:rPr lang="en-GB" altLang="ko-KR" dirty="0"/>
+              <a:t>Read – select(3/3)</a:t>
+            </a:r>
+            <a:endParaRPr lang="en-GB" dirty="0"/>
+          </a:p>
+        </p:txBody>
+      </p:sp>
+      <p:sp>
+        <p:nvSpPr>
+          <p:cNvPr id="3" name="Content Placeholder 2">
+            <a:extLst>
+              <a:ext uri="{FF2B5EF4-FFF2-40B4-BE49-F238E27FC236}">
+                <a16:creationId xmlns:a16="http://schemas.microsoft.com/office/drawing/2014/main" id="{601D2F5C-B3FD-2063-E9C7-D8B8385EFB3B}"/>
+              </a:ext>
+            </a:extLst>
+          </p:cNvPr>
+          <p:cNvSpPr>
+            <a:spLocks noGrp="1"/>
+          </p:cNvSpPr>
+          <p:nvPr>
+            <p:ph idx="1"/>
+          </p:nvPr>
+        </p:nvSpPr>
+        <p:spPr/>
+        <p:txBody>
+          <a:bodyPr/>
+          <a:lstStyle/>
+          <a:p>
+            <a:r>
+              <a:rPr lang="ko-KR" altLang="en-US" dirty="0"/>
+              <a:t>결과값을 특정 칼럼을 기준으로 정렬하고자 한다면</a:t>
+            </a:r>
+            <a:r>
+              <a:rPr lang="en-US" altLang="ko-KR" dirty="0"/>
+              <a:t>?</a:t>
+            </a:r>
+          </a:p>
+          <a:p>
+            <a:r>
+              <a:rPr lang="en-US" dirty="0"/>
+              <a:t>Where </a:t>
+            </a:r>
+            <a:r>
+              <a:rPr lang="ko-KR" altLang="en-US" dirty="0"/>
+              <a:t>조건절 다음에</a:t>
+            </a:r>
+            <a:r>
+              <a:rPr lang="en-US" altLang="ko-KR" dirty="0"/>
+              <a:t>, </a:t>
+            </a:r>
+            <a:r>
+              <a:rPr lang="en-US" altLang="ko-KR" b="1" i="1" dirty="0"/>
+              <a:t>order by (</a:t>
+            </a:r>
+            <a:r>
+              <a:rPr lang="ko-KR" altLang="en-US" b="1" i="1" dirty="0"/>
+              <a:t>졍렬 기준 칼럼</a:t>
+            </a:r>
+            <a:r>
+              <a:rPr lang="en-US" altLang="ko-KR" b="1" i="1" dirty="0"/>
+              <a:t>) (ASC/DESC)</a:t>
+            </a:r>
+          </a:p>
+          <a:p>
+            <a:pPr lvl="1"/>
+            <a:r>
+              <a:rPr lang="en-US" dirty="0"/>
+              <a:t>Select * from employee order by </a:t>
+            </a:r>
+            <a:r>
+              <a:rPr lang="ko-KR" altLang="en-US" dirty="0"/>
+              <a:t>입사일자</a:t>
+            </a:r>
+            <a:endParaRPr lang="en-US" altLang="ko-KR" dirty="0"/>
+          </a:p>
+          <a:p>
+            <a:pPr lvl="1"/>
+            <a:r>
+              <a:rPr lang="ko-KR" altLang="en-US" dirty="0"/>
+              <a:t>인덱스를 이용하여</a:t>
+            </a:r>
+            <a:r>
+              <a:rPr lang="en-US" altLang="ko-KR" dirty="0"/>
+              <a:t>, </a:t>
+            </a:r>
+            <a:r>
+              <a:rPr lang="ko-KR" altLang="en-US" dirty="0"/>
+              <a:t>별도의 정렬 없이 쿼리를 효율적으로 처리 가능</a:t>
+            </a:r>
+            <a:endParaRPr lang="en-GB" dirty="0"/>
+          </a:p>
+        </p:txBody>
+      </p:sp>
+    </p:spTree>
+    <p:extLst>
+      <p:ext uri="{BB962C8B-B14F-4D97-AF65-F5344CB8AC3E}">
+        <p14:creationId xmlns:p14="http://schemas.microsoft.com/office/powerpoint/2010/main" val="4210901106"/>
+      </p:ext>
+    </p:extLst>
+  </p:cSld>
+  <p:clrMapOvr>
+    <a:masterClrMapping/>
+  </p:clrMapOvr>
+</p:sld>
+</file>
+
 <file path=ppt/slides/slide3.xml><?xml version="1.0" encoding="utf-8"?>
 <p:sld xmlns:a="http://schemas.openxmlformats.org/drawingml/2006/main" xmlns:r="http://schemas.openxmlformats.org/officeDocument/2006/relationships" xmlns:p="http://schemas.openxmlformats.org/presentationml/2006/main">
   <p:cSld>
@@ -8542,6 +10703,1937 @@
     <p:extLst>
       <p:ext uri="{BB962C8B-B14F-4D97-AF65-F5344CB8AC3E}">
         <p14:creationId xmlns:p14="http://schemas.microsoft.com/office/powerpoint/2010/main" val="392119684"/>
+      </p:ext>
+    </p:extLst>
+  </p:cSld>
+  <p:clrMapOvr>
+    <a:masterClrMapping/>
+  </p:clrMapOvr>
+</p:sld>
+</file>
+
+<file path=ppt/slides/slide30.xml><?xml version="1.0" encoding="utf-8"?>
+<p:sld xmlns:a="http://schemas.openxmlformats.org/drawingml/2006/main" xmlns:r="http://schemas.openxmlformats.org/officeDocument/2006/relationships" xmlns:p="http://schemas.openxmlformats.org/presentationml/2006/main">
+  <p:cSld>
+    <p:spTree>
+      <p:nvGrpSpPr>
+        <p:cNvPr id="1" name=""/>
+        <p:cNvGrpSpPr/>
+        <p:nvPr/>
+      </p:nvGrpSpPr>
+      <p:grpSpPr>
+        <a:xfrm>
+          <a:off x="0" y="0"/>
+          <a:ext cx="0" cy="0"/>
+          <a:chOff x="0" y="0"/>
+          <a:chExt cx="0" cy="0"/>
+        </a:xfrm>
+      </p:grpSpPr>
+      <p:sp>
+        <p:nvSpPr>
+          <p:cNvPr id="2" name="Title 1">
+            <a:extLst>
+              <a:ext uri="{FF2B5EF4-FFF2-40B4-BE49-F238E27FC236}">
+                <a16:creationId xmlns:a16="http://schemas.microsoft.com/office/drawing/2014/main" id="{26DC4781-EFCE-FF7D-4909-B64E1A58FBDC}"/>
+              </a:ext>
+            </a:extLst>
+          </p:cNvPr>
+          <p:cNvSpPr>
+            <a:spLocks noGrp="1"/>
+          </p:cNvSpPr>
+          <p:nvPr>
+            <p:ph type="title"/>
+          </p:nvPr>
+        </p:nvSpPr>
+        <p:spPr/>
+        <p:txBody>
+          <a:bodyPr/>
+          <a:lstStyle/>
+          <a:p>
+            <a:r>
+              <a:rPr lang="en-GB" dirty="0"/>
+              <a:t>Create - insert</a:t>
+            </a:r>
+          </a:p>
+        </p:txBody>
+      </p:sp>
+      <p:sp>
+        <p:nvSpPr>
+          <p:cNvPr id="3" name="Content Placeholder 2">
+            <a:extLst>
+              <a:ext uri="{FF2B5EF4-FFF2-40B4-BE49-F238E27FC236}">
+                <a16:creationId xmlns:a16="http://schemas.microsoft.com/office/drawing/2014/main" id="{CEFA84FC-5263-A7AB-26CB-5F21ED1F1FDC}"/>
+              </a:ext>
+            </a:extLst>
+          </p:cNvPr>
+          <p:cNvSpPr>
+            <a:spLocks noGrp="1"/>
+          </p:cNvSpPr>
+          <p:nvPr>
+            <p:ph idx="1"/>
+          </p:nvPr>
+        </p:nvSpPr>
+        <p:spPr/>
+        <p:txBody>
+          <a:bodyPr/>
+          <a:lstStyle/>
+          <a:p>
+            <a:r>
+              <a:rPr lang="ko-KR" altLang="en-US" dirty="0"/>
+              <a:t>데이터를 저장할 때는 </a:t>
+            </a:r>
+            <a:r>
+              <a:rPr lang="en-US" altLang="ko-KR" dirty="0"/>
+              <a:t>insert </a:t>
+            </a:r>
+            <a:r>
+              <a:rPr lang="ko-KR" altLang="en-US" dirty="0"/>
+              <a:t>문을 통해</a:t>
+            </a:r>
+            <a:r>
+              <a:rPr lang="en-US" altLang="ko-KR" dirty="0"/>
+              <a:t>, </a:t>
+            </a:r>
+            <a:r>
+              <a:rPr lang="ko-KR" altLang="en-US" dirty="0"/>
+              <a:t>저장이 가능</a:t>
+            </a:r>
+            <a:endParaRPr lang="en-US" altLang="ko-KR" dirty="0"/>
+          </a:p>
+          <a:p>
+            <a:pPr lvl="1"/>
+            <a:r>
+              <a:rPr lang="en-GB" altLang="ko-KR" dirty="0"/>
+              <a:t>Ex) </a:t>
+            </a:r>
+            <a:r>
+              <a:rPr lang="en-US" altLang="ko-KR" dirty="0"/>
+              <a:t>INSERT INTO </a:t>
+            </a:r>
+            <a:r>
+              <a:rPr lang="en-US" altLang="ko-KR" dirty="0" err="1"/>
+              <a:t>table_name</a:t>
+            </a:r>
+            <a:r>
+              <a:rPr lang="en-US" altLang="ko-KR" dirty="0"/>
+              <a:t> VALUES (value1, value2, value3, ...);</a:t>
+            </a:r>
+          </a:p>
+          <a:p>
+            <a:pPr lvl="1"/>
+            <a:r>
+              <a:rPr lang="en-US" altLang="ko-KR" dirty="0"/>
+              <a:t>Ex) INSERT INTO </a:t>
+            </a:r>
+            <a:r>
+              <a:rPr lang="en-US" altLang="ko-KR" dirty="0" err="1"/>
+              <a:t>table_name</a:t>
+            </a:r>
+            <a:r>
+              <a:rPr lang="en-US" altLang="ko-KR" dirty="0"/>
+              <a:t> (column1, column2, column3, ...) VALUES (value1, value2, value3, ...);</a:t>
+            </a:r>
+          </a:p>
+          <a:p>
+            <a:r>
+              <a:rPr lang="ko-KR" altLang="en-US" dirty="0"/>
+              <a:t>데이터 삽입 시</a:t>
+            </a:r>
+            <a:r>
+              <a:rPr lang="en-US" altLang="ko-KR" dirty="0"/>
+              <a:t>, </a:t>
+            </a:r>
+            <a:r>
+              <a:rPr lang="ko-KR" altLang="en-US" dirty="0"/>
+              <a:t>제약조건에 주의</a:t>
+            </a:r>
+            <a:r>
+              <a:rPr lang="en-US" altLang="ko-KR" dirty="0"/>
+              <a:t>!!</a:t>
+            </a:r>
+            <a:endParaRPr lang="en-GB" dirty="0"/>
+          </a:p>
+          <a:p>
+            <a:pPr lvl="1"/>
+            <a:r>
+              <a:rPr lang="en-US" dirty="0"/>
+              <a:t>Unique </a:t>
+            </a:r>
+            <a:r>
+              <a:rPr lang="ko-KR" altLang="en-US" dirty="0"/>
+              <a:t>제약조건</a:t>
+            </a:r>
+            <a:r>
+              <a:rPr lang="en-US" altLang="ko-KR" dirty="0"/>
+              <a:t>(</a:t>
+            </a:r>
+            <a:r>
+              <a:rPr lang="ko-KR" altLang="en-US" dirty="0"/>
+              <a:t>특정 필드의 값은 모든 행을 통틀어 하나</a:t>
+            </a:r>
+            <a:r>
+              <a:rPr lang="en-US" altLang="ko-KR" dirty="0"/>
+              <a:t>)</a:t>
+            </a:r>
+          </a:p>
+          <a:p>
+            <a:pPr lvl="1"/>
+            <a:r>
+              <a:rPr lang="ko-KR" altLang="en-US" dirty="0"/>
+              <a:t>데이터 타입에 주의</a:t>
+            </a:r>
+            <a:r>
+              <a:rPr lang="en-US" altLang="ko-KR" dirty="0"/>
+              <a:t>(</a:t>
+            </a:r>
+            <a:r>
+              <a:rPr lang="ko-KR" altLang="en-US" dirty="0"/>
+              <a:t>숫자타입의 필드에 문자열을 </a:t>
+            </a:r>
+            <a:r>
+              <a:rPr lang="en-US" altLang="ko-KR" dirty="0"/>
+              <a:t>insert</a:t>
+            </a:r>
+            <a:r>
+              <a:rPr lang="ko-KR" altLang="en-US" dirty="0"/>
+              <a:t>하면 실패</a:t>
+            </a:r>
+            <a:r>
+              <a:rPr lang="en-US" altLang="ko-KR" dirty="0"/>
+              <a:t>)</a:t>
+            </a:r>
+          </a:p>
+          <a:p>
+            <a:pPr marL="457200" lvl="1" indent="0">
+              <a:buNone/>
+            </a:pPr>
+            <a:endParaRPr lang="en-US" dirty="0"/>
+          </a:p>
+          <a:p>
+            <a:endParaRPr lang="en-US" dirty="0"/>
+          </a:p>
+          <a:p>
+            <a:endParaRPr lang="en-GB" dirty="0"/>
+          </a:p>
+        </p:txBody>
+      </p:sp>
+    </p:spTree>
+    <p:extLst>
+      <p:ext uri="{BB962C8B-B14F-4D97-AF65-F5344CB8AC3E}">
+        <p14:creationId xmlns:p14="http://schemas.microsoft.com/office/powerpoint/2010/main" val="2436114077"/>
+      </p:ext>
+    </p:extLst>
+  </p:cSld>
+  <p:clrMapOvr>
+    <a:masterClrMapping/>
+  </p:clrMapOvr>
+</p:sld>
+</file>
+
+<file path=ppt/slides/slide31.xml><?xml version="1.0" encoding="utf-8"?>
+<p:sld xmlns:a="http://schemas.openxmlformats.org/drawingml/2006/main" xmlns:r="http://schemas.openxmlformats.org/officeDocument/2006/relationships" xmlns:p="http://schemas.openxmlformats.org/presentationml/2006/main">
+  <p:cSld>
+    <p:spTree>
+      <p:nvGrpSpPr>
+        <p:cNvPr id="1" name=""/>
+        <p:cNvGrpSpPr/>
+        <p:nvPr/>
+      </p:nvGrpSpPr>
+      <p:grpSpPr>
+        <a:xfrm>
+          <a:off x="0" y="0"/>
+          <a:ext cx="0" cy="0"/>
+          <a:chOff x="0" y="0"/>
+          <a:chExt cx="0" cy="0"/>
+        </a:xfrm>
+      </p:grpSpPr>
+      <p:sp>
+        <p:nvSpPr>
+          <p:cNvPr id="2" name="Title 1">
+            <a:extLst>
+              <a:ext uri="{FF2B5EF4-FFF2-40B4-BE49-F238E27FC236}">
+                <a16:creationId xmlns:a16="http://schemas.microsoft.com/office/drawing/2014/main" id="{E0858DA9-4044-AA45-EEE7-B517B33F2184}"/>
+              </a:ext>
+            </a:extLst>
+          </p:cNvPr>
+          <p:cNvSpPr>
+            <a:spLocks noGrp="1"/>
+          </p:cNvSpPr>
+          <p:nvPr>
+            <p:ph type="title"/>
+          </p:nvPr>
+        </p:nvSpPr>
+        <p:spPr/>
+        <p:txBody>
+          <a:bodyPr/>
+          <a:lstStyle/>
+          <a:p>
+            <a:r>
+              <a:rPr lang="en-GB" dirty="0"/>
+              <a:t>Update - update</a:t>
+            </a:r>
+          </a:p>
+        </p:txBody>
+      </p:sp>
+      <p:sp>
+        <p:nvSpPr>
+          <p:cNvPr id="3" name="Content Placeholder 2">
+            <a:extLst>
+              <a:ext uri="{FF2B5EF4-FFF2-40B4-BE49-F238E27FC236}">
+                <a16:creationId xmlns:a16="http://schemas.microsoft.com/office/drawing/2014/main" id="{E825BCE5-DFF9-56B9-6F5A-235887A6B1A6}"/>
+              </a:ext>
+            </a:extLst>
+          </p:cNvPr>
+          <p:cNvSpPr>
+            <a:spLocks noGrp="1"/>
+          </p:cNvSpPr>
+          <p:nvPr>
+            <p:ph idx="1"/>
+          </p:nvPr>
+        </p:nvSpPr>
+        <p:spPr/>
+        <p:txBody>
+          <a:bodyPr>
+            <a:normAutofit fontScale="92500" lnSpcReduction="10000"/>
+          </a:bodyPr>
+          <a:lstStyle/>
+          <a:p>
+            <a:r>
+              <a:rPr lang="ko-KR" altLang="en-US" dirty="0">
+                <a:latin typeface="Courier New" panose="02070309020205020404" pitchFamily="49" charset="0"/>
+              </a:rPr>
+              <a:t>테이블의 행의 특정 필드를 변경하고자 할 때</a:t>
+            </a:r>
+            <a:r>
+              <a:rPr lang="en-US" altLang="ko-KR" dirty="0">
+                <a:latin typeface="Courier New" panose="02070309020205020404" pitchFamily="49" charset="0"/>
+              </a:rPr>
+              <a:t>, </a:t>
+            </a:r>
+            <a:r>
+              <a:rPr lang="ko-KR" altLang="en-US" dirty="0">
+                <a:latin typeface="Courier New" panose="02070309020205020404" pitchFamily="49" charset="0"/>
+              </a:rPr>
+              <a:t>사용</a:t>
+            </a:r>
+            <a:r>
+              <a:rPr lang="en-US" altLang="ko-KR" dirty="0">
+                <a:latin typeface="Courier New" panose="02070309020205020404" pitchFamily="49" charset="0"/>
+              </a:rPr>
+              <a:t>.</a:t>
+            </a:r>
+          </a:p>
+          <a:p>
+            <a:r>
+              <a:rPr lang="ko-KR" altLang="en-US" dirty="0">
+                <a:latin typeface="Courier New" panose="02070309020205020404" pitchFamily="49" charset="0"/>
+              </a:rPr>
+              <a:t>조건에 맞는 모든 행에 대하여 필드를 변경하기 때문에</a:t>
+            </a:r>
+            <a:r>
+              <a:rPr lang="en-US" altLang="ko-KR" dirty="0">
+                <a:latin typeface="Courier New" panose="02070309020205020404" pitchFamily="49" charset="0"/>
+              </a:rPr>
+              <a:t>, </a:t>
+            </a:r>
+            <a:r>
+              <a:rPr lang="ko-KR" altLang="en-US" dirty="0">
+                <a:latin typeface="Courier New" panose="02070309020205020404" pitchFamily="49" charset="0"/>
+              </a:rPr>
+              <a:t>주의해서 사용해야 함</a:t>
+            </a:r>
+            <a:r>
+              <a:rPr lang="en-US" altLang="ko-KR" dirty="0">
+                <a:latin typeface="Courier New" panose="02070309020205020404" pitchFamily="49" charset="0"/>
+              </a:rPr>
+              <a:t>.</a:t>
+            </a:r>
+          </a:p>
+          <a:p>
+            <a:r>
+              <a:rPr lang="ko-KR" altLang="en-US" dirty="0">
+                <a:latin typeface="Courier New" panose="02070309020205020404" pitchFamily="49" charset="0"/>
+              </a:rPr>
+              <a:t>외래키 제약조건이 걸린 필드를 변경하고자 할 때는</a:t>
+            </a:r>
+            <a:r>
+              <a:rPr lang="en-US" altLang="ko-KR" dirty="0">
+                <a:latin typeface="Courier New" panose="02070309020205020404" pitchFamily="49" charset="0"/>
+              </a:rPr>
+              <a:t>, </a:t>
+            </a:r>
+            <a:r>
+              <a:rPr lang="ko-KR" altLang="en-US" dirty="0">
+                <a:latin typeface="Courier New" panose="02070309020205020404" pitchFamily="49" charset="0"/>
+              </a:rPr>
+              <a:t>자식 테이블에 존재하는 값까지 변경해주어야 하며</a:t>
+            </a:r>
+            <a:r>
+              <a:rPr lang="en-US" altLang="ko-KR" dirty="0">
+                <a:latin typeface="Courier New" panose="02070309020205020404" pitchFamily="49" charset="0"/>
+              </a:rPr>
+              <a:t>, </a:t>
+            </a:r>
+            <a:r>
+              <a:rPr lang="ko-KR" altLang="en-US" dirty="0">
+                <a:latin typeface="Courier New" panose="02070309020205020404" pitchFamily="49" charset="0"/>
+              </a:rPr>
+              <a:t>이는 설정을 통해 자동화 가능</a:t>
+            </a:r>
+            <a:endParaRPr lang="en-US" altLang="ko-KR" dirty="0">
+              <a:latin typeface="Courier New" panose="02070309020205020404" pitchFamily="49" charset="0"/>
+            </a:endParaRPr>
+          </a:p>
+          <a:p>
+            <a:pPr lvl="1"/>
+            <a:r>
+              <a:rPr lang="ko-KR" altLang="en-US" dirty="0">
+                <a:latin typeface="Courier New" panose="02070309020205020404" pitchFamily="49" charset="0"/>
+              </a:rPr>
+              <a:t>그러나</a:t>
+            </a:r>
+            <a:r>
+              <a:rPr lang="en-US" altLang="ko-KR" dirty="0">
+                <a:latin typeface="Courier New" panose="02070309020205020404" pitchFamily="49" charset="0"/>
+              </a:rPr>
+              <a:t>, </a:t>
+            </a:r>
+            <a:r>
+              <a:rPr lang="ko-KR" altLang="en-US" dirty="0">
+                <a:latin typeface="Courier New" panose="02070309020205020404" pitchFamily="49" charset="0"/>
+              </a:rPr>
+              <a:t>보통 외래키로 걸린 값은 변경되지 않는 값으로 설정하는 것이 기본이며</a:t>
+            </a:r>
+            <a:r>
+              <a:rPr lang="en-US" altLang="ko-KR" dirty="0">
+                <a:latin typeface="Courier New" panose="02070309020205020404" pitchFamily="49" charset="0"/>
+              </a:rPr>
+              <a:t>, </a:t>
+            </a:r>
+            <a:r>
+              <a:rPr lang="ko-KR" altLang="en-US" dirty="0">
+                <a:latin typeface="Courier New" panose="02070309020205020404" pitchFamily="49" charset="0"/>
+              </a:rPr>
+              <a:t>만약 변경되는 값이라면</a:t>
+            </a:r>
+            <a:r>
+              <a:rPr lang="en-US" altLang="ko-KR" dirty="0">
+                <a:latin typeface="Courier New" panose="02070309020205020404" pitchFamily="49" charset="0"/>
+              </a:rPr>
+              <a:t>, </a:t>
+            </a:r>
+            <a:r>
+              <a:rPr lang="ko-KR" altLang="en-US" dirty="0">
+                <a:latin typeface="Courier New" panose="02070309020205020404" pitchFamily="49" charset="0"/>
+              </a:rPr>
+              <a:t>다른 값을 사용하는 편이 유리함</a:t>
+            </a:r>
+            <a:r>
+              <a:rPr lang="en-US" altLang="ko-KR" dirty="0">
+                <a:latin typeface="Courier New" panose="02070309020205020404" pitchFamily="49" charset="0"/>
+              </a:rPr>
+              <a:t>.</a:t>
+            </a:r>
+          </a:p>
+          <a:p>
+            <a:r>
+              <a:rPr lang="en-US" altLang="ko-KR" dirty="0">
+                <a:solidFill>
+                  <a:srgbClr val="0000CD"/>
+                </a:solidFill>
+                <a:latin typeface="Courier New" panose="02070309020205020404" pitchFamily="49" charset="0"/>
+              </a:rPr>
+              <a:t>Ex)</a:t>
+            </a:r>
+            <a:endParaRPr lang="en-US" altLang="ko-KR" b="0" i="0" dirty="0">
+              <a:solidFill>
+                <a:srgbClr val="0000CD"/>
+              </a:solidFill>
+              <a:effectLst/>
+              <a:latin typeface="Courier New" panose="02070309020205020404" pitchFamily="49" charset="0"/>
+            </a:endParaRPr>
+          </a:p>
+          <a:p>
+            <a:pPr marL="457200" lvl="1" indent="0">
+              <a:buNone/>
+            </a:pPr>
+            <a:r>
+              <a:rPr lang="en-US" altLang="ko-KR" b="0" i="0" dirty="0">
+                <a:solidFill>
+                  <a:srgbClr val="0000CD"/>
+                </a:solidFill>
+                <a:effectLst/>
+                <a:latin typeface="Courier New" panose="02070309020205020404" pitchFamily="49" charset="0"/>
+              </a:rPr>
+              <a:t>UPDATE</a:t>
+            </a:r>
+            <a:r>
+              <a:rPr lang="en-US" altLang="ko-KR" b="0" i="0" dirty="0">
+                <a:solidFill>
+                  <a:srgbClr val="000000"/>
+                </a:solidFill>
+                <a:effectLst/>
+                <a:latin typeface="Courier New" panose="02070309020205020404" pitchFamily="49" charset="0"/>
+              </a:rPr>
+              <a:t> </a:t>
+            </a:r>
+            <a:r>
+              <a:rPr lang="en-US" altLang="ko-KR" b="0" i="1" dirty="0" err="1">
+                <a:solidFill>
+                  <a:srgbClr val="000000"/>
+                </a:solidFill>
+                <a:effectLst/>
+                <a:latin typeface="Courier New" panose="02070309020205020404" pitchFamily="49" charset="0"/>
+              </a:rPr>
+              <a:t>table_name</a:t>
+            </a:r>
+            <a:br>
+              <a:rPr lang="en-US" altLang="ko-KR" dirty="0"/>
+            </a:br>
+            <a:r>
+              <a:rPr lang="en-US" altLang="ko-KR" b="0" i="0" dirty="0">
+                <a:solidFill>
+                  <a:srgbClr val="0000CD"/>
+                </a:solidFill>
+                <a:effectLst/>
+                <a:latin typeface="Courier New" panose="02070309020205020404" pitchFamily="49" charset="0"/>
+              </a:rPr>
+              <a:t>SET</a:t>
+            </a:r>
+            <a:r>
+              <a:rPr lang="en-US" altLang="ko-KR" b="0" i="0" dirty="0">
+                <a:solidFill>
+                  <a:srgbClr val="000000"/>
+                </a:solidFill>
+                <a:effectLst/>
+                <a:latin typeface="Courier New" panose="02070309020205020404" pitchFamily="49" charset="0"/>
+              </a:rPr>
+              <a:t> </a:t>
+            </a:r>
+            <a:r>
+              <a:rPr lang="en-US" altLang="ko-KR" b="0" i="1" dirty="0">
+                <a:solidFill>
+                  <a:srgbClr val="000000"/>
+                </a:solidFill>
+                <a:effectLst/>
+                <a:latin typeface="Courier New" panose="02070309020205020404" pitchFamily="49" charset="0"/>
+              </a:rPr>
+              <a:t>column1 </a:t>
+            </a:r>
+            <a:r>
+              <a:rPr lang="en-US" altLang="ko-KR" b="0" i="0" dirty="0">
+                <a:solidFill>
+                  <a:srgbClr val="000000"/>
+                </a:solidFill>
+                <a:effectLst/>
+                <a:latin typeface="Courier New" panose="02070309020205020404" pitchFamily="49" charset="0"/>
+              </a:rPr>
+              <a:t>=</a:t>
+            </a:r>
+            <a:r>
+              <a:rPr lang="en-US" altLang="ko-KR" b="0" i="1" dirty="0">
+                <a:solidFill>
+                  <a:srgbClr val="000000"/>
+                </a:solidFill>
+                <a:effectLst/>
+                <a:latin typeface="Courier New" panose="02070309020205020404" pitchFamily="49" charset="0"/>
+              </a:rPr>
+              <a:t> value1</a:t>
+            </a:r>
+            <a:r>
+              <a:rPr lang="en-US" altLang="ko-KR" b="0" i="0" dirty="0">
+                <a:solidFill>
+                  <a:srgbClr val="000000"/>
+                </a:solidFill>
+                <a:effectLst/>
+                <a:latin typeface="Courier New" panose="02070309020205020404" pitchFamily="49" charset="0"/>
+              </a:rPr>
+              <a:t>,</a:t>
+            </a:r>
+            <a:r>
+              <a:rPr lang="en-US" altLang="ko-KR" b="0" i="1" dirty="0">
+                <a:solidFill>
+                  <a:srgbClr val="000000"/>
+                </a:solidFill>
+                <a:effectLst/>
+                <a:latin typeface="Courier New" panose="02070309020205020404" pitchFamily="49" charset="0"/>
+              </a:rPr>
+              <a:t> column2 </a:t>
+            </a:r>
+            <a:r>
+              <a:rPr lang="en-US" altLang="ko-KR" b="0" i="0" dirty="0">
+                <a:solidFill>
+                  <a:srgbClr val="000000"/>
+                </a:solidFill>
+                <a:effectLst/>
+                <a:latin typeface="Courier New" panose="02070309020205020404" pitchFamily="49" charset="0"/>
+              </a:rPr>
+              <a:t>=</a:t>
+            </a:r>
+            <a:r>
+              <a:rPr lang="en-US" altLang="ko-KR" b="0" i="1" dirty="0">
+                <a:solidFill>
+                  <a:srgbClr val="000000"/>
+                </a:solidFill>
+                <a:effectLst/>
+                <a:latin typeface="Courier New" panose="02070309020205020404" pitchFamily="49" charset="0"/>
+              </a:rPr>
+              <a:t> value2</a:t>
+            </a:r>
+            <a:r>
+              <a:rPr lang="en-US" altLang="ko-KR" b="0" i="0" dirty="0">
+                <a:solidFill>
+                  <a:srgbClr val="000000"/>
+                </a:solidFill>
+                <a:effectLst/>
+                <a:latin typeface="Courier New" panose="02070309020205020404" pitchFamily="49" charset="0"/>
+              </a:rPr>
+              <a:t>, ...</a:t>
+            </a:r>
+            <a:br>
+              <a:rPr lang="en-US" altLang="ko-KR" dirty="0"/>
+            </a:br>
+            <a:r>
+              <a:rPr lang="en-US" altLang="ko-KR" b="0" i="0" dirty="0">
+                <a:solidFill>
+                  <a:srgbClr val="0000CD"/>
+                </a:solidFill>
+                <a:effectLst/>
+                <a:latin typeface="Courier New" panose="02070309020205020404" pitchFamily="49" charset="0"/>
+              </a:rPr>
+              <a:t>WHERE</a:t>
+            </a:r>
+            <a:r>
+              <a:rPr lang="en-US" altLang="ko-KR" b="0" i="0" dirty="0">
+                <a:solidFill>
+                  <a:srgbClr val="000000"/>
+                </a:solidFill>
+                <a:effectLst/>
+                <a:latin typeface="Courier New" panose="02070309020205020404" pitchFamily="49" charset="0"/>
+              </a:rPr>
+              <a:t> </a:t>
+            </a:r>
+            <a:r>
+              <a:rPr lang="en-US" altLang="ko-KR" b="0" i="1" dirty="0">
+                <a:solidFill>
+                  <a:srgbClr val="000000"/>
+                </a:solidFill>
+                <a:effectLst/>
+                <a:latin typeface="Courier New" panose="02070309020205020404" pitchFamily="49" charset="0"/>
+              </a:rPr>
+              <a:t>condition</a:t>
+            </a:r>
+            <a:r>
+              <a:rPr lang="en-US" altLang="ko-KR" b="0" i="0" dirty="0">
+                <a:solidFill>
+                  <a:srgbClr val="000000"/>
+                </a:solidFill>
+                <a:effectLst/>
+                <a:latin typeface="Courier New" panose="02070309020205020404" pitchFamily="49" charset="0"/>
+              </a:rPr>
+              <a:t>;</a:t>
+            </a:r>
+          </a:p>
+          <a:p>
+            <a:pPr marL="457200" lvl="1" indent="0">
+              <a:buNone/>
+            </a:pPr>
+            <a:endParaRPr lang="en-US" altLang="ko-KR" dirty="0">
+              <a:solidFill>
+                <a:srgbClr val="000000"/>
+              </a:solidFill>
+              <a:latin typeface="Courier New" panose="02070309020205020404" pitchFamily="49" charset="0"/>
+            </a:endParaRPr>
+          </a:p>
+          <a:p>
+            <a:pPr marL="457200" lvl="1" indent="0">
+              <a:buNone/>
+            </a:pPr>
+            <a:endParaRPr lang="en-US" altLang="ko-KR" b="0" i="0" dirty="0">
+              <a:solidFill>
+                <a:srgbClr val="000000"/>
+              </a:solidFill>
+              <a:effectLst/>
+              <a:latin typeface="Courier New" panose="02070309020205020404" pitchFamily="49" charset="0"/>
+            </a:endParaRPr>
+          </a:p>
+          <a:p>
+            <a:pPr marL="457200" lvl="1" indent="0">
+              <a:buNone/>
+            </a:pPr>
+            <a:endParaRPr lang="en-US" dirty="0">
+              <a:solidFill>
+                <a:srgbClr val="000000"/>
+              </a:solidFill>
+              <a:latin typeface="Courier New" panose="02070309020205020404" pitchFamily="49" charset="0"/>
+            </a:endParaRPr>
+          </a:p>
+        </p:txBody>
+      </p:sp>
+    </p:spTree>
+    <p:extLst>
+      <p:ext uri="{BB962C8B-B14F-4D97-AF65-F5344CB8AC3E}">
+        <p14:creationId xmlns:p14="http://schemas.microsoft.com/office/powerpoint/2010/main" val="903182003"/>
+      </p:ext>
+    </p:extLst>
+  </p:cSld>
+  <p:clrMapOvr>
+    <a:masterClrMapping/>
+  </p:clrMapOvr>
+</p:sld>
+</file>
+
+<file path=ppt/slides/slide32.xml><?xml version="1.0" encoding="utf-8"?>
+<p:sld xmlns:a="http://schemas.openxmlformats.org/drawingml/2006/main" xmlns:r="http://schemas.openxmlformats.org/officeDocument/2006/relationships" xmlns:p="http://schemas.openxmlformats.org/presentationml/2006/main">
+  <p:cSld>
+    <p:spTree>
+      <p:nvGrpSpPr>
+        <p:cNvPr id="1" name=""/>
+        <p:cNvGrpSpPr/>
+        <p:nvPr/>
+      </p:nvGrpSpPr>
+      <p:grpSpPr>
+        <a:xfrm>
+          <a:off x="0" y="0"/>
+          <a:ext cx="0" cy="0"/>
+          <a:chOff x="0" y="0"/>
+          <a:chExt cx="0" cy="0"/>
+        </a:xfrm>
+      </p:grpSpPr>
+      <p:sp>
+        <p:nvSpPr>
+          <p:cNvPr id="2" name="Title 1">
+            <a:extLst>
+              <a:ext uri="{FF2B5EF4-FFF2-40B4-BE49-F238E27FC236}">
+                <a16:creationId xmlns:a16="http://schemas.microsoft.com/office/drawing/2014/main" id="{5D7E4B87-85CC-55CB-1AAE-ADD445C086FF}"/>
+              </a:ext>
+            </a:extLst>
+          </p:cNvPr>
+          <p:cNvSpPr>
+            <a:spLocks noGrp="1"/>
+          </p:cNvSpPr>
+          <p:nvPr>
+            <p:ph type="title"/>
+          </p:nvPr>
+        </p:nvSpPr>
+        <p:spPr/>
+        <p:txBody>
+          <a:bodyPr/>
+          <a:lstStyle/>
+          <a:p>
+            <a:r>
+              <a:rPr lang="en-GB" dirty="0"/>
+              <a:t>Delete - delete</a:t>
+            </a:r>
+          </a:p>
+        </p:txBody>
+      </p:sp>
+      <p:sp>
+        <p:nvSpPr>
+          <p:cNvPr id="3" name="Content Placeholder 2">
+            <a:extLst>
+              <a:ext uri="{FF2B5EF4-FFF2-40B4-BE49-F238E27FC236}">
+                <a16:creationId xmlns:a16="http://schemas.microsoft.com/office/drawing/2014/main" id="{869FB68E-2381-08AB-5BD7-EECE2DF285F1}"/>
+              </a:ext>
+            </a:extLst>
+          </p:cNvPr>
+          <p:cNvSpPr>
+            <a:spLocks noGrp="1"/>
+          </p:cNvSpPr>
+          <p:nvPr>
+            <p:ph idx="1"/>
+          </p:nvPr>
+        </p:nvSpPr>
+        <p:spPr/>
+        <p:txBody>
+          <a:bodyPr/>
+          <a:lstStyle/>
+          <a:p>
+            <a:r>
+              <a:rPr lang="ko-KR" altLang="en-US" dirty="0"/>
+              <a:t>테이블의 행을 삭제할 때 사용할 수 있는 명령어</a:t>
+            </a:r>
+            <a:endParaRPr lang="en-US" altLang="ko-KR" dirty="0"/>
+          </a:p>
+          <a:p>
+            <a:r>
+              <a:rPr lang="ko-KR" altLang="en-US" dirty="0"/>
+              <a:t>그러나 보통 </a:t>
+            </a:r>
+            <a:r>
+              <a:rPr lang="en-US" altLang="ko-KR" dirty="0"/>
+              <a:t>delete</a:t>
+            </a:r>
+            <a:r>
+              <a:rPr lang="ko-KR" altLang="en-US" dirty="0"/>
+              <a:t> 명령어는 매우 위험한 명령이기 때문에</a:t>
+            </a:r>
+            <a:r>
+              <a:rPr lang="en-US" altLang="ko-KR" dirty="0"/>
+              <a:t>, </a:t>
+            </a:r>
+            <a:r>
+              <a:rPr lang="ko-KR" altLang="en-US" dirty="0"/>
+              <a:t>개발팀에 따라서는 </a:t>
+            </a:r>
+            <a:r>
+              <a:rPr lang="en-US" altLang="ko-KR" dirty="0"/>
+              <a:t>delete </a:t>
+            </a:r>
+            <a:r>
+              <a:rPr lang="ko-KR" altLang="en-US" dirty="0"/>
+              <a:t>명령어를 사용하기 보다는</a:t>
+            </a:r>
+            <a:r>
+              <a:rPr lang="en-US" altLang="ko-KR" dirty="0"/>
+              <a:t>, </a:t>
+            </a:r>
+            <a:r>
+              <a:rPr lang="ko-KR" altLang="en-US" dirty="0"/>
+              <a:t>삭제 여부를 기록하는 </a:t>
+            </a:r>
+            <a:r>
+              <a:rPr lang="en-US" altLang="ko-KR" dirty="0"/>
+              <a:t>flag</a:t>
+            </a:r>
+            <a:r>
+              <a:rPr lang="ko-KR" altLang="en-US" dirty="0"/>
+              <a:t>를 설정하고</a:t>
+            </a:r>
+            <a:r>
+              <a:rPr lang="en-US" altLang="ko-KR" dirty="0"/>
+              <a:t>, </a:t>
+            </a:r>
+            <a:r>
+              <a:rPr lang="ko-KR" altLang="en-US" dirty="0"/>
+              <a:t>이 값을 </a:t>
+            </a:r>
+            <a:r>
+              <a:rPr lang="en-US" altLang="ko-KR" dirty="0"/>
+              <a:t>update </a:t>
+            </a:r>
+            <a:r>
+              <a:rPr lang="ko-KR" altLang="en-US" dirty="0"/>
+              <a:t>하기도 함</a:t>
+            </a:r>
+            <a:r>
+              <a:rPr lang="en-US" altLang="ko-KR" dirty="0"/>
+              <a:t>.</a:t>
+            </a:r>
+          </a:p>
+          <a:p>
+            <a:r>
+              <a:rPr lang="en-US" dirty="0"/>
+              <a:t>Update</a:t>
+            </a:r>
+            <a:r>
+              <a:rPr lang="ko-KR" altLang="en-US" dirty="0"/>
+              <a:t>와 마찬가지로</a:t>
+            </a:r>
+            <a:r>
+              <a:rPr lang="en-US" altLang="ko-KR" dirty="0"/>
+              <a:t>, </a:t>
+            </a:r>
+            <a:r>
+              <a:rPr lang="ko-KR" altLang="en-US" dirty="0"/>
+              <a:t>외래키 제약이 걸린 테이블에서 행을 삭제하는 경우</a:t>
+            </a:r>
+            <a:r>
+              <a:rPr lang="en-US" altLang="ko-KR" dirty="0"/>
+              <a:t>, </a:t>
+            </a:r>
+            <a:r>
+              <a:rPr lang="ko-KR" altLang="en-US" dirty="0"/>
+              <a:t>자식 테이블에 값도 적절하게 변경해주거나 삭제해주어야 하며</a:t>
+            </a:r>
+            <a:r>
+              <a:rPr lang="en-US" altLang="ko-KR" dirty="0"/>
+              <a:t>, </a:t>
+            </a:r>
+            <a:r>
+              <a:rPr lang="ko-KR" altLang="en-US" dirty="0"/>
+              <a:t>이는 테이블 생성 시</a:t>
+            </a:r>
+            <a:r>
+              <a:rPr lang="en-US" altLang="ko-KR" dirty="0"/>
+              <a:t>, </a:t>
+            </a:r>
+            <a:r>
+              <a:rPr lang="ko-KR" altLang="en-US" dirty="0"/>
+              <a:t>설정을 통해 해결 가능</a:t>
+            </a:r>
+            <a:endParaRPr lang="en-US" altLang="ko-KR" dirty="0"/>
+          </a:p>
+          <a:p>
+            <a:r>
+              <a:rPr lang="en-US" altLang="ko-KR" dirty="0">
+                <a:solidFill>
+                  <a:srgbClr val="0000CD"/>
+                </a:solidFill>
+                <a:latin typeface="Courier New" panose="02070309020205020404" pitchFamily="49" charset="0"/>
+                <a:cs typeface="Courier New" panose="02070309020205020404" pitchFamily="49" charset="0"/>
+              </a:rPr>
+              <a:t>Ex)</a:t>
+            </a:r>
+            <a:r>
+              <a:rPr lang="ko-KR" altLang="en-US" dirty="0">
+                <a:solidFill>
+                  <a:srgbClr val="0000CD"/>
+                </a:solidFill>
+                <a:latin typeface="Courier New" panose="02070309020205020404" pitchFamily="49" charset="0"/>
+                <a:cs typeface="Courier New" panose="02070309020205020404" pitchFamily="49" charset="0"/>
+              </a:rPr>
+              <a:t> </a:t>
+            </a:r>
+            <a:r>
+              <a:rPr kumimoji="0" lang="ko-KR" altLang="ko-KR" sz="2800" b="0" i="0" u="none" strike="noStrike" cap="none" normalizeH="0" baseline="0" dirty="0">
+                <a:ln>
+                  <a:noFill/>
+                </a:ln>
+                <a:solidFill>
+                  <a:srgbClr val="0000CD"/>
+                </a:solidFill>
+                <a:effectLst/>
+                <a:latin typeface="Courier New" panose="02070309020205020404" pitchFamily="49" charset="0"/>
+                <a:cs typeface="Courier New" panose="02070309020205020404" pitchFamily="49" charset="0"/>
+              </a:rPr>
+              <a:t>DELETE</a:t>
+            </a:r>
+            <a:r>
+              <a:rPr kumimoji="0" lang="ko-KR" altLang="ko-KR" sz="2800" b="0" i="0" u="none" strike="noStrike" cap="none" normalizeH="0" baseline="0" dirty="0">
+                <a:ln>
+                  <a:noFill/>
+                </a:ln>
+                <a:solidFill>
+                  <a:srgbClr val="000000"/>
+                </a:solidFill>
+                <a:effectLst/>
+                <a:latin typeface="Courier New" panose="02070309020205020404" pitchFamily="49" charset="0"/>
+                <a:cs typeface="Courier New" panose="02070309020205020404" pitchFamily="49" charset="0"/>
+              </a:rPr>
+              <a:t> </a:t>
+            </a:r>
+            <a:r>
+              <a:rPr kumimoji="0" lang="ko-KR" altLang="ko-KR" sz="2800" b="0" i="0" u="none" strike="noStrike" cap="none" normalizeH="0" baseline="0" dirty="0">
+                <a:ln>
+                  <a:noFill/>
+                </a:ln>
+                <a:solidFill>
+                  <a:srgbClr val="0000CD"/>
+                </a:solidFill>
+                <a:effectLst/>
+                <a:latin typeface="Courier New" panose="02070309020205020404" pitchFamily="49" charset="0"/>
+                <a:cs typeface="Courier New" panose="02070309020205020404" pitchFamily="49" charset="0"/>
+              </a:rPr>
+              <a:t>FROM</a:t>
+            </a:r>
+            <a:r>
+              <a:rPr kumimoji="0" lang="ko-KR" altLang="ko-KR" sz="2800" b="0" i="0" u="none" strike="noStrike" cap="none" normalizeH="0" baseline="0" dirty="0">
+                <a:ln>
+                  <a:noFill/>
+                </a:ln>
+                <a:solidFill>
+                  <a:srgbClr val="000000"/>
+                </a:solidFill>
+                <a:effectLst/>
+                <a:latin typeface="Courier New" panose="02070309020205020404" pitchFamily="49" charset="0"/>
+                <a:cs typeface="Courier New" panose="02070309020205020404" pitchFamily="49" charset="0"/>
+              </a:rPr>
+              <a:t> </a:t>
+            </a:r>
+            <a:r>
+              <a:rPr kumimoji="0" lang="ko-KR" altLang="ko-KR" sz="2800" b="0" i="1" u="none" strike="noStrike" cap="none" normalizeH="0" baseline="0" dirty="0">
+                <a:ln>
+                  <a:noFill/>
+                </a:ln>
+                <a:solidFill>
+                  <a:srgbClr val="000000"/>
+                </a:solidFill>
+                <a:effectLst/>
+                <a:latin typeface="Courier New" panose="02070309020205020404" pitchFamily="49" charset="0"/>
+                <a:cs typeface="Courier New" panose="02070309020205020404" pitchFamily="49" charset="0"/>
+              </a:rPr>
+              <a:t>table_name </a:t>
+            </a:r>
+            <a:r>
+              <a:rPr kumimoji="0" lang="ko-KR" altLang="ko-KR" sz="2800" b="0" i="0" u="none" strike="noStrike" cap="none" normalizeH="0" baseline="0" dirty="0">
+                <a:ln>
+                  <a:noFill/>
+                </a:ln>
+                <a:solidFill>
+                  <a:srgbClr val="0000CD"/>
+                </a:solidFill>
+                <a:effectLst/>
+                <a:latin typeface="Courier New" panose="02070309020205020404" pitchFamily="49" charset="0"/>
+                <a:cs typeface="Courier New" panose="02070309020205020404" pitchFamily="49" charset="0"/>
+              </a:rPr>
+              <a:t>WHERE</a:t>
+            </a:r>
+            <a:r>
+              <a:rPr kumimoji="0" lang="ko-KR" altLang="ko-KR" sz="2800" b="0" i="0" u="none" strike="noStrike" cap="none" normalizeH="0" baseline="0" dirty="0">
+                <a:ln>
+                  <a:noFill/>
+                </a:ln>
+                <a:solidFill>
+                  <a:srgbClr val="000000"/>
+                </a:solidFill>
+                <a:effectLst/>
+                <a:latin typeface="Courier New" panose="02070309020205020404" pitchFamily="49" charset="0"/>
+                <a:cs typeface="Courier New" panose="02070309020205020404" pitchFamily="49" charset="0"/>
+              </a:rPr>
+              <a:t> </a:t>
+            </a:r>
+            <a:r>
+              <a:rPr kumimoji="0" lang="ko-KR" altLang="ko-KR" sz="2800" b="0" i="1" u="none" strike="noStrike" cap="none" normalizeH="0" baseline="0" dirty="0">
+                <a:ln>
+                  <a:noFill/>
+                </a:ln>
+                <a:solidFill>
+                  <a:srgbClr val="000000"/>
+                </a:solidFill>
+                <a:effectLst/>
+                <a:latin typeface="Courier New" panose="02070309020205020404" pitchFamily="49" charset="0"/>
+                <a:cs typeface="Courier New" panose="02070309020205020404" pitchFamily="49" charset="0"/>
+              </a:rPr>
+              <a:t>condition</a:t>
+            </a:r>
+            <a:r>
+              <a:rPr kumimoji="0" lang="ko-KR" altLang="ko-KR" sz="2800" b="0" i="0" u="none" strike="noStrike" cap="none" normalizeH="0" baseline="0" dirty="0">
+                <a:ln>
+                  <a:noFill/>
+                </a:ln>
+                <a:solidFill>
+                  <a:srgbClr val="000000"/>
+                </a:solidFill>
+                <a:effectLst/>
+                <a:latin typeface="Courier New" panose="02070309020205020404" pitchFamily="49" charset="0"/>
+                <a:cs typeface="Courier New" panose="02070309020205020404" pitchFamily="49" charset="0"/>
+              </a:rPr>
+              <a:t>;</a:t>
+            </a:r>
+            <a:endParaRPr kumimoji="0" lang="en-US" altLang="ko-KR" sz="2800" b="0" i="0" u="none" strike="noStrike" cap="none" normalizeH="0" baseline="0" dirty="0">
+              <a:ln>
+                <a:noFill/>
+              </a:ln>
+              <a:solidFill>
+                <a:srgbClr val="000000"/>
+              </a:solidFill>
+              <a:effectLst/>
+              <a:latin typeface="Courier New" panose="02070309020205020404" pitchFamily="49" charset="0"/>
+              <a:cs typeface="Courier New" panose="02070309020205020404" pitchFamily="49" charset="0"/>
+            </a:endParaRPr>
+          </a:p>
+          <a:p>
+            <a:pPr lvl="1"/>
+            <a:r>
+              <a:rPr kumimoji="0" lang="en-US" altLang="ko-KR" sz="1600" b="0" i="0" u="none" strike="noStrike" cap="none" normalizeH="0" baseline="0" dirty="0">
+                <a:ln>
+                  <a:noFill/>
+                </a:ln>
+                <a:solidFill>
+                  <a:srgbClr val="000000"/>
+                </a:solidFill>
+                <a:effectLst/>
+                <a:latin typeface="Courier New" panose="02070309020205020404" pitchFamily="49" charset="0"/>
+                <a:cs typeface="Courier New" panose="02070309020205020404" pitchFamily="49" charset="0"/>
+              </a:rPr>
+              <a:t>Update</a:t>
+            </a:r>
+            <a:r>
+              <a:rPr kumimoji="0" lang="ko-KR" altLang="en-US" sz="1600" b="0" i="0" u="none" strike="noStrike" cap="none" normalizeH="0" baseline="0" dirty="0">
+                <a:ln>
+                  <a:noFill/>
+                </a:ln>
+                <a:solidFill>
+                  <a:srgbClr val="000000"/>
+                </a:solidFill>
+                <a:effectLst/>
+                <a:latin typeface="Courier New" panose="02070309020205020404" pitchFamily="49" charset="0"/>
+                <a:cs typeface="Courier New" panose="02070309020205020404" pitchFamily="49" charset="0"/>
+              </a:rPr>
+              <a:t>와 마찬가지로</a:t>
+            </a:r>
+            <a:r>
+              <a:rPr kumimoji="0" lang="en-US" altLang="ko-KR" sz="1600" b="0" i="0" u="none" strike="noStrike" cap="none" normalizeH="0" baseline="0" dirty="0">
+                <a:ln>
+                  <a:noFill/>
+                </a:ln>
+                <a:solidFill>
+                  <a:srgbClr val="000000"/>
+                </a:solidFill>
+                <a:effectLst/>
+                <a:latin typeface="Courier New" panose="02070309020205020404" pitchFamily="49" charset="0"/>
+                <a:cs typeface="Courier New" panose="02070309020205020404" pitchFamily="49" charset="0"/>
+              </a:rPr>
+              <a:t>, where</a:t>
+            </a:r>
+            <a:r>
+              <a:rPr kumimoji="0" lang="ko-KR" altLang="en-US" sz="1600" b="0" i="0" u="none" strike="noStrike" cap="none" normalizeH="0" baseline="0" dirty="0">
+                <a:ln>
+                  <a:noFill/>
+                </a:ln>
+                <a:solidFill>
+                  <a:srgbClr val="000000"/>
+                </a:solidFill>
+                <a:effectLst/>
+                <a:latin typeface="Courier New" panose="02070309020205020404" pitchFamily="49" charset="0"/>
+                <a:cs typeface="Courier New" panose="02070309020205020404" pitchFamily="49" charset="0"/>
+              </a:rPr>
+              <a:t>에 해당하는 모든 행을 삭제하기 때문에</a:t>
+            </a:r>
+            <a:r>
+              <a:rPr kumimoji="0" lang="en-US" altLang="ko-KR" sz="1600" b="0" i="0" u="none" strike="noStrike" cap="none" normalizeH="0" baseline="0" dirty="0">
+                <a:ln>
+                  <a:noFill/>
+                </a:ln>
+                <a:solidFill>
+                  <a:srgbClr val="000000"/>
+                </a:solidFill>
+                <a:effectLst/>
+                <a:latin typeface="Courier New" panose="02070309020205020404" pitchFamily="49" charset="0"/>
+                <a:cs typeface="Courier New" panose="02070309020205020404" pitchFamily="49" charset="0"/>
+              </a:rPr>
+              <a:t>, </a:t>
+            </a:r>
+            <a:r>
+              <a:rPr kumimoji="0" lang="ko-KR" altLang="en-US" sz="1600" b="0" i="0" u="none" strike="noStrike" cap="none" normalizeH="0" baseline="0" dirty="0">
+                <a:ln>
+                  <a:noFill/>
+                </a:ln>
+                <a:solidFill>
+                  <a:srgbClr val="000000"/>
+                </a:solidFill>
+                <a:effectLst/>
+                <a:latin typeface="Courier New" panose="02070309020205020404" pitchFamily="49" charset="0"/>
+                <a:cs typeface="Courier New" panose="02070309020205020404" pitchFamily="49" charset="0"/>
+              </a:rPr>
+              <a:t>매우 위험한 명령어임</a:t>
+            </a:r>
+            <a:endParaRPr kumimoji="0" lang="ko-KR" altLang="ko-KR" sz="1600" b="0" i="0" u="none" strike="noStrike" cap="none" normalizeH="0" baseline="0" dirty="0">
+              <a:ln>
+                <a:noFill/>
+              </a:ln>
+              <a:solidFill>
+                <a:schemeClr val="tx1"/>
+              </a:solidFill>
+              <a:effectLst/>
+            </a:endParaRPr>
+          </a:p>
+          <a:p>
+            <a:endParaRPr lang="en-GB" dirty="0"/>
+          </a:p>
+        </p:txBody>
+      </p:sp>
+    </p:spTree>
+    <p:extLst>
+      <p:ext uri="{BB962C8B-B14F-4D97-AF65-F5344CB8AC3E}">
+        <p14:creationId xmlns:p14="http://schemas.microsoft.com/office/powerpoint/2010/main" val="1783356352"/>
+      </p:ext>
+    </p:extLst>
+  </p:cSld>
+  <p:clrMapOvr>
+    <a:masterClrMapping/>
+  </p:clrMapOvr>
+</p:sld>
+</file>
+
+<file path=ppt/slides/slide33.xml><?xml version="1.0" encoding="utf-8"?>
+<p:sld xmlns:a="http://schemas.openxmlformats.org/drawingml/2006/main" xmlns:r="http://schemas.openxmlformats.org/officeDocument/2006/relationships" xmlns:p="http://schemas.openxmlformats.org/presentationml/2006/main">
+  <p:cSld>
+    <p:spTree>
+      <p:nvGrpSpPr>
+        <p:cNvPr id="1" name=""/>
+        <p:cNvGrpSpPr/>
+        <p:nvPr/>
+      </p:nvGrpSpPr>
+      <p:grpSpPr>
+        <a:xfrm>
+          <a:off x="0" y="0"/>
+          <a:ext cx="0" cy="0"/>
+          <a:chOff x="0" y="0"/>
+          <a:chExt cx="0" cy="0"/>
+        </a:xfrm>
+      </p:grpSpPr>
+      <p:sp>
+        <p:nvSpPr>
+          <p:cNvPr id="2" name="Title 1">
+            <a:extLst>
+              <a:ext uri="{FF2B5EF4-FFF2-40B4-BE49-F238E27FC236}">
+                <a16:creationId xmlns:a16="http://schemas.microsoft.com/office/drawing/2014/main" id="{76013FAE-531A-E444-B057-8C36B7173290}"/>
+              </a:ext>
+            </a:extLst>
+          </p:cNvPr>
+          <p:cNvSpPr>
+            <a:spLocks noGrp="1"/>
+          </p:cNvSpPr>
+          <p:nvPr>
+            <p:ph type="title"/>
+          </p:nvPr>
+        </p:nvSpPr>
+        <p:spPr/>
+        <p:txBody>
+          <a:bodyPr/>
+          <a:lstStyle/>
+          <a:p>
+            <a:r>
+              <a:rPr lang="en-US" dirty="0"/>
+              <a:t>JOIN – </a:t>
+            </a:r>
+            <a:r>
+              <a:rPr lang="ko-KR" altLang="en-US" dirty="0"/>
+              <a:t>테이블간의 연결</a:t>
+            </a:r>
+            <a:endParaRPr lang="en-GB" dirty="0"/>
+          </a:p>
+        </p:txBody>
+      </p:sp>
+      <p:sp>
+        <p:nvSpPr>
+          <p:cNvPr id="3" name="Content Placeholder 2">
+            <a:extLst>
+              <a:ext uri="{FF2B5EF4-FFF2-40B4-BE49-F238E27FC236}">
+                <a16:creationId xmlns:a16="http://schemas.microsoft.com/office/drawing/2014/main" id="{B1BBF2B0-FEC5-838A-A3BF-C9A36E844F5C}"/>
+              </a:ext>
+            </a:extLst>
+          </p:cNvPr>
+          <p:cNvSpPr>
+            <a:spLocks noGrp="1"/>
+          </p:cNvSpPr>
+          <p:nvPr>
+            <p:ph idx="1"/>
+          </p:nvPr>
+        </p:nvSpPr>
+        <p:spPr/>
+        <p:txBody>
+          <a:bodyPr/>
+          <a:lstStyle/>
+          <a:p>
+            <a:r>
+              <a:rPr lang="ko-KR" altLang="en-US" dirty="0"/>
+              <a:t>테이블과 테이블을 연결하여</a:t>
+            </a:r>
+            <a:r>
+              <a:rPr lang="en-US" altLang="ko-KR" dirty="0"/>
+              <a:t>, </a:t>
+            </a:r>
+            <a:r>
+              <a:rPr lang="ko-KR" altLang="en-US" dirty="0"/>
+              <a:t>관련된 데이터를 한 번에 읽고자 할 때</a:t>
+            </a:r>
+            <a:r>
+              <a:rPr lang="en-US" altLang="ko-KR" dirty="0"/>
+              <a:t>, JOIN</a:t>
+            </a:r>
+            <a:r>
+              <a:rPr lang="ko-KR" altLang="en-US" dirty="0"/>
+              <a:t>을 통하여 해결이 가능</a:t>
+            </a:r>
+            <a:endParaRPr lang="en-US" altLang="ko-KR" dirty="0"/>
+          </a:p>
+          <a:p>
+            <a:r>
+              <a:rPr lang="ko-KR" altLang="en-US" dirty="0"/>
+              <a:t>종류</a:t>
+            </a:r>
+            <a:endParaRPr lang="en-US" altLang="ko-KR" dirty="0"/>
+          </a:p>
+          <a:p>
+            <a:pPr lvl="1"/>
+            <a:r>
+              <a:rPr lang="en-US" dirty="0"/>
+              <a:t>Inner join</a:t>
+            </a:r>
+          </a:p>
+          <a:p>
+            <a:pPr lvl="1"/>
+            <a:r>
+              <a:rPr lang="en-US" dirty="0"/>
+              <a:t>Full outer join</a:t>
+            </a:r>
+          </a:p>
+          <a:p>
+            <a:pPr lvl="1"/>
+            <a:r>
+              <a:rPr lang="en-US" dirty="0"/>
+              <a:t>Outer join</a:t>
+            </a:r>
+          </a:p>
+          <a:p>
+            <a:pPr lvl="2"/>
+            <a:r>
+              <a:rPr lang="en-US" dirty="0"/>
+              <a:t>Left join</a:t>
+            </a:r>
+          </a:p>
+          <a:p>
+            <a:pPr lvl="2"/>
+            <a:r>
+              <a:rPr lang="en-US" dirty="0"/>
+              <a:t>Right join</a:t>
+            </a:r>
+          </a:p>
+          <a:p>
+            <a:pPr lvl="2"/>
+            <a:endParaRPr lang="en-GB" dirty="0"/>
+          </a:p>
+        </p:txBody>
+      </p:sp>
+    </p:spTree>
+    <p:extLst>
+      <p:ext uri="{BB962C8B-B14F-4D97-AF65-F5344CB8AC3E}">
+        <p14:creationId xmlns:p14="http://schemas.microsoft.com/office/powerpoint/2010/main" val="808780426"/>
+      </p:ext>
+    </p:extLst>
+  </p:cSld>
+  <p:clrMapOvr>
+    <a:masterClrMapping/>
+  </p:clrMapOvr>
+</p:sld>
+</file>
+
+<file path=ppt/slides/slide34.xml><?xml version="1.0" encoding="utf-8"?>
+<p:sld xmlns:a="http://schemas.openxmlformats.org/drawingml/2006/main" xmlns:r="http://schemas.openxmlformats.org/officeDocument/2006/relationships" xmlns:p="http://schemas.openxmlformats.org/presentationml/2006/main">
+  <p:cSld>
+    <p:spTree>
+      <p:nvGrpSpPr>
+        <p:cNvPr id="1" name=""/>
+        <p:cNvGrpSpPr/>
+        <p:nvPr/>
+      </p:nvGrpSpPr>
+      <p:grpSpPr>
+        <a:xfrm>
+          <a:off x="0" y="0"/>
+          <a:ext cx="0" cy="0"/>
+          <a:chOff x="0" y="0"/>
+          <a:chExt cx="0" cy="0"/>
+        </a:xfrm>
+      </p:grpSpPr>
+      <p:pic>
+        <p:nvPicPr>
+          <p:cNvPr id="5" name="Picture 4">
+            <a:extLst>
+              <a:ext uri="{FF2B5EF4-FFF2-40B4-BE49-F238E27FC236}">
+                <a16:creationId xmlns:a16="http://schemas.microsoft.com/office/drawing/2014/main" id="{05CD6195-A2B5-74DF-C320-3058008453B2}"/>
+              </a:ext>
+            </a:extLst>
+          </p:cNvPr>
+          <p:cNvPicPr>
+            <a:picLocks noChangeAspect="1"/>
+          </p:cNvPicPr>
+          <p:nvPr/>
+        </p:nvPicPr>
+        <p:blipFill>
+          <a:blip r:embed="rId2"/>
+          <a:stretch>
+            <a:fillRect/>
+          </a:stretch>
+        </p:blipFill>
+        <p:spPr>
+          <a:xfrm>
+            <a:off x="0" y="1894115"/>
+            <a:ext cx="12204768" cy="2362608"/>
+          </a:xfrm>
+          <a:prstGeom prst="rect">
+            <a:avLst/>
+          </a:prstGeom>
+        </p:spPr>
+      </p:pic>
+    </p:spTree>
+    <p:extLst>
+      <p:ext uri="{BB962C8B-B14F-4D97-AF65-F5344CB8AC3E}">
+        <p14:creationId xmlns:p14="http://schemas.microsoft.com/office/powerpoint/2010/main" val="979061346"/>
+      </p:ext>
+    </p:extLst>
+  </p:cSld>
+  <p:clrMapOvr>
+    <a:masterClrMapping/>
+  </p:clrMapOvr>
+</p:sld>
+</file>
+
+<file path=ppt/slides/slide35.xml><?xml version="1.0" encoding="utf-8"?>
+<p:sld xmlns:a="http://schemas.openxmlformats.org/drawingml/2006/main" xmlns:r="http://schemas.openxmlformats.org/officeDocument/2006/relationships" xmlns:p="http://schemas.openxmlformats.org/presentationml/2006/main">
+  <p:cSld>
+    <p:spTree>
+      <p:nvGrpSpPr>
+        <p:cNvPr id="1" name=""/>
+        <p:cNvGrpSpPr/>
+        <p:nvPr/>
+      </p:nvGrpSpPr>
+      <p:grpSpPr>
+        <a:xfrm>
+          <a:off x="0" y="0"/>
+          <a:ext cx="0" cy="0"/>
+          <a:chOff x="0" y="0"/>
+          <a:chExt cx="0" cy="0"/>
+        </a:xfrm>
+      </p:grpSpPr>
+      <p:sp>
+        <p:nvSpPr>
+          <p:cNvPr id="2" name="Title 1">
+            <a:extLst>
+              <a:ext uri="{FF2B5EF4-FFF2-40B4-BE49-F238E27FC236}">
+                <a16:creationId xmlns:a16="http://schemas.microsoft.com/office/drawing/2014/main" id="{C2C5C8C5-169E-97DA-44C1-BAB20CC59E4F}"/>
+              </a:ext>
+            </a:extLst>
+          </p:cNvPr>
+          <p:cNvSpPr>
+            <a:spLocks noGrp="1"/>
+          </p:cNvSpPr>
+          <p:nvPr>
+            <p:ph type="title"/>
+          </p:nvPr>
+        </p:nvSpPr>
+        <p:spPr/>
+        <p:txBody>
+          <a:bodyPr/>
+          <a:lstStyle/>
+          <a:p>
+            <a:r>
+              <a:rPr lang="ko-KR" altLang="en-US" dirty="0"/>
+              <a:t>테이블간의 관계</a:t>
+            </a:r>
+            <a:endParaRPr lang="en-GB" dirty="0"/>
+          </a:p>
+        </p:txBody>
+      </p:sp>
+      <p:sp>
+        <p:nvSpPr>
+          <p:cNvPr id="3" name="Content Placeholder 2">
+            <a:extLst>
+              <a:ext uri="{FF2B5EF4-FFF2-40B4-BE49-F238E27FC236}">
+                <a16:creationId xmlns:a16="http://schemas.microsoft.com/office/drawing/2014/main" id="{CD8B223A-7002-F99B-0482-37E0EFC28A73}"/>
+              </a:ext>
+            </a:extLst>
+          </p:cNvPr>
+          <p:cNvSpPr>
+            <a:spLocks noGrp="1"/>
+          </p:cNvSpPr>
+          <p:nvPr>
+            <p:ph idx="1"/>
+          </p:nvPr>
+        </p:nvSpPr>
+        <p:spPr/>
+        <p:txBody>
+          <a:bodyPr>
+            <a:normAutofit fontScale="92500" lnSpcReduction="20000"/>
+          </a:bodyPr>
+          <a:lstStyle/>
+          <a:p>
+            <a:r>
+              <a:rPr lang="en-GB" dirty="0"/>
+              <a:t>1:1</a:t>
+            </a:r>
+          </a:p>
+          <a:p>
+            <a:pPr lvl="1"/>
+            <a:r>
+              <a:rPr lang="ko-KR" altLang="en-US" dirty="0"/>
+              <a:t>테이블간의 관계가 </a:t>
+            </a:r>
+            <a:r>
+              <a:rPr lang="en-US" altLang="ko-KR" dirty="0"/>
+              <a:t>1:1</a:t>
+            </a:r>
+            <a:r>
+              <a:rPr lang="ko-KR" altLang="en-US" dirty="0"/>
+              <a:t>인 경우</a:t>
+            </a:r>
+            <a:endParaRPr lang="en-US" altLang="ko-KR" dirty="0"/>
+          </a:p>
+          <a:p>
+            <a:pPr lvl="1"/>
+            <a:r>
+              <a:rPr lang="ko-KR" altLang="en-US" dirty="0"/>
+              <a:t>사용자 계정 당 단 하나의 지갑을 가질 수 있는 제한 조건이 있는 경우</a:t>
+            </a:r>
+            <a:r>
+              <a:rPr lang="en-US" altLang="ko-KR" dirty="0"/>
+              <a:t>, </a:t>
+            </a:r>
+            <a:r>
+              <a:rPr lang="ko-KR" altLang="en-US" dirty="0"/>
+              <a:t>사용자 테이블과</a:t>
+            </a:r>
+            <a:r>
+              <a:rPr lang="en-US" altLang="ko-KR" dirty="0"/>
+              <a:t>, </a:t>
+            </a:r>
+            <a:r>
+              <a:rPr lang="ko-KR" altLang="en-US" dirty="0"/>
+              <a:t>지갑 정보 테이블은 </a:t>
+            </a:r>
+            <a:r>
+              <a:rPr lang="en-US" altLang="ko-KR" dirty="0"/>
+              <a:t>1:1 </a:t>
+            </a:r>
+            <a:r>
+              <a:rPr lang="ko-KR" altLang="en-US" dirty="0"/>
+              <a:t>관계를 가진다</a:t>
+            </a:r>
+            <a:r>
+              <a:rPr lang="en-US" altLang="ko-KR" dirty="0"/>
+              <a:t>.</a:t>
+            </a:r>
+            <a:endParaRPr lang="en-GB" dirty="0"/>
+          </a:p>
+          <a:p>
+            <a:r>
+              <a:rPr lang="en-GB" dirty="0"/>
+              <a:t>1:N</a:t>
+            </a:r>
+          </a:p>
+          <a:p>
+            <a:pPr lvl="1"/>
+            <a:r>
+              <a:rPr lang="ko-KR" altLang="en-US" dirty="0"/>
+              <a:t>사용자 당 지갑을 여러 개 가질 수 있는 경우</a:t>
+            </a:r>
+            <a:r>
+              <a:rPr lang="en-US" altLang="ko-KR" dirty="0"/>
+              <a:t>, </a:t>
+            </a:r>
+            <a:r>
+              <a:rPr lang="ko-KR" altLang="en-US" dirty="0"/>
+              <a:t>사용자를 관리하는 테이블과</a:t>
+            </a:r>
+            <a:r>
+              <a:rPr lang="en-US" altLang="ko-KR" dirty="0"/>
+              <a:t>, </a:t>
+            </a:r>
+            <a:r>
+              <a:rPr lang="ko-KR" altLang="en-US" dirty="0"/>
+              <a:t>지갑을 관리하는 테이블은 </a:t>
+            </a:r>
+            <a:r>
+              <a:rPr lang="en-US" altLang="ko-KR" dirty="0"/>
+              <a:t>1:N </a:t>
+            </a:r>
+            <a:r>
+              <a:rPr lang="ko-KR" altLang="en-US" dirty="0"/>
+              <a:t>관계를 가진다</a:t>
+            </a:r>
+            <a:r>
+              <a:rPr lang="en-US" altLang="ko-KR" dirty="0"/>
+              <a:t>.</a:t>
+            </a:r>
+            <a:endParaRPr lang="en-GB" dirty="0"/>
+          </a:p>
+          <a:p>
+            <a:r>
+              <a:rPr lang="en-GB" dirty="0"/>
+              <a:t>M:N</a:t>
+            </a:r>
+          </a:p>
+          <a:p>
+            <a:pPr lvl="1"/>
+            <a:r>
+              <a:rPr lang="ko-KR" altLang="en-US" dirty="0"/>
+              <a:t>예를 들어</a:t>
+            </a:r>
+            <a:r>
+              <a:rPr lang="en-US" altLang="ko-KR" dirty="0"/>
+              <a:t>, </a:t>
+            </a:r>
+            <a:r>
+              <a:rPr lang="ko-KR" altLang="en-US" dirty="0"/>
+              <a:t>직원과 고객 관리 테이블이 있을 때</a:t>
+            </a:r>
+            <a:r>
+              <a:rPr lang="en-US" altLang="ko-KR" dirty="0"/>
+              <a:t>, </a:t>
+            </a:r>
+            <a:r>
+              <a:rPr lang="ko-KR" altLang="en-US" dirty="0"/>
+              <a:t>고객은 담당 직원을 여러명 가질 수 있고</a:t>
+            </a:r>
+            <a:r>
+              <a:rPr lang="en-US" altLang="ko-KR" dirty="0"/>
+              <a:t>, </a:t>
+            </a:r>
+            <a:r>
+              <a:rPr lang="ko-KR" altLang="en-US" dirty="0"/>
+              <a:t>반대로 직원도 여러 명의 고객을 담당할 수 있다</a:t>
+            </a:r>
+            <a:r>
+              <a:rPr lang="en-US" altLang="ko-KR" dirty="0"/>
+              <a:t>.</a:t>
+            </a:r>
+          </a:p>
+          <a:p>
+            <a:pPr lvl="1"/>
+            <a:r>
+              <a:rPr lang="ko-KR" altLang="en-US" dirty="0"/>
+              <a:t>이 경우</a:t>
+            </a:r>
+            <a:r>
+              <a:rPr lang="en-US" altLang="ko-KR" dirty="0"/>
+              <a:t>, </a:t>
+            </a:r>
+            <a:r>
+              <a:rPr lang="ko-KR" altLang="en-US" dirty="0"/>
+              <a:t>고객과 담당 직원은 </a:t>
+            </a:r>
+            <a:r>
+              <a:rPr lang="en-US" altLang="ko-KR" dirty="0"/>
+              <a:t>M:N</a:t>
+            </a:r>
+            <a:r>
+              <a:rPr lang="ko-KR" altLang="en-US" dirty="0"/>
+              <a:t>의 관계를 가질 수 있다</a:t>
+            </a:r>
+            <a:r>
+              <a:rPr lang="en-US" altLang="ko-KR" dirty="0"/>
+              <a:t>.</a:t>
+            </a:r>
+          </a:p>
+          <a:p>
+            <a:pPr lvl="1"/>
+            <a:r>
+              <a:rPr lang="ko-KR" altLang="en-US" dirty="0"/>
+              <a:t>하지만</a:t>
+            </a:r>
+            <a:r>
+              <a:rPr lang="en-US" altLang="ko-KR" dirty="0"/>
+              <a:t>, M:N</a:t>
+            </a:r>
+            <a:r>
+              <a:rPr lang="ko-KR" altLang="en-US" dirty="0"/>
+              <a:t>은 관리하기 어렵기 때문에</a:t>
+            </a:r>
+            <a:r>
+              <a:rPr lang="en-US" altLang="ko-KR" dirty="0"/>
+              <a:t>, </a:t>
+            </a:r>
+            <a:r>
+              <a:rPr lang="ko-KR" altLang="en-US" dirty="0"/>
+              <a:t>중간에 연결 테이블을 두고</a:t>
+            </a:r>
+            <a:r>
+              <a:rPr lang="en-US" altLang="ko-KR" dirty="0"/>
+              <a:t>, </a:t>
+            </a:r>
+            <a:r>
+              <a:rPr lang="ko-KR" altLang="en-US" dirty="0"/>
+              <a:t>각각 </a:t>
+            </a:r>
+            <a:r>
+              <a:rPr lang="en-US" altLang="ko-KR" dirty="0"/>
+              <a:t>1:M, M:1 </a:t>
+            </a:r>
+            <a:r>
+              <a:rPr lang="ko-KR" altLang="en-US" dirty="0"/>
+              <a:t>관계를 만들어 관리한다</a:t>
+            </a:r>
+            <a:r>
+              <a:rPr lang="en-US" altLang="ko-KR" dirty="0"/>
+              <a:t>.</a:t>
+            </a:r>
+            <a:endParaRPr lang="en-GB" dirty="0"/>
+          </a:p>
+        </p:txBody>
+      </p:sp>
+    </p:spTree>
+    <p:extLst>
+      <p:ext uri="{BB962C8B-B14F-4D97-AF65-F5344CB8AC3E}">
+        <p14:creationId xmlns:p14="http://schemas.microsoft.com/office/powerpoint/2010/main" val="960390633"/>
+      </p:ext>
+    </p:extLst>
+  </p:cSld>
+  <p:clrMapOvr>
+    <a:masterClrMapping/>
+  </p:clrMapOvr>
+</p:sld>
+</file>
+
+<file path=ppt/slides/slide36.xml><?xml version="1.0" encoding="utf-8"?>
+<p:sld xmlns:a="http://schemas.openxmlformats.org/drawingml/2006/main" xmlns:r="http://schemas.openxmlformats.org/officeDocument/2006/relationships" xmlns:p="http://schemas.openxmlformats.org/presentationml/2006/main">
+  <p:cSld>
+    <p:spTree>
+      <p:nvGrpSpPr>
+        <p:cNvPr id="1" name=""/>
+        <p:cNvGrpSpPr/>
+        <p:nvPr/>
+      </p:nvGrpSpPr>
+      <p:grpSpPr>
+        <a:xfrm>
+          <a:off x="0" y="0"/>
+          <a:ext cx="0" cy="0"/>
+          <a:chOff x="0" y="0"/>
+          <a:chExt cx="0" cy="0"/>
+        </a:xfrm>
+      </p:grpSpPr>
+      <p:pic>
+        <p:nvPicPr>
+          <p:cNvPr id="4098" name="Picture 2" descr="one-to-many relationship">
+            <a:extLst>
+              <a:ext uri="{FF2B5EF4-FFF2-40B4-BE49-F238E27FC236}">
+                <a16:creationId xmlns:a16="http://schemas.microsoft.com/office/drawing/2014/main" id="{B74CEEE9-0746-E564-4B31-07E1CA268FDA}"/>
+              </a:ext>
+            </a:extLst>
+          </p:cNvPr>
+          <p:cNvPicPr>
+            <a:picLocks noChangeAspect="1" noChangeArrowheads="1"/>
+          </p:cNvPicPr>
+          <p:nvPr/>
+        </p:nvPicPr>
+        <p:blipFill>
+          <a:blip r:embed="rId3">
+            <a:extLst>
+              <a:ext uri="{28A0092B-C50C-407E-A947-70E740481C1C}">
+                <a14:useLocalDpi xmlns:a14="http://schemas.microsoft.com/office/drawing/2010/main" val="0"/>
+              </a:ext>
+            </a:extLst>
+          </a:blip>
+          <a:srcRect/>
+          <a:stretch>
+            <a:fillRect/>
+          </a:stretch>
+        </p:blipFill>
+        <p:spPr bwMode="auto">
+          <a:xfrm>
+            <a:off x="3359332" y="2451323"/>
+            <a:ext cx="5580763" cy="958081"/>
+          </a:xfrm>
+          <a:prstGeom prst="rect">
+            <a:avLst/>
+          </a:prstGeom>
+          <a:noFill/>
+          <a:extLst>
+            <a:ext uri="{909E8E84-426E-40DD-AFC4-6F175D3DCCD1}">
+              <a14:hiddenFill xmlns:a14="http://schemas.microsoft.com/office/drawing/2010/main">
+                <a:solidFill>
+                  <a:srgbClr val="FFFFFF"/>
+                </a:solidFill>
+              </a14:hiddenFill>
+            </a:ext>
+          </a:extLst>
+        </p:spPr>
+      </p:pic>
+      <p:pic>
+        <p:nvPicPr>
+          <p:cNvPr id="4100" name="Picture 4" descr="many-to-many relationship">
+            <a:extLst>
+              <a:ext uri="{FF2B5EF4-FFF2-40B4-BE49-F238E27FC236}">
+                <a16:creationId xmlns:a16="http://schemas.microsoft.com/office/drawing/2014/main" id="{AF6FC8F5-F025-433B-F4C3-5C61935A8626}"/>
+              </a:ext>
+            </a:extLst>
+          </p:cNvPr>
+          <p:cNvPicPr>
+            <a:picLocks noChangeAspect="1" noChangeArrowheads="1"/>
+          </p:cNvPicPr>
+          <p:nvPr/>
+        </p:nvPicPr>
+        <p:blipFill>
+          <a:blip r:embed="rId4">
+            <a:extLst>
+              <a:ext uri="{28A0092B-C50C-407E-A947-70E740481C1C}">
+                <a14:useLocalDpi xmlns:a14="http://schemas.microsoft.com/office/drawing/2010/main" val="0"/>
+              </a:ext>
+            </a:extLst>
+          </a:blip>
+          <a:srcRect/>
+          <a:stretch>
+            <a:fillRect/>
+          </a:stretch>
+        </p:blipFill>
+        <p:spPr bwMode="auto">
+          <a:xfrm>
+            <a:off x="3359332" y="4084183"/>
+            <a:ext cx="5580762" cy="1075646"/>
+          </a:xfrm>
+          <a:prstGeom prst="rect">
+            <a:avLst/>
+          </a:prstGeom>
+          <a:noFill/>
+          <a:extLst>
+            <a:ext uri="{909E8E84-426E-40DD-AFC4-6F175D3DCCD1}">
+              <a14:hiddenFill xmlns:a14="http://schemas.microsoft.com/office/drawing/2010/main">
+                <a:solidFill>
+                  <a:srgbClr val="FFFFFF"/>
+                </a:solidFill>
+              </a14:hiddenFill>
+            </a:ext>
+          </a:extLst>
+        </p:spPr>
+      </p:pic>
+      <p:pic>
+        <p:nvPicPr>
+          <p:cNvPr id="4102" name="Picture 6" descr="One to one RDBMS association MongoDB ...">
+            <a:extLst>
+              <a:ext uri="{FF2B5EF4-FFF2-40B4-BE49-F238E27FC236}">
+                <a16:creationId xmlns:a16="http://schemas.microsoft.com/office/drawing/2014/main" id="{2E91CE6E-B7A2-331A-A281-9B1758B80A68}"/>
+              </a:ext>
+            </a:extLst>
+          </p:cNvPr>
+          <p:cNvPicPr>
+            <a:picLocks noChangeAspect="1" noChangeArrowheads="1"/>
+          </p:cNvPicPr>
+          <p:nvPr/>
+        </p:nvPicPr>
+        <p:blipFill>
+          <a:blip r:embed="rId5">
+            <a:extLst>
+              <a:ext uri="{28A0092B-C50C-407E-A947-70E740481C1C}">
+                <a14:useLocalDpi xmlns:a14="http://schemas.microsoft.com/office/drawing/2010/main" val="0"/>
+              </a:ext>
+            </a:extLst>
+          </a:blip>
+          <a:srcRect/>
+          <a:stretch>
+            <a:fillRect/>
+          </a:stretch>
+        </p:blipFill>
+        <p:spPr bwMode="auto">
+          <a:xfrm>
+            <a:off x="3251903" y="748662"/>
+            <a:ext cx="5688193" cy="1171575"/>
+          </a:xfrm>
+          <a:prstGeom prst="rect">
+            <a:avLst/>
+          </a:prstGeom>
+          <a:noFill/>
+          <a:extLst>
+            <a:ext uri="{909E8E84-426E-40DD-AFC4-6F175D3DCCD1}">
+              <a14:hiddenFill xmlns:a14="http://schemas.microsoft.com/office/drawing/2010/main">
+                <a:solidFill>
+                  <a:srgbClr val="FFFFFF"/>
+                </a:solidFill>
+              </a14:hiddenFill>
+            </a:ext>
+          </a:extLst>
+        </p:spPr>
+      </p:pic>
+    </p:spTree>
+    <p:extLst>
+      <p:ext uri="{BB962C8B-B14F-4D97-AF65-F5344CB8AC3E}">
+        <p14:creationId xmlns:p14="http://schemas.microsoft.com/office/powerpoint/2010/main" val="3265433235"/>
+      </p:ext>
+    </p:extLst>
+  </p:cSld>
+  <p:clrMapOvr>
+    <a:masterClrMapping/>
+  </p:clrMapOvr>
+</p:sld>
+</file>
+
+<file path=ppt/slides/slide37.xml><?xml version="1.0" encoding="utf-8"?>
+<p:sld xmlns:a="http://schemas.openxmlformats.org/drawingml/2006/main" xmlns:r="http://schemas.openxmlformats.org/officeDocument/2006/relationships" xmlns:p="http://schemas.openxmlformats.org/presentationml/2006/main">
+  <p:cSld>
+    <p:spTree>
+      <p:nvGrpSpPr>
+        <p:cNvPr id="1" name=""/>
+        <p:cNvGrpSpPr/>
+        <p:nvPr/>
+      </p:nvGrpSpPr>
+      <p:grpSpPr>
+        <a:xfrm>
+          <a:off x="0" y="0"/>
+          <a:ext cx="0" cy="0"/>
+          <a:chOff x="0" y="0"/>
+          <a:chExt cx="0" cy="0"/>
+        </a:xfrm>
+      </p:grpSpPr>
+      <p:sp>
+        <p:nvSpPr>
+          <p:cNvPr id="2" name="Title 1">
+            <a:extLst>
+              <a:ext uri="{FF2B5EF4-FFF2-40B4-BE49-F238E27FC236}">
+                <a16:creationId xmlns:a16="http://schemas.microsoft.com/office/drawing/2014/main" id="{E22011DA-C4C7-1C53-F28A-886BB9346DFF}"/>
+              </a:ext>
+            </a:extLst>
+          </p:cNvPr>
+          <p:cNvSpPr>
+            <a:spLocks noGrp="1"/>
+          </p:cNvSpPr>
+          <p:nvPr>
+            <p:ph type="title"/>
+          </p:nvPr>
+        </p:nvSpPr>
+        <p:spPr/>
+        <p:txBody>
+          <a:bodyPr/>
+          <a:lstStyle/>
+          <a:p>
+            <a:r>
+              <a:rPr lang="ko-KR" altLang="en-US" dirty="0"/>
+              <a:t>연결 테이블을 이용한 </a:t>
+            </a:r>
+            <a:r>
+              <a:rPr lang="en-GB" dirty="0"/>
+              <a:t>M:N </a:t>
+            </a:r>
+            <a:r>
+              <a:rPr lang="ko-KR" altLang="en-US" dirty="0"/>
+              <a:t>관계 해결</a:t>
+            </a:r>
+            <a:endParaRPr lang="en-GB" dirty="0"/>
+          </a:p>
+        </p:txBody>
+      </p:sp>
+      <p:pic>
+        <p:nvPicPr>
+          <p:cNvPr id="5" name="Content Placeholder 4">
+            <a:extLst>
+              <a:ext uri="{FF2B5EF4-FFF2-40B4-BE49-F238E27FC236}">
+                <a16:creationId xmlns:a16="http://schemas.microsoft.com/office/drawing/2014/main" id="{CBBD20F8-4529-69EE-5039-9BD94977FD53}"/>
+              </a:ext>
+            </a:extLst>
+          </p:cNvPr>
+          <p:cNvPicPr>
+            <a:picLocks noGrp="1" noChangeAspect="1"/>
+          </p:cNvPicPr>
+          <p:nvPr>
+            <p:ph idx="1"/>
+          </p:nvPr>
+        </p:nvPicPr>
+        <p:blipFill>
+          <a:blip r:embed="rId3"/>
+          <a:stretch>
+            <a:fillRect/>
+          </a:stretch>
+        </p:blipFill>
+        <p:spPr>
+          <a:xfrm>
+            <a:off x="2283006" y="2114550"/>
+            <a:ext cx="7181850" cy="1314450"/>
+          </a:xfrm>
+        </p:spPr>
+      </p:pic>
+      <p:pic>
+        <p:nvPicPr>
+          <p:cNvPr id="7" name="Picture 6">
+            <a:extLst>
+              <a:ext uri="{FF2B5EF4-FFF2-40B4-BE49-F238E27FC236}">
+                <a16:creationId xmlns:a16="http://schemas.microsoft.com/office/drawing/2014/main" id="{5B98E7B9-A472-1CFB-9E76-5B6245A4826B}"/>
+              </a:ext>
+            </a:extLst>
+          </p:cNvPr>
+          <p:cNvPicPr>
+            <a:picLocks noChangeAspect="1"/>
+          </p:cNvPicPr>
+          <p:nvPr/>
+        </p:nvPicPr>
+        <p:blipFill>
+          <a:blip r:embed="rId4"/>
+          <a:stretch>
+            <a:fillRect/>
+          </a:stretch>
+        </p:blipFill>
+        <p:spPr>
+          <a:xfrm>
+            <a:off x="2283006" y="3852862"/>
+            <a:ext cx="7962900" cy="1914525"/>
+          </a:xfrm>
+          <a:prstGeom prst="rect">
+            <a:avLst/>
+          </a:prstGeom>
+        </p:spPr>
+      </p:pic>
+    </p:spTree>
+    <p:extLst>
+      <p:ext uri="{BB962C8B-B14F-4D97-AF65-F5344CB8AC3E}">
+        <p14:creationId xmlns:p14="http://schemas.microsoft.com/office/powerpoint/2010/main" val="2550637670"/>
       </p:ext>
     </p:extLst>
   </p:cSld>
@@ -9724,7 +13816,7 @@
           <a:lstStyle/>
           <a:p>
             <a:pPr algn="ctr"/>
-            <a:endParaRPr lang="en-GB"/>
+            <a:endParaRPr lang="en-GB" dirty="0"/>
           </a:p>
         </p:txBody>
       </p:sp>
@@ -9771,7 +13863,7 @@
           <a:lstStyle/>
           <a:p>
             <a:pPr algn="ctr"/>
-            <a:endParaRPr lang="en-GB"/>
+            <a:endParaRPr lang="en-GB" dirty="0"/>
           </a:p>
         </p:txBody>
       </p:sp>
@@ -9818,7 +13910,7 @@
           <a:lstStyle/>
           <a:p>
             <a:pPr algn="ctr"/>
-            <a:endParaRPr lang="en-GB"/>
+            <a:endParaRPr lang="en-GB" dirty="0"/>
           </a:p>
         </p:txBody>
       </p:sp>
@@ -10269,7 +14361,7 @@
           <a:lstStyle/>
           <a:p>
             <a:pPr algn="ctr"/>
-            <a:endParaRPr lang="en-GB"/>
+            <a:endParaRPr lang="en-GB" dirty="0"/>
           </a:p>
         </p:txBody>
       </p:sp>
@@ -10315,7 +14407,7 @@
           <a:lstStyle/>
           <a:p>
             <a:pPr algn="ctr"/>
-            <a:endParaRPr lang="en-GB"/>
+            <a:endParaRPr lang="en-GB" dirty="0"/>
           </a:p>
         </p:txBody>
       </p:sp>

--- a/hy/수업자료/9주차 SQL/SQL.pptx
+++ b/hy/수업자료/9주차 SQL/SQL.pptx
@@ -5,7 +5,7 @@
     <p:sldMasterId id="2147483648" r:id="rId1"/>
   </p:sldMasterIdLst>
   <p:notesMasterIdLst>
-    <p:notesMasterId r:id="rId39"/>
+    <p:notesMasterId r:id="rId42"/>
   </p:notesMasterIdLst>
   <p:sldIdLst>
     <p:sldId id="256" r:id="rId2"/>
@@ -32,19 +32,22 @@
     <p:sldId id="275" r:id="rId23"/>
     <p:sldId id="276" r:id="rId24"/>
     <p:sldId id="277" r:id="rId25"/>
-    <p:sldId id="282" r:id="rId26"/>
-    <p:sldId id="283" r:id="rId27"/>
-    <p:sldId id="284" r:id="rId28"/>
-    <p:sldId id="285" r:id="rId29"/>
-    <p:sldId id="286" r:id="rId30"/>
-    <p:sldId id="287" r:id="rId31"/>
-    <p:sldId id="288" r:id="rId32"/>
-    <p:sldId id="289" r:id="rId33"/>
-    <p:sldId id="290" r:id="rId34"/>
-    <p:sldId id="291" r:id="rId35"/>
-    <p:sldId id="292" r:id="rId36"/>
-    <p:sldId id="293" r:id="rId37"/>
-    <p:sldId id="294" r:id="rId38"/>
+    <p:sldId id="295" r:id="rId26"/>
+    <p:sldId id="296" r:id="rId27"/>
+    <p:sldId id="282" r:id="rId28"/>
+    <p:sldId id="283" r:id="rId29"/>
+    <p:sldId id="284" r:id="rId30"/>
+    <p:sldId id="285" r:id="rId31"/>
+    <p:sldId id="286" r:id="rId32"/>
+    <p:sldId id="287" r:id="rId33"/>
+    <p:sldId id="288" r:id="rId34"/>
+    <p:sldId id="289" r:id="rId35"/>
+    <p:sldId id="297" r:id="rId36"/>
+    <p:sldId id="290" r:id="rId37"/>
+    <p:sldId id="291" r:id="rId38"/>
+    <p:sldId id="292" r:id="rId39"/>
+    <p:sldId id="293" r:id="rId40"/>
+    <p:sldId id="294" r:id="rId41"/>
   </p:sldIdLst>
   <p:sldSz cx="12192000" cy="6858000"/>
   <p:notesSz cx="6858000" cy="9144000"/>
@@ -233,7 +236,7 @@
           <a:p>
             <a:fld id="{D8B4EACE-847A-4F03-899D-850B056C42FF}" type="datetimeFigureOut">
               <a:rPr lang="en-GB" smtClean="0"/>
-              <a:t>12/10/2024</a:t>
+              <a:t>13/10/2024</a:t>
             </a:fld>
             <a:endParaRPr lang="en-GB" dirty="0"/>
           </a:p>
@@ -566,7 +569,7 @@
           <a:p>
             <a:fld id="{245E38B4-F827-48FD-9C71-892AE46CA46F}" type="slidenum">
               <a:rPr lang="en-GB" smtClean="0"/>
-              <a:t>5</a:t>
+              <a:t>1</a:t>
             </a:fld>
             <a:endParaRPr lang="en-GB" dirty="0"/>
           </a:p>
@@ -575,7 +578,7 @@
     </p:spTree>
     <p:extLst>
       <p:ext uri="{BB962C8B-B14F-4D97-AF65-F5344CB8AC3E}">
-        <p14:creationId xmlns:p14="http://schemas.microsoft.com/office/powerpoint/2010/main" val="1294330444"/>
+        <p14:creationId xmlns:p14="http://schemas.microsoft.com/office/powerpoint/2010/main" val="2330312845"/>
       </p:ext>
     </p:extLst>
   </p:cSld>
@@ -629,112 +632,6 @@
           <a:bodyPr/>
           <a:lstStyle/>
           <a:p>
-            <a:r>
-              <a:rPr lang="ko-KR" altLang="en-US" dirty="0"/>
-              <a:t>대부분의 </a:t>
-            </a:r>
-            <a:r>
-              <a:rPr lang="en-US" altLang="ko-KR" dirty="0"/>
-              <a:t>DDL </a:t>
-            </a:r>
-            <a:r>
-              <a:rPr lang="ko-KR" altLang="en-US" dirty="0"/>
-              <a:t>작업은 </a:t>
-            </a:r>
-            <a:r>
-              <a:rPr lang="en-US" altLang="ko-KR" dirty="0"/>
-              <a:t>GUI </a:t>
-            </a:r>
-            <a:r>
-              <a:rPr lang="ko-KR" altLang="en-US" dirty="0"/>
-              <a:t>툴을 이용하여 작업하기 때문에</a:t>
-            </a:r>
-            <a:r>
-              <a:rPr lang="en-US" altLang="ko-KR" dirty="0"/>
-              <a:t>, </a:t>
-            </a:r>
-            <a:r>
-              <a:rPr lang="ko-KR" altLang="en-US" dirty="0"/>
-              <a:t>문법 그 자체를 외우는 것은 큰 의미가 없음</a:t>
-            </a:r>
-            <a:r>
-              <a:rPr lang="en-US" altLang="ko-KR" dirty="0"/>
-              <a:t>. </a:t>
-            </a:r>
-            <a:r>
-              <a:rPr lang="ko-KR" altLang="en-US" dirty="0"/>
-              <a:t>대신</a:t>
-            </a:r>
-            <a:r>
-              <a:rPr lang="en-US" altLang="ko-KR" dirty="0"/>
-              <a:t>, DDL</a:t>
-            </a:r>
-            <a:r>
-              <a:rPr lang="ko-KR" altLang="en-US" dirty="0"/>
-              <a:t>이 의미하는 것이 무엇이고</a:t>
-            </a:r>
-            <a:r>
-              <a:rPr lang="en-US" altLang="ko-KR" dirty="0"/>
-              <a:t>, </a:t>
-            </a:r>
-            <a:r>
-              <a:rPr lang="ko-KR" altLang="en-US" dirty="0"/>
-              <a:t>무엇을 할 수 있는지 전체적인 개념을 기억해두고</a:t>
-            </a:r>
-            <a:r>
-              <a:rPr lang="en-US" altLang="ko-KR" dirty="0"/>
-              <a:t>, </a:t>
-            </a:r>
-            <a:r>
-              <a:rPr lang="ko-KR" altLang="en-US" dirty="0"/>
-              <a:t>필요할 때마다 인터넷을 통해 찾아서 작업하는 것이 효율적</a:t>
-            </a:r>
-            <a:endParaRPr lang="en-US" altLang="ko-KR" dirty="0"/>
-          </a:p>
-          <a:p>
-            <a:endParaRPr lang="en-US" dirty="0"/>
-          </a:p>
-          <a:p>
-            <a:pPr marL="0" marR="0" lvl="0" indent="0" algn="l" defTabSz="914400" rtl="0" eaLnBrk="1" fontAlgn="auto" latinLnBrk="1" hangingPunct="1">
-              <a:lnSpc>
-                <a:spcPct val="100000"/>
-              </a:lnSpc>
-              <a:spcBef>
-                <a:spcPts val="0"/>
-              </a:spcBef>
-              <a:spcAft>
-                <a:spcPts val="0"/>
-              </a:spcAft>
-              <a:buClrTx/>
-              <a:buSzTx/>
-              <a:buFontTx/>
-              <a:buNone/>
-              <a:tabLst/>
-              <a:defRPr/>
-            </a:pPr>
-            <a:r>
-              <a:rPr lang="ko-KR" altLang="en-US" dirty="0"/>
-              <a:t>테이블 생성 및 변경</a:t>
-            </a:r>
-            <a:r>
-              <a:rPr lang="en-US" altLang="ko-KR" dirty="0"/>
-              <a:t>, </a:t>
-            </a:r>
-            <a:r>
-              <a:rPr lang="ko-KR" altLang="en-US" dirty="0"/>
-              <a:t>삭제</a:t>
-            </a:r>
-            <a:r>
-              <a:rPr lang="en-US" altLang="ko-KR" dirty="0"/>
-              <a:t> </a:t>
-            </a:r>
-            <a:r>
-              <a:rPr lang="ko-KR" altLang="en-US" dirty="0"/>
-              <a:t>및 데이터베이스 생성 등의 사항을 변경하고자 할 때 사용</a:t>
-            </a:r>
-            <a:endParaRPr lang="en-GB" altLang="ko-KR" dirty="0"/>
-          </a:p>
-          <a:p>
             <a:endParaRPr lang="en-GB" dirty="0"/>
           </a:p>
         </p:txBody>
@@ -756,7 +653,7 @@
           <a:p>
             <a:fld id="{245E38B4-F827-48FD-9C71-892AE46CA46F}" type="slidenum">
               <a:rPr lang="en-GB" smtClean="0"/>
-              <a:t>22</a:t>
+              <a:t>21</a:t>
             </a:fld>
             <a:endParaRPr lang="en-GB"/>
           </a:p>
@@ -765,7 +662,7 @@
     </p:spTree>
     <p:extLst>
       <p:ext uri="{BB962C8B-B14F-4D97-AF65-F5344CB8AC3E}">
-        <p14:creationId xmlns:p14="http://schemas.microsoft.com/office/powerpoint/2010/main" val="3958144341"/>
+        <p14:creationId xmlns:p14="http://schemas.microsoft.com/office/powerpoint/2010/main" val="3258193779"/>
       </p:ext>
     </p:extLst>
   </p:cSld>
@@ -820,17 +717,109 @@
           <a:lstStyle/>
           <a:p>
             <a:r>
-              <a:rPr lang="en-US" dirty="0"/>
-              <a:t>RDBMS</a:t>
-            </a:r>
-            <a:r>
-              <a:rPr lang="ko-KR" altLang="en-US" dirty="0"/>
-              <a:t> 상에서 유저에게 권한을 부여할 때 주로 사용</a:t>
-            </a:r>
-            <a:r>
-              <a:rPr lang="en-US" altLang="ko-KR" dirty="0"/>
-              <a:t>.</a:t>
-            </a:r>
+              <a:rPr lang="ko-KR" altLang="en-US" dirty="0"/>
+              <a:t>대부분의 </a:t>
+            </a:r>
+            <a:r>
+              <a:rPr lang="en-US" altLang="ko-KR" dirty="0"/>
+              <a:t>DDL </a:t>
+            </a:r>
+            <a:r>
+              <a:rPr lang="ko-KR" altLang="en-US" dirty="0"/>
+              <a:t>작업은 </a:t>
+            </a:r>
+            <a:r>
+              <a:rPr lang="en-US" altLang="ko-KR" dirty="0"/>
+              <a:t>GUI </a:t>
+            </a:r>
+            <a:r>
+              <a:rPr lang="ko-KR" altLang="en-US" dirty="0"/>
+              <a:t>툴을 이용하여 작업하기 때문에</a:t>
+            </a:r>
+            <a:r>
+              <a:rPr lang="en-US" altLang="ko-KR" dirty="0"/>
+              <a:t>, </a:t>
+            </a:r>
+            <a:r>
+              <a:rPr lang="ko-KR" altLang="en-US" dirty="0"/>
+              <a:t>문법 그 자체를 외우는 것은 큰 의미가 없음</a:t>
+            </a:r>
+            <a:r>
+              <a:rPr lang="en-US" altLang="ko-KR" dirty="0"/>
+              <a:t>. </a:t>
+            </a:r>
+            <a:r>
+              <a:rPr lang="ko-KR" altLang="en-US" dirty="0"/>
+              <a:t>대신</a:t>
+            </a:r>
+            <a:r>
+              <a:rPr lang="en-US" altLang="ko-KR" dirty="0"/>
+              <a:t>, DDL</a:t>
+            </a:r>
+            <a:r>
+              <a:rPr lang="ko-KR" altLang="en-US" dirty="0"/>
+              <a:t>이 의미하는 것이 무엇이고</a:t>
+            </a:r>
+            <a:r>
+              <a:rPr lang="en-US" altLang="ko-KR" dirty="0"/>
+              <a:t>, </a:t>
+            </a:r>
+            <a:r>
+              <a:rPr lang="ko-KR" altLang="en-US" dirty="0"/>
+              <a:t>무엇을 할 수 있는지 전체적인 개념을 기억해두고</a:t>
+            </a:r>
+            <a:r>
+              <a:rPr lang="en-US" altLang="ko-KR" dirty="0"/>
+              <a:t>, </a:t>
+            </a:r>
+            <a:r>
+              <a:rPr lang="ko-KR" altLang="en-US" dirty="0"/>
+              <a:t>필요할 때마다 인터넷을 통해 찾아서 작업하는 것이 효율적</a:t>
+            </a:r>
+            <a:endParaRPr lang="en-US" altLang="ko-KR" dirty="0"/>
+          </a:p>
+          <a:p>
+            <a:endParaRPr lang="en-US" dirty="0"/>
+          </a:p>
+          <a:p>
+            <a:pPr marL="0" marR="0" lvl="0" indent="0" algn="l" defTabSz="914400" rtl="0" eaLnBrk="1" fontAlgn="auto" latinLnBrk="1" hangingPunct="1">
+              <a:lnSpc>
+                <a:spcPct val="100000"/>
+              </a:lnSpc>
+              <a:spcBef>
+                <a:spcPts val="0"/>
+              </a:spcBef>
+              <a:spcAft>
+                <a:spcPts val="0"/>
+              </a:spcAft>
+              <a:buClrTx/>
+              <a:buSzTx/>
+              <a:buFontTx/>
+              <a:buNone/>
+              <a:tabLst/>
+              <a:defRPr/>
+            </a:pPr>
+            <a:r>
+              <a:rPr lang="ko-KR" altLang="en-US" dirty="0"/>
+              <a:t>테이블 생성 및 변경</a:t>
+            </a:r>
+            <a:r>
+              <a:rPr lang="en-US" altLang="ko-KR" dirty="0"/>
+              <a:t>, </a:t>
+            </a:r>
+            <a:r>
+              <a:rPr lang="ko-KR" altLang="en-US" dirty="0"/>
+              <a:t>삭제</a:t>
+            </a:r>
+            <a:r>
+              <a:rPr lang="en-US" altLang="ko-KR" dirty="0"/>
+              <a:t> </a:t>
+            </a:r>
+            <a:r>
+              <a:rPr lang="ko-KR" altLang="en-US" dirty="0"/>
+              <a:t>및 데이터베이스 생성 등의 사항을 변경하고자 할 때 사용</a:t>
+            </a:r>
+            <a:endParaRPr lang="en-GB" altLang="ko-KR" dirty="0"/>
           </a:p>
           <a:p>
             <a:endParaRPr lang="en-GB" dirty="0"/>
@@ -854,7 +843,7 @@
           <a:p>
             <a:fld id="{245E38B4-F827-48FD-9C71-892AE46CA46F}" type="slidenum">
               <a:rPr lang="en-GB" smtClean="0"/>
-              <a:t>23</a:t>
+              <a:t>22</a:t>
             </a:fld>
             <a:endParaRPr lang="en-GB"/>
           </a:p>
@@ -863,7 +852,7 @@
     </p:spTree>
     <p:extLst>
       <p:ext uri="{BB962C8B-B14F-4D97-AF65-F5344CB8AC3E}">
-        <p14:creationId xmlns:p14="http://schemas.microsoft.com/office/powerpoint/2010/main" val="204264889"/>
+        <p14:creationId xmlns:p14="http://schemas.microsoft.com/office/powerpoint/2010/main" val="3958144341"/>
       </p:ext>
     </p:extLst>
   </p:cSld>
@@ -918,24 +907,12 @@
           <a:lstStyle/>
           <a:p>
             <a:r>
-              <a:rPr lang="ko-KR" altLang="en-US" dirty="0"/>
-              <a:t>예를 들어</a:t>
-            </a:r>
-            <a:r>
-              <a:rPr lang="en-US" altLang="ko-KR" dirty="0"/>
-              <a:t>, </a:t>
-            </a:r>
-            <a:r>
-              <a:rPr lang="ko-KR" altLang="en-US" dirty="0"/>
-              <a:t>카페에서 신입 알바생이 재고 주문울 본인의 휴대폰에서 마구잡이로 할 수 있다면</a:t>
-            </a:r>
-            <a:r>
-              <a:rPr lang="en-US" altLang="ko-KR" dirty="0"/>
-              <a:t>? </a:t>
-            </a:r>
-            <a:r>
-              <a:rPr lang="ko-KR" altLang="en-US" dirty="0"/>
-              <a:t>관리가 되지 않을 거임</a:t>
+              <a:rPr lang="en-US" dirty="0"/>
+              <a:t>RDBMS</a:t>
+            </a:r>
+            <a:r>
+              <a:rPr lang="ko-KR" altLang="en-US" dirty="0"/>
+              <a:t> 상에서 유저에게 권한을 부여할 때 주로 사용</a:t>
             </a:r>
             <a:r>
               <a:rPr lang="en-US" altLang="ko-KR" dirty="0"/>
@@ -964,7 +941,7 @@
           <a:p>
             <a:fld id="{245E38B4-F827-48FD-9C71-892AE46CA46F}" type="slidenum">
               <a:rPr lang="en-GB" smtClean="0"/>
-              <a:t>24</a:t>
+              <a:t>23</a:t>
             </a:fld>
             <a:endParaRPr lang="en-GB"/>
           </a:p>
@@ -973,7 +950,7 @@
     </p:spTree>
     <p:extLst>
       <p:ext uri="{BB962C8B-B14F-4D97-AF65-F5344CB8AC3E}">
-        <p14:creationId xmlns:p14="http://schemas.microsoft.com/office/powerpoint/2010/main" val="4131287928"/>
+        <p14:creationId xmlns:p14="http://schemas.microsoft.com/office/powerpoint/2010/main" val="204264889"/>
       </p:ext>
     </p:extLst>
   </p:cSld>
@@ -1029,23 +1006,7 @@
           <a:p>
             <a:r>
               <a:rPr lang="ko-KR" altLang="en-US" dirty="0"/>
-              <a:t>모든 </a:t>
-            </a:r>
-            <a:r>
-              <a:rPr lang="en-US" altLang="ko-KR" dirty="0"/>
-              <a:t>SQL</a:t>
-            </a:r>
-            <a:r>
-              <a:rPr lang="ko-KR" altLang="en-US" dirty="0"/>
-              <a:t>을 알려드릴 수는 없음</a:t>
-            </a:r>
-            <a:r>
-              <a:rPr lang="en-US" altLang="ko-KR" dirty="0"/>
-              <a:t>. </a:t>
-            </a:r>
-            <a:r>
-              <a:rPr lang="ko-KR" altLang="en-US" dirty="0"/>
-              <a:t>이는 물리적으로도 불가능하며</a:t>
+              <a:t>예를 들어</a:t>
             </a:r>
             <a:r>
               <a:rPr lang="en-US" altLang="ko-KR" dirty="0"/>
@@ -1053,15 +1014,15 @@
             </a:r>
             <a:r>
               <a:rPr lang="ko-KR" altLang="en-US" dirty="0"/>
-              <a:t>설령 가능하더라도</a:t>
-            </a:r>
-            <a:r>
-              <a:rPr lang="en-US" altLang="ko-KR" dirty="0"/>
-              <a:t>, </a:t>
-            </a:r>
-            <a:r>
-              <a:rPr lang="ko-KR" altLang="en-US" dirty="0"/>
-              <a:t>휘발성 기억으로 학습 효율에도 좋지 않음</a:t>
+              <a:t>카페에서 신입 알바생이 재고 주문울 본인의 휴대폰에서 마구잡이로 할 수 있다면</a:t>
+            </a:r>
+            <a:r>
+              <a:rPr lang="en-US" altLang="ko-KR" dirty="0"/>
+              <a:t>? </a:t>
+            </a:r>
+            <a:r>
+              <a:rPr lang="ko-KR" altLang="en-US" dirty="0"/>
+              <a:t>관리가 되지 않을 거임</a:t>
             </a:r>
             <a:r>
               <a:rPr lang="en-US" altLang="ko-KR" dirty="0"/>
@@ -1069,79 +1030,7 @@
             </a:r>
           </a:p>
           <a:p>
-            <a:r>
-              <a:rPr lang="ko-KR" altLang="en-US" dirty="0"/>
-              <a:t>그렇기 때문에</a:t>
-            </a:r>
-            <a:r>
-              <a:rPr lang="en-US" altLang="ko-KR" dirty="0"/>
-              <a:t>, </a:t>
-            </a:r>
-            <a:r>
-              <a:rPr lang="ko-KR" altLang="en-US" dirty="0"/>
-              <a:t>항상 말씀드리는 것처럼</a:t>
-            </a:r>
-            <a:r>
-              <a:rPr lang="en-US" altLang="ko-KR" dirty="0"/>
-              <a:t>, </a:t>
-            </a:r>
-            <a:r>
-              <a:rPr lang="ko-KR" altLang="en-US" dirty="0"/>
-              <a:t>내가 필요로 하는 기능이 무엇인지 정확하게 이해하고</a:t>
-            </a:r>
-            <a:r>
-              <a:rPr lang="en-US" altLang="ko-KR" dirty="0"/>
-              <a:t>, </a:t>
-            </a:r>
-            <a:r>
-              <a:rPr lang="ko-KR" altLang="en-US" dirty="0"/>
-              <a:t>필요 시</a:t>
-            </a:r>
-            <a:r>
-              <a:rPr lang="en-US" altLang="ko-KR" dirty="0"/>
-              <a:t>, </a:t>
-            </a:r>
-            <a:r>
-              <a:rPr lang="ko-KR" altLang="en-US" dirty="0"/>
-              <a:t>적절하게 검색을 하고</a:t>
-            </a:r>
-            <a:r>
-              <a:rPr lang="en-US" altLang="ko-KR" dirty="0"/>
-              <a:t>, </a:t>
-            </a:r>
-            <a:r>
-              <a:rPr lang="ko-KR" altLang="en-US" dirty="0"/>
-              <a:t>찾아보는 능력을 키우는 것이 중요함</a:t>
-            </a:r>
-            <a:endParaRPr lang="en-US" altLang="ko-KR" dirty="0"/>
-          </a:p>
-          <a:p>
-            <a:r>
-              <a:rPr lang="en-US" dirty="0"/>
-              <a:t>ChatGPT </a:t>
-            </a:r>
-            <a:r>
-              <a:rPr lang="ko-KR" altLang="en-US" dirty="0"/>
-              <a:t>시대에 모든 함수</a:t>
-            </a:r>
-            <a:r>
-              <a:rPr lang="en-US" altLang="ko-KR" dirty="0"/>
-              <a:t>, </a:t>
-            </a:r>
-            <a:r>
-              <a:rPr lang="ko-KR" altLang="en-US" dirty="0"/>
-              <a:t>모든 명령을 다 외우는 것은 애초에 불가능하면서도 동시에 비효율적임</a:t>
-            </a:r>
-            <a:r>
-              <a:rPr lang="en-US" altLang="ko-KR" dirty="0"/>
-              <a:t>.</a:t>
-            </a:r>
-          </a:p>
-          <a:p>
-            <a:endParaRPr lang="en-US" dirty="0"/>
-          </a:p>
-          <a:p>
-            <a:endParaRPr lang="en-US" dirty="0"/>
+            <a:endParaRPr lang="en-GB" dirty="0"/>
           </a:p>
         </p:txBody>
       </p:sp>
@@ -1162,7 +1051,7 @@
           <a:p>
             <a:fld id="{245E38B4-F827-48FD-9C71-892AE46CA46F}" type="slidenum">
               <a:rPr lang="en-GB" smtClean="0"/>
-              <a:t>25</a:t>
+              <a:t>24</a:t>
             </a:fld>
             <a:endParaRPr lang="en-GB"/>
           </a:p>
@@ -1171,7 +1060,7 @@
     </p:spTree>
     <p:extLst>
       <p:ext uri="{BB962C8B-B14F-4D97-AF65-F5344CB8AC3E}">
-        <p14:creationId xmlns:p14="http://schemas.microsoft.com/office/powerpoint/2010/main" val="2833941471"/>
+        <p14:creationId xmlns:p14="http://schemas.microsoft.com/office/powerpoint/2010/main" val="4131287928"/>
       </p:ext>
     </p:extLst>
   </p:cSld>
@@ -1225,7 +1114,121 @@
           <a:bodyPr/>
           <a:lstStyle/>
           <a:p>
-            <a:endParaRPr lang="en-GB" dirty="0"/>
+            <a:r>
+              <a:rPr lang="ko-KR" altLang="en-US" dirty="0"/>
+              <a:t>모든 </a:t>
+            </a:r>
+            <a:r>
+              <a:rPr lang="en-US" altLang="ko-KR" dirty="0"/>
+              <a:t>SQL</a:t>
+            </a:r>
+            <a:r>
+              <a:rPr lang="ko-KR" altLang="en-US" dirty="0"/>
+              <a:t>을 알려드릴 수는 없음</a:t>
+            </a:r>
+            <a:r>
+              <a:rPr lang="en-US" altLang="ko-KR" dirty="0"/>
+              <a:t>. </a:t>
+            </a:r>
+            <a:r>
+              <a:rPr lang="ko-KR" altLang="en-US" dirty="0"/>
+              <a:t>이는 물리적으로도 불가능하며</a:t>
+            </a:r>
+            <a:r>
+              <a:rPr lang="en-US" altLang="ko-KR" dirty="0"/>
+              <a:t>, </a:t>
+            </a:r>
+            <a:r>
+              <a:rPr lang="ko-KR" altLang="en-US" dirty="0"/>
+              <a:t>설령 가능하더라도</a:t>
+            </a:r>
+            <a:r>
+              <a:rPr lang="en-US" altLang="ko-KR" dirty="0"/>
+              <a:t>, </a:t>
+            </a:r>
+            <a:r>
+              <a:rPr lang="ko-KR" altLang="en-US" dirty="0"/>
+              <a:t>휘발성 기억으로 학습 효율에도 좋지 않음</a:t>
+            </a:r>
+            <a:r>
+              <a:rPr lang="en-US" altLang="ko-KR" dirty="0"/>
+              <a:t>.</a:t>
+            </a:r>
+          </a:p>
+          <a:p>
+            <a:r>
+              <a:rPr lang="ko-KR" altLang="en-US" dirty="0"/>
+              <a:t>그렇기 때문에</a:t>
+            </a:r>
+            <a:r>
+              <a:rPr lang="en-US" altLang="ko-KR" dirty="0"/>
+              <a:t>, </a:t>
+            </a:r>
+            <a:r>
+              <a:rPr lang="ko-KR" altLang="en-US" dirty="0"/>
+              <a:t>항상 말씀드리는 것처럼</a:t>
+            </a:r>
+            <a:r>
+              <a:rPr lang="en-US" altLang="ko-KR" dirty="0"/>
+              <a:t>, </a:t>
+            </a:r>
+            <a:r>
+              <a:rPr lang="ko-KR" altLang="en-US" dirty="0"/>
+              <a:t>내가 필요로 하는 기능이 무엇인지 정확하게 이해하고</a:t>
+            </a:r>
+            <a:r>
+              <a:rPr lang="en-US" altLang="ko-KR" dirty="0"/>
+              <a:t>, </a:t>
+            </a:r>
+            <a:r>
+              <a:rPr lang="ko-KR" altLang="en-US" dirty="0"/>
+              <a:t>필요 시</a:t>
+            </a:r>
+            <a:r>
+              <a:rPr lang="en-US" altLang="ko-KR" dirty="0"/>
+              <a:t>, </a:t>
+            </a:r>
+            <a:r>
+              <a:rPr lang="ko-KR" altLang="en-US" dirty="0"/>
+              <a:t>적절하게 검색을 하고</a:t>
+            </a:r>
+            <a:r>
+              <a:rPr lang="en-US" altLang="ko-KR" dirty="0"/>
+              <a:t>, </a:t>
+            </a:r>
+            <a:r>
+              <a:rPr lang="ko-KR" altLang="en-US" dirty="0"/>
+              <a:t>찾아보는 능력을 키우는 것이 중요함</a:t>
+            </a:r>
+            <a:endParaRPr lang="en-US" altLang="ko-KR" dirty="0"/>
+          </a:p>
+          <a:p>
+            <a:r>
+              <a:rPr lang="en-US" dirty="0"/>
+              <a:t>ChatGPT </a:t>
+            </a:r>
+            <a:r>
+              <a:rPr lang="ko-KR" altLang="en-US" dirty="0"/>
+              <a:t>시대에 모든 함수</a:t>
+            </a:r>
+            <a:r>
+              <a:rPr lang="en-US" altLang="ko-KR" dirty="0"/>
+              <a:t>, </a:t>
+            </a:r>
+            <a:r>
+              <a:rPr lang="ko-KR" altLang="en-US" dirty="0"/>
+              <a:t>모든 명령을 다 외우는 것은 애초에 불가능하면서도 동시에 비효율적임</a:t>
+            </a:r>
+            <a:r>
+              <a:rPr lang="en-US" altLang="ko-KR" dirty="0"/>
+              <a:t>.</a:t>
+            </a:r>
+          </a:p>
+          <a:p>
+            <a:endParaRPr lang="en-US" dirty="0"/>
+          </a:p>
+          <a:p>
+            <a:endParaRPr lang="en-US" dirty="0"/>
           </a:p>
         </p:txBody>
       </p:sp>
@@ -1255,7 +1258,7 @@
     </p:spTree>
     <p:extLst>
       <p:ext uri="{BB962C8B-B14F-4D97-AF65-F5344CB8AC3E}">
-        <p14:creationId xmlns:p14="http://schemas.microsoft.com/office/powerpoint/2010/main" val="3385504087"/>
+        <p14:creationId xmlns:p14="http://schemas.microsoft.com/office/powerpoint/2010/main" val="2833941471"/>
       </p:ext>
     </p:extLst>
   </p:cSld>
@@ -1330,7 +1333,7 @@
           <a:p>
             <a:fld id="{245E38B4-F827-48FD-9C71-892AE46CA46F}" type="slidenum">
               <a:rPr lang="en-GB" smtClean="0"/>
-              <a:t>28</a:t>
+              <a:t>29</a:t>
             </a:fld>
             <a:endParaRPr lang="en-GB"/>
           </a:p>
@@ -1339,7 +1342,7 @@
     </p:spTree>
     <p:extLst>
       <p:ext uri="{BB962C8B-B14F-4D97-AF65-F5344CB8AC3E}">
-        <p14:creationId xmlns:p14="http://schemas.microsoft.com/office/powerpoint/2010/main" val="3178042028"/>
+        <p14:creationId xmlns:p14="http://schemas.microsoft.com/office/powerpoint/2010/main" val="3385504087"/>
       </p:ext>
     </p:extLst>
   </p:cSld>
@@ -1414,7 +1417,7 @@
           <a:p>
             <a:fld id="{245E38B4-F827-48FD-9C71-892AE46CA46F}" type="slidenum">
               <a:rPr lang="en-GB" smtClean="0"/>
-              <a:t>29</a:t>
+              <a:t>30</a:t>
             </a:fld>
             <a:endParaRPr lang="en-GB"/>
           </a:p>
@@ -1423,7 +1426,7 @@
     </p:spTree>
     <p:extLst>
       <p:ext uri="{BB962C8B-B14F-4D97-AF65-F5344CB8AC3E}">
-        <p14:creationId xmlns:p14="http://schemas.microsoft.com/office/powerpoint/2010/main" val="3713746902"/>
+        <p14:creationId xmlns:p14="http://schemas.microsoft.com/office/powerpoint/2010/main" val="3178042028"/>
       </p:ext>
     </p:extLst>
   </p:cSld>
@@ -1498,7 +1501,7 @@
           <a:p>
             <a:fld id="{245E38B4-F827-48FD-9C71-892AE46CA46F}" type="slidenum">
               <a:rPr lang="en-GB" smtClean="0"/>
-              <a:t>30</a:t>
+              <a:t>31</a:t>
             </a:fld>
             <a:endParaRPr lang="en-GB"/>
           </a:p>
@@ -1507,7 +1510,7 @@
     </p:spTree>
     <p:extLst>
       <p:ext uri="{BB962C8B-B14F-4D97-AF65-F5344CB8AC3E}">
-        <p14:creationId xmlns:p14="http://schemas.microsoft.com/office/powerpoint/2010/main" val="2647828990"/>
+        <p14:creationId xmlns:p14="http://schemas.microsoft.com/office/powerpoint/2010/main" val="3713746902"/>
       </p:ext>
     </p:extLst>
   </p:cSld>
@@ -1582,7 +1585,7 @@
           <a:p>
             <a:fld id="{245E38B4-F827-48FD-9C71-892AE46CA46F}" type="slidenum">
               <a:rPr lang="en-GB" smtClean="0"/>
-              <a:t>31</a:t>
+              <a:t>32</a:t>
             </a:fld>
             <a:endParaRPr lang="en-GB"/>
           </a:p>
@@ -1591,7 +1594,7 @@
     </p:spTree>
     <p:extLst>
       <p:ext uri="{BB962C8B-B14F-4D97-AF65-F5344CB8AC3E}">
-        <p14:creationId xmlns:p14="http://schemas.microsoft.com/office/powerpoint/2010/main" val="2967375990"/>
+        <p14:creationId xmlns:p14="http://schemas.microsoft.com/office/powerpoint/2010/main" val="2647828990"/>
       </p:ext>
     </p:extLst>
   </p:cSld>
@@ -1666,7 +1669,7 @@
           <a:p>
             <a:fld id="{245E38B4-F827-48FD-9C71-892AE46CA46F}" type="slidenum">
               <a:rPr lang="en-GB" smtClean="0"/>
-              <a:t>32</a:t>
+              <a:t>33</a:t>
             </a:fld>
             <a:endParaRPr lang="en-GB"/>
           </a:p>
@@ -1675,7 +1678,7 @@
     </p:spTree>
     <p:extLst>
       <p:ext uri="{BB962C8B-B14F-4D97-AF65-F5344CB8AC3E}">
-        <p14:creationId xmlns:p14="http://schemas.microsoft.com/office/powerpoint/2010/main" val="2410549384"/>
+        <p14:creationId xmlns:p14="http://schemas.microsoft.com/office/powerpoint/2010/main" val="2967375990"/>
       </p:ext>
     </p:extLst>
   </p:cSld>
@@ -1750,7 +1753,7 @@
           <a:p>
             <a:fld id="{245E38B4-F827-48FD-9C71-892AE46CA46F}" type="slidenum">
               <a:rPr lang="en-GB" smtClean="0"/>
-              <a:t>6</a:t>
+              <a:t>5</a:t>
             </a:fld>
             <a:endParaRPr lang="en-GB" dirty="0"/>
           </a:p>
@@ -1759,7 +1762,7 @@
     </p:spTree>
     <p:extLst>
       <p:ext uri="{BB962C8B-B14F-4D97-AF65-F5344CB8AC3E}">
-        <p14:creationId xmlns:p14="http://schemas.microsoft.com/office/powerpoint/2010/main" val="1143372574"/>
+        <p14:creationId xmlns:p14="http://schemas.microsoft.com/office/powerpoint/2010/main" val="1294330444"/>
       </p:ext>
     </p:extLst>
   </p:cSld>
@@ -1834,7 +1837,7 @@
           <a:p>
             <a:fld id="{245E38B4-F827-48FD-9C71-892AE46CA46F}" type="slidenum">
               <a:rPr lang="en-GB" smtClean="0"/>
-              <a:t>33</a:t>
+              <a:t>34</a:t>
             </a:fld>
             <a:endParaRPr lang="en-GB"/>
           </a:p>
@@ -1843,7 +1846,7 @@
     </p:spTree>
     <p:extLst>
       <p:ext uri="{BB962C8B-B14F-4D97-AF65-F5344CB8AC3E}">
-        <p14:creationId xmlns:p14="http://schemas.microsoft.com/office/powerpoint/2010/main" val="2524363655"/>
+        <p14:creationId xmlns:p14="http://schemas.microsoft.com/office/powerpoint/2010/main" val="2410549384"/>
       </p:ext>
     </p:extLst>
   </p:cSld>
@@ -1927,7 +1930,7 @@
     </p:spTree>
     <p:extLst>
       <p:ext uri="{BB962C8B-B14F-4D97-AF65-F5344CB8AC3E}">
-        <p14:creationId xmlns:p14="http://schemas.microsoft.com/office/powerpoint/2010/main" val="2512652404"/>
+        <p14:creationId xmlns:p14="http://schemas.microsoft.com/office/powerpoint/2010/main" val="1420838731"/>
       </p:ext>
     </p:extLst>
   </p:cSld>
@@ -2004,14 +2007,14 @@
               <a:rPr lang="en-GB" smtClean="0"/>
               <a:t>36</a:t>
             </a:fld>
-            <a:endParaRPr lang="en-GB" dirty="0"/>
+            <a:endParaRPr lang="en-GB"/>
           </a:p>
         </p:txBody>
       </p:sp>
     </p:spTree>
     <p:extLst>
       <p:ext uri="{BB962C8B-B14F-4D97-AF65-F5344CB8AC3E}">
-        <p14:creationId xmlns:p14="http://schemas.microsoft.com/office/powerpoint/2010/main" val="1254907498"/>
+        <p14:creationId xmlns:p14="http://schemas.microsoft.com/office/powerpoint/2010/main" val="2524363655"/>
       </p:ext>
     </p:extLst>
   </p:cSld>
@@ -2086,7 +2089,175 @@
           <a:p>
             <a:fld id="{245E38B4-F827-48FD-9C71-892AE46CA46F}" type="slidenum">
               <a:rPr lang="en-GB" smtClean="0"/>
-              <a:t>37</a:t>
+              <a:t>38</a:t>
+            </a:fld>
+            <a:endParaRPr lang="en-GB" dirty="0"/>
+          </a:p>
+        </p:txBody>
+      </p:sp>
+    </p:spTree>
+    <p:extLst>
+      <p:ext uri="{BB962C8B-B14F-4D97-AF65-F5344CB8AC3E}">
+        <p14:creationId xmlns:p14="http://schemas.microsoft.com/office/powerpoint/2010/main" val="2512652404"/>
+      </p:ext>
+    </p:extLst>
+  </p:cSld>
+  <p:clrMapOvr>
+    <a:masterClrMapping/>
+  </p:clrMapOvr>
+</p:notes>
+</file>
+
+<file path=ppt/notesSlides/notesSlide24.xml><?xml version="1.0" encoding="utf-8"?>
+<p:notes xmlns:a="http://schemas.openxmlformats.org/drawingml/2006/main" xmlns:r="http://schemas.openxmlformats.org/officeDocument/2006/relationships" xmlns:p="http://schemas.openxmlformats.org/presentationml/2006/main">
+  <p:cSld>
+    <p:spTree>
+      <p:nvGrpSpPr>
+        <p:cNvPr id="1" name=""/>
+        <p:cNvGrpSpPr/>
+        <p:nvPr/>
+      </p:nvGrpSpPr>
+      <p:grpSpPr>
+        <a:xfrm>
+          <a:off x="0" y="0"/>
+          <a:ext cx="0" cy="0"/>
+          <a:chOff x="0" y="0"/>
+          <a:chExt cx="0" cy="0"/>
+        </a:xfrm>
+      </p:grpSpPr>
+      <p:sp>
+        <p:nvSpPr>
+          <p:cNvPr id="2" name="Slide Image Placeholder 1"/>
+          <p:cNvSpPr>
+            <a:spLocks noGrp="1" noRot="1" noChangeAspect="1"/>
+          </p:cNvSpPr>
+          <p:nvPr>
+            <p:ph type="sldImg"/>
+          </p:nvPr>
+        </p:nvSpPr>
+        <p:spPr/>
+      </p:sp>
+      <p:sp>
+        <p:nvSpPr>
+          <p:cNvPr id="3" name="Notes Placeholder 2"/>
+          <p:cNvSpPr>
+            <a:spLocks noGrp="1"/>
+          </p:cNvSpPr>
+          <p:nvPr>
+            <p:ph type="body" idx="1"/>
+          </p:nvPr>
+        </p:nvSpPr>
+        <p:spPr/>
+        <p:txBody>
+          <a:bodyPr/>
+          <a:lstStyle/>
+          <a:p>
+            <a:endParaRPr lang="en-GB" dirty="0"/>
+          </a:p>
+        </p:txBody>
+      </p:sp>
+      <p:sp>
+        <p:nvSpPr>
+          <p:cNvPr id="4" name="Slide Number Placeholder 3"/>
+          <p:cNvSpPr>
+            <a:spLocks noGrp="1"/>
+          </p:cNvSpPr>
+          <p:nvPr>
+            <p:ph type="sldNum" sz="quarter" idx="5"/>
+          </p:nvPr>
+        </p:nvSpPr>
+        <p:spPr/>
+        <p:txBody>
+          <a:bodyPr/>
+          <a:lstStyle/>
+          <a:p>
+            <a:fld id="{245E38B4-F827-48FD-9C71-892AE46CA46F}" type="slidenum">
+              <a:rPr lang="en-GB" smtClean="0"/>
+              <a:t>39</a:t>
+            </a:fld>
+            <a:endParaRPr lang="en-GB" dirty="0"/>
+          </a:p>
+        </p:txBody>
+      </p:sp>
+    </p:spTree>
+    <p:extLst>
+      <p:ext uri="{BB962C8B-B14F-4D97-AF65-F5344CB8AC3E}">
+        <p14:creationId xmlns:p14="http://schemas.microsoft.com/office/powerpoint/2010/main" val="1254907498"/>
+      </p:ext>
+    </p:extLst>
+  </p:cSld>
+  <p:clrMapOvr>
+    <a:masterClrMapping/>
+  </p:clrMapOvr>
+</p:notes>
+</file>
+
+<file path=ppt/notesSlides/notesSlide25.xml><?xml version="1.0" encoding="utf-8"?>
+<p:notes xmlns:a="http://schemas.openxmlformats.org/drawingml/2006/main" xmlns:r="http://schemas.openxmlformats.org/officeDocument/2006/relationships" xmlns:p="http://schemas.openxmlformats.org/presentationml/2006/main">
+  <p:cSld>
+    <p:spTree>
+      <p:nvGrpSpPr>
+        <p:cNvPr id="1" name=""/>
+        <p:cNvGrpSpPr/>
+        <p:nvPr/>
+      </p:nvGrpSpPr>
+      <p:grpSpPr>
+        <a:xfrm>
+          <a:off x="0" y="0"/>
+          <a:ext cx="0" cy="0"/>
+          <a:chOff x="0" y="0"/>
+          <a:chExt cx="0" cy="0"/>
+        </a:xfrm>
+      </p:grpSpPr>
+      <p:sp>
+        <p:nvSpPr>
+          <p:cNvPr id="2" name="Slide Image Placeholder 1"/>
+          <p:cNvSpPr>
+            <a:spLocks noGrp="1" noRot="1" noChangeAspect="1"/>
+          </p:cNvSpPr>
+          <p:nvPr>
+            <p:ph type="sldImg"/>
+          </p:nvPr>
+        </p:nvSpPr>
+        <p:spPr/>
+      </p:sp>
+      <p:sp>
+        <p:nvSpPr>
+          <p:cNvPr id="3" name="Notes Placeholder 2"/>
+          <p:cNvSpPr>
+            <a:spLocks noGrp="1"/>
+          </p:cNvSpPr>
+          <p:nvPr>
+            <p:ph type="body" idx="1"/>
+          </p:nvPr>
+        </p:nvSpPr>
+        <p:spPr/>
+        <p:txBody>
+          <a:bodyPr/>
+          <a:lstStyle/>
+          <a:p>
+            <a:endParaRPr lang="en-GB" dirty="0"/>
+          </a:p>
+        </p:txBody>
+      </p:sp>
+      <p:sp>
+        <p:nvSpPr>
+          <p:cNvPr id="4" name="Slide Number Placeholder 3"/>
+          <p:cNvSpPr>
+            <a:spLocks noGrp="1"/>
+          </p:cNvSpPr>
+          <p:nvPr>
+            <p:ph type="sldNum" sz="quarter" idx="5"/>
+          </p:nvPr>
+        </p:nvSpPr>
+        <p:spPr/>
+        <p:txBody>
+          <a:bodyPr/>
+          <a:lstStyle/>
+          <a:p>
+            <a:fld id="{245E38B4-F827-48FD-9C71-892AE46CA46F}" type="slidenum">
+              <a:rPr lang="en-GB" smtClean="0"/>
+              <a:t>40</a:t>
             </a:fld>
             <a:endParaRPr lang="en-GB" dirty="0"/>
           </a:p>
@@ -2149,22 +2320,6 @@
           <a:bodyPr/>
           <a:lstStyle/>
           <a:p>
-            <a:r>
-              <a:rPr lang="ko-KR" altLang="en-US" dirty="0"/>
-              <a:t>또한 제품별로</a:t>
-            </a:r>
-            <a:r>
-              <a:rPr lang="en-US" altLang="ko-KR" dirty="0"/>
-              <a:t>, </a:t>
-            </a:r>
-            <a:r>
-              <a:rPr lang="ko-KR" altLang="en-US" dirty="0"/>
-              <a:t>제공하는 기능이나 함수가 다 다름</a:t>
-            </a:r>
-            <a:r>
-              <a:rPr lang="en-US" altLang="ko-KR" dirty="0"/>
-              <a:t>.</a:t>
-            </a:r>
             <a:endParaRPr lang="en-GB" dirty="0"/>
           </a:p>
         </p:txBody>
@@ -2186,16 +2341,16 @@
           <a:p>
             <a:fld id="{245E38B4-F827-48FD-9C71-892AE46CA46F}" type="slidenum">
               <a:rPr lang="en-GB" smtClean="0"/>
-              <a:t>13</a:t>
+              <a:t>6</a:t>
             </a:fld>
-            <a:endParaRPr lang="en-GB"/>
+            <a:endParaRPr lang="en-GB" dirty="0"/>
           </a:p>
         </p:txBody>
       </p:sp>
     </p:spTree>
     <p:extLst>
       <p:ext uri="{BB962C8B-B14F-4D97-AF65-F5344CB8AC3E}">
-        <p14:creationId xmlns:p14="http://schemas.microsoft.com/office/powerpoint/2010/main" val="1647791300"/>
+        <p14:creationId xmlns:p14="http://schemas.microsoft.com/office/powerpoint/2010/main" val="1143372574"/>
       </p:ext>
     </p:extLst>
   </p:cSld>
@@ -2249,6 +2404,22 @@
           <a:bodyPr/>
           <a:lstStyle/>
           <a:p>
+            <a:r>
+              <a:rPr lang="ko-KR" altLang="en-US" dirty="0"/>
+              <a:t>또한 제품별로</a:t>
+            </a:r>
+            <a:r>
+              <a:rPr lang="en-US" altLang="ko-KR" dirty="0"/>
+              <a:t>, </a:t>
+            </a:r>
+            <a:r>
+              <a:rPr lang="ko-KR" altLang="en-US" dirty="0"/>
+              <a:t>제공하는 기능이나 함수가 다 다름</a:t>
+            </a:r>
+            <a:r>
+              <a:rPr lang="en-US" altLang="ko-KR" dirty="0"/>
+              <a:t>.</a:t>
+            </a:r>
             <a:endParaRPr lang="en-GB" dirty="0"/>
           </a:p>
         </p:txBody>
@@ -2270,7 +2441,7 @@
           <a:p>
             <a:fld id="{245E38B4-F827-48FD-9C71-892AE46CA46F}" type="slidenum">
               <a:rPr lang="en-GB" smtClean="0"/>
-              <a:t>14</a:t>
+              <a:t>13</a:t>
             </a:fld>
             <a:endParaRPr lang="en-GB"/>
           </a:p>
@@ -2279,7 +2450,7 @@
     </p:spTree>
     <p:extLst>
       <p:ext uri="{BB962C8B-B14F-4D97-AF65-F5344CB8AC3E}">
-        <p14:creationId xmlns:p14="http://schemas.microsoft.com/office/powerpoint/2010/main" val="280363734"/>
+        <p14:creationId xmlns:p14="http://schemas.microsoft.com/office/powerpoint/2010/main" val="1647791300"/>
       </p:ext>
     </p:extLst>
   </p:cSld>
@@ -2354,7 +2525,7 @@
           <a:p>
             <a:fld id="{245E38B4-F827-48FD-9C71-892AE46CA46F}" type="slidenum">
               <a:rPr lang="en-GB" smtClean="0"/>
-              <a:t>15</a:t>
+              <a:t>14</a:t>
             </a:fld>
             <a:endParaRPr lang="en-GB"/>
           </a:p>
@@ -2363,7 +2534,7 @@
     </p:spTree>
     <p:extLst>
       <p:ext uri="{BB962C8B-B14F-4D97-AF65-F5344CB8AC3E}">
-        <p14:creationId xmlns:p14="http://schemas.microsoft.com/office/powerpoint/2010/main" val="3258079981"/>
+        <p14:creationId xmlns:p14="http://schemas.microsoft.com/office/powerpoint/2010/main" val="280363734"/>
       </p:ext>
     </p:extLst>
   </p:cSld>
@@ -2417,109 +2588,6 @@
           <a:bodyPr/>
           <a:lstStyle/>
           <a:p>
-            <a:pPr marL="0" marR="0" lvl="0" indent="0" algn="l" defTabSz="914400" rtl="0" eaLnBrk="1" fontAlgn="auto" latinLnBrk="1" hangingPunct="1">
-              <a:lnSpc>
-                <a:spcPct val="100000"/>
-              </a:lnSpc>
-              <a:spcBef>
-                <a:spcPts val="0"/>
-              </a:spcBef>
-              <a:spcAft>
-                <a:spcPts val="0"/>
-              </a:spcAft>
-              <a:buClrTx/>
-              <a:buSzTx/>
-              <a:buFontTx/>
-              <a:buNone/>
-              <a:tabLst/>
-              <a:defRPr/>
-            </a:pPr>
-            <a:r>
-              <a:rPr lang="en-GB" altLang="ko-KR" dirty="0"/>
-              <a:t>CREATE TABLE `</a:t>
-            </a:r>
-            <a:r>
-              <a:rPr lang="en-GB" altLang="ko-KR" dirty="0" err="1"/>
-              <a:t>company_system</a:t>
-            </a:r>
-            <a:r>
-              <a:rPr lang="en-GB" altLang="ko-KR" dirty="0"/>
-              <a:t>` (  `</a:t>
-            </a:r>
-            <a:r>
-              <a:rPr lang="en-GB" altLang="ko-KR" dirty="0" err="1"/>
-              <a:t>employ_name</a:t>
-            </a:r>
-            <a:r>
-              <a:rPr lang="en-GB" altLang="ko-KR" dirty="0"/>
-              <a:t>` VARCHAR(30) NOT NULL,  `</a:t>
-            </a:r>
-            <a:r>
-              <a:rPr lang="en-GB" altLang="ko-KR" dirty="0" err="1"/>
-              <a:t>employ_age</a:t>
-            </a:r>
-            <a:r>
-              <a:rPr lang="en-GB" altLang="ko-KR" dirty="0"/>
-              <a:t>` INT NULL,  `</a:t>
-            </a:r>
-            <a:r>
-              <a:rPr lang="en-GB" altLang="ko-KR" dirty="0" err="1"/>
-              <a:t>employ_id</a:t>
-            </a:r>
-            <a:r>
-              <a:rPr lang="en-GB" altLang="ko-KR" dirty="0"/>
-              <a:t>` INT NOT NULL,  `</a:t>
-            </a:r>
-            <a:r>
-              <a:rPr lang="en-GB" altLang="ko-KR" dirty="0" err="1"/>
-              <a:t>dept_name</a:t>
-            </a:r>
-            <a:r>
-              <a:rPr lang="en-GB" altLang="ko-KR" dirty="0"/>
-              <a:t>` VARCHAR(45) NULL,  `</a:t>
-            </a:r>
-            <a:r>
-              <a:rPr lang="en-GB" altLang="ko-KR" dirty="0" err="1"/>
-              <a:t>dept_created_date</a:t>
-            </a:r>
-            <a:r>
-              <a:rPr lang="en-GB" altLang="ko-KR" dirty="0"/>
-              <a:t>` DATETIME NULL,  PRIMARY KEY (`</a:t>
-            </a:r>
-            <a:r>
-              <a:rPr lang="en-GB" altLang="ko-KR" dirty="0" err="1"/>
-              <a:t>employ_id</a:t>
-            </a:r>
-            <a:r>
-              <a:rPr lang="en-GB" altLang="ko-KR" dirty="0"/>
-              <a:t>`),  UNIQUE INDEX `</a:t>
-            </a:r>
-            <a:r>
-              <a:rPr lang="en-GB" altLang="ko-KR" dirty="0" err="1"/>
-              <a:t>employ_id_UNIQUE</a:t>
-            </a:r>
-            <a:r>
-              <a:rPr lang="en-GB" altLang="ko-KR" dirty="0"/>
-              <a:t>` (`</a:t>
-            </a:r>
-            <a:r>
-              <a:rPr lang="en-GB" altLang="ko-KR" dirty="0" err="1"/>
-              <a:t>employ_id</a:t>
-            </a:r>
-            <a:r>
-              <a:rPr lang="en-GB" altLang="ko-KR" dirty="0"/>
-              <a:t>` ASC) VISIBLE)ENGINE = </a:t>
-            </a:r>
-            <a:r>
-              <a:rPr lang="en-GB" altLang="ko-KR" dirty="0" err="1"/>
-              <a:t>InnoDBDEFAULT</a:t>
-            </a:r>
-            <a:r>
-              <a:rPr lang="en-GB" altLang="ko-KR" dirty="0"/>
-              <a:t> CHARACTER SET = utf8COLLATE = utf8_bin;</a:t>
-            </a:r>
-          </a:p>
-          <a:p>
             <a:endParaRPr lang="en-GB" dirty="0"/>
           </a:p>
         </p:txBody>
@@ -2541,7 +2609,7 @@
           <a:p>
             <a:fld id="{245E38B4-F827-48FD-9C71-892AE46CA46F}" type="slidenum">
               <a:rPr lang="en-GB" smtClean="0"/>
-              <a:t>17</a:t>
+              <a:t>15</a:t>
             </a:fld>
             <a:endParaRPr lang="en-GB"/>
           </a:p>
@@ -2550,7 +2618,7 @@
     </p:spTree>
     <p:extLst>
       <p:ext uri="{BB962C8B-B14F-4D97-AF65-F5344CB8AC3E}">
-        <p14:creationId xmlns:p14="http://schemas.microsoft.com/office/powerpoint/2010/main" val="4281721345"/>
+        <p14:creationId xmlns:p14="http://schemas.microsoft.com/office/powerpoint/2010/main" val="3258079981"/>
       </p:ext>
     </p:extLst>
   </p:cSld>
@@ -2604,6 +2672,109 @@
           <a:bodyPr/>
           <a:lstStyle/>
           <a:p>
+            <a:pPr marL="0" marR="0" lvl="0" indent="0" algn="l" defTabSz="914400" rtl="0" eaLnBrk="1" fontAlgn="auto" latinLnBrk="1" hangingPunct="1">
+              <a:lnSpc>
+                <a:spcPct val="100000"/>
+              </a:lnSpc>
+              <a:spcBef>
+                <a:spcPts val="0"/>
+              </a:spcBef>
+              <a:spcAft>
+                <a:spcPts val="0"/>
+              </a:spcAft>
+              <a:buClrTx/>
+              <a:buSzTx/>
+              <a:buFontTx/>
+              <a:buNone/>
+              <a:tabLst/>
+              <a:defRPr/>
+            </a:pPr>
+            <a:r>
+              <a:rPr lang="en-GB" altLang="ko-KR" dirty="0"/>
+              <a:t>CREATE TABLE `</a:t>
+            </a:r>
+            <a:r>
+              <a:rPr lang="en-GB" altLang="ko-KR" dirty="0" err="1"/>
+              <a:t>company_system</a:t>
+            </a:r>
+            <a:r>
+              <a:rPr lang="en-GB" altLang="ko-KR" dirty="0"/>
+              <a:t>` (  `</a:t>
+            </a:r>
+            <a:r>
+              <a:rPr lang="en-GB" altLang="ko-KR" dirty="0" err="1"/>
+              <a:t>employ_name</a:t>
+            </a:r>
+            <a:r>
+              <a:rPr lang="en-GB" altLang="ko-KR" dirty="0"/>
+              <a:t>` VARCHAR(30) NOT NULL,  `</a:t>
+            </a:r>
+            <a:r>
+              <a:rPr lang="en-GB" altLang="ko-KR" dirty="0" err="1"/>
+              <a:t>employ_age</a:t>
+            </a:r>
+            <a:r>
+              <a:rPr lang="en-GB" altLang="ko-KR" dirty="0"/>
+              <a:t>` INT NULL,  `</a:t>
+            </a:r>
+            <a:r>
+              <a:rPr lang="en-GB" altLang="ko-KR" dirty="0" err="1"/>
+              <a:t>employ_id</a:t>
+            </a:r>
+            <a:r>
+              <a:rPr lang="en-GB" altLang="ko-KR" dirty="0"/>
+              <a:t>` INT NOT NULL,  `</a:t>
+            </a:r>
+            <a:r>
+              <a:rPr lang="en-GB" altLang="ko-KR" dirty="0" err="1"/>
+              <a:t>dept_name</a:t>
+            </a:r>
+            <a:r>
+              <a:rPr lang="en-GB" altLang="ko-KR" dirty="0"/>
+              <a:t>` VARCHAR(45) NULL,  `</a:t>
+            </a:r>
+            <a:r>
+              <a:rPr lang="en-GB" altLang="ko-KR" dirty="0" err="1"/>
+              <a:t>dept_created_date</a:t>
+            </a:r>
+            <a:r>
+              <a:rPr lang="en-GB" altLang="ko-KR" dirty="0"/>
+              <a:t>` DATETIME NULL,  PRIMARY KEY (`</a:t>
+            </a:r>
+            <a:r>
+              <a:rPr lang="en-GB" altLang="ko-KR" dirty="0" err="1"/>
+              <a:t>employ_id</a:t>
+            </a:r>
+            <a:r>
+              <a:rPr lang="en-GB" altLang="ko-KR" dirty="0"/>
+              <a:t>`),  UNIQUE INDEX `</a:t>
+            </a:r>
+            <a:r>
+              <a:rPr lang="en-GB" altLang="ko-KR" dirty="0" err="1"/>
+              <a:t>employ_id_UNIQUE</a:t>
+            </a:r>
+            <a:r>
+              <a:rPr lang="en-GB" altLang="ko-KR" dirty="0"/>
+              <a:t>` (`</a:t>
+            </a:r>
+            <a:r>
+              <a:rPr lang="en-GB" altLang="ko-KR" dirty="0" err="1"/>
+              <a:t>employ_id</a:t>
+            </a:r>
+            <a:r>
+              <a:rPr lang="en-GB" altLang="ko-KR" dirty="0"/>
+              <a:t>` ASC) VISIBLE)ENGINE = </a:t>
+            </a:r>
+            <a:r>
+              <a:rPr lang="en-GB" altLang="ko-KR" dirty="0" err="1"/>
+              <a:t>InnoDBDEFAULT</a:t>
+            </a:r>
+            <a:r>
+              <a:rPr lang="en-GB" altLang="ko-KR" dirty="0"/>
+              <a:t> CHARACTER SET = utf8COLLATE = utf8_bin;</a:t>
+            </a:r>
+          </a:p>
+          <a:p>
             <a:endParaRPr lang="en-GB" dirty="0"/>
           </a:p>
         </p:txBody>
@@ -2625,7 +2796,7 @@
           <a:p>
             <a:fld id="{245E38B4-F827-48FD-9C71-892AE46CA46F}" type="slidenum">
               <a:rPr lang="en-GB" smtClean="0"/>
-              <a:t>18</a:t>
+              <a:t>17</a:t>
             </a:fld>
             <a:endParaRPr lang="en-GB"/>
           </a:p>
@@ -2634,7 +2805,7 @@
     </p:spTree>
     <p:extLst>
       <p:ext uri="{BB962C8B-B14F-4D97-AF65-F5344CB8AC3E}">
-        <p14:creationId xmlns:p14="http://schemas.microsoft.com/office/powerpoint/2010/main" val="2206721086"/>
+        <p14:creationId xmlns:p14="http://schemas.microsoft.com/office/powerpoint/2010/main" val="4281721345"/>
       </p:ext>
     </p:extLst>
   </p:cSld>
@@ -2709,7 +2880,7 @@
           <a:p>
             <a:fld id="{245E38B4-F827-48FD-9C71-892AE46CA46F}" type="slidenum">
               <a:rPr lang="en-GB" smtClean="0"/>
-              <a:t>19</a:t>
+              <a:t>18</a:t>
             </a:fld>
             <a:endParaRPr lang="en-GB"/>
           </a:p>
@@ -2718,7 +2889,7 @@
     </p:spTree>
     <p:extLst>
       <p:ext uri="{BB962C8B-B14F-4D97-AF65-F5344CB8AC3E}">
-        <p14:creationId xmlns:p14="http://schemas.microsoft.com/office/powerpoint/2010/main" val="3869596919"/>
+        <p14:creationId xmlns:p14="http://schemas.microsoft.com/office/powerpoint/2010/main" val="2206721086"/>
       </p:ext>
     </p:extLst>
   </p:cSld>
@@ -2793,7 +2964,7 @@
           <a:p>
             <a:fld id="{245E38B4-F827-48FD-9C71-892AE46CA46F}" type="slidenum">
               <a:rPr lang="en-GB" smtClean="0"/>
-              <a:t>21</a:t>
+              <a:t>19</a:t>
             </a:fld>
             <a:endParaRPr lang="en-GB"/>
           </a:p>
@@ -2802,7 +2973,7 @@
     </p:spTree>
     <p:extLst>
       <p:ext uri="{BB962C8B-B14F-4D97-AF65-F5344CB8AC3E}">
-        <p14:creationId xmlns:p14="http://schemas.microsoft.com/office/powerpoint/2010/main" val="3258193779"/>
+        <p14:creationId xmlns:p14="http://schemas.microsoft.com/office/powerpoint/2010/main" val="3869596919"/>
       </p:ext>
     </p:extLst>
   </p:cSld>
@@ -2961,7 +3132,7 @@
           <a:p>
             <a:fld id="{F548C6B5-D173-4EAE-9712-BBBC67C1F3FA}" type="datetimeFigureOut">
               <a:rPr lang="en-GB" smtClean="0"/>
-              <a:t>12/10/2024</a:t>
+              <a:t>13/10/2024</a:t>
             </a:fld>
             <a:endParaRPr lang="en-GB" dirty="0"/>
           </a:p>
@@ -3161,7 +3332,7 @@
           <a:p>
             <a:fld id="{F548C6B5-D173-4EAE-9712-BBBC67C1F3FA}" type="datetimeFigureOut">
               <a:rPr lang="en-GB" smtClean="0"/>
-              <a:t>12/10/2024</a:t>
+              <a:t>13/10/2024</a:t>
             </a:fld>
             <a:endParaRPr lang="en-GB" dirty="0"/>
           </a:p>
@@ -3371,7 +3542,7 @@
           <a:p>
             <a:fld id="{F548C6B5-D173-4EAE-9712-BBBC67C1F3FA}" type="datetimeFigureOut">
               <a:rPr lang="en-GB" smtClean="0"/>
-              <a:t>12/10/2024</a:t>
+              <a:t>13/10/2024</a:t>
             </a:fld>
             <a:endParaRPr lang="en-GB" dirty="0"/>
           </a:p>
@@ -3571,7 +3742,7 @@
           <a:p>
             <a:fld id="{F548C6B5-D173-4EAE-9712-BBBC67C1F3FA}" type="datetimeFigureOut">
               <a:rPr lang="en-GB" smtClean="0"/>
-              <a:t>12/10/2024</a:t>
+              <a:t>13/10/2024</a:t>
             </a:fld>
             <a:endParaRPr lang="en-GB" dirty="0"/>
           </a:p>
@@ -3847,7 +4018,7 @@
           <a:p>
             <a:fld id="{F548C6B5-D173-4EAE-9712-BBBC67C1F3FA}" type="datetimeFigureOut">
               <a:rPr lang="en-GB" smtClean="0"/>
-              <a:t>12/10/2024</a:t>
+              <a:t>13/10/2024</a:t>
             </a:fld>
             <a:endParaRPr lang="en-GB" dirty="0"/>
           </a:p>
@@ -4115,7 +4286,7 @@
           <a:p>
             <a:fld id="{F548C6B5-D173-4EAE-9712-BBBC67C1F3FA}" type="datetimeFigureOut">
               <a:rPr lang="en-GB" smtClean="0"/>
-              <a:t>12/10/2024</a:t>
+              <a:t>13/10/2024</a:t>
             </a:fld>
             <a:endParaRPr lang="en-GB" dirty="0"/>
           </a:p>
@@ -4530,7 +4701,7 @@
           <a:p>
             <a:fld id="{F548C6B5-D173-4EAE-9712-BBBC67C1F3FA}" type="datetimeFigureOut">
               <a:rPr lang="en-GB" smtClean="0"/>
-              <a:t>12/10/2024</a:t>
+              <a:t>13/10/2024</a:t>
             </a:fld>
             <a:endParaRPr lang="en-GB" dirty="0"/>
           </a:p>
@@ -4672,7 +4843,7 @@
           <a:p>
             <a:fld id="{F548C6B5-D173-4EAE-9712-BBBC67C1F3FA}" type="datetimeFigureOut">
               <a:rPr lang="en-GB" smtClean="0"/>
-              <a:t>12/10/2024</a:t>
+              <a:t>13/10/2024</a:t>
             </a:fld>
             <a:endParaRPr lang="en-GB" dirty="0"/>
           </a:p>
@@ -4785,7 +4956,7 @@
           <a:p>
             <a:fld id="{F548C6B5-D173-4EAE-9712-BBBC67C1F3FA}" type="datetimeFigureOut">
               <a:rPr lang="en-GB" smtClean="0"/>
-              <a:t>12/10/2024</a:t>
+              <a:t>13/10/2024</a:t>
             </a:fld>
             <a:endParaRPr lang="en-GB" dirty="0"/>
           </a:p>
@@ -5098,7 +5269,7 @@
           <a:p>
             <a:fld id="{F548C6B5-D173-4EAE-9712-BBBC67C1F3FA}" type="datetimeFigureOut">
               <a:rPr lang="en-GB" smtClean="0"/>
-              <a:t>12/10/2024</a:t>
+              <a:t>13/10/2024</a:t>
             </a:fld>
             <a:endParaRPr lang="en-GB" dirty="0"/>
           </a:p>
@@ -5387,7 +5558,7 @@
           <a:p>
             <a:fld id="{F548C6B5-D173-4EAE-9712-BBBC67C1F3FA}" type="datetimeFigureOut">
               <a:rPr lang="en-GB" smtClean="0"/>
-              <a:t>12/10/2024</a:t>
+              <a:t>13/10/2024</a:t>
             </a:fld>
             <a:endParaRPr lang="en-GB" dirty="0"/>
           </a:p>
@@ -5630,7 +5801,7 @@
           <a:p>
             <a:fld id="{F548C6B5-D173-4EAE-9712-BBBC67C1F3FA}" type="datetimeFigureOut">
               <a:rPr lang="en-GB" smtClean="0"/>
-              <a:t>12/10/2024</a:t>
+              <a:t>13/10/2024</a:t>
             </a:fld>
             <a:endParaRPr lang="en-GB" dirty="0"/>
           </a:p>
@@ -9395,112 +9566,549 @@
           <a:chExt cx="0" cy="0"/>
         </a:xfrm>
       </p:grpSpPr>
-      <p:sp>
-        <p:nvSpPr>
-          <p:cNvPr id="2" name="Title 1">
-            <a:extLst>
-              <a:ext uri="{FF2B5EF4-FFF2-40B4-BE49-F238E27FC236}">
-                <a16:creationId xmlns:a16="http://schemas.microsoft.com/office/drawing/2014/main" id="{8995FC2E-6E15-1FEF-519C-7C4ED2BCE56C}"/>
-              </a:ext>
-            </a:extLst>
-          </p:cNvPr>
-          <p:cNvSpPr>
-            <a:spLocks noGrp="1"/>
-          </p:cNvSpPr>
-          <p:nvPr>
-            <p:ph type="title"/>
-          </p:nvPr>
-        </p:nvSpPr>
-        <p:spPr/>
-        <p:txBody>
-          <a:bodyPr/>
-          <a:lstStyle/>
-          <a:p>
-            <a:r>
-              <a:rPr lang="en-GB" dirty="0"/>
-              <a:t>DML</a:t>
-            </a:r>
-          </a:p>
-        </p:txBody>
-      </p:sp>
-      <p:sp>
-        <p:nvSpPr>
-          <p:cNvPr id="3" name="Content Placeholder 2">
-            <a:extLst>
-              <a:ext uri="{FF2B5EF4-FFF2-40B4-BE49-F238E27FC236}">
-                <a16:creationId xmlns:a16="http://schemas.microsoft.com/office/drawing/2014/main" id="{FBC80DFD-2C13-9466-0D25-7505AB7E43C5}"/>
-              </a:ext>
-            </a:extLst>
-          </p:cNvPr>
-          <p:cNvSpPr>
-            <a:spLocks noGrp="1"/>
-          </p:cNvSpPr>
-          <p:nvPr>
-            <p:ph idx="1"/>
-          </p:nvPr>
-        </p:nvSpPr>
-        <p:spPr/>
-        <p:txBody>
-          <a:bodyPr>
-            <a:normAutofit/>
+      <p:pic>
+        <p:nvPicPr>
+          <p:cNvPr id="4" name="Picture 2" descr="Corporate User icon PNG and SVG Vector ...">
+            <a:extLst>
+              <a:ext uri="{FF2B5EF4-FFF2-40B4-BE49-F238E27FC236}">
+                <a16:creationId xmlns:a16="http://schemas.microsoft.com/office/drawing/2014/main" id="{A66B6FF7-979C-C261-728C-0E6E2CD3F7C1}"/>
+              </a:ext>
+            </a:extLst>
+          </p:cNvPr>
+          <p:cNvPicPr>
+            <a:picLocks noChangeAspect="1" noChangeArrowheads="1"/>
+          </p:cNvPicPr>
+          <p:nvPr/>
+        </p:nvPicPr>
+        <p:blipFill>
+          <a:blip r:embed="rId2">
+            <a:extLst>
+              <a:ext uri="{28A0092B-C50C-407E-A947-70E740481C1C}">
+                <a14:useLocalDpi xmlns:a14="http://schemas.microsoft.com/office/drawing/2010/main" val="0"/>
+              </a:ext>
+            </a:extLst>
+          </a:blip>
+          <a:srcRect l="4412" r="4099" b="1"/>
+          <a:stretch/>
+        </p:blipFill>
+        <p:spPr bwMode="auto">
+          <a:xfrm>
+            <a:off x="806673" y="114785"/>
+            <a:ext cx="1781029" cy="1781030"/>
+          </a:xfrm>
+          <a:custGeom>
+            <a:avLst/>
+            <a:gdLst/>
+            <a:ahLst/>
+            <a:cxnLst/>
+            <a:rect l="l" t="t" r="r" b="b"/>
+            <a:pathLst>
+              <a:path w="4627646" h="4627648">
+                <a:moveTo>
+                  <a:pt x="2313823" y="0"/>
+                </a:moveTo>
+                <a:cubicBezTo>
+                  <a:pt x="3591712" y="0"/>
+                  <a:pt x="4627646" y="1035934"/>
+                  <a:pt x="4627646" y="2313824"/>
+                </a:cubicBezTo>
+                <a:cubicBezTo>
+                  <a:pt x="4627646" y="3591714"/>
+                  <a:pt x="3591712" y="4627648"/>
+                  <a:pt x="2313823" y="4627648"/>
+                </a:cubicBezTo>
+                <a:cubicBezTo>
+                  <a:pt x="1035934" y="4627648"/>
+                  <a:pt x="0" y="3591714"/>
+                  <a:pt x="0" y="2313824"/>
+                </a:cubicBezTo>
+                <a:cubicBezTo>
+                  <a:pt x="0" y="1035934"/>
+                  <a:pt x="1035934" y="0"/>
+                  <a:pt x="2313823" y="0"/>
+                </a:cubicBezTo>
+                <a:close/>
+              </a:path>
+            </a:pathLst>
+          </a:custGeom>
+          <a:noFill/>
+          <a:extLst>
+            <a:ext uri="{909E8E84-426E-40DD-AFC4-6F175D3DCCD1}">
+              <a14:hiddenFill xmlns:a14="http://schemas.microsoft.com/office/drawing/2010/main">
+                <a:solidFill>
+                  <a:srgbClr val="FFFFFF"/>
+                </a:solidFill>
+              </a14:hiddenFill>
+            </a:ext>
+          </a:extLst>
+        </p:spPr>
+      </p:pic>
+      <p:sp>
+        <p:nvSpPr>
+          <p:cNvPr id="5" name="TextBox 4">
+            <a:extLst>
+              <a:ext uri="{FF2B5EF4-FFF2-40B4-BE49-F238E27FC236}">
+                <a16:creationId xmlns:a16="http://schemas.microsoft.com/office/drawing/2014/main" id="{4BA130D4-FD4F-81ED-EE7C-BC69C040EF54}"/>
+              </a:ext>
+            </a:extLst>
+          </p:cNvPr>
+          <p:cNvSpPr txBox="1"/>
+          <p:nvPr/>
+        </p:nvSpPr>
+        <p:spPr>
+          <a:xfrm>
+            <a:off x="3056709" y="476793"/>
+            <a:ext cx="5290457" cy="1200329"/>
+          </a:xfrm>
+          <a:prstGeom prst="rect">
+            <a:avLst/>
+          </a:prstGeom>
+          <a:noFill/>
+        </p:spPr>
+        <p:txBody>
+          <a:bodyPr wrap="square" rtlCol="0">
+            <a:spAutoFit/>
           </a:bodyPr>
           <a:lstStyle/>
           <a:p>
             <a:r>
-              <a:rPr lang="en-GB" dirty="0"/>
-              <a:t>Create</a:t>
-            </a:r>
-            <a:endParaRPr lang="en-GB" altLang="ko-KR" dirty="0"/>
-          </a:p>
-          <a:p>
-            <a:pPr lvl="1"/>
-            <a:r>
-              <a:rPr lang="en-GB" altLang="ko-KR" dirty="0"/>
-              <a:t>Insert</a:t>
+              <a:rPr lang="ko-KR" altLang="en-US" dirty="0"/>
+              <a:t>너는</a:t>
+            </a:r>
+            <a:r>
+              <a:rPr lang="en-US" altLang="ko-KR" dirty="0"/>
+              <a:t>, </a:t>
+            </a:r>
+            <a:r>
+              <a:rPr lang="en-US" altLang="ko-KR" dirty="0" err="1"/>
+              <a:t>simcoding</a:t>
+            </a:r>
+            <a:r>
+              <a:rPr lang="ko-KR" altLang="en-US" dirty="0"/>
+              <a:t>이라는 </a:t>
+            </a:r>
+            <a:r>
+              <a:rPr lang="en-US" altLang="ko-KR" dirty="0" err="1"/>
+              <a:t>databas</a:t>
+            </a:r>
+            <a:r>
+              <a:rPr lang="ko-KR" altLang="en-US" dirty="0"/>
+              <a:t>에 접근하고</a:t>
+            </a:r>
+            <a:r>
+              <a:rPr lang="en-US" altLang="ko-KR" dirty="0"/>
+              <a:t>, </a:t>
+            </a:r>
+            <a:r>
+              <a:rPr lang="ko-KR" altLang="en-US" dirty="0"/>
+              <a:t>그 안에 존재하는 </a:t>
+            </a:r>
+            <a:r>
+              <a:rPr lang="en-US" altLang="ko-KR" dirty="0"/>
+              <a:t>table</a:t>
+            </a:r>
+            <a:r>
+              <a:rPr lang="ko-KR" altLang="en-US" dirty="0"/>
+              <a:t>에 </a:t>
+            </a:r>
+            <a:r>
+              <a:rPr lang="en-US" altLang="ko-KR" dirty="0"/>
+              <a:t>read</a:t>
+            </a:r>
+            <a:r>
+              <a:rPr lang="ko-KR" altLang="en-US" dirty="0"/>
+              <a:t>할 수 있는 권한이 존재해</a:t>
+            </a:r>
+            <a:r>
+              <a:rPr lang="en-US" altLang="ko-KR" dirty="0"/>
+              <a:t>. </a:t>
+            </a:r>
+            <a:r>
+              <a:rPr lang="ko-KR" altLang="en-US" dirty="0"/>
+              <a:t>하지만</a:t>
+            </a:r>
+            <a:r>
+              <a:rPr lang="en-US" altLang="ko-KR" dirty="0"/>
+              <a:t>, </a:t>
+            </a:r>
+            <a:r>
+              <a:rPr lang="ko-KR" altLang="en-US" dirty="0"/>
+              <a:t>데이터 삭제는 불가능 해</a:t>
+            </a:r>
+            <a:r>
+              <a:rPr lang="en-US" altLang="ko-KR" dirty="0"/>
+              <a:t>. </a:t>
+            </a:r>
+            <a:r>
+              <a:rPr lang="ko-KR" altLang="en-US" dirty="0"/>
+              <a:t>그리고 삭제도 가능해</a:t>
             </a:r>
             <a:endParaRPr lang="en-GB" dirty="0"/>
           </a:p>
-          <a:p>
-            <a:r>
-              <a:rPr lang="en-GB" dirty="0"/>
-              <a:t>Delete</a:t>
-            </a:r>
-          </a:p>
-          <a:p>
-            <a:pPr lvl="1"/>
-            <a:r>
-              <a:rPr lang="en-GB" dirty="0"/>
-              <a:t>delete</a:t>
-            </a:r>
-          </a:p>
-          <a:p>
-            <a:r>
-              <a:rPr lang="en-GB" dirty="0"/>
-              <a:t>Update</a:t>
-            </a:r>
-          </a:p>
-          <a:p>
-            <a:pPr lvl="1"/>
-            <a:r>
-              <a:rPr lang="en-GB" dirty="0"/>
-              <a:t>update</a:t>
-            </a:r>
-          </a:p>
-          <a:p>
-            <a:r>
-              <a:rPr lang="en-GB" dirty="0"/>
-              <a:t>Read</a:t>
-            </a:r>
-          </a:p>
-          <a:p>
-            <a:pPr lvl="1"/>
-            <a:r>
-              <a:rPr lang="en-GB" dirty="0"/>
-              <a:t>Select</a:t>
-            </a:r>
-          </a:p>
-          <a:p>
-            <a:pPr lvl="1"/>
+        </p:txBody>
+      </p:sp>
+      <p:pic>
+        <p:nvPicPr>
+          <p:cNvPr id="6" name="Picture 2" descr="Corporate User icon PNG and SVG Vector ...">
+            <a:extLst>
+              <a:ext uri="{FF2B5EF4-FFF2-40B4-BE49-F238E27FC236}">
+                <a16:creationId xmlns:a16="http://schemas.microsoft.com/office/drawing/2014/main" id="{4DF768FE-2333-C764-EA34-63791785870C}"/>
+              </a:ext>
+            </a:extLst>
+          </p:cNvPr>
+          <p:cNvPicPr>
+            <a:picLocks noChangeAspect="1" noChangeArrowheads="1"/>
+          </p:cNvPicPr>
+          <p:nvPr/>
+        </p:nvPicPr>
+        <p:blipFill>
+          <a:blip r:embed="rId2">
+            <a:extLst>
+              <a:ext uri="{28A0092B-C50C-407E-A947-70E740481C1C}">
+                <a14:useLocalDpi xmlns:a14="http://schemas.microsoft.com/office/drawing/2010/main" val="0"/>
+              </a:ext>
+            </a:extLst>
+          </a:blip>
+          <a:srcRect l="4412" r="4099" b="1"/>
+          <a:stretch/>
+        </p:blipFill>
+        <p:spPr bwMode="auto">
+          <a:xfrm>
+            <a:off x="806672" y="2278865"/>
+            <a:ext cx="1781029" cy="1781030"/>
+          </a:xfrm>
+          <a:custGeom>
+            <a:avLst/>
+            <a:gdLst/>
+            <a:ahLst/>
+            <a:cxnLst/>
+            <a:rect l="l" t="t" r="r" b="b"/>
+            <a:pathLst>
+              <a:path w="4627646" h="4627648">
+                <a:moveTo>
+                  <a:pt x="2313823" y="0"/>
+                </a:moveTo>
+                <a:cubicBezTo>
+                  <a:pt x="3591712" y="0"/>
+                  <a:pt x="4627646" y="1035934"/>
+                  <a:pt x="4627646" y="2313824"/>
+                </a:cubicBezTo>
+                <a:cubicBezTo>
+                  <a:pt x="4627646" y="3591714"/>
+                  <a:pt x="3591712" y="4627648"/>
+                  <a:pt x="2313823" y="4627648"/>
+                </a:cubicBezTo>
+                <a:cubicBezTo>
+                  <a:pt x="1035934" y="4627648"/>
+                  <a:pt x="0" y="3591714"/>
+                  <a:pt x="0" y="2313824"/>
+                </a:cubicBezTo>
+                <a:cubicBezTo>
+                  <a:pt x="0" y="1035934"/>
+                  <a:pt x="1035934" y="0"/>
+                  <a:pt x="2313823" y="0"/>
+                </a:cubicBezTo>
+                <a:close/>
+              </a:path>
+            </a:pathLst>
+          </a:custGeom>
+          <a:noFill/>
+          <a:extLst>
+            <a:ext uri="{909E8E84-426E-40DD-AFC4-6F175D3DCCD1}">
+              <a14:hiddenFill xmlns:a14="http://schemas.microsoft.com/office/drawing/2010/main">
+                <a:solidFill>
+                  <a:srgbClr val="FFFFFF"/>
+                </a:solidFill>
+              </a14:hiddenFill>
+            </a:ext>
+          </a:extLst>
+        </p:spPr>
+      </p:pic>
+      <p:sp>
+        <p:nvSpPr>
+          <p:cNvPr id="7" name="TextBox 6">
+            <a:extLst>
+              <a:ext uri="{FF2B5EF4-FFF2-40B4-BE49-F238E27FC236}">
+                <a16:creationId xmlns:a16="http://schemas.microsoft.com/office/drawing/2014/main" id="{C0E72A81-853B-5151-C115-98BC415146CD}"/>
+              </a:ext>
+            </a:extLst>
+          </p:cNvPr>
+          <p:cNvSpPr txBox="1"/>
+          <p:nvPr/>
+        </p:nvSpPr>
+        <p:spPr>
+          <a:xfrm>
+            <a:off x="3156857" y="2601684"/>
+            <a:ext cx="5290457" cy="1200329"/>
+          </a:xfrm>
+          <a:prstGeom prst="rect">
+            <a:avLst/>
+          </a:prstGeom>
+          <a:noFill/>
+        </p:spPr>
+        <p:txBody>
+          <a:bodyPr wrap="square" rtlCol="0">
+            <a:spAutoFit/>
+          </a:bodyPr>
+          <a:lstStyle/>
+          <a:p>
+            <a:r>
+              <a:rPr lang="ko-KR" altLang="en-US" dirty="0"/>
+              <a:t>너는</a:t>
+            </a:r>
+            <a:r>
+              <a:rPr lang="en-US" altLang="ko-KR" dirty="0"/>
+              <a:t>, </a:t>
+            </a:r>
+            <a:r>
+              <a:rPr lang="en-US" altLang="ko-KR" dirty="0" err="1"/>
+              <a:t>simcoding</a:t>
+            </a:r>
+            <a:r>
+              <a:rPr lang="ko-KR" altLang="en-US" dirty="0"/>
+              <a:t>이라는 </a:t>
+            </a:r>
+            <a:r>
+              <a:rPr lang="en-US" altLang="ko-KR" dirty="0" err="1"/>
+              <a:t>databas</a:t>
+            </a:r>
+            <a:r>
+              <a:rPr lang="ko-KR" altLang="en-US" dirty="0"/>
+              <a:t>에 접근하고</a:t>
+            </a:r>
+            <a:r>
+              <a:rPr lang="en-US" altLang="ko-KR" dirty="0"/>
+              <a:t>, </a:t>
+            </a:r>
+            <a:r>
+              <a:rPr lang="ko-KR" altLang="en-US" dirty="0"/>
+              <a:t>그 안에 존재하는 </a:t>
+            </a:r>
+            <a:r>
+              <a:rPr lang="en-US" altLang="ko-KR" dirty="0"/>
+              <a:t>table</a:t>
+            </a:r>
+            <a:r>
+              <a:rPr lang="ko-KR" altLang="en-US" dirty="0"/>
+              <a:t>에 </a:t>
+            </a:r>
+            <a:r>
+              <a:rPr lang="en-US" altLang="ko-KR" dirty="0"/>
+              <a:t>read</a:t>
+            </a:r>
+            <a:r>
+              <a:rPr lang="ko-KR" altLang="en-US" dirty="0"/>
+              <a:t>할 수 있는 권한이 존재해</a:t>
+            </a:r>
+            <a:r>
+              <a:rPr lang="en-US" altLang="ko-KR" dirty="0"/>
+              <a:t>. </a:t>
+            </a:r>
+            <a:r>
+              <a:rPr lang="ko-KR" altLang="en-US" dirty="0"/>
+              <a:t>하지만</a:t>
+            </a:r>
+            <a:r>
+              <a:rPr lang="en-US" altLang="ko-KR" dirty="0"/>
+              <a:t>, </a:t>
+            </a:r>
+            <a:r>
+              <a:rPr lang="ko-KR" altLang="en-US" dirty="0"/>
+              <a:t>데이터 삭제는 불가능 해</a:t>
+            </a:r>
+            <a:r>
+              <a:rPr lang="en-US" altLang="ko-KR" dirty="0"/>
+              <a:t>.</a:t>
+            </a:r>
+          </a:p>
+          <a:p>
+            <a:r>
+              <a:rPr lang="ko-KR" altLang="en-US" dirty="0"/>
+              <a:t>그리고 삭제도 가능해</a:t>
+            </a:r>
+            <a:endParaRPr lang="en-GB" dirty="0"/>
+          </a:p>
+        </p:txBody>
+      </p:sp>
+      <p:pic>
+        <p:nvPicPr>
+          <p:cNvPr id="8" name="Picture 2" descr="Corporate User icon PNG and SVG Vector ...">
+            <a:extLst>
+              <a:ext uri="{FF2B5EF4-FFF2-40B4-BE49-F238E27FC236}">
+                <a16:creationId xmlns:a16="http://schemas.microsoft.com/office/drawing/2014/main" id="{04609F38-FB9E-7BB5-3757-2481E08D4485}"/>
+              </a:ext>
+            </a:extLst>
+          </p:cNvPr>
+          <p:cNvPicPr>
+            <a:picLocks noChangeAspect="1" noChangeArrowheads="1"/>
+          </p:cNvPicPr>
+          <p:nvPr/>
+        </p:nvPicPr>
+        <p:blipFill>
+          <a:blip r:embed="rId2">
+            <a:extLst>
+              <a:ext uri="{28A0092B-C50C-407E-A947-70E740481C1C}">
+                <a14:useLocalDpi xmlns:a14="http://schemas.microsoft.com/office/drawing/2010/main" val="0"/>
+              </a:ext>
+            </a:extLst>
+          </a:blip>
+          <a:srcRect l="4412" r="4099" b="1"/>
+          <a:stretch/>
+        </p:blipFill>
+        <p:spPr bwMode="auto">
+          <a:xfrm>
+            <a:off x="806672" y="4476972"/>
+            <a:ext cx="1781029" cy="1781030"/>
+          </a:xfrm>
+          <a:custGeom>
+            <a:avLst/>
+            <a:gdLst/>
+            <a:ahLst/>
+            <a:cxnLst/>
+            <a:rect l="l" t="t" r="r" b="b"/>
+            <a:pathLst>
+              <a:path w="4627646" h="4627648">
+                <a:moveTo>
+                  <a:pt x="2313823" y="0"/>
+                </a:moveTo>
+                <a:cubicBezTo>
+                  <a:pt x="3591712" y="0"/>
+                  <a:pt x="4627646" y="1035934"/>
+                  <a:pt x="4627646" y="2313824"/>
+                </a:cubicBezTo>
+                <a:cubicBezTo>
+                  <a:pt x="4627646" y="3591714"/>
+                  <a:pt x="3591712" y="4627648"/>
+                  <a:pt x="2313823" y="4627648"/>
+                </a:cubicBezTo>
+                <a:cubicBezTo>
+                  <a:pt x="1035934" y="4627648"/>
+                  <a:pt x="0" y="3591714"/>
+                  <a:pt x="0" y="2313824"/>
+                </a:cubicBezTo>
+                <a:cubicBezTo>
+                  <a:pt x="0" y="1035934"/>
+                  <a:pt x="1035934" y="0"/>
+                  <a:pt x="2313823" y="0"/>
+                </a:cubicBezTo>
+                <a:close/>
+              </a:path>
+            </a:pathLst>
+          </a:custGeom>
+          <a:noFill/>
+          <a:extLst>
+            <a:ext uri="{909E8E84-426E-40DD-AFC4-6F175D3DCCD1}">
+              <a14:hiddenFill xmlns:a14="http://schemas.microsoft.com/office/drawing/2010/main">
+                <a:solidFill>
+                  <a:srgbClr val="FFFFFF"/>
+                </a:solidFill>
+              </a14:hiddenFill>
+            </a:ext>
+          </a:extLst>
+        </p:spPr>
+      </p:pic>
+      <p:sp>
+        <p:nvSpPr>
+          <p:cNvPr id="9" name="TextBox 8">
+            <a:extLst>
+              <a:ext uri="{FF2B5EF4-FFF2-40B4-BE49-F238E27FC236}">
+                <a16:creationId xmlns:a16="http://schemas.microsoft.com/office/drawing/2014/main" id="{BC9B8FFF-2E78-5C81-33DF-18CB8AE07BAA}"/>
+              </a:ext>
+            </a:extLst>
+          </p:cNvPr>
+          <p:cNvSpPr txBox="1"/>
+          <p:nvPr/>
+        </p:nvSpPr>
+        <p:spPr>
+          <a:xfrm>
+            <a:off x="3156857" y="4799791"/>
+            <a:ext cx="5290457" cy="1200329"/>
+          </a:xfrm>
+          <a:prstGeom prst="rect">
+            <a:avLst/>
+          </a:prstGeom>
+          <a:noFill/>
+        </p:spPr>
+        <p:txBody>
+          <a:bodyPr wrap="square" rtlCol="0">
+            <a:spAutoFit/>
+          </a:bodyPr>
+          <a:lstStyle/>
+          <a:p>
+            <a:r>
+              <a:rPr lang="ko-KR" altLang="en-US" dirty="0"/>
+              <a:t>너는</a:t>
+            </a:r>
+            <a:r>
+              <a:rPr lang="en-US" altLang="ko-KR" dirty="0"/>
+              <a:t>, </a:t>
+            </a:r>
+            <a:r>
+              <a:rPr lang="en-US" altLang="ko-KR" dirty="0" err="1"/>
+              <a:t>simcoding</a:t>
+            </a:r>
+            <a:r>
+              <a:rPr lang="ko-KR" altLang="en-US" dirty="0"/>
+              <a:t>이라는 </a:t>
+            </a:r>
+            <a:r>
+              <a:rPr lang="en-US" altLang="ko-KR" dirty="0" err="1"/>
+              <a:t>databas</a:t>
+            </a:r>
+            <a:r>
+              <a:rPr lang="ko-KR" altLang="en-US" dirty="0"/>
+              <a:t>에 접근하고</a:t>
+            </a:r>
+            <a:r>
+              <a:rPr lang="en-US" altLang="ko-KR" dirty="0"/>
+              <a:t>, </a:t>
+            </a:r>
+            <a:r>
+              <a:rPr lang="ko-KR" altLang="en-US" dirty="0"/>
+              <a:t>그 안에 존재하는 </a:t>
+            </a:r>
+            <a:r>
+              <a:rPr lang="en-US" altLang="ko-KR" dirty="0"/>
+              <a:t>table</a:t>
+            </a:r>
+            <a:r>
+              <a:rPr lang="ko-KR" altLang="en-US" dirty="0"/>
+              <a:t>에 </a:t>
+            </a:r>
+            <a:r>
+              <a:rPr lang="en-US" altLang="ko-KR" dirty="0"/>
+              <a:t>read</a:t>
+            </a:r>
+            <a:r>
+              <a:rPr lang="ko-KR" altLang="en-US" dirty="0"/>
+              <a:t>할 수 있는 권한이 존재해</a:t>
+            </a:r>
+            <a:r>
+              <a:rPr lang="en-US" altLang="ko-KR" dirty="0"/>
+              <a:t>. </a:t>
+            </a:r>
+            <a:r>
+              <a:rPr lang="ko-KR" altLang="en-US" dirty="0"/>
+              <a:t>하지만</a:t>
+            </a:r>
+            <a:r>
+              <a:rPr lang="en-US" altLang="ko-KR" dirty="0"/>
+              <a:t>, </a:t>
+            </a:r>
+            <a:r>
+              <a:rPr lang="ko-KR" altLang="en-US" dirty="0"/>
+              <a:t>데이터 삭제는 불가능 해</a:t>
+            </a:r>
+            <a:r>
+              <a:rPr lang="en-US" altLang="ko-KR" dirty="0"/>
+              <a:t>.</a:t>
+            </a:r>
+          </a:p>
+          <a:p>
+            <a:r>
+              <a:rPr lang="ko-KR" altLang="en-US" dirty="0"/>
+              <a:t>그리고 삭제도 가능해</a:t>
+            </a:r>
             <a:endParaRPr lang="en-GB" dirty="0"/>
           </a:p>
         </p:txBody>
@@ -9508,7 +10116,7 @@
     </p:spTree>
     <p:extLst>
       <p:ext uri="{BB962C8B-B14F-4D97-AF65-F5344CB8AC3E}">
-        <p14:creationId xmlns:p14="http://schemas.microsoft.com/office/powerpoint/2010/main" val="3441760718"/>
+        <p14:creationId xmlns:p14="http://schemas.microsoft.com/office/powerpoint/2010/main" val="2896267621"/>
       </p:ext>
     </p:extLst>
   </p:cSld>
@@ -9535,105 +10143,361 @@
           <a:chExt cx="0" cy="0"/>
         </a:xfrm>
       </p:grpSpPr>
-      <p:sp>
-        <p:nvSpPr>
-          <p:cNvPr id="2" name="Title 1">
-            <a:extLst>
-              <a:ext uri="{FF2B5EF4-FFF2-40B4-BE49-F238E27FC236}">
-                <a16:creationId xmlns:a16="http://schemas.microsoft.com/office/drawing/2014/main" id="{75F63D42-401D-28D0-D9D5-56A645B7539D}"/>
-              </a:ext>
-            </a:extLst>
-          </p:cNvPr>
-          <p:cNvSpPr>
-            <a:spLocks noGrp="1"/>
-          </p:cNvSpPr>
-          <p:nvPr>
-            <p:ph type="title"/>
-          </p:nvPr>
-        </p:nvSpPr>
-        <p:spPr/>
-        <p:txBody>
-          <a:bodyPr/>
-          <a:lstStyle/>
-          <a:p>
-            <a:r>
-              <a:rPr lang="en-GB" dirty="0"/>
-              <a:t>Read – select(1/3)</a:t>
-            </a:r>
-          </a:p>
-        </p:txBody>
-      </p:sp>
-      <p:sp>
-        <p:nvSpPr>
-          <p:cNvPr id="3" name="Content Placeholder 2">
-            <a:extLst>
-              <a:ext uri="{FF2B5EF4-FFF2-40B4-BE49-F238E27FC236}">
-                <a16:creationId xmlns:a16="http://schemas.microsoft.com/office/drawing/2014/main" id="{B16412EA-9B89-D15D-8CF8-8EDD21B1A57E}"/>
-              </a:ext>
-            </a:extLst>
-          </p:cNvPr>
-          <p:cNvSpPr>
-            <a:spLocks noGrp="1"/>
-          </p:cNvSpPr>
-          <p:nvPr>
-            <p:ph idx="1"/>
-          </p:nvPr>
-        </p:nvSpPr>
-        <p:spPr/>
-        <p:txBody>
-          <a:bodyPr/>
-          <a:lstStyle/>
-          <a:p>
-            <a:r>
-              <a:rPr lang="en-GB" dirty="0"/>
-              <a:t>Select (</a:t>
-            </a:r>
-            <a:r>
-              <a:rPr lang="ko-KR" altLang="en-US" dirty="0"/>
-              <a:t>가져올 칼럼</a:t>
-            </a:r>
-            <a:r>
-              <a:rPr lang="en-US" altLang="ko-KR" dirty="0"/>
-              <a:t>) from (</a:t>
-            </a:r>
-            <a:r>
-              <a:rPr lang="ko-KR" altLang="en-US" dirty="0"/>
-              <a:t>데이터베이스</a:t>
-            </a:r>
-            <a:r>
-              <a:rPr lang="en-US" altLang="ko-KR" dirty="0"/>
-              <a:t>).(</a:t>
-            </a:r>
-            <a:r>
-              <a:rPr lang="ko-KR" altLang="en-US" dirty="0"/>
-              <a:t>테이블 명</a:t>
-            </a:r>
-            <a:r>
-              <a:rPr lang="en-US" altLang="ko-KR" dirty="0"/>
-              <a:t>)</a:t>
-            </a:r>
-          </a:p>
-          <a:p>
-            <a:pPr lvl="1"/>
-            <a:r>
-              <a:rPr lang="en-US" altLang="ko-KR" dirty="0"/>
-              <a:t>Select * from employee : </a:t>
-            </a:r>
-            <a:r>
-              <a:rPr lang="ko-KR" altLang="en-US" dirty="0"/>
-              <a:t>테이블의 모든 행 조회</a:t>
+      <p:pic>
+        <p:nvPicPr>
+          <p:cNvPr id="4" name="Picture 2" descr="Corporate User icon PNG and SVG Vector ...">
+            <a:extLst>
+              <a:ext uri="{FF2B5EF4-FFF2-40B4-BE49-F238E27FC236}">
+                <a16:creationId xmlns:a16="http://schemas.microsoft.com/office/drawing/2014/main" id="{A66B6FF7-979C-C261-728C-0E6E2CD3F7C1}"/>
+              </a:ext>
+            </a:extLst>
+          </p:cNvPr>
+          <p:cNvPicPr>
+            <a:picLocks noChangeAspect="1" noChangeArrowheads="1"/>
+          </p:cNvPicPr>
+          <p:nvPr/>
+        </p:nvPicPr>
+        <p:blipFill>
+          <a:blip r:embed="rId2">
+            <a:extLst>
+              <a:ext uri="{28A0092B-C50C-407E-A947-70E740481C1C}">
+                <a14:useLocalDpi xmlns:a14="http://schemas.microsoft.com/office/drawing/2010/main" val="0"/>
+              </a:ext>
+            </a:extLst>
+          </a:blip>
+          <a:srcRect l="4412" r="4099" b="1"/>
+          <a:stretch/>
+        </p:blipFill>
+        <p:spPr bwMode="auto">
+          <a:xfrm>
+            <a:off x="806673" y="114785"/>
+            <a:ext cx="1781029" cy="1781030"/>
+          </a:xfrm>
+          <a:custGeom>
+            <a:avLst/>
+            <a:gdLst/>
+            <a:ahLst/>
+            <a:cxnLst/>
+            <a:rect l="l" t="t" r="r" b="b"/>
+            <a:pathLst>
+              <a:path w="4627646" h="4627648">
+                <a:moveTo>
+                  <a:pt x="2313823" y="0"/>
+                </a:moveTo>
+                <a:cubicBezTo>
+                  <a:pt x="3591712" y="0"/>
+                  <a:pt x="4627646" y="1035934"/>
+                  <a:pt x="4627646" y="2313824"/>
+                </a:cubicBezTo>
+                <a:cubicBezTo>
+                  <a:pt x="4627646" y="3591714"/>
+                  <a:pt x="3591712" y="4627648"/>
+                  <a:pt x="2313823" y="4627648"/>
+                </a:cubicBezTo>
+                <a:cubicBezTo>
+                  <a:pt x="1035934" y="4627648"/>
+                  <a:pt x="0" y="3591714"/>
+                  <a:pt x="0" y="2313824"/>
+                </a:cubicBezTo>
+                <a:cubicBezTo>
+                  <a:pt x="0" y="1035934"/>
+                  <a:pt x="1035934" y="0"/>
+                  <a:pt x="2313823" y="0"/>
+                </a:cubicBezTo>
+                <a:close/>
+              </a:path>
+            </a:pathLst>
+          </a:custGeom>
+          <a:noFill/>
+          <a:extLst>
+            <a:ext uri="{909E8E84-426E-40DD-AFC4-6F175D3DCCD1}">
+              <a14:hiddenFill xmlns:a14="http://schemas.microsoft.com/office/drawing/2010/main">
+                <a:solidFill>
+                  <a:srgbClr val="FFFFFF"/>
+                </a:solidFill>
+              </a14:hiddenFill>
+            </a:ext>
+          </a:extLst>
+        </p:spPr>
+      </p:pic>
+      <p:sp>
+        <p:nvSpPr>
+          <p:cNvPr id="5" name="TextBox 4">
+            <a:extLst>
+              <a:ext uri="{FF2B5EF4-FFF2-40B4-BE49-F238E27FC236}">
+                <a16:creationId xmlns:a16="http://schemas.microsoft.com/office/drawing/2014/main" id="{4BA130D4-FD4F-81ED-EE7C-BC69C040EF54}"/>
+              </a:ext>
+            </a:extLst>
+          </p:cNvPr>
+          <p:cNvSpPr txBox="1"/>
+          <p:nvPr/>
+        </p:nvSpPr>
+        <p:spPr>
+          <a:xfrm>
+            <a:off x="3056709" y="476793"/>
+            <a:ext cx="5290457" cy="923330"/>
+          </a:xfrm>
+          <a:prstGeom prst="rect">
+            <a:avLst/>
+          </a:prstGeom>
+          <a:noFill/>
+        </p:spPr>
+        <p:txBody>
+          <a:bodyPr wrap="square" rtlCol="0">
+            <a:spAutoFit/>
+          </a:bodyPr>
+          <a:lstStyle/>
+          <a:p>
+            <a:r>
+              <a:rPr lang="ko-KR" altLang="en-US" dirty="0"/>
+              <a:t>역할 </a:t>
+            </a:r>
+            <a:r>
+              <a:rPr lang="en-US" altLang="ko-KR" dirty="0"/>
+              <a:t>: </a:t>
+            </a:r>
+            <a:r>
+              <a:rPr lang="ko-KR" altLang="en-US" dirty="0"/>
+              <a:t>시니어 개발자</a:t>
             </a:r>
             <a:endParaRPr lang="en-US" altLang="ko-KR" dirty="0"/>
           </a:p>
           <a:p>
-            <a:pPr lvl="1"/>
-            <a:r>
-              <a:rPr lang="en-US" altLang="ko-KR" dirty="0"/>
-              <a:t>Select </a:t>
-            </a:r>
-            <a:r>
-              <a:rPr lang="ko-KR" altLang="en-US" dirty="0"/>
-              <a:t>사원번호</a:t>
+            <a:r>
+              <a:rPr lang="ko-KR" altLang="en-US" dirty="0"/>
+              <a:t>접근 가능한 데이터 베이스 </a:t>
+            </a:r>
+            <a:r>
+              <a:rPr lang="en-US" altLang="ko-KR" dirty="0"/>
+              <a:t>: </a:t>
+            </a:r>
+            <a:r>
+              <a:rPr lang="en-US" altLang="ko-KR" dirty="0" err="1"/>
+              <a:t>simcoding</a:t>
+            </a:r>
+            <a:endParaRPr lang="en-US" altLang="ko-KR" dirty="0"/>
+          </a:p>
+          <a:p>
+            <a:r>
+              <a:rPr lang="ko-KR" altLang="en-US" dirty="0"/>
+              <a:t>가능한 연산 목록 </a:t>
+            </a:r>
+            <a:r>
+              <a:rPr lang="en-US" altLang="ko-KR" dirty="0"/>
+              <a:t>:, select, insert</a:t>
+            </a:r>
+            <a:endParaRPr lang="en-GB" dirty="0"/>
+          </a:p>
+        </p:txBody>
+      </p:sp>
+      <p:pic>
+        <p:nvPicPr>
+          <p:cNvPr id="2" name="Picture 2" descr="Corporate User icon PNG and SVG Vector ...">
+            <a:extLst>
+              <a:ext uri="{FF2B5EF4-FFF2-40B4-BE49-F238E27FC236}">
+                <a16:creationId xmlns:a16="http://schemas.microsoft.com/office/drawing/2014/main" id="{FF48417E-AAA5-7336-1FB9-3832442909E8}"/>
+              </a:ext>
+            </a:extLst>
+          </p:cNvPr>
+          <p:cNvPicPr>
+            <a:picLocks noChangeAspect="1" noChangeArrowheads="1"/>
+          </p:cNvPicPr>
+          <p:nvPr/>
+        </p:nvPicPr>
+        <p:blipFill>
+          <a:blip r:embed="rId2">
+            <a:extLst>
+              <a:ext uri="{28A0092B-C50C-407E-A947-70E740481C1C}">
+                <a14:useLocalDpi xmlns:a14="http://schemas.microsoft.com/office/drawing/2010/main" val="0"/>
+              </a:ext>
+            </a:extLst>
+          </a:blip>
+          <a:srcRect l="4412" r="4099" b="1"/>
+          <a:stretch/>
+        </p:blipFill>
+        <p:spPr bwMode="auto">
+          <a:xfrm>
+            <a:off x="654273" y="2019785"/>
+            <a:ext cx="1781029" cy="1781030"/>
+          </a:xfrm>
+          <a:custGeom>
+            <a:avLst/>
+            <a:gdLst/>
+            <a:ahLst/>
+            <a:cxnLst/>
+            <a:rect l="l" t="t" r="r" b="b"/>
+            <a:pathLst>
+              <a:path w="4627646" h="4627648">
+                <a:moveTo>
+                  <a:pt x="2313823" y="0"/>
+                </a:moveTo>
+                <a:cubicBezTo>
+                  <a:pt x="3591712" y="0"/>
+                  <a:pt x="4627646" y="1035934"/>
+                  <a:pt x="4627646" y="2313824"/>
+                </a:cubicBezTo>
+                <a:cubicBezTo>
+                  <a:pt x="4627646" y="3591714"/>
+                  <a:pt x="3591712" y="4627648"/>
+                  <a:pt x="2313823" y="4627648"/>
+                </a:cubicBezTo>
+                <a:cubicBezTo>
+                  <a:pt x="1035934" y="4627648"/>
+                  <a:pt x="0" y="3591714"/>
+                  <a:pt x="0" y="2313824"/>
+                </a:cubicBezTo>
+                <a:cubicBezTo>
+                  <a:pt x="0" y="1035934"/>
+                  <a:pt x="1035934" y="0"/>
+                  <a:pt x="2313823" y="0"/>
+                </a:cubicBezTo>
+                <a:close/>
+              </a:path>
+            </a:pathLst>
+          </a:custGeom>
+          <a:noFill/>
+          <a:extLst>
+            <a:ext uri="{909E8E84-426E-40DD-AFC4-6F175D3DCCD1}">
+              <a14:hiddenFill xmlns:a14="http://schemas.microsoft.com/office/drawing/2010/main">
+                <a:solidFill>
+                  <a:srgbClr val="FFFFFF"/>
+                </a:solidFill>
+              </a14:hiddenFill>
+            </a:ext>
+          </a:extLst>
+        </p:spPr>
+      </p:pic>
+      <p:sp>
+        <p:nvSpPr>
+          <p:cNvPr id="3" name="TextBox 2">
+            <a:extLst>
+              <a:ext uri="{FF2B5EF4-FFF2-40B4-BE49-F238E27FC236}">
+                <a16:creationId xmlns:a16="http://schemas.microsoft.com/office/drawing/2014/main" id="{9FD43EEF-BDFA-3BFB-6E12-87014DC19AF6}"/>
+              </a:ext>
+            </a:extLst>
+          </p:cNvPr>
+          <p:cNvSpPr txBox="1"/>
+          <p:nvPr/>
+        </p:nvSpPr>
+        <p:spPr>
+          <a:xfrm>
+            <a:off x="2904309" y="2381793"/>
+            <a:ext cx="5290457" cy="923330"/>
+          </a:xfrm>
+          <a:prstGeom prst="rect">
+            <a:avLst/>
+          </a:prstGeom>
+          <a:noFill/>
+        </p:spPr>
+        <p:txBody>
+          <a:bodyPr wrap="square" rtlCol="0">
+            <a:spAutoFit/>
+          </a:bodyPr>
+          <a:lstStyle/>
+          <a:p>
+            <a:r>
+              <a:rPr lang="ko-KR" altLang="en-US" dirty="0"/>
+              <a:t>역할 </a:t>
+            </a:r>
+            <a:r>
+              <a:rPr lang="en-US" altLang="ko-KR" dirty="0"/>
+              <a:t>: </a:t>
+            </a:r>
+            <a:r>
+              <a:rPr lang="ko-KR" altLang="en-US" dirty="0"/>
+              <a:t>주니어 개발자</a:t>
+            </a:r>
+            <a:endParaRPr lang="en-US" altLang="ko-KR" dirty="0"/>
+          </a:p>
+          <a:p>
+            <a:r>
+              <a:rPr lang="ko-KR" altLang="en-US" dirty="0"/>
+              <a:t>접근 가능한 데이터 베이스 </a:t>
+            </a:r>
+            <a:r>
+              <a:rPr lang="en-US" altLang="ko-KR" dirty="0"/>
+              <a:t>: </a:t>
+            </a:r>
+            <a:r>
+              <a:rPr lang="en-US" altLang="ko-KR" dirty="0" err="1"/>
+              <a:t>simcoding</a:t>
+            </a:r>
+            <a:endParaRPr lang="en-US" altLang="ko-KR" dirty="0"/>
+          </a:p>
+          <a:p>
+            <a:r>
+              <a:rPr lang="ko-KR" altLang="en-US" dirty="0"/>
+              <a:t>가능한 연산 목록 </a:t>
+            </a:r>
+            <a:r>
+              <a:rPr lang="en-US" altLang="ko-KR" dirty="0"/>
+              <a:t>:select, insert</a:t>
+            </a:r>
+            <a:endParaRPr lang="en-GB" dirty="0"/>
+          </a:p>
+        </p:txBody>
+      </p:sp>
+      <p:pic>
+        <p:nvPicPr>
+          <p:cNvPr id="11" name="Picture 10">
+            <a:extLst>
+              <a:ext uri="{FF2B5EF4-FFF2-40B4-BE49-F238E27FC236}">
+                <a16:creationId xmlns:a16="http://schemas.microsoft.com/office/drawing/2014/main" id="{AC677D44-E466-68EB-D7BB-3B2B8174C746}"/>
+              </a:ext>
+            </a:extLst>
+          </p:cNvPr>
+          <p:cNvPicPr>
+            <a:picLocks noChangeAspect="1"/>
+          </p:cNvPicPr>
+          <p:nvPr/>
+        </p:nvPicPr>
+        <p:blipFill>
+          <a:blip r:embed="rId3"/>
+          <a:stretch>
+            <a:fillRect/>
+          </a:stretch>
+        </p:blipFill>
+        <p:spPr>
+          <a:xfrm>
+            <a:off x="1063774" y="4765902"/>
+            <a:ext cx="1266825" cy="1114425"/>
+          </a:xfrm>
+          <a:prstGeom prst="rect">
+            <a:avLst/>
+          </a:prstGeom>
+        </p:spPr>
+      </p:pic>
+      <p:sp>
+        <p:nvSpPr>
+          <p:cNvPr id="12" name="TextBox 11">
+            <a:extLst>
+              <a:ext uri="{FF2B5EF4-FFF2-40B4-BE49-F238E27FC236}">
+                <a16:creationId xmlns:a16="http://schemas.microsoft.com/office/drawing/2014/main" id="{016AAC33-251C-3BA4-12FE-5B9BD4DD3412}"/>
+              </a:ext>
+            </a:extLst>
+          </p:cNvPr>
+          <p:cNvSpPr txBox="1"/>
+          <p:nvPr/>
+        </p:nvSpPr>
+        <p:spPr>
+          <a:xfrm>
+            <a:off x="3056709" y="5029200"/>
+            <a:ext cx="3180805" cy="369332"/>
+          </a:xfrm>
+          <a:prstGeom prst="rect">
+            <a:avLst/>
+          </a:prstGeom>
+          <a:noFill/>
+        </p:spPr>
+        <p:txBody>
+          <a:bodyPr wrap="square" rtlCol="0">
+            <a:spAutoFit/>
+          </a:bodyPr>
+          <a:lstStyle/>
+          <a:p>
+            <a:r>
+              <a:rPr lang="ko-KR" altLang="en-US" dirty="0"/>
+              <a:t>권한</a:t>
             </a:r>
             <a:r>
               <a:rPr lang="en-US" altLang="ko-KR" dirty="0"/>
@@ -9641,15 +10505,128 @@
             </a:r>
             <a:r>
               <a:rPr lang="ko-KR" altLang="en-US" dirty="0"/>
-              <a:t>이름 </a:t>
-            </a:r>
-            <a:r>
-              <a:rPr lang="en-US" altLang="ko-KR" dirty="0"/>
-              <a:t>from employee : </a:t>
-            </a:r>
-            <a:r>
-              <a:rPr lang="ko-KR" altLang="en-US" dirty="0"/>
-              <a:t>모든 행 데이터 중</a:t>
+              <a:t>역할 </a:t>
+            </a:r>
+            <a:r>
+              <a:rPr lang="en-US" altLang="ko-KR" dirty="0"/>
+              <a:t>: </a:t>
+            </a:r>
+            <a:r>
+              <a:rPr lang="ko-KR" altLang="en-US" dirty="0"/>
+              <a:t>시니어 개발자</a:t>
+            </a:r>
+            <a:endParaRPr lang="en-GB" dirty="0"/>
+          </a:p>
+        </p:txBody>
+      </p:sp>
+      <p:pic>
+        <p:nvPicPr>
+          <p:cNvPr id="13" name="Picture 2" descr="Corporate User icon PNG and SVG Vector ...">
+            <a:extLst>
+              <a:ext uri="{FF2B5EF4-FFF2-40B4-BE49-F238E27FC236}">
+                <a16:creationId xmlns:a16="http://schemas.microsoft.com/office/drawing/2014/main" id="{C43DF12A-A310-C2CB-AF52-8634033D5F5C}"/>
+              </a:ext>
+            </a:extLst>
+          </p:cNvPr>
+          <p:cNvPicPr>
+            <a:picLocks noChangeAspect="1" noChangeArrowheads="1"/>
+          </p:cNvPicPr>
+          <p:nvPr/>
+        </p:nvPicPr>
+        <p:blipFill>
+          <a:blip r:embed="rId2">
+            <a:extLst>
+              <a:ext uri="{28A0092B-C50C-407E-A947-70E740481C1C}">
+                <a14:useLocalDpi xmlns:a14="http://schemas.microsoft.com/office/drawing/2010/main" val="0"/>
+              </a:ext>
+            </a:extLst>
+          </a:blip>
+          <a:srcRect l="4412" r="4099" b="1"/>
+          <a:stretch/>
+        </p:blipFill>
+        <p:spPr bwMode="auto">
+          <a:xfrm>
+            <a:off x="1278086" y="6150429"/>
+            <a:ext cx="838200" cy="838200"/>
+          </a:xfrm>
+          <a:custGeom>
+            <a:avLst/>
+            <a:gdLst/>
+            <a:ahLst/>
+            <a:cxnLst/>
+            <a:rect l="l" t="t" r="r" b="b"/>
+            <a:pathLst>
+              <a:path w="4627646" h="4627648">
+                <a:moveTo>
+                  <a:pt x="2313823" y="0"/>
+                </a:moveTo>
+                <a:cubicBezTo>
+                  <a:pt x="3591712" y="0"/>
+                  <a:pt x="4627646" y="1035934"/>
+                  <a:pt x="4627646" y="2313824"/>
+                </a:cubicBezTo>
+                <a:cubicBezTo>
+                  <a:pt x="4627646" y="3591714"/>
+                  <a:pt x="3591712" y="4627648"/>
+                  <a:pt x="2313823" y="4627648"/>
+                </a:cubicBezTo>
+                <a:cubicBezTo>
+                  <a:pt x="1035934" y="4627648"/>
+                  <a:pt x="0" y="3591714"/>
+                  <a:pt x="0" y="2313824"/>
+                </a:cubicBezTo>
+                <a:cubicBezTo>
+                  <a:pt x="0" y="1035934"/>
+                  <a:pt x="1035934" y="0"/>
+                  <a:pt x="2313823" y="0"/>
+                </a:cubicBezTo>
+                <a:close/>
+              </a:path>
+            </a:pathLst>
+          </a:custGeom>
+          <a:noFill/>
+          <a:extLst>
+            <a:ext uri="{909E8E84-426E-40DD-AFC4-6F175D3DCCD1}">
+              <a14:hiddenFill xmlns:a14="http://schemas.microsoft.com/office/drawing/2010/main">
+                <a:solidFill>
+                  <a:srgbClr val="FFFFFF"/>
+                </a:solidFill>
+              </a14:hiddenFill>
+            </a:ext>
+          </a:extLst>
+        </p:spPr>
+      </p:pic>
+      <p:sp>
+        <p:nvSpPr>
+          <p:cNvPr id="14" name="TextBox 13">
+            <a:extLst>
+              <a:ext uri="{FF2B5EF4-FFF2-40B4-BE49-F238E27FC236}">
+                <a16:creationId xmlns:a16="http://schemas.microsoft.com/office/drawing/2014/main" id="{4ACDFA5A-E22F-19AD-0E8A-E73E40211CDF}"/>
+              </a:ext>
+            </a:extLst>
+          </p:cNvPr>
+          <p:cNvSpPr txBox="1"/>
+          <p:nvPr/>
+        </p:nvSpPr>
+        <p:spPr>
+          <a:xfrm>
+            <a:off x="2587702" y="6384863"/>
+            <a:ext cx="3180805" cy="369332"/>
+          </a:xfrm>
+          <a:prstGeom prst="rect">
+            <a:avLst/>
+          </a:prstGeom>
+          <a:noFill/>
+        </p:spPr>
+        <p:txBody>
+          <a:bodyPr wrap="square" rtlCol="0">
+            <a:spAutoFit/>
+          </a:bodyPr>
+          <a:lstStyle/>
+          <a:p>
+            <a:r>
+              <a:rPr lang="ko-KR" altLang="en-US" dirty="0"/>
+              <a:t>권한</a:t>
             </a:r>
             <a:r>
               <a:rPr lang="en-US" altLang="ko-KR" dirty="0"/>
@@ -9657,59 +10634,24 @@
             </a:r>
             <a:r>
               <a:rPr lang="ko-KR" altLang="en-US" dirty="0"/>
-              <a:t>사원번호</a:t>
-            </a:r>
-            <a:r>
-              <a:rPr lang="en-US" altLang="ko-KR" dirty="0"/>
-              <a:t>, </a:t>
-            </a:r>
-            <a:r>
-              <a:rPr lang="ko-KR" altLang="en-US" dirty="0"/>
-              <a:t>이름만 조회</a:t>
-            </a:r>
-            <a:endParaRPr lang="en-US" altLang="ko-KR" dirty="0"/>
-          </a:p>
-          <a:p>
-            <a:r>
-              <a:rPr lang="ko-KR" altLang="en-US" dirty="0"/>
-              <a:t>도전 과제</a:t>
-            </a:r>
-            <a:endParaRPr lang="en-US" altLang="ko-KR" dirty="0"/>
-          </a:p>
-          <a:p>
-            <a:pPr lvl="1"/>
-            <a:r>
-              <a:rPr lang="en-US" altLang="ko-KR" dirty="0"/>
-              <a:t>Employee </a:t>
-            </a:r>
-            <a:r>
-              <a:rPr lang="ko-KR" altLang="en-US" dirty="0"/>
-              <a:t>테이블에서</a:t>
-            </a:r>
-            <a:r>
-              <a:rPr lang="en-US" altLang="ko-KR" dirty="0"/>
-              <a:t>, </a:t>
-            </a:r>
-            <a:r>
-              <a:rPr lang="ko-KR" altLang="en-US" dirty="0"/>
-              <a:t>사원의 전체 이름과 입사일자 조회</a:t>
-            </a:r>
-            <a:endParaRPr lang="en-US" altLang="ko-KR" dirty="0"/>
-          </a:p>
-          <a:p>
-            <a:pPr lvl="1"/>
-            <a:endParaRPr lang="en-US" altLang="ko-KR" dirty="0"/>
-          </a:p>
-          <a:p>
-            <a:pPr lvl="1"/>
-            <a:endParaRPr lang="en-GB" altLang="ko-KR" dirty="0"/>
+              <a:t>역할 </a:t>
+            </a:r>
+            <a:r>
+              <a:rPr lang="en-US" altLang="ko-KR" dirty="0"/>
+              <a:t>: </a:t>
+            </a:r>
+            <a:r>
+              <a:rPr lang="ko-KR" altLang="en-US" dirty="0"/>
+              <a:t>시니어 개발자</a:t>
+            </a:r>
+            <a:endParaRPr lang="en-GB" dirty="0"/>
           </a:p>
         </p:txBody>
       </p:sp>
     </p:spTree>
     <p:extLst>
       <p:ext uri="{BB962C8B-B14F-4D97-AF65-F5344CB8AC3E}">
-        <p14:creationId xmlns:p14="http://schemas.microsoft.com/office/powerpoint/2010/main" val="2911914519"/>
+        <p14:creationId xmlns:p14="http://schemas.microsoft.com/office/powerpoint/2010/main" val="1512959782"/>
       </p:ext>
     </p:extLst>
   </p:cSld>
@@ -9741,6 +10683,347 @@
           <p:cNvPr id="2" name="Title 1">
             <a:extLst>
               <a:ext uri="{FF2B5EF4-FFF2-40B4-BE49-F238E27FC236}">
+                <a16:creationId xmlns:a16="http://schemas.microsoft.com/office/drawing/2014/main" id="{8995FC2E-6E15-1FEF-519C-7C4ED2BCE56C}"/>
+              </a:ext>
+            </a:extLst>
+          </p:cNvPr>
+          <p:cNvSpPr>
+            <a:spLocks noGrp="1"/>
+          </p:cNvSpPr>
+          <p:nvPr>
+            <p:ph type="title"/>
+          </p:nvPr>
+        </p:nvSpPr>
+        <p:spPr/>
+        <p:txBody>
+          <a:bodyPr/>
+          <a:lstStyle/>
+          <a:p>
+            <a:r>
+              <a:rPr lang="en-GB" dirty="0"/>
+              <a:t>DML</a:t>
+            </a:r>
+          </a:p>
+        </p:txBody>
+      </p:sp>
+      <p:sp>
+        <p:nvSpPr>
+          <p:cNvPr id="3" name="Content Placeholder 2">
+            <a:extLst>
+              <a:ext uri="{FF2B5EF4-FFF2-40B4-BE49-F238E27FC236}">
+                <a16:creationId xmlns:a16="http://schemas.microsoft.com/office/drawing/2014/main" id="{FBC80DFD-2C13-9466-0D25-7505AB7E43C5}"/>
+              </a:ext>
+            </a:extLst>
+          </p:cNvPr>
+          <p:cNvSpPr>
+            <a:spLocks noGrp="1"/>
+          </p:cNvSpPr>
+          <p:nvPr>
+            <p:ph idx="1"/>
+          </p:nvPr>
+        </p:nvSpPr>
+        <p:spPr/>
+        <p:txBody>
+          <a:bodyPr>
+            <a:normAutofit/>
+          </a:bodyPr>
+          <a:lstStyle/>
+          <a:p>
+            <a:r>
+              <a:rPr lang="en-GB" dirty="0"/>
+              <a:t>Create</a:t>
+            </a:r>
+            <a:endParaRPr lang="en-GB" altLang="ko-KR" dirty="0"/>
+          </a:p>
+          <a:p>
+            <a:pPr lvl="1"/>
+            <a:r>
+              <a:rPr lang="en-GB" altLang="ko-KR" dirty="0"/>
+              <a:t>Insert</a:t>
+            </a:r>
+            <a:endParaRPr lang="en-GB" dirty="0"/>
+          </a:p>
+          <a:p>
+            <a:r>
+              <a:rPr lang="en-GB" dirty="0"/>
+              <a:t>Delete</a:t>
+            </a:r>
+          </a:p>
+          <a:p>
+            <a:pPr lvl="1"/>
+            <a:r>
+              <a:rPr lang="en-GB" dirty="0"/>
+              <a:t>delete</a:t>
+            </a:r>
+          </a:p>
+          <a:p>
+            <a:r>
+              <a:rPr lang="en-GB" dirty="0"/>
+              <a:t>Update</a:t>
+            </a:r>
+          </a:p>
+          <a:p>
+            <a:pPr lvl="1"/>
+            <a:r>
+              <a:rPr lang="en-GB" dirty="0"/>
+              <a:t>update</a:t>
+            </a:r>
+          </a:p>
+          <a:p>
+            <a:r>
+              <a:rPr lang="en-GB" dirty="0"/>
+              <a:t>Read</a:t>
+            </a:r>
+          </a:p>
+          <a:p>
+            <a:pPr lvl="1"/>
+            <a:r>
+              <a:rPr lang="en-GB" dirty="0"/>
+              <a:t>Select</a:t>
+            </a:r>
+          </a:p>
+          <a:p>
+            <a:pPr lvl="1"/>
+            <a:endParaRPr lang="en-GB" dirty="0"/>
+          </a:p>
+        </p:txBody>
+      </p:sp>
+    </p:spTree>
+    <p:extLst>
+      <p:ext uri="{BB962C8B-B14F-4D97-AF65-F5344CB8AC3E}">
+        <p14:creationId xmlns:p14="http://schemas.microsoft.com/office/powerpoint/2010/main" val="3441760718"/>
+      </p:ext>
+    </p:extLst>
+  </p:cSld>
+  <p:clrMapOvr>
+    <a:masterClrMapping/>
+  </p:clrMapOvr>
+</p:sld>
+</file>
+
+<file path=ppt/slides/slide28.xml><?xml version="1.0" encoding="utf-8"?>
+<p:sld xmlns:a="http://schemas.openxmlformats.org/drawingml/2006/main" xmlns:r="http://schemas.openxmlformats.org/officeDocument/2006/relationships" xmlns:p="http://schemas.openxmlformats.org/presentationml/2006/main">
+  <p:cSld>
+    <p:spTree>
+      <p:nvGrpSpPr>
+        <p:cNvPr id="1" name=""/>
+        <p:cNvGrpSpPr/>
+        <p:nvPr/>
+      </p:nvGrpSpPr>
+      <p:grpSpPr>
+        <a:xfrm>
+          <a:off x="0" y="0"/>
+          <a:ext cx="0" cy="0"/>
+          <a:chOff x="0" y="0"/>
+          <a:chExt cx="0" cy="0"/>
+        </a:xfrm>
+      </p:grpSpPr>
+      <p:sp>
+        <p:nvSpPr>
+          <p:cNvPr id="2" name="Title 1">
+            <a:extLst>
+              <a:ext uri="{FF2B5EF4-FFF2-40B4-BE49-F238E27FC236}">
+                <a16:creationId xmlns:a16="http://schemas.microsoft.com/office/drawing/2014/main" id="{75F63D42-401D-28D0-D9D5-56A645B7539D}"/>
+              </a:ext>
+            </a:extLst>
+          </p:cNvPr>
+          <p:cNvSpPr>
+            <a:spLocks noGrp="1"/>
+          </p:cNvSpPr>
+          <p:nvPr>
+            <p:ph type="title"/>
+          </p:nvPr>
+        </p:nvSpPr>
+        <p:spPr/>
+        <p:txBody>
+          <a:bodyPr/>
+          <a:lstStyle/>
+          <a:p>
+            <a:r>
+              <a:rPr lang="en-GB" dirty="0"/>
+              <a:t>Read – select(1/3)</a:t>
+            </a:r>
+          </a:p>
+        </p:txBody>
+      </p:sp>
+      <p:sp>
+        <p:nvSpPr>
+          <p:cNvPr id="3" name="Content Placeholder 2">
+            <a:extLst>
+              <a:ext uri="{FF2B5EF4-FFF2-40B4-BE49-F238E27FC236}">
+                <a16:creationId xmlns:a16="http://schemas.microsoft.com/office/drawing/2014/main" id="{B16412EA-9B89-D15D-8CF8-8EDD21B1A57E}"/>
+              </a:ext>
+            </a:extLst>
+          </p:cNvPr>
+          <p:cNvSpPr>
+            <a:spLocks noGrp="1"/>
+          </p:cNvSpPr>
+          <p:nvPr>
+            <p:ph idx="1"/>
+          </p:nvPr>
+        </p:nvSpPr>
+        <p:spPr/>
+        <p:txBody>
+          <a:bodyPr/>
+          <a:lstStyle/>
+          <a:p>
+            <a:r>
+              <a:rPr lang="en-GB" dirty="0"/>
+              <a:t>Select (</a:t>
+            </a:r>
+            <a:r>
+              <a:rPr lang="ko-KR" altLang="en-US" dirty="0"/>
+              <a:t>가져올 칼럼</a:t>
+            </a:r>
+            <a:r>
+              <a:rPr lang="en-US" altLang="ko-KR" dirty="0"/>
+              <a:t>) from (</a:t>
+            </a:r>
+            <a:r>
+              <a:rPr lang="ko-KR" altLang="en-US" dirty="0"/>
+              <a:t>데이터베이스</a:t>
+            </a:r>
+            <a:r>
+              <a:rPr lang="en-US" altLang="ko-KR" dirty="0"/>
+              <a:t>).(</a:t>
+            </a:r>
+            <a:r>
+              <a:rPr lang="ko-KR" altLang="en-US" dirty="0"/>
+              <a:t>테이블 명</a:t>
+            </a:r>
+            <a:r>
+              <a:rPr lang="en-US" altLang="ko-KR" dirty="0"/>
+              <a:t>)</a:t>
+            </a:r>
+          </a:p>
+          <a:p>
+            <a:pPr lvl="1"/>
+            <a:r>
+              <a:rPr lang="en-US" altLang="ko-KR" dirty="0"/>
+              <a:t>Select * from employee : </a:t>
+            </a:r>
+            <a:r>
+              <a:rPr lang="ko-KR" altLang="en-US" dirty="0"/>
+              <a:t>테이블의 모든 행 조회</a:t>
+            </a:r>
+            <a:endParaRPr lang="en-US" altLang="ko-KR" dirty="0"/>
+          </a:p>
+          <a:p>
+            <a:pPr lvl="1"/>
+            <a:r>
+              <a:rPr lang="en-US" altLang="ko-KR" dirty="0"/>
+              <a:t>Select </a:t>
+            </a:r>
+            <a:r>
+              <a:rPr lang="ko-KR" altLang="en-US" dirty="0"/>
+              <a:t>사원번호</a:t>
+            </a:r>
+            <a:r>
+              <a:rPr lang="en-US" altLang="ko-KR" dirty="0"/>
+              <a:t>, </a:t>
+            </a:r>
+            <a:r>
+              <a:rPr lang="ko-KR" altLang="en-US" dirty="0"/>
+              <a:t>이름 </a:t>
+            </a:r>
+            <a:r>
+              <a:rPr lang="en-US" altLang="ko-KR" dirty="0"/>
+              <a:t>from employee : </a:t>
+            </a:r>
+            <a:r>
+              <a:rPr lang="ko-KR" altLang="en-US" dirty="0"/>
+              <a:t>모든 행 데이터 중</a:t>
+            </a:r>
+            <a:r>
+              <a:rPr lang="en-US" altLang="ko-KR" dirty="0"/>
+              <a:t>, </a:t>
+            </a:r>
+            <a:r>
+              <a:rPr lang="ko-KR" altLang="en-US" dirty="0"/>
+              <a:t>사원번호</a:t>
+            </a:r>
+            <a:r>
+              <a:rPr lang="en-US" altLang="ko-KR" dirty="0"/>
+              <a:t>, </a:t>
+            </a:r>
+            <a:r>
+              <a:rPr lang="ko-KR" altLang="en-US" dirty="0"/>
+              <a:t>이름만 조회</a:t>
+            </a:r>
+            <a:endParaRPr lang="en-US" altLang="ko-KR" dirty="0"/>
+          </a:p>
+          <a:p>
+            <a:r>
+              <a:rPr lang="ko-KR" altLang="en-US" dirty="0"/>
+              <a:t>도전 과제</a:t>
+            </a:r>
+            <a:endParaRPr lang="en-US" altLang="ko-KR" dirty="0"/>
+          </a:p>
+          <a:p>
+            <a:pPr lvl="1"/>
+            <a:r>
+              <a:rPr lang="en-US" altLang="ko-KR" dirty="0"/>
+              <a:t>Employee </a:t>
+            </a:r>
+            <a:r>
+              <a:rPr lang="ko-KR" altLang="en-US" dirty="0"/>
+              <a:t>테이블에서</a:t>
+            </a:r>
+            <a:r>
+              <a:rPr lang="en-US" altLang="ko-KR" dirty="0"/>
+              <a:t>, </a:t>
+            </a:r>
+            <a:r>
+              <a:rPr lang="ko-KR" altLang="en-US" dirty="0"/>
+              <a:t>사원의 전체 이름과 입사일자 조회</a:t>
+            </a:r>
+            <a:endParaRPr lang="en-US" altLang="ko-KR" dirty="0"/>
+          </a:p>
+          <a:p>
+            <a:pPr lvl="1"/>
+            <a:endParaRPr lang="en-US" altLang="ko-KR" dirty="0"/>
+          </a:p>
+          <a:p>
+            <a:pPr lvl="1"/>
+            <a:endParaRPr lang="en-GB" altLang="ko-KR" dirty="0"/>
+          </a:p>
+        </p:txBody>
+      </p:sp>
+    </p:spTree>
+    <p:extLst>
+      <p:ext uri="{BB962C8B-B14F-4D97-AF65-F5344CB8AC3E}">
+        <p14:creationId xmlns:p14="http://schemas.microsoft.com/office/powerpoint/2010/main" val="2911914519"/>
+      </p:ext>
+    </p:extLst>
+  </p:cSld>
+  <p:clrMapOvr>
+    <a:masterClrMapping/>
+  </p:clrMapOvr>
+</p:sld>
+</file>
+
+<file path=ppt/slides/slide29.xml><?xml version="1.0" encoding="utf-8"?>
+<p:sld xmlns:a="http://schemas.openxmlformats.org/drawingml/2006/main" xmlns:r="http://schemas.openxmlformats.org/officeDocument/2006/relationships" xmlns:p="http://schemas.openxmlformats.org/presentationml/2006/main">
+  <p:cSld>
+    <p:spTree>
+      <p:nvGrpSpPr>
+        <p:cNvPr id="1" name=""/>
+        <p:cNvGrpSpPr/>
+        <p:nvPr/>
+      </p:nvGrpSpPr>
+      <p:grpSpPr>
+        <a:xfrm>
+          <a:off x="0" y="0"/>
+          <a:ext cx="0" cy="0"/>
+          <a:chOff x="0" y="0"/>
+          <a:chExt cx="0" cy="0"/>
+        </a:xfrm>
+      </p:grpSpPr>
+      <p:sp>
+        <p:nvSpPr>
+          <p:cNvPr id="2" name="Title 1">
+            <a:extLst>
+              <a:ext uri="{FF2B5EF4-FFF2-40B4-BE49-F238E27FC236}">
                 <a16:creationId xmlns:a16="http://schemas.microsoft.com/office/drawing/2014/main" id="{7B2BE612-C8D1-BF94-0F0E-845EFF692B39}"/>
               </a:ext>
             </a:extLst>
@@ -9939,7 +11222,231 @@
 </p:sld>
 </file>
 
-<file path=ppt/slides/slide28.xml><?xml version="1.0" encoding="utf-8"?>
+<file path=ppt/slides/slide3.xml><?xml version="1.0" encoding="utf-8"?>
+<p:sld xmlns:a="http://schemas.openxmlformats.org/drawingml/2006/main" xmlns:r="http://schemas.openxmlformats.org/officeDocument/2006/relationships" xmlns:p="http://schemas.openxmlformats.org/presentationml/2006/main">
+  <p:cSld>
+    <p:spTree>
+      <p:nvGrpSpPr>
+        <p:cNvPr id="1" name=""/>
+        <p:cNvGrpSpPr/>
+        <p:nvPr/>
+      </p:nvGrpSpPr>
+      <p:grpSpPr>
+        <a:xfrm>
+          <a:off x="0" y="0"/>
+          <a:ext cx="0" cy="0"/>
+          <a:chOff x="0" y="0"/>
+          <a:chExt cx="0" cy="0"/>
+        </a:xfrm>
+      </p:grpSpPr>
+      <p:sp>
+        <p:nvSpPr>
+          <p:cNvPr id="2" name="Title 1">
+            <a:extLst>
+              <a:ext uri="{FF2B5EF4-FFF2-40B4-BE49-F238E27FC236}">
+                <a16:creationId xmlns:a16="http://schemas.microsoft.com/office/drawing/2014/main" id="{D59091C9-6C4C-94BE-F89C-0882EF9E335F}"/>
+              </a:ext>
+            </a:extLst>
+          </p:cNvPr>
+          <p:cNvSpPr>
+            <a:spLocks noGrp="1"/>
+          </p:cNvSpPr>
+          <p:nvPr>
+            <p:ph type="title"/>
+          </p:nvPr>
+        </p:nvSpPr>
+        <p:spPr/>
+        <p:txBody>
+          <a:bodyPr/>
+          <a:lstStyle/>
+          <a:p>
+            <a:r>
+              <a:rPr lang="en-GB" dirty="0"/>
+              <a:t>SQL</a:t>
+            </a:r>
+            <a:r>
+              <a:rPr lang="ko-KR" altLang="en-US" dirty="0"/>
+              <a:t>이란</a:t>
+            </a:r>
+            <a:r>
+              <a:rPr lang="en-US" altLang="ko-KR" dirty="0"/>
+              <a:t>?</a:t>
+            </a:r>
+            <a:endParaRPr lang="en-GB" dirty="0"/>
+          </a:p>
+        </p:txBody>
+      </p:sp>
+      <p:sp>
+        <p:nvSpPr>
+          <p:cNvPr id="3" name="Content Placeholder 2">
+            <a:extLst>
+              <a:ext uri="{FF2B5EF4-FFF2-40B4-BE49-F238E27FC236}">
+                <a16:creationId xmlns:a16="http://schemas.microsoft.com/office/drawing/2014/main" id="{5A0DEB98-ED77-B73B-8A89-7BD52C446A52}"/>
+              </a:ext>
+            </a:extLst>
+          </p:cNvPr>
+          <p:cNvSpPr>
+            <a:spLocks noGrp="1"/>
+          </p:cNvSpPr>
+          <p:nvPr>
+            <p:ph idx="1"/>
+          </p:nvPr>
+        </p:nvSpPr>
+        <p:spPr/>
+        <p:txBody>
+          <a:bodyPr/>
+          <a:lstStyle/>
+          <a:p>
+            <a:r>
+              <a:rPr lang="en-GB" dirty="0"/>
+              <a:t>Structured Query Language</a:t>
+            </a:r>
+            <a:r>
+              <a:rPr lang="ko-KR" altLang="en-US" dirty="0"/>
+              <a:t>의 약자로</a:t>
+            </a:r>
+            <a:r>
+              <a:rPr lang="en-US" altLang="ko-KR" dirty="0"/>
+              <a:t>, </a:t>
+            </a:r>
+            <a:r>
+              <a:rPr lang="ko-KR" altLang="en-US" dirty="0"/>
+              <a:t>주로 </a:t>
+            </a:r>
+            <a:r>
+              <a:rPr lang="en-US" altLang="ko-KR" dirty="0"/>
+              <a:t>RDBMS </a:t>
+            </a:r>
+            <a:r>
+              <a:rPr lang="ko-KR" altLang="en-US" dirty="0"/>
+              <a:t>상의 데이터를 관리하고</a:t>
+            </a:r>
+            <a:r>
+              <a:rPr lang="en-US" altLang="ko-KR" dirty="0"/>
+              <a:t>, </a:t>
+            </a:r>
+            <a:r>
+              <a:rPr lang="ko-KR" altLang="en-US" dirty="0"/>
+              <a:t>사용하기 위하여 사용하는 프로그래밍 언어</a:t>
+            </a:r>
+            <a:endParaRPr lang="en-US" altLang="ko-KR" dirty="0"/>
+          </a:p>
+          <a:p>
+            <a:r>
+              <a:rPr lang="en-US" altLang="ko-KR" dirty="0"/>
+              <a:t>SQL </a:t>
+            </a:r>
+            <a:r>
+              <a:rPr lang="ko-KR" altLang="en-US" dirty="0"/>
+              <a:t>종류</a:t>
+            </a:r>
+            <a:endParaRPr lang="en-US" altLang="ko-KR" dirty="0"/>
+          </a:p>
+          <a:p>
+            <a:pPr lvl="1"/>
+            <a:r>
+              <a:rPr lang="en-US" altLang="ko-KR" dirty="0"/>
+              <a:t>DML (Data Manipulation Language): </a:t>
+            </a:r>
+            <a:r>
+              <a:rPr lang="ko-KR" altLang="en-US" dirty="0"/>
+              <a:t>데이터 저장</a:t>
+            </a:r>
+            <a:r>
+              <a:rPr lang="en-US" altLang="ko-KR" dirty="0"/>
+              <a:t>, </a:t>
+            </a:r>
+            <a:r>
+              <a:rPr lang="ko-KR" altLang="en-US" dirty="0"/>
+              <a:t>삭제</a:t>
+            </a:r>
+            <a:r>
+              <a:rPr lang="en-US" altLang="ko-KR" dirty="0"/>
+              <a:t>, </a:t>
+            </a:r>
+            <a:r>
+              <a:rPr lang="ko-KR" altLang="en-US" dirty="0"/>
+              <a:t>변경</a:t>
+            </a:r>
+            <a:r>
+              <a:rPr lang="en-US" altLang="ko-KR" dirty="0"/>
+              <a:t>, </a:t>
+            </a:r>
+            <a:r>
+              <a:rPr lang="ko-KR" altLang="en-US" dirty="0"/>
+              <a:t>검색 등</a:t>
+            </a:r>
+            <a:endParaRPr lang="en-US" altLang="ko-KR" dirty="0"/>
+          </a:p>
+          <a:p>
+            <a:pPr lvl="1"/>
+            <a:r>
+              <a:rPr lang="en-US" altLang="ko-KR" dirty="0"/>
+              <a:t>DDL (Data Definition Language): </a:t>
+            </a:r>
+            <a:r>
+              <a:rPr lang="ko-KR" altLang="en-US" sz="2000" dirty="0"/>
+              <a:t>테이블 정의</a:t>
+            </a:r>
+            <a:r>
+              <a:rPr lang="en-US" altLang="ko-KR" sz="2000" dirty="0"/>
+              <a:t>, </a:t>
+            </a:r>
+            <a:r>
+              <a:rPr lang="ko-KR" altLang="en-US" sz="2000" dirty="0"/>
+              <a:t>테이블 수정</a:t>
+            </a:r>
+            <a:r>
+              <a:rPr lang="en-US" altLang="ko-KR" sz="2000" dirty="0"/>
+              <a:t>, Database </a:t>
+            </a:r>
+            <a:r>
+              <a:rPr lang="ko-KR" altLang="en-US" sz="2000" dirty="0"/>
+              <a:t>생성 등</a:t>
+            </a:r>
+            <a:endParaRPr lang="en-US" altLang="ko-KR" dirty="0"/>
+          </a:p>
+          <a:p>
+            <a:pPr lvl="1"/>
+            <a:r>
+              <a:rPr lang="en-US" altLang="ko-KR" dirty="0"/>
+              <a:t>DCL (Data Control Language): </a:t>
+            </a:r>
+            <a:r>
+              <a:rPr lang="ko-KR" altLang="en-US" dirty="0"/>
+              <a:t>유저 권한 설정 등</a:t>
+            </a:r>
+            <a:endParaRPr lang="en-US" altLang="ko-KR" dirty="0"/>
+          </a:p>
+          <a:p>
+            <a:pPr marL="457200" lvl="1" indent="0">
+              <a:buNone/>
+            </a:pPr>
+            <a:endParaRPr lang="en-US" altLang="ko-KR" dirty="0"/>
+          </a:p>
+          <a:p>
+            <a:pPr lvl="1"/>
+            <a:endParaRPr lang="en-US" altLang="ko-KR" dirty="0"/>
+          </a:p>
+          <a:p>
+            <a:endParaRPr lang="en-GB" dirty="0"/>
+          </a:p>
+        </p:txBody>
+      </p:sp>
+    </p:spTree>
+    <p:extLst>
+      <p:ext uri="{BB962C8B-B14F-4D97-AF65-F5344CB8AC3E}">
+        <p14:creationId xmlns:p14="http://schemas.microsoft.com/office/powerpoint/2010/main" val="392119684"/>
+      </p:ext>
+    </p:extLst>
+  </p:cSld>
+  <p:clrMapOvr>
+    <a:masterClrMapping/>
+  </p:clrMapOvr>
+</p:sld>
+</file>
+
+<file path=ppt/slides/slide30.xml><?xml version="1.0" encoding="utf-8"?>
 <p:sld xmlns:a="http://schemas.openxmlformats.org/drawingml/2006/main" xmlns:r="http://schemas.openxmlformats.org/officeDocument/2006/relationships" xmlns:p="http://schemas.openxmlformats.org/presentationml/2006/main">
   <p:cSld>
     <p:spTree>
@@ -10343,593 +11850,6 @@
 </p:sld>
 </file>
 
-<file path=ppt/slides/slide29.xml><?xml version="1.0" encoding="utf-8"?>
-<p:sld xmlns:a="http://schemas.openxmlformats.org/drawingml/2006/main" xmlns:r="http://schemas.openxmlformats.org/officeDocument/2006/relationships" xmlns:p="http://schemas.openxmlformats.org/presentationml/2006/main">
-  <p:cSld>
-    <p:spTree>
-      <p:nvGrpSpPr>
-        <p:cNvPr id="1" name=""/>
-        <p:cNvGrpSpPr/>
-        <p:nvPr/>
-      </p:nvGrpSpPr>
-      <p:grpSpPr>
-        <a:xfrm>
-          <a:off x="0" y="0"/>
-          <a:ext cx="0" cy="0"/>
-          <a:chOff x="0" y="0"/>
-          <a:chExt cx="0" cy="0"/>
-        </a:xfrm>
-      </p:grpSpPr>
-      <p:sp>
-        <p:nvSpPr>
-          <p:cNvPr id="2" name="Title 1">
-            <a:extLst>
-              <a:ext uri="{FF2B5EF4-FFF2-40B4-BE49-F238E27FC236}">
-                <a16:creationId xmlns:a16="http://schemas.microsoft.com/office/drawing/2014/main" id="{6CAD874C-2353-5240-2261-7594661E45B1}"/>
-              </a:ext>
-            </a:extLst>
-          </p:cNvPr>
-          <p:cNvSpPr>
-            <a:spLocks noGrp="1"/>
-          </p:cNvSpPr>
-          <p:nvPr>
-            <p:ph type="title"/>
-          </p:nvPr>
-        </p:nvSpPr>
-        <p:spPr/>
-        <p:txBody>
-          <a:bodyPr/>
-          <a:lstStyle/>
-          <a:p>
-            <a:r>
-              <a:rPr lang="en-GB" altLang="ko-KR" dirty="0"/>
-              <a:t>Read – select(3/3)</a:t>
-            </a:r>
-            <a:endParaRPr lang="en-GB" dirty="0"/>
-          </a:p>
-        </p:txBody>
-      </p:sp>
-      <p:sp>
-        <p:nvSpPr>
-          <p:cNvPr id="3" name="Content Placeholder 2">
-            <a:extLst>
-              <a:ext uri="{FF2B5EF4-FFF2-40B4-BE49-F238E27FC236}">
-                <a16:creationId xmlns:a16="http://schemas.microsoft.com/office/drawing/2014/main" id="{601D2F5C-B3FD-2063-E9C7-D8B8385EFB3B}"/>
-              </a:ext>
-            </a:extLst>
-          </p:cNvPr>
-          <p:cNvSpPr>
-            <a:spLocks noGrp="1"/>
-          </p:cNvSpPr>
-          <p:nvPr>
-            <p:ph idx="1"/>
-          </p:nvPr>
-        </p:nvSpPr>
-        <p:spPr/>
-        <p:txBody>
-          <a:bodyPr/>
-          <a:lstStyle/>
-          <a:p>
-            <a:r>
-              <a:rPr lang="ko-KR" altLang="en-US" dirty="0"/>
-              <a:t>결과값을 특정 칼럼을 기준으로 정렬하고자 한다면</a:t>
-            </a:r>
-            <a:r>
-              <a:rPr lang="en-US" altLang="ko-KR" dirty="0"/>
-              <a:t>?</a:t>
-            </a:r>
-          </a:p>
-          <a:p>
-            <a:r>
-              <a:rPr lang="en-US" dirty="0"/>
-              <a:t>Where </a:t>
-            </a:r>
-            <a:r>
-              <a:rPr lang="ko-KR" altLang="en-US" dirty="0"/>
-              <a:t>조건절 다음에</a:t>
-            </a:r>
-            <a:r>
-              <a:rPr lang="en-US" altLang="ko-KR" dirty="0"/>
-              <a:t>, </a:t>
-            </a:r>
-            <a:r>
-              <a:rPr lang="en-US" altLang="ko-KR" b="1" i="1" dirty="0"/>
-              <a:t>order by (</a:t>
-            </a:r>
-            <a:r>
-              <a:rPr lang="ko-KR" altLang="en-US" b="1" i="1" dirty="0"/>
-              <a:t>졍렬 기준 칼럼</a:t>
-            </a:r>
-            <a:r>
-              <a:rPr lang="en-US" altLang="ko-KR" b="1" i="1" dirty="0"/>
-              <a:t>) (ASC/DESC)</a:t>
-            </a:r>
-          </a:p>
-          <a:p>
-            <a:pPr lvl="1"/>
-            <a:r>
-              <a:rPr lang="en-US" dirty="0"/>
-              <a:t>Select * from employee order by </a:t>
-            </a:r>
-            <a:r>
-              <a:rPr lang="ko-KR" altLang="en-US" dirty="0"/>
-              <a:t>입사일자</a:t>
-            </a:r>
-            <a:endParaRPr lang="en-US" altLang="ko-KR" dirty="0"/>
-          </a:p>
-          <a:p>
-            <a:pPr lvl="1"/>
-            <a:r>
-              <a:rPr lang="ko-KR" altLang="en-US" dirty="0"/>
-              <a:t>인덱스를 이용하여</a:t>
-            </a:r>
-            <a:r>
-              <a:rPr lang="en-US" altLang="ko-KR" dirty="0"/>
-              <a:t>, </a:t>
-            </a:r>
-            <a:r>
-              <a:rPr lang="ko-KR" altLang="en-US" dirty="0"/>
-              <a:t>별도의 정렬 없이 쿼리를 효율적으로 처리 가능</a:t>
-            </a:r>
-            <a:endParaRPr lang="en-GB" dirty="0"/>
-          </a:p>
-        </p:txBody>
-      </p:sp>
-    </p:spTree>
-    <p:extLst>
-      <p:ext uri="{BB962C8B-B14F-4D97-AF65-F5344CB8AC3E}">
-        <p14:creationId xmlns:p14="http://schemas.microsoft.com/office/powerpoint/2010/main" val="4210901106"/>
-      </p:ext>
-    </p:extLst>
-  </p:cSld>
-  <p:clrMapOvr>
-    <a:masterClrMapping/>
-  </p:clrMapOvr>
-</p:sld>
-</file>
-
-<file path=ppt/slides/slide3.xml><?xml version="1.0" encoding="utf-8"?>
-<p:sld xmlns:a="http://schemas.openxmlformats.org/drawingml/2006/main" xmlns:r="http://schemas.openxmlformats.org/officeDocument/2006/relationships" xmlns:p="http://schemas.openxmlformats.org/presentationml/2006/main">
-  <p:cSld>
-    <p:spTree>
-      <p:nvGrpSpPr>
-        <p:cNvPr id="1" name=""/>
-        <p:cNvGrpSpPr/>
-        <p:nvPr/>
-      </p:nvGrpSpPr>
-      <p:grpSpPr>
-        <a:xfrm>
-          <a:off x="0" y="0"/>
-          <a:ext cx="0" cy="0"/>
-          <a:chOff x="0" y="0"/>
-          <a:chExt cx="0" cy="0"/>
-        </a:xfrm>
-      </p:grpSpPr>
-      <p:sp>
-        <p:nvSpPr>
-          <p:cNvPr id="2" name="Title 1">
-            <a:extLst>
-              <a:ext uri="{FF2B5EF4-FFF2-40B4-BE49-F238E27FC236}">
-                <a16:creationId xmlns:a16="http://schemas.microsoft.com/office/drawing/2014/main" id="{D59091C9-6C4C-94BE-F89C-0882EF9E335F}"/>
-              </a:ext>
-            </a:extLst>
-          </p:cNvPr>
-          <p:cNvSpPr>
-            <a:spLocks noGrp="1"/>
-          </p:cNvSpPr>
-          <p:nvPr>
-            <p:ph type="title"/>
-          </p:nvPr>
-        </p:nvSpPr>
-        <p:spPr/>
-        <p:txBody>
-          <a:bodyPr/>
-          <a:lstStyle/>
-          <a:p>
-            <a:r>
-              <a:rPr lang="en-GB" dirty="0"/>
-              <a:t>SQL</a:t>
-            </a:r>
-            <a:r>
-              <a:rPr lang="ko-KR" altLang="en-US" dirty="0"/>
-              <a:t>이란</a:t>
-            </a:r>
-            <a:r>
-              <a:rPr lang="en-US" altLang="ko-KR" dirty="0"/>
-              <a:t>?</a:t>
-            </a:r>
-            <a:endParaRPr lang="en-GB" dirty="0"/>
-          </a:p>
-        </p:txBody>
-      </p:sp>
-      <p:sp>
-        <p:nvSpPr>
-          <p:cNvPr id="3" name="Content Placeholder 2">
-            <a:extLst>
-              <a:ext uri="{FF2B5EF4-FFF2-40B4-BE49-F238E27FC236}">
-                <a16:creationId xmlns:a16="http://schemas.microsoft.com/office/drawing/2014/main" id="{5A0DEB98-ED77-B73B-8A89-7BD52C446A52}"/>
-              </a:ext>
-            </a:extLst>
-          </p:cNvPr>
-          <p:cNvSpPr>
-            <a:spLocks noGrp="1"/>
-          </p:cNvSpPr>
-          <p:nvPr>
-            <p:ph idx="1"/>
-          </p:nvPr>
-        </p:nvSpPr>
-        <p:spPr/>
-        <p:txBody>
-          <a:bodyPr/>
-          <a:lstStyle/>
-          <a:p>
-            <a:r>
-              <a:rPr lang="en-GB" dirty="0"/>
-              <a:t>Structured Query Language</a:t>
-            </a:r>
-            <a:r>
-              <a:rPr lang="ko-KR" altLang="en-US" dirty="0"/>
-              <a:t>의 약자로</a:t>
-            </a:r>
-            <a:r>
-              <a:rPr lang="en-US" altLang="ko-KR" dirty="0"/>
-              <a:t>, </a:t>
-            </a:r>
-            <a:r>
-              <a:rPr lang="ko-KR" altLang="en-US" dirty="0"/>
-              <a:t>주로 </a:t>
-            </a:r>
-            <a:r>
-              <a:rPr lang="en-US" altLang="ko-KR" dirty="0"/>
-              <a:t>RDBMS </a:t>
-            </a:r>
-            <a:r>
-              <a:rPr lang="ko-KR" altLang="en-US" dirty="0"/>
-              <a:t>상의 데이터를 관리하고</a:t>
-            </a:r>
-            <a:r>
-              <a:rPr lang="en-US" altLang="ko-KR" dirty="0"/>
-              <a:t>, </a:t>
-            </a:r>
-            <a:r>
-              <a:rPr lang="ko-KR" altLang="en-US" dirty="0"/>
-              <a:t>사용하기 위하여 사용하는 프로그래밍 언어</a:t>
-            </a:r>
-            <a:endParaRPr lang="en-US" altLang="ko-KR" dirty="0"/>
-          </a:p>
-          <a:p>
-            <a:r>
-              <a:rPr lang="en-US" altLang="ko-KR" dirty="0"/>
-              <a:t>SQL </a:t>
-            </a:r>
-            <a:r>
-              <a:rPr lang="ko-KR" altLang="en-US" dirty="0"/>
-              <a:t>종류</a:t>
-            </a:r>
-            <a:endParaRPr lang="en-US" altLang="ko-KR" dirty="0"/>
-          </a:p>
-          <a:p>
-            <a:pPr lvl="1"/>
-            <a:r>
-              <a:rPr lang="en-US" altLang="ko-KR" dirty="0"/>
-              <a:t>DML (Data Manipulation Language): </a:t>
-            </a:r>
-            <a:r>
-              <a:rPr lang="ko-KR" altLang="en-US" dirty="0"/>
-              <a:t>데이터 저장</a:t>
-            </a:r>
-            <a:r>
-              <a:rPr lang="en-US" altLang="ko-KR" dirty="0"/>
-              <a:t>, </a:t>
-            </a:r>
-            <a:r>
-              <a:rPr lang="ko-KR" altLang="en-US" dirty="0"/>
-              <a:t>삭제</a:t>
-            </a:r>
-            <a:r>
-              <a:rPr lang="en-US" altLang="ko-KR" dirty="0"/>
-              <a:t>, </a:t>
-            </a:r>
-            <a:r>
-              <a:rPr lang="ko-KR" altLang="en-US" dirty="0"/>
-              <a:t>변경</a:t>
-            </a:r>
-            <a:r>
-              <a:rPr lang="en-US" altLang="ko-KR" dirty="0"/>
-              <a:t>, </a:t>
-            </a:r>
-            <a:r>
-              <a:rPr lang="ko-KR" altLang="en-US" dirty="0"/>
-              <a:t>검색 등</a:t>
-            </a:r>
-            <a:endParaRPr lang="en-US" altLang="ko-KR" dirty="0"/>
-          </a:p>
-          <a:p>
-            <a:pPr lvl="1"/>
-            <a:r>
-              <a:rPr lang="en-US" altLang="ko-KR" dirty="0"/>
-              <a:t>DDL (Data Definition Language): </a:t>
-            </a:r>
-            <a:r>
-              <a:rPr lang="ko-KR" altLang="en-US" sz="2000" dirty="0"/>
-              <a:t>테이블 정의</a:t>
-            </a:r>
-            <a:r>
-              <a:rPr lang="en-US" altLang="ko-KR" sz="2000" dirty="0"/>
-              <a:t>, </a:t>
-            </a:r>
-            <a:r>
-              <a:rPr lang="ko-KR" altLang="en-US" sz="2000" dirty="0"/>
-              <a:t>테이블 수정</a:t>
-            </a:r>
-            <a:r>
-              <a:rPr lang="en-US" altLang="ko-KR" sz="2000" dirty="0"/>
-              <a:t>, Database </a:t>
-            </a:r>
-            <a:r>
-              <a:rPr lang="ko-KR" altLang="en-US" sz="2000" dirty="0"/>
-              <a:t>생성 등</a:t>
-            </a:r>
-            <a:endParaRPr lang="en-US" altLang="ko-KR" dirty="0"/>
-          </a:p>
-          <a:p>
-            <a:pPr lvl="1"/>
-            <a:r>
-              <a:rPr lang="en-US" altLang="ko-KR" dirty="0"/>
-              <a:t>DCL (Data Control Language): </a:t>
-            </a:r>
-            <a:r>
-              <a:rPr lang="ko-KR" altLang="en-US" dirty="0"/>
-              <a:t>유저 권한 설정 등</a:t>
-            </a:r>
-            <a:endParaRPr lang="en-US" altLang="ko-KR" dirty="0"/>
-          </a:p>
-          <a:p>
-            <a:pPr marL="457200" lvl="1" indent="0">
-              <a:buNone/>
-            </a:pPr>
-            <a:endParaRPr lang="en-US" altLang="ko-KR" dirty="0"/>
-          </a:p>
-          <a:p>
-            <a:pPr lvl="1"/>
-            <a:endParaRPr lang="en-US" altLang="ko-KR" dirty="0"/>
-          </a:p>
-          <a:p>
-            <a:endParaRPr lang="en-GB" dirty="0"/>
-          </a:p>
-        </p:txBody>
-      </p:sp>
-    </p:spTree>
-    <p:extLst>
-      <p:ext uri="{BB962C8B-B14F-4D97-AF65-F5344CB8AC3E}">
-        <p14:creationId xmlns:p14="http://schemas.microsoft.com/office/powerpoint/2010/main" val="392119684"/>
-      </p:ext>
-    </p:extLst>
-  </p:cSld>
-  <p:clrMapOvr>
-    <a:masterClrMapping/>
-  </p:clrMapOvr>
-</p:sld>
-</file>
-
-<file path=ppt/slides/slide30.xml><?xml version="1.0" encoding="utf-8"?>
-<p:sld xmlns:a="http://schemas.openxmlformats.org/drawingml/2006/main" xmlns:r="http://schemas.openxmlformats.org/officeDocument/2006/relationships" xmlns:p="http://schemas.openxmlformats.org/presentationml/2006/main">
-  <p:cSld>
-    <p:spTree>
-      <p:nvGrpSpPr>
-        <p:cNvPr id="1" name=""/>
-        <p:cNvGrpSpPr/>
-        <p:nvPr/>
-      </p:nvGrpSpPr>
-      <p:grpSpPr>
-        <a:xfrm>
-          <a:off x="0" y="0"/>
-          <a:ext cx="0" cy="0"/>
-          <a:chOff x="0" y="0"/>
-          <a:chExt cx="0" cy="0"/>
-        </a:xfrm>
-      </p:grpSpPr>
-      <p:sp>
-        <p:nvSpPr>
-          <p:cNvPr id="2" name="Title 1">
-            <a:extLst>
-              <a:ext uri="{FF2B5EF4-FFF2-40B4-BE49-F238E27FC236}">
-                <a16:creationId xmlns:a16="http://schemas.microsoft.com/office/drawing/2014/main" id="{26DC4781-EFCE-FF7D-4909-B64E1A58FBDC}"/>
-              </a:ext>
-            </a:extLst>
-          </p:cNvPr>
-          <p:cNvSpPr>
-            <a:spLocks noGrp="1"/>
-          </p:cNvSpPr>
-          <p:nvPr>
-            <p:ph type="title"/>
-          </p:nvPr>
-        </p:nvSpPr>
-        <p:spPr/>
-        <p:txBody>
-          <a:bodyPr/>
-          <a:lstStyle/>
-          <a:p>
-            <a:r>
-              <a:rPr lang="en-GB" dirty="0"/>
-              <a:t>Create - insert</a:t>
-            </a:r>
-          </a:p>
-        </p:txBody>
-      </p:sp>
-      <p:sp>
-        <p:nvSpPr>
-          <p:cNvPr id="3" name="Content Placeholder 2">
-            <a:extLst>
-              <a:ext uri="{FF2B5EF4-FFF2-40B4-BE49-F238E27FC236}">
-                <a16:creationId xmlns:a16="http://schemas.microsoft.com/office/drawing/2014/main" id="{CEFA84FC-5263-A7AB-26CB-5F21ED1F1FDC}"/>
-              </a:ext>
-            </a:extLst>
-          </p:cNvPr>
-          <p:cNvSpPr>
-            <a:spLocks noGrp="1"/>
-          </p:cNvSpPr>
-          <p:nvPr>
-            <p:ph idx="1"/>
-          </p:nvPr>
-        </p:nvSpPr>
-        <p:spPr/>
-        <p:txBody>
-          <a:bodyPr/>
-          <a:lstStyle/>
-          <a:p>
-            <a:r>
-              <a:rPr lang="ko-KR" altLang="en-US" dirty="0"/>
-              <a:t>데이터를 저장할 때는 </a:t>
-            </a:r>
-            <a:r>
-              <a:rPr lang="en-US" altLang="ko-KR" dirty="0"/>
-              <a:t>insert </a:t>
-            </a:r>
-            <a:r>
-              <a:rPr lang="ko-KR" altLang="en-US" dirty="0"/>
-              <a:t>문을 통해</a:t>
-            </a:r>
-            <a:r>
-              <a:rPr lang="en-US" altLang="ko-KR" dirty="0"/>
-              <a:t>, </a:t>
-            </a:r>
-            <a:r>
-              <a:rPr lang="ko-KR" altLang="en-US" dirty="0"/>
-              <a:t>저장이 가능</a:t>
-            </a:r>
-            <a:endParaRPr lang="en-US" altLang="ko-KR" dirty="0"/>
-          </a:p>
-          <a:p>
-            <a:pPr lvl="1"/>
-            <a:r>
-              <a:rPr lang="en-GB" altLang="ko-KR" dirty="0"/>
-              <a:t>Ex) </a:t>
-            </a:r>
-            <a:r>
-              <a:rPr lang="en-US" altLang="ko-KR" dirty="0"/>
-              <a:t>INSERT INTO </a:t>
-            </a:r>
-            <a:r>
-              <a:rPr lang="en-US" altLang="ko-KR" dirty="0" err="1"/>
-              <a:t>table_name</a:t>
-            </a:r>
-            <a:r>
-              <a:rPr lang="en-US" altLang="ko-KR" dirty="0"/>
-              <a:t> VALUES (value1, value2, value3, ...);</a:t>
-            </a:r>
-          </a:p>
-          <a:p>
-            <a:pPr lvl="1"/>
-            <a:r>
-              <a:rPr lang="en-US" altLang="ko-KR" dirty="0"/>
-              <a:t>Ex) INSERT INTO </a:t>
-            </a:r>
-            <a:r>
-              <a:rPr lang="en-US" altLang="ko-KR" dirty="0" err="1"/>
-              <a:t>table_name</a:t>
-            </a:r>
-            <a:r>
-              <a:rPr lang="en-US" altLang="ko-KR" dirty="0"/>
-              <a:t> (column1, column2, column3, ...) VALUES (value1, value2, value3, ...);</a:t>
-            </a:r>
-          </a:p>
-          <a:p>
-            <a:r>
-              <a:rPr lang="ko-KR" altLang="en-US" dirty="0"/>
-              <a:t>데이터 삽입 시</a:t>
-            </a:r>
-            <a:r>
-              <a:rPr lang="en-US" altLang="ko-KR" dirty="0"/>
-              <a:t>, </a:t>
-            </a:r>
-            <a:r>
-              <a:rPr lang="ko-KR" altLang="en-US" dirty="0"/>
-              <a:t>제약조건에 주의</a:t>
-            </a:r>
-            <a:r>
-              <a:rPr lang="en-US" altLang="ko-KR" dirty="0"/>
-              <a:t>!!</a:t>
-            </a:r>
-            <a:endParaRPr lang="en-GB" dirty="0"/>
-          </a:p>
-          <a:p>
-            <a:pPr lvl="1"/>
-            <a:r>
-              <a:rPr lang="en-US" dirty="0"/>
-              <a:t>Unique </a:t>
-            </a:r>
-            <a:r>
-              <a:rPr lang="ko-KR" altLang="en-US" dirty="0"/>
-              <a:t>제약조건</a:t>
-            </a:r>
-            <a:r>
-              <a:rPr lang="en-US" altLang="ko-KR" dirty="0"/>
-              <a:t>(</a:t>
-            </a:r>
-            <a:r>
-              <a:rPr lang="ko-KR" altLang="en-US" dirty="0"/>
-              <a:t>특정 필드의 값은 모든 행을 통틀어 하나</a:t>
-            </a:r>
-            <a:r>
-              <a:rPr lang="en-US" altLang="ko-KR" dirty="0"/>
-              <a:t>)</a:t>
-            </a:r>
-          </a:p>
-          <a:p>
-            <a:pPr lvl="1"/>
-            <a:r>
-              <a:rPr lang="ko-KR" altLang="en-US" dirty="0"/>
-              <a:t>데이터 타입에 주의</a:t>
-            </a:r>
-            <a:r>
-              <a:rPr lang="en-US" altLang="ko-KR" dirty="0"/>
-              <a:t>(</a:t>
-            </a:r>
-            <a:r>
-              <a:rPr lang="ko-KR" altLang="en-US" dirty="0"/>
-              <a:t>숫자타입의 필드에 문자열을 </a:t>
-            </a:r>
-            <a:r>
-              <a:rPr lang="en-US" altLang="ko-KR" dirty="0"/>
-              <a:t>insert</a:t>
-            </a:r>
-            <a:r>
-              <a:rPr lang="ko-KR" altLang="en-US" dirty="0"/>
-              <a:t>하면 실패</a:t>
-            </a:r>
-            <a:r>
-              <a:rPr lang="en-US" altLang="ko-KR" dirty="0"/>
-              <a:t>)</a:t>
-            </a:r>
-          </a:p>
-          <a:p>
-            <a:pPr marL="457200" lvl="1" indent="0">
-              <a:buNone/>
-            </a:pPr>
-            <a:endParaRPr lang="en-US" dirty="0"/>
-          </a:p>
-          <a:p>
-            <a:endParaRPr lang="en-US" dirty="0"/>
-          </a:p>
-          <a:p>
-            <a:endParaRPr lang="en-GB" dirty="0"/>
-          </a:p>
-        </p:txBody>
-      </p:sp>
-    </p:spTree>
-    <p:extLst>
-      <p:ext uri="{BB962C8B-B14F-4D97-AF65-F5344CB8AC3E}">
-        <p14:creationId xmlns:p14="http://schemas.microsoft.com/office/powerpoint/2010/main" val="2436114077"/>
-      </p:ext>
-    </p:extLst>
-  </p:cSld>
-  <p:clrMapOvr>
-    <a:masterClrMapping/>
-  </p:clrMapOvr>
-</p:sld>
-</file>
-
 <file path=ppt/slides/slide31.xml><?xml version="1.0" encoding="utf-8"?>
 <p:sld xmlns:a="http://schemas.openxmlformats.org/drawingml/2006/main" xmlns:r="http://schemas.openxmlformats.org/officeDocument/2006/relationships" xmlns:p="http://schemas.openxmlformats.org/presentationml/2006/main">
   <p:cSld>
@@ -10952,7 +11872,7 @@
           <p:cNvPr id="2" name="Title 1">
             <a:extLst>
               <a:ext uri="{FF2B5EF4-FFF2-40B4-BE49-F238E27FC236}">
-                <a16:creationId xmlns:a16="http://schemas.microsoft.com/office/drawing/2014/main" id="{E0858DA9-4044-AA45-EEE7-B517B33F2184}"/>
+                <a16:creationId xmlns:a16="http://schemas.microsoft.com/office/drawing/2014/main" id="{6CAD874C-2353-5240-2261-7594661E45B1}"/>
               </a:ext>
             </a:extLst>
           </p:cNvPr>
@@ -10969,9 +11889,10 @@
           <a:lstStyle/>
           <a:p>
             <a:r>
-              <a:rPr lang="en-GB" dirty="0"/>
-              <a:t>Update - update</a:t>
-            </a:r>
+              <a:rPr lang="en-GB" altLang="ko-KR" dirty="0"/>
+              <a:t>Read – select(3/3)</a:t>
+            </a:r>
+            <a:endParaRPr lang="en-GB" dirty="0"/>
           </a:p>
         </p:txBody>
       </p:sp>
@@ -10980,7 +11901,7 @@
           <p:cNvPr id="3" name="Content Placeholder 2">
             <a:extLst>
               <a:ext uri="{FF2B5EF4-FFF2-40B4-BE49-F238E27FC236}">
-                <a16:creationId xmlns:a16="http://schemas.microsoft.com/office/drawing/2014/main" id="{E825BCE5-DFF9-56B9-6F5A-235887A6B1A6}"/>
+                <a16:creationId xmlns:a16="http://schemas.microsoft.com/office/drawing/2014/main" id="{601D2F5C-B3FD-2063-E9C7-D8B8385EFB3B}"/>
               </a:ext>
             </a:extLst>
           </p:cNvPr>
@@ -10993,387 +11914,78 @@
         </p:nvSpPr>
         <p:spPr/>
         <p:txBody>
-          <a:bodyPr>
-            <a:normAutofit fontScale="92500" lnSpcReduction="10000"/>
-          </a:bodyPr>
-          <a:lstStyle/>
-          <a:p>
-            <a:r>
-              <a:rPr lang="ko-KR" altLang="en-US" dirty="0">
-                <a:latin typeface="Courier New" panose="02070309020205020404" pitchFamily="49" charset="0"/>
-              </a:rPr>
-              <a:t>테이블의 행의 특정 필드를 변경하고자 할 때</a:t>
-            </a:r>
-            <a:r>
-              <a:rPr lang="en-US" altLang="ko-KR" dirty="0">
-                <a:latin typeface="Courier New" panose="02070309020205020404" pitchFamily="49" charset="0"/>
-              </a:rPr>
+          <a:bodyPr/>
+          <a:lstStyle/>
+          <a:p>
+            <a:r>
+              <a:rPr lang="ko-KR" altLang="en-US" dirty="0"/>
+              <a:t>결과값을 특정 칼럼을 기준으로 정렬하고자 한다면</a:t>
+            </a:r>
+            <a:r>
+              <a:rPr lang="en-US" altLang="ko-KR" dirty="0"/>
+              <a:t>?</a:t>
+            </a:r>
+          </a:p>
+          <a:p>
+            <a:r>
+              <a:rPr lang="en-US" dirty="0"/>
+              <a:t>Where </a:t>
+            </a:r>
+            <a:r>
+              <a:rPr lang="ko-KR" altLang="en-US" dirty="0"/>
+              <a:t>조건절 다음에</a:t>
+            </a:r>
+            <a:r>
+              <a:rPr lang="en-US" altLang="ko-KR" dirty="0"/>
               <a:t>, </a:t>
             </a:r>
             <a:r>
-              <a:rPr lang="ko-KR" altLang="en-US" dirty="0">
-                <a:latin typeface="Courier New" panose="02070309020205020404" pitchFamily="49" charset="0"/>
-              </a:rPr>
-              <a:t>사용</a:t>
-            </a:r>
-            <a:r>
-              <a:rPr lang="en-US" altLang="ko-KR" dirty="0">
-                <a:latin typeface="Courier New" panose="02070309020205020404" pitchFamily="49" charset="0"/>
-              </a:rPr>
-              <a:t>.</a:t>
-            </a:r>
-          </a:p>
-          <a:p>
-            <a:r>
-              <a:rPr lang="ko-KR" altLang="en-US" dirty="0">
-                <a:latin typeface="Courier New" panose="02070309020205020404" pitchFamily="49" charset="0"/>
-              </a:rPr>
-              <a:t>조건에 맞는 모든 행에 대하여 필드를 변경하기 때문에</a:t>
-            </a:r>
-            <a:r>
-              <a:rPr lang="en-US" altLang="ko-KR" dirty="0">
-                <a:latin typeface="Courier New" panose="02070309020205020404" pitchFamily="49" charset="0"/>
-              </a:rPr>
+              <a:rPr lang="en-US" altLang="ko-KR" b="1" i="1" dirty="0"/>
+              <a:t>order by (</a:t>
+            </a:r>
+            <a:r>
+              <a:rPr lang="ko-KR" altLang="en-US" b="1" i="1" dirty="0"/>
+              <a:t>졍렬 기준 칼럼</a:t>
+            </a:r>
+            <a:r>
+              <a:rPr lang="en-US" altLang="ko-KR" b="1" i="1" dirty="0"/>
+              <a:t>) (ASC/DESC)</a:t>
+            </a:r>
+          </a:p>
+          <a:p>
+            <a:pPr lvl="1"/>
+            <a:r>
+              <a:rPr lang="en-US" dirty="0"/>
+              <a:t>Select * from employee order by </a:t>
+            </a:r>
+            <a:r>
+              <a:rPr lang="ko-KR" altLang="en-US" dirty="0"/>
+              <a:t>입사일자</a:t>
+            </a:r>
+            <a:endParaRPr lang="en-US" altLang="ko-KR" dirty="0"/>
+          </a:p>
+          <a:p>
+            <a:pPr lvl="1"/>
+            <a:r>
+              <a:rPr lang="ko-KR" altLang="en-US" dirty="0"/>
+              <a:t>인덱스를 이용하여</a:t>
+            </a:r>
+            <a:r>
+              <a:rPr lang="en-US" altLang="ko-KR" dirty="0"/>
               <a:t>, </a:t>
             </a:r>
             <a:r>
-              <a:rPr lang="ko-KR" altLang="en-US" dirty="0">
-                <a:latin typeface="Courier New" panose="02070309020205020404" pitchFamily="49" charset="0"/>
-              </a:rPr>
-              <a:t>주의해서 사용해야 함</a:t>
-            </a:r>
-            <a:r>
-              <a:rPr lang="en-US" altLang="ko-KR" dirty="0">
-                <a:latin typeface="Courier New" panose="02070309020205020404" pitchFamily="49" charset="0"/>
-              </a:rPr>
-              <a:t>.</a:t>
-            </a:r>
-          </a:p>
-          <a:p>
-            <a:r>
-              <a:rPr lang="ko-KR" altLang="en-US" dirty="0">
-                <a:latin typeface="Courier New" panose="02070309020205020404" pitchFamily="49" charset="0"/>
-              </a:rPr>
-              <a:t>외래키 제약조건이 걸린 필드를 변경하고자 할 때는</a:t>
-            </a:r>
-            <a:r>
-              <a:rPr lang="en-US" altLang="ko-KR" dirty="0">
-                <a:latin typeface="Courier New" panose="02070309020205020404" pitchFamily="49" charset="0"/>
-              </a:rPr>
-              <a:t>, </a:t>
-            </a:r>
-            <a:r>
-              <a:rPr lang="ko-KR" altLang="en-US" dirty="0">
-                <a:latin typeface="Courier New" panose="02070309020205020404" pitchFamily="49" charset="0"/>
-              </a:rPr>
-              <a:t>자식 테이블에 존재하는 값까지 변경해주어야 하며</a:t>
-            </a:r>
-            <a:r>
-              <a:rPr lang="en-US" altLang="ko-KR" dirty="0">
-                <a:latin typeface="Courier New" panose="02070309020205020404" pitchFamily="49" charset="0"/>
-              </a:rPr>
-              <a:t>, </a:t>
-            </a:r>
-            <a:r>
-              <a:rPr lang="ko-KR" altLang="en-US" dirty="0">
-                <a:latin typeface="Courier New" panose="02070309020205020404" pitchFamily="49" charset="0"/>
-              </a:rPr>
-              <a:t>이는 설정을 통해 자동화 가능</a:t>
-            </a:r>
-            <a:endParaRPr lang="en-US" altLang="ko-KR" dirty="0">
-              <a:latin typeface="Courier New" panose="02070309020205020404" pitchFamily="49" charset="0"/>
-            </a:endParaRPr>
-          </a:p>
-          <a:p>
-            <a:pPr lvl="1"/>
-            <a:r>
-              <a:rPr lang="ko-KR" altLang="en-US" dirty="0">
-                <a:latin typeface="Courier New" panose="02070309020205020404" pitchFamily="49" charset="0"/>
-              </a:rPr>
-              <a:t>그러나</a:t>
-            </a:r>
-            <a:r>
-              <a:rPr lang="en-US" altLang="ko-KR" dirty="0">
-                <a:latin typeface="Courier New" panose="02070309020205020404" pitchFamily="49" charset="0"/>
-              </a:rPr>
-              <a:t>, </a:t>
-            </a:r>
-            <a:r>
-              <a:rPr lang="ko-KR" altLang="en-US" dirty="0">
-                <a:latin typeface="Courier New" panose="02070309020205020404" pitchFamily="49" charset="0"/>
-              </a:rPr>
-              <a:t>보통 외래키로 걸린 값은 변경되지 않는 값으로 설정하는 것이 기본이며</a:t>
-            </a:r>
-            <a:r>
-              <a:rPr lang="en-US" altLang="ko-KR" dirty="0">
-                <a:latin typeface="Courier New" panose="02070309020205020404" pitchFamily="49" charset="0"/>
-              </a:rPr>
-              <a:t>, </a:t>
-            </a:r>
-            <a:r>
-              <a:rPr lang="ko-KR" altLang="en-US" dirty="0">
-                <a:latin typeface="Courier New" panose="02070309020205020404" pitchFamily="49" charset="0"/>
-              </a:rPr>
-              <a:t>만약 변경되는 값이라면</a:t>
-            </a:r>
-            <a:r>
-              <a:rPr lang="en-US" altLang="ko-KR" dirty="0">
-                <a:latin typeface="Courier New" panose="02070309020205020404" pitchFamily="49" charset="0"/>
-              </a:rPr>
-              <a:t>, </a:t>
-            </a:r>
-            <a:r>
-              <a:rPr lang="ko-KR" altLang="en-US" dirty="0">
-                <a:latin typeface="Courier New" panose="02070309020205020404" pitchFamily="49" charset="0"/>
-              </a:rPr>
-              <a:t>다른 값을 사용하는 편이 유리함</a:t>
-            </a:r>
-            <a:r>
-              <a:rPr lang="en-US" altLang="ko-KR" dirty="0">
-                <a:latin typeface="Courier New" panose="02070309020205020404" pitchFamily="49" charset="0"/>
-              </a:rPr>
-              <a:t>.</a:t>
-            </a:r>
-          </a:p>
-          <a:p>
-            <a:r>
-              <a:rPr lang="en-US" altLang="ko-KR" dirty="0">
-                <a:solidFill>
-                  <a:srgbClr val="0000CD"/>
-                </a:solidFill>
-                <a:latin typeface="Courier New" panose="02070309020205020404" pitchFamily="49" charset="0"/>
-              </a:rPr>
-              <a:t>Ex)</a:t>
-            </a:r>
-            <a:endParaRPr lang="en-US" altLang="ko-KR" b="0" i="0" dirty="0">
-              <a:solidFill>
-                <a:srgbClr val="0000CD"/>
-              </a:solidFill>
-              <a:effectLst/>
-              <a:latin typeface="Courier New" panose="02070309020205020404" pitchFamily="49" charset="0"/>
-            </a:endParaRPr>
-          </a:p>
-          <a:p>
-            <a:pPr marL="457200" lvl="1" indent="0">
-              <a:buNone/>
-            </a:pPr>
-            <a:r>
-              <a:rPr lang="en-US" altLang="ko-KR" b="0" i="0" dirty="0">
-                <a:solidFill>
-                  <a:srgbClr val="0000CD"/>
-                </a:solidFill>
-                <a:effectLst/>
-                <a:latin typeface="Courier New" panose="02070309020205020404" pitchFamily="49" charset="0"/>
-              </a:rPr>
-              <a:t>UPDATE</a:t>
-            </a:r>
-            <a:r>
-              <a:rPr lang="en-US" altLang="ko-KR" b="0" i="0" dirty="0">
-                <a:solidFill>
-                  <a:srgbClr val="000000"/>
-                </a:solidFill>
-                <a:effectLst/>
-                <a:latin typeface="Courier New" panose="02070309020205020404" pitchFamily="49" charset="0"/>
-              </a:rPr>
-              <a:t> </a:t>
-            </a:r>
-            <a:r>
-              <a:rPr lang="en-US" altLang="ko-KR" b="0" i="1" dirty="0" err="1">
-                <a:solidFill>
-                  <a:srgbClr val="000000"/>
-                </a:solidFill>
-                <a:effectLst/>
-                <a:latin typeface="Courier New" panose="02070309020205020404" pitchFamily="49" charset="0"/>
-              </a:rPr>
-              <a:t>table_name</a:t>
-            </a:r>
-            <a:br>
-              <a:rPr lang="en-US" altLang="ko-KR" dirty="0"/>
-            </a:br>
-            <a:r>
-              <a:rPr lang="en-US" altLang="ko-KR" b="0" i="0" dirty="0">
-                <a:solidFill>
-                  <a:srgbClr val="0000CD"/>
-                </a:solidFill>
-                <a:effectLst/>
-                <a:latin typeface="Courier New" panose="02070309020205020404" pitchFamily="49" charset="0"/>
-              </a:rPr>
-              <a:t>SET</a:t>
-            </a:r>
-            <a:r>
-              <a:rPr lang="en-US" altLang="ko-KR" b="0" i="0" dirty="0">
-                <a:solidFill>
-                  <a:srgbClr val="000000"/>
-                </a:solidFill>
-                <a:effectLst/>
-                <a:latin typeface="Courier New" panose="02070309020205020404" pitchFamily="49" charset="0"/>
-              </a:rPr>
-              <a:t> </a:t>
-            </a:r>
-            <a:r>
-              <a:rPr lang="en-US" altLang="ko-KR" b="0" i="1" dirty="0">
-                <a:solidFill>
-                  <a:srgbClr val="000000"/>
-                </a:solidFill>
-                <a:effectLst/>
-                <a:latin typeface="Courier New" panose="02070309020205020404" pitchFamily="49" charset="0"/>
-              </a:rPr>
-              <a:t>column1 </a:t>
-            </a:r>
-            <a:r>
-              <a:rPr lang="en-US" altLang="ko-KR" b="0" i="0" dirty="0">
-                <a:solidFill>
-                  <a:srgbClr val="000000"/>
-                </a:solidFill>
-                <a:effectLst/>
-                <a:latin typeface="Courier New" panose="02070309020205020404" pitchFamily="49" charset="0"/>
-              </a:rPr>
-              <a:t>=</a:t>
-            </a:r>
-            <a:r>
-              <a:rPr lang="en-US" altLang="ko-KR" b="0" i="1" dirty="0">
-                <a:solidFill>
-                  <a:srgbClr val="000000"/>
-                </a:solidFill>
-                <a:effectLst/>
-                <a:latin typeface="Courier New" panose="02070309020205020404" pitchFamily="49" charset="0"/>
-              </a:rPr>
-              <a:t> value1</a:t>
-            </a:r>
-            <a:r>
-              <a:rPr lang="en-US" altLang="ko-KR" b="0" i="0" dirty="0">
-                <a:solidFill>
-                  <a:srgbClr val="000000"/>
-                </a:solidFill>
-                <a:effectLst/>
-                <a:latin typeface="Courier New" panose="02070309020205020404" pitchFamily="49" charset="0"/>
-              </a:rPr>
-              <a:t>,</a:t>
-            </a:r>
-            <a:r>
-              <a:rPr lang="en-US" altLang="ko-KR" b="0" i="1" dirty="0">
-                <a:solidFill>
-                  <a:srgbClr val="000000"/>
-                </a:solidFill>
-                <a:effectLst/>
-                <a:latin typeface="Courier New" panose="02070309020205020404" pitchFamily="49" charset="0"/>
-              </a:rPr>
-              <a:t> column2 </a:t>
-            </a:r>
-            <a:r>
-              <a:rPr lang="en-US" altLang="ko-KR" b="0" i="0" dirty="0">
-                <a:solidFill>
-                  <a:srgbClr val="000000"/>
-                </a:solidFill>
-                <a:effectLst/>
-                <a:latin typeface="Courier New" panose="02070309020205020404" pitchFamily="49" charset="0"/>
-              </a:rPr>
-              <a:t>=</a:t>
-            </a:r>
-            <a:r>
-              <a:rPr lang="en-US" altLang="ko-KR" b="0" i="1" dirty="0">
-                <a:solidFill>
-                  <a:srgbClr val="000000"/>
-                </a:solidFill>
-                <a:effectLst/>
-                <a:latin typeface="Courier New" panose="02070309020205020404" pitchFamily="49" charset="0"/>
-              </a:rPr>
-              <a:t> value2</a:t>
-            </a:r>
-            <a:r>
-              <a:rPr lang="en-US" altLang="ko-KR" b="0" i="0" dirty="0">
-                <a:solidFill>
-                  <a:srgbClr val="000000"/>
-                </a:solidFill>
-                <a:effectLst/>
-                <a:latin typeface="Courier New" panose="02070309020205020404" pitchFamily="49" charset="0"/>
-              </a:rPr>
-              <a:t>, ...</a:t>
-            </a:r>
-            <a:br>
-              <a:rPr lang="en-US" altLang="ko-KR" dirty="0"/>
-            </a:br>
-            <a:r>
-              <a:rPr lang="en-US" altLang="ko-KR" b="0" i="0" dirty="0">
-                <a:solidFill>
-                  <a:srgbClr val="0000CD"/>
-                </a:solidFill>
-                <a:effectLst/>
-                <a:latin typeface="Courier New" panose="02070309020205020404" pitchFamily="49" charset="0"/>
-              </a:rPr>
-              <a:t>WHERE</a:t>
-            </a:r>
-            <a:r>
-              <a:rPr lang="en-US" altLang="ko-KR" b="0" i="0" dirty="0">
-                <a:solidFill>
-                  <a:srgbClr val="000000"/>
-                </a:solidFill>
-                <a:effectLst/>
-                <a:latin typeface="Courier New" panose="02070309020205020404" pitchFamily="49" charset="0"/>
-              </a:rPr>
-              <a:t> </a:t>
-            </a:r>
-            <a:r>
-              <a:rPr lang="en-US" altLang="ko-KR" b="0" i="1" dirty="0">
-                <a:solidFill>
-                  <a:srgbClr val="000000"/>
-                </a:solidFill>
-                <a:effectLst/>
-                <a:latin typeface="Courier New" panose="02070309020205020404" pitchFamily="49" charset="0"/>
-              </a:rPr>
-              <a:t>condition</a:t>
-            </a:r>
-            <a:r>
-              <a:rPr lang="en-US" altLang="ko-KR" b="0" i="0" dirty="0">
-                <a:solidFill>
-                  <a:srgbClr val="000000"/>
-                </a:solidFill>
-                <a:effectLst/>
-                <a:latin typeface="Courier New" panose="02070309020205020404" pitchFamily="49" charset="0"/>
-              </a:rPr>
-              <a:t>;</a:t>
-            </a:r>
-          </a:p>
-          <a:p>
-            <a:pPr marL="457200" lvl="1" indent="0">
-              <a:buNone/>
-            </a:pPr>
-            <a:endParaRPr lang="en-US" altLang="ko-KR" dirty="0">
-              <a:solidFill>
-                <a:srgbClr val="000000"/>
-              </a:solidFill>
-              <a:latin typeface="Courier New" panose="02070309020205020404" pitchFamily="49" charset="0"/>
-            </a:endParaRPr>
-          </a:p>
-          <a:p>
-            <a:pPr marL="457200" lvl="1" indent="0">
-              <a:buNone/>
-            </a:pPr>
-            <a:endParaRPr lang="en-US" altLang="ko-KR" b="0" i="0" dirty="0">
-              <a:solidFill>
-                <a:srgbClr val="000000"/>
-              </a:solidFill>
-              <a:effectLst/>
-              <a:latin typeface="Courier New" panose="02070309020205020404" pitchFamily="49" charset="0"/>
-            </a:endParaRPr>
-          </a:p>
-          <a:p>
-            <a:pPr marL="457200" lvl="1" indent="0">
-              <a:buNone/>
-            </a:pPr>
-            <a:endParaRPr lang="en-US" dirty="0">
-              <a:solidFill>
-                <a:srgbClr val="000000"/>
-              </a:solidFill>
-              <a:latin typeface="Courier New" panose="02070309020205020404" pitchFamily="49" charset="0"/>
-            </a:endParaRPr>
+              <a:rPr lang="ko-KR" altLang="en-US" dirty="0"/>
+              <a:t>별도의 정렬 없이 쿼리를 효율적으로 처리 가능</a:t>
+            </a:r>
+            <a:endParaRPr lang="en-GB" dirty="0"/>
           </a:p>
         </p:txBody>
       </p:sp>
     </p:spTree>
     <p:extLst>
       <p:ext uri="{BB962C8B-B14F-4D97-AF65-F5344CB8AC3E}">
-        <p14:creationId xmlns:p14="http://schemas.microsoft.com/office/powerpoint/2010/main" val="903182003"/>
+        <p14:creationId xmlns:p14="http://schemas.microsoft.com/office/powerpoint/2010/main" val="4210901106"/>
       </p:ext>
     </p:extLst>
   </p:cSld>
@@ -11405,7 +12017,7 @@
           <p:cNvPr id="2" name="Title 1">
             <a:extLst>
               <a:ext uri="{FF2B5EF4-FFF2-40B4-BE49-F238E27FC236}">
-                <a16:creationId xmlns:a16="http://schemas.microsoft.com/office/drawing/2014/main" id="{5D7E4B87-85CC-55CB-1AAE-ADD445C086FF}"/>
+                <a16:creationId xmlns:a16="http://schemas.microsoft.com/office/drawing/2014/main" id="{26DC4781-EFCE-FF7D-4909-B64E1A58FBDC}"/>
               </a:ext>
             </a:extLst>
           </p:cNvPr>
@@ -11423,7 +12035,7 @@
           <a:p>
             <a:r>
               <a:rPr lang="en-GB" dirty="0"/>
-              <a:t>Delete - delete</a:t>
+              <a:t>Create - insert</a:t>
             </a:r>
           </a:p>
         </p:txBody>
@@ -11433,7 +12045,7 @@
           <p:cNvPr id="3" name="Content Placeholder 2">
             <a:extLst>
               <a:ext uri="{FF2B5EF4-FFF2-40B4-BE49-F238E27FC236}">
-                <a16:creationId xmlns:a16="http://schemas.microsoft.com/office/drawing/2014/main" id="{869FB68E-2381-08AB-5BD7-EECE2DF285F1}"/>
+                <a16:creationId xmlns:a16="http://schemas.microsoft.com/office/drawing/2014/main" id="{CEFA84FC-5263-A7AB-26CB-5F21ED1F1FDC}"/>
               </a:ext>
             </a:extLst>
           </p:cNvPr>
@@ -11451,22 +12063,64 @@
           <a:p>
             <a:r>
               <a:rPr lang="ko-KR" altLang="en-US" dirty="0"/>
-              <a:t>테이블의 행을 삭제할 때 사용할 수 있는 명령어</a:t>
+              <a:t>데이터를 저장할 때는 </a:t>
+            </a:r>
+            <a:r>
+              <a:rPr lang="en-US" altLang="ko-KR" dirty="0"/>
+              <a:t>insert </a:t>
+            </a:r>
+            <a:r>
+              <a:rPr lang="ko-KR" altLang="en-US" dirty="0"/>
+              <a:t>문을 통해</a:t>
+            </a:r>
+            <a:r>
+              <a:rPr lang="en-US" altLang="ko-KR" dirty="0"/>
+              <a:t>, </a:t>
+            </a:r>
+            <a:r>
+              <a:rPr lang="ko-KR" altLang="en-US" dirty="0"/>
+              <a:t>저장이 가능</a:t>
             </a:r>
             <a:endParaRPr lang="en-US" altLang="ko-KR" dirty="0"/>
           </a:p>
           <a:p>
-            <a:r>
-              <a:rPr lang="ko-KR" altLang="en-US" dirty="0"/>
-              <a:t>그러나 보통 </a:t>
-            </a:r>
-            <a:r>
-              <a:rPr lang="en-US" altLang="ko-KR" dirty="0"/>
-              <a:t>delete</a:t>
-            </a:r>
-            <a:r>
-              <a:rPr lang="ko-KR" altLang="en-US" dirty="0"/>
-              <a:t> 명령어는 매우 위험한 명령이기 때문에</a:t>
+            <a:pPr lvl="1"/>
+            <a:r>
+              <a:rPr lang="en-GB" altLang="ko-KR" dirty="0"/>
+              <a:t>Ex) </a:t>
+            </a:r>
+            <a:r>
+              <a:rPr lang="en-US" altLang="ko-KR" dirty="0"/>
+              <a:t>INSERT INTO </a:t>
+            </a:r>
+            <a:r>
+              <a:rPr lang="en-US" altLang="ko-KR" dirty="0" err="1"/>
+              <a:t>table_name</a:t>
+            </a:r>
+            <a:r>
+              <a:rPr lang="en-US" altLang="ko-KR" dirty="0"/>
+              <a:t> VALUES (value1, value2, value3, ...);</a:t>
+            </a:r>
+          </a:p>
+          <a:p>
+            <a:pPr lvl="1"/>
+            <a:r>
+              <a:rPr lang="en-US" altLang="ko-KR" dirty="0"/>
+              <a:t>Ex) INSERT INTO </a:t>
+            </a:r>
+            <a:r>
+              <a:rPr lang="en-US" altLang="ko-KR" dirty="0" err="1"/>
+              <a:t>table_name</a:t>
+            </a:r>
+            <a:r>
+              <a:rPr lang="en-US" altLang="ko-KR" dirty="0"/>
+              <a:t> (column1, column2, column3, ...) VALUES (value1, value2, value3, ...);</a:t>
+            </a:r>
+          </a:p>
+          <a:p>
+            <a:r>
+              <a:rPr lang="ko-KR" altLang="en-US" dirty="0"/>
+              <a:t>데이터 삽입 시</a:t>
             </a:r>
             <a:r>
               <a:rPr lang="en-US" altLang="ko-KR" dirty="0"/>
@@ -11474,350 +12128,72 @@
             </a:r>
             <a:r>
               <a:rPr lang="ko-KR" altLang="en-US" dirty="0"/>
-              <a:t>개발팀에 따라서는 </a:t>
-            </a:r>
-            <a:r>
-              <a:rPr lang="en-US" altLang="ko-KR" dirty="0"/>
-              <a:t>delete </a:t>
-            </a:r>
-            <a:r>
-              <a:rPr lang="ko-KR" altLang="en-US" dirty="0"/>
-              <a:t>명령어를 사용하기 보다는</a:t>
-            </a:r>
-            <a:r>
-              <a:rPr lang="en-US" altLang="ko-KR" dirty="0"/>
-              <a:t>, </a:t>
-            </a:r>
-            <a:r>
-              <a:rPr lang="ko-KR" altLang="en-US" dirty="0"/>
-              <a:t>삭제 여부를 기록하는 </a:t>
-            </a:r>
-            <a:r>
-              <a:rPr lang="en-US" altLang="ko-KR" dirty="0"/>
-              <a:t>flag</a:t>
-            </a:r>
-            <a:r>
-              <a:rPr lang="ko-KR" altLang="en-US" dirty="0"/>
-              <a:t>를 설정하고</a:t>
-            </a:r>
-            <a:r>
-              <a:rPr lang="en-US" altLang="ko-KR" dirty="0"/>
-              <a:t>, </a:t>
-            </a:r>
-            <a:r>
-              <a:rPr lang="ko-KR" altLang="en-US" dirty="0"/>
-              <a:t>이 값을 </a:t>
-            </a:r>
-            <a:r>
-              <a:rPr lang="en-US" altLang="ko-KR" dirty="0"/>
-              <a:t>update </a:t>
-            </a:r>
-            <a:r>
-              <a:rPr lang="ko-KR" altLang="en-US" dirty="0"/>
-              <a:t>하기도 함</a:t>
-            </a:r>
-            <a:r>
-              <a:rPr lang="en-US" altLang="ko-KR" dirty="0"/>
-              <a:t>.</a:t>
-            </a:r>
-          </a:p>
-          <a:p>
+              <a:t>제약조건에 주의</a:t>
+            </a:r>
+            <a:r>
+              <a:rPr lang="en-US" altLang="ko-KR" dirty="0"/>
+              <a:t>!!</a:t>
+            </a:r>
+            <a:endParaRPr lang="en-GB" dirty="0"/>
+          </a:p>
+          <a:p>
+            <a:pPr lvl="1"/>
             <a:r>
               <a:rPr lang="en-US" dirty="0"/>
-              <a:t>Update</a:t>
-            </a:r>
-            <a:r>
-              <a:rPr lang="ko-KR" altLang="en-US" dirty="0"/>
-              <a:t>와 마찬가지로</a:t>
-            </a:r>
-            <a:r>
-              <a:rPr lang="en-US" altLang="ko-KR" dirty="0"/>
-              <a:t>, </a:t>
-            </a:r>
-            <a:r>
-              <a:rPr lang="ko-KR" altLang="en-US" dirty="0"/>
-              <a:t>외래키 제약이 걸린 테이블에서 행을 삭제하는 경우</a:t>
-            </a:r>
-            <a:r>
-              <a:rPr lang="en-US" altLang="ko-KR" dirty="0"/>
-              <a:t>, </a:t>
-            </a:r>
-            <a:r>
-              <a:rPr lang="ko-KR" altLang="en-US" dirty="0"/>
-              <a:t>자식 테이블에 값도 적절하게 변경해주거나 삭제해주어야 하며</a:t>
-            </a:r>
-            <a:r>
-              <a:rPr lang="en-US" altLang="ko-KR" dirty="0"/>
-              <a:t>, </a:t>
-            </a:r>
-            <a:r>
-              <a:rPr lang="ko-KR" altLang="en-US" dirty="0"/>
-              <a:t>이는 테이블 생성 시</a:t>
-            </a:r>
-            <a:r>
-              <a:rPr lang="en-US" altLang="ko-KR" dirty="0"/>
-              <a:t>, </a:t>
-            </a:r>
-            <a:r>
-              <a:rPr lang="ko-KR" altLang="en-US" dirty="0"/>
-              <a:t>설정을 통해 해결 가능</a:t>
-            </a:r>
-            <a:endParaRPr lang="en-US" altLang="ko-KR" dirty="0"/>
-          </a:p>
-          <a:p>
-            <a:r>
-              <a:rPr lang="en-US" altLang="ko-KR" dirty="0">
-                <a:solidFill>
-                  <a:srgbClr val="0000CD"/>
-                </a:solidFill>
-                <a:latin typeface="Courier New" panose="02070309020205020404" pitchFamily="49" charset="0"/>
-                <a:cs typeface="Courier New" panose="02070309020205020404" pitchFamily="49" charset="0"/>
-              </a:rPr>
-              <a:t>Ex)</a:t>
-            </a:r>
-            <a:r>
-              <a:rPr lang="ko-KR" altLang="en-US" dirty="0">
-                <a:solidFill>
-                  <a:srgbClr val="0000CD"/>
-                </a:solidFill>
-                <a:latin typeface="Courier New" panose="02070309020205020404" pitchFamily="49" charset="0"/>
-                <a:cs typeface="Courier New" panose="02070309020205020404" pitchFamily="49" charset="0"/>
-              </a:rPr>
-              <a:t> </a:t>
-            </a:r>
-            <a:r>
-              <a:rPr kumimoji="0" lang="ko-KR" altLang="ko-KR" sz="2800" b="0" i="0" u="none" strike="noStrike" cap="none" normalizeH="0" baseline="0" dirty="0">
-                <a:ln>
-                  <a:noFill/>
-                </a:ln>
-                <a:solidFill>
-                  <a:srgbClr val="0000CD"/>
-                </a:solidFill>
-                <a:effectLst/>
-                <a:latin typeface="Courier New" panose="02070309020205020404" pitchFamily="49" charset="0"/>
-                <a:cs typeface="Courier New" panose="02070309020205020404" pitchFamily="49" charset="0"/>
-              </a:rPr>
-              <a:t>DELETE</a:t>
-            </a:r>
-            <a:r>
-              <a:rPr kumimoji="0" lang="ko-KR" altLang="ko-KR" sz="2800" b="0" i="0" u="none" strike="noStrike" cap="none" normalizeH="0" baseline="0" dirty="0">
-                <a:ln>
-                  <a:noFill/>
-                </a:ln>
-                <a:solidFill>
-                  <a:srgbClr val="000000"/>
-                </a:solidFill>
-                <a:effectLst/>
-                <a:latin typeface="Courier New" panose="02070309020205020404" pitchFamily="49" charset="0"/>
-                <a:cs typeface="Courier New" panose="02070309020205020404" pitchFamily="49" charset="0"/>
-              </a:rPr>
-              <a:t> </a:t>
-            </a:r>
-            <a:r>
-              <a:rPr kumimoji="0" lang="ko-KR" altLang="ko-KR" sz="2800" b="0" i="0" u="none" strike="noStrike" cap="none" normalizeH="0" baseline="0" dirty="0">
-                <a:ln>
-                  <a:noFill/>
-                </a:ln>
-                <a:solidFill>
-                  <a:srgbClr val="0000CD"/>
-                </a:solidFill>
-                <a:effectLst/>
-                <a:latin typeface="Courier New" panose="02070309020205020404" pitchFamily="49" charset="0"/>
-                <a:cs typeface="Courier New" panose="02070309020205020404" pitchFamily="49" charset="0"/>
-              </a:rPr>
-              <a:t>FROM</a:t>
-            </a:r>
-            <a:r>
-              <a:rPr kumimoji="0" lang="ko-KR" altLang="ko-KR" sz="2800" b="0" i="0" u="none" strike="noStrike" cap="none" normalizeH="0" baseline="0" dirty="0">
-                <a:ln>
-                  <a:noFill/>
-                </a:ln>
-                <a:solidFill>
-                  <a:srgbClr val="000000"/>
-                </a:solidFill>
-                <a:effectLst/>
-                <a:latin typeface="Courier New" panose="02070309020205020404" pitchFamily="49" charset="0"/>
-                <a:cs typeface="Courier New" panose="02070309020205020404" pitchFamily="49" charset="0"/>
-              </a:rPr>
-              <a:t> </a:t>
-            </a:r>
-            <a:r>
-              <a:rPr kumimoji="0" lang="ko-KR" altLang="ko-KR" sz="2800" b="0" i="1" u="none" strike="noStrike" cap="none" normalizeH="0" baseline="0" dirty="0">
-                <a:ln>
-                  <a:noFill/>
-                </a:ln>
-                <a:solidFill>
-                  <a:srgbClr val="000000"/>
-                </a:solidFill>
-                <a:effectLst/>
-                <a:latin typeface="Courier New" panose="02070309020205020404" pitchFamily="49" charset="0"/>
-                <a:cs typeface="Courier New" panose="02070309020205020404" pitchFamily="49" charset="0"/>
-              </a:rPr>
-              <a:t>table_name </a:t>
-            </a:r>
-            <a:r>
-              <a:rPr kumimoji="0" lang="ko-KR" altLang="ko-KR" sz="2800" b="0" i="0" u="none" strike="noStrike" cap="none" normalizeH="0" baseline="0" dirty="0">
-                <a:ln>
-                  <a:noFill/>
-                </a:ln>
-                <a:solidFill>
-                  <a:srgbClr val="0000CD"/>
-                </a:solidFill>
-                <a:effectLst/>
-                <a:latin typeface="Courier New" panose="02070309020205020404" pitchFamily="49" charset="0"/>
-                <a:cs typeface="Courier New" panose="02070309020205020404" pitchFamily="49" charset="0"/>
-              </a:rPr>
-              <a:t>WHERE</a:t>
-            </a:r>
-            <a:r>
-              <a:rPr kumimoji="0" lang="ko-KR" altLang="ko-KR" sz="2800" b="0" i="0" u="none" strike="noStrike" cap="none" normalizeH="0" baseline="0" dirty="0">
-                <a:ln>
-                  <a:noFill/>
-                </a:ln>
-                <a:solidFill>
-                  <a:srgbClr val="000000"/>
-                </a:solidFill>
-                <a:effectLst/>
-                <a:latin typeface="Courier New" panose="02070309020205020404" pitchFamily="49" charset="0"/>
-                <a:cs typeface="Courier New" panose="02070309020205020404" pitchFamily="49" charset="0"/>
-              </a:rPr>
-              <a:t> </a:t>
-            </a:r>
-            <a:r>
-              <a:rPr kumimoji="0" lang="ko-KR" altLang="ko-KR" sz="2800" b="0" i="1" u="none" strike="noStrike" cap="none" normalizeH="0" baseline="0" dirty="0">
-                <a:ln>
-                  <a:noFill/>
-                </a:ln>
-                <a:solidFill>
-                  <a:srgbClr val="000000"/>
-                </a:solidFill>
-                <a:effectLst/>
-                <a:latin typeface="Courier New" panose="02070309020205020404" pitchFamily="49" charset="0"/>
-                <a:cs typeface="Courier New" panose="02070309020205020404" pitchFamily="49" charset="0"/>
-              </a:rPr>
-              <a:t>condition</a:t>
-            </a:r>
-            <a:r>
-              <a:rPr kumimoji="0" lang="ko-KR" altLang="ko-KR" sz="2800" b="0" i="0" u="none" strike="noStrike" cap="none" normalizeH="0" baseline="0" dirty="0">
-                <a:ln>
-                  <a:noFill/>
-                </a:ln>
-                <a:solidFill>
-                  <a:srgbClr val="000000"/>
-                </a:solidFill>
-                <a:effectLst/>
-                <a:latin typeface="Courier New" panose="02070309020205020404" pitchFamily="49" charset="0"/>
-                <a:cs typeface="Courier New" panose="02070309020205020404" pitchFamily="49" charset="0"/>
-              </a:rPr>
-              <a:t>;</a:t>
-            </a:r>
-            <a:endParaRPr kumimoji="0" lang="en-US" altLang="ko-KR" sz="2800" b="0" i="0" u="none" strike="noStrike" cap="none" normalizeH="0" baseline="0" dirty="0">
-              <a:ln>
-                <a:noFill/>
-              </a:ln>
-              <a:solidFill>
-                <a:srgbClr val="000000"/>
-              </a:solidFill>
-              <a:effectLst/>
-              <a:latin typeface="Courier New" panose="02070309020205020404" pitchFamily="49" charset="0"/>
-              <a:cs typeface="Courier New" panose="02070309020205020404" pitchFamily="49" charset="0"/>
-            </a:endParaRPr>
+              <a:t>Unique </a:t>
+            </a:r>
+            <a:r>
+              <a:rPr lang="ko-KR" altLang="en-US" dirty="0"/>
+              <a:t>제약조건</a:t>
+            </a:r>
+            <a:r>
+              <a:rPr lang="en-US" altLang="ko-KR" dirty="0"/>
+              <a:t>(</a:t>
+            </a:r>
+            <a:r>
+              <a:rPr lang="ko-KR" altLang="en-US" dirty="0"/>
+              <a:t>특정 필드의 값은 모든 행을 통틀어 하나</a:t>
+            </a:r>
+            <a:r>
+              <a:rPr lang="en-US" altLang="ko-KR" dirty="0"/>
+              <a:t>)</a:t>
+            </a:r>
           </a:p>
           <a:p>
             <a:pPr lvl="1"/>
             <a:r>
-              <a:rPr kumimoji="0" lang="en-US" altLang="ko-KR" sz="1600" b="0" i="0" u="none" strike="noStrike" cap="none" normalizeH="0" baseline="0" dirty="0">
-                <a:ln>
-                  <a:noFill/>
-                </a:ln>
-                <a:solidFill>
-                  <a:srgbClr val="000000"/>
-                </a:solidFill>
-                <a:effectLst/>
-                <a:latin typeface="Courier New" panose="02070309020205020404" pitchFamily="49" charset="0"/>
-                <a:cs typeface="Courier New" panose="02070309020205020404" pitchFamily="49" charset="0"/>
-              </a:rPr>
-              <a:t>Update</a:t>
-            </a:r>
-            <a:r>
-              <a:rPr kumimoji="0" lang="ko-KR" altLang="en-US" sz="1600" b="0" i="0" u="none" strike="noStrike" cap="none" normalizeH="0" baseline="0" dirty="0">
-                <a:ln>
-                  <a:noFill/>
-                </a:ln>
-                <a:solidFill>
-                  <a:srgbClr val="000000"/>
-                </a:solidFill>
-                <a:effectLst/>
-                <a:latin typeface="Courier New" panose="02070309020205020404" pitchFamily="49" charset="0"/>
-                <a:cs typeface="Courier New" panose="02070309020205020404" pitchFamily="49" charset="0"/>
-              </a:rPr>
-              <a:t>와 마찬가지로</a:t>
-            </a:r>
-            <a:r>
-              <a:rPr kumimoji="0" lang="en-US" altLang="ko-KR" sz="1600" b="0" i="0" u="none" strike="noStrike" cap="none" normalizeH="0" baseline="0" dirty="0">
-                <a:ln>
-                  <a:noFill/>
-                </a:ln>
-                <a:solidFill>
-                  <a:srgbClr val="000000"/>
-                </a:solidFill>
-                <a:effectLst/>
-                <a:latin typeface="Courier New" panose="02070309020205020404" pitchFamily="49" charset="0"/>
-                <a:cs typeface="Courier New" panose="02070309020205020404" pitchFamily="49" charset="0"/>
-              </a:rPr>
-              <a:t>, where</a:t>
-            </a:r>
-            <a:r>
-              <a:rPr kumimoji="0" lang="ko-KR" altLang="en-US" sz="1600" b="0" i="0" u="none" strike="noStrike" cap="none" normalizeH="0" baseline="0" dirty="0">
-                <a:ln>
-                  <a:noFill/>
-                </a:ln>
-                <a:solidFill>
-                  <a:srgbClr val="000000"/>
-                </a:solidFill>
-                <a:effectLst/>
-                <a:latin typeface="Courier New" panose="02070309020205020404" pitchFamily="49" charset="0"/>
-                <a:cs typeface="Courier New" panose="02070309020205020404" pitchFamily="49" charset="0"/>
-              </a:rPr>
-              <a:t>에 해당하는 모든 행을 삭제하기 때문에</a:t>
-            </a:r>
-            <a:r>
-              <a:rPr kumimoji="0" lang="en-US" altLang="ko-KR" sz="1600" b="0" i="0" u="none" strike="noStrike" cap="none" normalizeH="0" baseline="0" dirty="0">
-                <a:ln>
-                  <a:noFill/>
-                </a:ln>
-                <a:solidFill>
-                  <a:srgbClr val="000000"/>
-                </a:solidFill>
-                <a:effectLst/>
-                <a:latin typeface="Courier New" panose="02070309020205020404" pitchFamily="49" charset="0"/>
-                <a:cs typeface="Courier New" panose="02070309020205020404" pitchFamily="49" charset="0"/>
-              </a:rPr>
-              <a:t>, </a:t>
-            </a:r>
-            <a:r>
-              <a:rPr kumimoji="0" lang="ko-KR" altLang="en-US" sz="1600" b="0" i="0" u="none" strike="noStrike" cap="none" normalizeH="0" baseline="0" dirty="0">
-                <a:ln>
-                  <a:noFill/>
-                </a:ln>
-                <a:solidFill>
-                  <a:srgbClr val="000000"/>
-                </a:solidFill>
-                <a:effectLst/>
-                <a:latin typeface="Courier New" panose="02070309020205020404" pitchFamily="49" charset="0"/>
-                <a:cs typeface="Courier New" panose="02070309020205020404" pitchFamily="49" charset="0"/>
-              </a:rPr>
-              <a:t>매우 위험한 명령어임</a:t>
-            </a:r>
-            <a:endParaRPr kumimoji="0" lang="ko-KR" altLang="ko-KR" sz="1600" b="0" i="0" u="none" strike="noStrike" cap="none" normalizeH="0" baseline="0" dirty="0">
-              <a:ln>
-                <a:noFill/>
-              </a:ln>
-              <a:solidFill>
-                <a:schemeClr val="tx1"/>
-              </a:solidFill>
-              <a:effectLst/>
-            </a:endParaRPr>
+              <a:rPr lang="ko-KR" altLang="en-US" dirty="0"/>
+              <a:t>데이터 타입에 주의</a:t>
+            </a:r>
+            <a:r>
+              <a:rPr lang="en-US" altLang="ko-KR" dirty="0"/>
+              <a:t>(</a:t>
+            </a:r>
+            <a:r>
+              <a:rPr lang="ko-KR" altLang="en-US" dirty="0"/>
+              <a:t>숫자타입의 필드에 문자열을 </a:t>
+            </a:r>
+            <a:r>
+              <a:rPr lang="en-US" altLang="ko-KR" dirty="0"/>
+              <a:t>insert</a:t>
+            </a:r>
+            <a:r>
+              <a:rPr lang="ko-KR" altLang="en-US" dirty="0"/>
+              <a:t>하면 실패</a:t>
+            </a:r>
+            <a:r>
+              <a:rPr lang="en-US" altLang="ko-KR" dirty="0"/>
+              <a:t>)</a:t>
+            </a:r>
+          </a:p>
+          <a:p>
+            <a:pPr marL="457200" lvl="1" indent="0">
+              <a:buNone/>
+            </a:pPr>
+            <a:endParaRPr lang="en-US" dirty="0"/>
+          </a:p>
+          <a:p>
+            <a:endParaRPr lang="en-US" dirty="0"/>
           </a:p>
           <a:p>
             <a:endParaRPr lang="en-GB" dirty="0"/>
@@ -11827,7 +12203,7 @@
     </p:spTree>
     <p:extLst>
       <p:ext uri="{BB962C8B-B14F-4D97-AF65-F5344CB8AC3E}">
-        <p14:creationId xmlns:p14="http://schemas.microsoft.com/office/powerpoint/2010/main" val="1783356352"/>
+        <p14:creationId xmlns:p14="http://schemas.microsoft.com/office/powerpoint/2010/main" val="2436114077"/>
       </p:ext>
     </p:extLst>
   </p:cSld>
@@ -11859,6 +12235,1125 @@
           <p:cNvPr id="2" name="Title 1">
             <a:extLst>
               <a:ext uri="{FF2B5EF4-FFF2-40B4-BE49-F238E27FC236}">
+                <a16:creationId xmlns:a16="http://schemas.microsoft.com/office/drawing/2014/main" id="{E0858DA9-4044-AA45-EEE7-B517B33F2184}"/>
+              </a:ext>
+            </a:extLst>
+          </p:cNvPr>
+          <p:cNvSpPr>
+            <a:spLocks noGrp="1"/>
+          </p:cNvSpPr>
+          <p:nvPr>
+            <p:ph type="title"/>
+          </p:nvPr>
+        </p:nvSpPr>
+        <p:spPr/>
+        <p:txBody>
+          <a:bodyPr/>
+          <a:lstStyle/>
+          <a:p>
+            <a:r>
+              <a:rPr lang="en-GB" dirty="0"/>
+              <a:t>Update - update</a:t>
+            </a:r>
+          </a:p>
+        </p:txBody>
+      </p:sp>
+      <p:sp>
+        <p:nvSpPr>
+          <p:cNvPr id="3" name="Content Placeholder 2">
+            <a:extLst>
+              <a:ext uri="{FF2B5EF4-FFF2-40B4-BE49-F238E27FC236}">
+                <a16:creationId xmlns:a16="http://schemas.microsoft.com/office/drawing/2014/main" id="{E825BCE5-DFF9-56B9-6F5A-235887A6B1A6}"/>
+              </a:ext>
+            </a:extLst>
+          </p:cNvPr>
+          <p:cNvSpPr>
+            <a:spLocks noGrp="1"/>
+          </p:cNvSpPr>
+          <p:nvPr>
+            <p:ph idx="1"/>
+          </p:nvPr>
+        </p:nvSpPr>
+        <p:spPr/>
+        <p:txBody>
+          <a:bodyPr>
+            <a:normAutofit fontScale="92500" lnSpcReduction="10000"/>
+          </a:bodyPr>
+          <a:lstStyle/>
+          <a:p>
+            <a:r>
+              <a:rPr lang="ko-KR" altLang="en-US" dirty="0">
+                <a:latin typeface="Courier New" panose="02070309020205020404" pitchFamily="49" charset="0"/>
+              </a:rPr>
+              <a:t>테이블의 행의 특정 필드를 변경하고자 할 때</a:t>
+            </a:r>
+            <a:r>
+              <a:rPr lang="en-US" altLang="ko-KR" dirty="0">
+                <a:latin typeface="Courier New" panose="02070309020205020404" pitchFamily="49" charset="0"/>
+              </a:rPr>
+              <a:t>, </a:t>
+            </a:r>
+            <a:r>
+              <a:rPr lang="ko-KR" altLang="en-US" dirty="0">
+                <a:latin typeface="Courier New" panose="02070309020205020404" pitchFamily="49" charset="0"/>
+              </a:rPr>
+              <a:t>사용</a:t>
+            </a:r>
+            <a:r>
+              <a:rPr lang="en-US" altLang="ko-KR" dirty="0">
+                <a:latin typeface="Courier New" panose="02070309020205020404" pitchFamily="49" charset="0"/>
+              </a:rPr>
+              <a:t>.</a:t>
+            </a:r>
+          </a:p>
+          <a:p>
+            <a:r>
+              <a:rPr lang="ko-KR" altLang="en-US" dirty="0">
+                <a:latin typeface="Courier New" panose="02070309020205020404" pitchFamily="49" charset="0"/>
+              </a:rPr>
+              <a:t>조건에 맞는 모든 행에 대하여 필드를 변경하기 때문에</a:t>
+            </a:r>
+            <a:r>
+              <a:rPr lang="en-US" altLang="ko-KR" dirty="0">
+                <a:latin typeface="Courier New" panose="02070309020205020404" pitchFamily="49" charset="0"/>
+              </a:rPr>
+              <a:t>, </a:t>
+            </a:r>
+            <a:r>
+              <a:rPr lang="ko-KR" altLang="en-US" dirty="0">
+                <a:latin typeface="Courier New" panose="02070309020205020404" pitchFamily="49" charset="0"/>
+              </a:rPr>
+              <a:t>주의해서 사용해야 함</a:t>
+            </a:r>
+            <a:r>
+              <a:rPr lang="en-US" altLang="ko-KR" dirty="0">
+                <a:latin typeface="Courier New" panose="02070309020205020404" pitchFamily="49" charset="0"/>
+              </a:rPr>
+              <a:t>.</a:t>
+            </a:r>
+          </a:p>
+          <a:p>
+            <a:r>
+              <a:rPr lang="ko-KR" altLang="en-US" dirty="0">
+                <a:latin typeface="Courier New" panose="02070309020205020404" pitchFamily="49" charset="0"/>
+              </a:rPr>
+              <a:t>외래키 제약조건이 걸린 필드를 변경하고자 할 때는</a:t>
+            </a:r>
+            <a:r>
+              <a:rPr lang="en-US" altLang="ko-KR" dirty="0">
+                <a:latin typeface="Courier New" panose="02070309020205020404" pitchFamily="49" charset="0"/>
+              </a:rPr>
+              <a:t>, </a:t>
+            </a:r>
+            <a:r>
+              <a:rPr lang="ko-KR" altLang="en-US" dirty="0">
+                <a:latin typeface="Courier New" panose="02070309020205020404" pitchFamily="49" charset="0"/>
+              </a:rPr>
+              <a:t>자식 테이블에 존재하는 값까지 변경해주어야 하며</a:t>
+            </a:r>
+            <a:r>
+              <a:rPr lang="en-US" altLang="ko-KR" dirty="0">
+                <a:latin typeface="Courier New" panose="02070309020205020404" pitchFamily="49" charset="0"/>
+              </a:rPr>
+              <a:t>, </a:t>
+            </a:r>
+            <a:r>
+              <a:rPr lang="ko-KR" altLang="en-US" dirty="0">
+                <a:latin typeface="Courier New" panose="02070309020205020404" pitchFamily="49" charset="0"/>
+              </a:rPr>
+              <a:t>이는 설정을 통해 자동화 가능</a:t>
+            </a:r>
+            <a:endParaRPr lang="en-US" altLang="ko-KR" dirty="0">
+              <a:latin typeface="Courier New" panose="02070309020205020404" pitchFamily="49" charset="0"/>
+            </a:endParaRPr>
+          </a:p>
+          <a:p>
+            <a:pPr lvl="1"/>
+            <a:r>
+              <a:rPr lang="ko-KR" altLang="en-US" dirty="0">
+                <a:latin typeface="Courier New" panose="02070309020205020404" pitchFamily="49" charset="0"/>
+              </a:rPr>
+              <a:t>그러나</a:t>
+            </a:r>
+            <a:r>
+              <a:rPr lang="en-US" altLang="ko-KR" dirty="0">
+                <a:latin typeface="Courier New" panose="02070309020205020404" pitchFamily="49" charset="0"/>
+              </a:rPr>
+              <a:t>, </a:t>
+            </a:r>
+            <a:r>
+              <a:rPr lang="ko-KR" altLang="en-US" dirty="0">
+                <a:latin typeface="Courier New" panose="02070309020205020404" pitchFamily="49" charset="0"/>
+              </a:rPr>
+              <a:t>보통 외래키로 걸린 값은 변경되지 않는 값으로 설정하는 것이 기본이며</a:t>
+            </a:r>
+            <a:r>
+              <a:rPr lang="en-US" altLang="ko-KR" dirty="0">
+                <a:latin typeface="Courier New" panose="02070309020205020404" pitchFamily="49" charset="0"/>
+              </a:rPr>
+              <a:t>, </a:t>
+            </a:r>
+            <a:r>
+              <a:rPr lang="ko-KR" altLang="en-US" dirty="0">
+                <a:latin typeface="Courier New" panose="02070309020205020404" pitchFamily="49" charset="0"/>
+              </a:rPr>
+              <a:t>만약 변경되는 값이라면</a:t>
+            </a:r>
+            <a:r>
+              <a:rPr lang="en-US" altLang="ko-KR" dirty="0">
+                <a:latin typeface="Courier New" panose="02070309020205020404" pitchFamily="49" charset="0"/>
+              </a:rPr>
+              <a:t>, </a:t>
+            </a:r>
+            <a:r>
+              <a:rPr lang="ko-KR" altLang="en-US" dirty="0">
+                <a:latin typeface="Courier New" panose="02070309020205020404" pitchFamily="49" charset="0"/>
+              </a:rPr>
+              <a:t>다른 값을 사용하는 편이 유리함</a:t>
+            </a:r>
+            <a:r>
+              <a:rPr lang="en-US" altLang="ko-KR" dirty="0">
+                <a:latin typeface="Courier New" panose="02070309020205020404" pitchFamily="49" charset="0"/>
+              </a:rPr>
+              <a:t>.</a:t>
+            </a:r>
+          </a:p>
+          <a:p>
+            <a:r>
+              <a:rPr lang="en-US" altLang="ko-KR" dirty="0">
+                <a:solidFill>
+                  <a:srgbClr val="0000CD"/>
+                </a:solidFill>
+                <a:latin typeface="Courier New" panose="02070309020205020404" pitchFamily="49" charset="0"/>
+              </a:rPr>
+              <a:t>Ex)</a:t>
+            </a:r>
+            <a:endParaRPr lang="en-US" altLang="ko-KR" b="0" i="0" dirty="0">
+              <a:solidFill>
+                <a:srgbClr val="0000CD"/>
+              </a:solidFill>
+              <a:effectLst/>
+              <a:latin typeface="Courier New" panose="02070309020205020404" pitchFamily="49" charset="0"/>
+            </a:endParaRPr>
+          </a:p>
+          <a:p>
+            <a:pPr marL="457200" lvl="1" indent="0">
+              <a:buNone/>
+            </a:pPr>
+            <a:r>
+              <a:rPr lang="en-US" altLang="ko-KR" b="0" i="0" dirty="0">
+                <a:solidFill>
+                  <a:srgbClr val="0000CD"/>
+                </a:solidFill>
+                <a:effectLst/>
+                <a:latin typeface="Courier New" panose="02070309020205020404" pitchFamily="49" charset="0"/>
+              </a:rPr>
+              <a:t>UPDATE</a:t>
+            </a:r>
+            <a:r>
+              <a:rPr lang="en-US" altLang="ko-KR" b="0" i="0" dirty="0">
+                <a:solidFill>
+                  <a:srgbClr val="000000"/>
+                </a:solidFill>
+                <a:effectLst/>
+                <a:latin typeface="Courier New" panose="02070309020205020404" pitchFamily="49" charset="0"/>
+              </a:rPr>
+              <a:t> </a:t>
+            </a:r>
+            <a:r>
+              <a:rPr lang="en-US" altLang="ko-KR" b="0" i="1" dirty="0" err="1">
+                <a:solidFill>
+                  <a:srgbClr val="000000"/>
+                </a:solidFill>
+                <a:effectLst/>
+                <a:latin typeface="Courier New" panose="02070309020205020404" pitchFamily="49" charset="0"/>
+              </a:rPr>
+              <a:t>table_name</a:t>
+            </a:r>
+            <a:br>
+              <a:rPr lang="en-US" altLang="ko-KR" dirty="0"/>
+            </a:br>
+            <a:r>
+              <a:rPr lang="en-US" altLang="ko-KR" b="0" i="0" dirty="0">
+                <a:solidFill>
+                  <a:srgbClr val="0000CD"/>
+                </a:solidFill>
+                <a:effectLst/>
+                <a:latin typeface="Courier New" panose="02070309020205020404" pitchFamily="49" charset="0"/>
+              </a:rPr>
+              <a:t>SET</a:t>
+            </a:r>
+            <a:r>
+              <a:rPr lang="en-US" altLang="ko-KR" b="0" i="0" dirty="0">
+                <a:solidFill>
+                  <a:srgbClr val="000000"/>
+                </a:solidFill>
+                <a:effectLst/>
+                <a:latin typeface="Courier New" panose="02070309020205020404" pitchFamily="49" charset="0"/>
+              </a:rPr>
+              <a:t> </a:t>
+            </a:r>
+            <a:r>
+              <a:rPr lang="en-US" altLang="ko-KR" b="0" i="1" dirty="0">
+                <a:solidFill>
+                  <a:srgbClr val="000000"/>
+                </a:solidFill>
+                <a:effectLst/>
+                <a:latin typeface="Courier New" panose="02070309020205020404" pitchFamily="49" charset="0"/>
+              </a:rPr>
+              <a:t>column1 </a:t>
+            </a:r>
+            <a:r>
+              <a:rPr lang="en-US" altLang="ko-KR" b="0" i="0" dirty="0">
+                <a:solidFill>
+                  <a:srgbClr val="000000"/>
+                </a:solidFill>
+                <a:effectLst/>
+                <a:latin typeface="Courier New" panose="02070309020205020404" pitchFamily="49" charset="0"/>
+              </a:rPr>
+              <a:t>=</a:t>
+            </a:r>
+            <a:r>
+              <a:rPr lang="en-US" altLang="ko-KR" b="0" i="1" dirty="0">
+                <a:solidFill>
+                  <a:srgbClr val="000000"/>
+                </a:solidFill>
+                <a:effectLst/>
+                <a:latin typeface="Courier New" panose="02070309020205020404" pitchFamily="49" charset="0"/>
+              </a:rPr>
+              <a:t> value1</a:t>
+            </a:r>
+            <a:r>
+              <a:rPr lang="en-US" altLang="ko-KR" b="0" i="0" dirty="0">
+                <a:solidFill>
+                  <a:srgbClr val="000000"/>
+                </a:solidFill>
+                <a:effectLst/>
+                <a:latin typeface="Courier New" panose="02070309020205020404" pitchFamily="49" charset="0"/>
+              </a:rPr>
+              <a:t>,</a:t>
+            </a:r>
+            <a:r>
+              <a:rPr lang="en-US" altLang="ko-KR" b="0" i="1" dirty="0">
+                <a:solidFill>
+                  <a:srgbClr val="000000"/>
+                </a:solidFill>
+                <a:effectLst/>
+                <a:latin typeface="Courier New" panose="02070309020205020404" pitchFamily="49" charset="0"/>
+              </a:rPr>
+              <a:t> column2 </a:t>
+            </a:r>
+            <a:r>
+              <a:rPr lang="en-US" altLang="ko-KR" b="0" i="0" dirty="0">
+                <a:solidFill>
+                  <a:srgbClr val="000000"/>
+                </a:solidFill>
+                <a:effectLst/>
+                <a:latin typeface="Courier New" panose="02070309020205020404" pitchFamily="49" charset="0"/>
+              </a:rPr>
+              <a:t>=</a:t>
+            </a:r>
+            <a:r>
+              <a:rPr lang="en-US" altLang="ko-KR" b="0" i="1" dirty="0">
+                <a:solidFill>
+                  <a:srgbClr val="000000"/>
+                </a:solidFill>
+                <a:effectLst/>
+                <a:latin typeface="Courier New" panose="02070309020205020404" pitchFamily="49" charset="0"/>
+              </a:rPr>
+              <a:t> value2</a:t>
+            </a:r>
+            <a:r>
+              <a:rPr lang="en-US" altLang="ko-KR" b="0" i="0" dirty="0">
+                <a:solidFill>
+                  <a:srgbClr val="000000"/>
+                </a:solidFill>
+                <a:effectLst/>
+                <a:latin typeface="Courier New" panose="02070309020205020404" pitchFamily="49" charset="0"/>
+              </a:rPr>
+              <a:t>, ...</a:t>
+            </a:r>
+            <a:br>
+              <a:rPr lang="en-US" altLang="ko-KR" dirty="0"/>
+            </a:br>
+            <a:r>
+              <a:rPr lang="en-US" altLang="ko-KR" b="0" i="0" dirty="0">
+                <a:solidFill>
+                  <a:srgbClr val="0000CD"/>
+                </a:solidFill>
+                <a:effectLst/>
+                <a:latin typeface="Courier New" panose="02070309020205020404" pitchFamily="49" charset="0"/>
+              </a:rPr>
+              <a:t>WHERE</a:t>
+            </a:r>
+            <a:r>
+              <a:rPr lang="en-US" altLang="ko-KR" b="0" i="0" dirty="0">
+                <a:solidFill>
+                  <a:srgbClr val="000000"/>
+                </a:solidFill>
+                <a:effectLst/>
+                <a:latin typeface="Courier New" panose="02070309020205020404" pitchFamily="49" charset="0"/>
+              </a:rPr>
+              <a:t> </a:t>
+            </a:r>
+            <a:r>
+              <a:rPr lang="en-US" altLang="ko-KR" b="0" i="1" dirty="0">
+                <a:solidFill>
+                  <a:srgbClr val="000000"/>
+                </a:solidFill>
+                <a:effectLst/>
+                <a:latin typeface="Courier New" panose="02070309020205020404" pitchFamily="49" charset="0"/>
+              </a:rPr>
+              <a:t>condition</a:t>
+            </a:r>
+            <a:r>
+              <a:rPr lang="en-US" altLang="ko-KR" b="0" i="0" dirty="0">
+                <a:solidFill>
+                  <a:srgbClr val="000000"/>
+                </a:solidFill>
+                <a:effectLst/>
+                <a:latin typeface="Courier New" panose="02070309020205020404" pitchFamily="49" charset="0"/>
+              </a:rPr>
+              <a:t>;</a:t>
+            </a:r>
+          </a:p>
+          <a:p>
+            <a:pPr marL="457200" lvl="1" indent="0">
+              <a:buNone/>
+            </a:pPr>
+            <a:endParaRPr lang="en-US" altLang="ko-KR" dirty="0">
+              <a:solidFill>
+                <a:srgbClr val="000000"/>
+              </a:solidFill>
+              <a:latin typeface="Courier New" panose="02070309020205020404" pitchFamily="49" charset="0"/>
+            </a:endParaRPr>
+          </a:p>
+          <a:p>
+            <a:pPr marL="457200" lvl="1" indent="0">
+              <a:buNone/>
+            </a:pPr>
+            <a:endParaRPr lang="en-US" altLang="ko-KR" b="0" i="0" dirty="0">
+              <a:solidFill>
+                <a:srgbClr val="000000"/>
+              </a:solidFill>
+              <a:effectLst/>
+              <a:latin typeface="Courier New" panose="02070309020205020404" pitchFamily="49" charset="0"/>
+            </a:endParaRPr>
+          </a:p>
+          <a:p>
+            <a:pPr marL="457200" lvl="1" indent="0">
+              <a:buNone/>
+            </a:pPr>
+            <a:endParaRPr lang="en-US" dirty="0">
+              <a:solidFill>
+                <a:srgbClr val="000000"/>
+              </a:solidFill>
+              <a:latin typeface="Courier New" panose="02070309020205020404" pitchFamily="49" charset="0"/>
+            </a:endParaRPr>
+          </a:p>
+        </p:txBody>
+      </p:sp>
+    </p:spTree>
+    <p:extLst>
+      <p:ext uri="{BB962C8B-B14F-4D97-AF65-F5344CB8AC3E}">
+        <p14:creationId xmlns:p14="http://schemas.microsoft.com/office/powerpoint/2010/main" val="903182003"/>
+      </p:ext>
+    </p:extLst>
+  </p:cSld>
+  <p:clrMapOvr>
+    <a:masterClrMapping/>
+  </p:clrMapOvr>
+</p:sld>
+</file>
+
+<file path=ppt/slides/slide34.xml><?xml version="1.0" encoding="utf-8"?>
+<p:sld xmlns:a="http://schemas.openxmlformats.org/drawingml/2006/main" xmlns:r="http://schemas.openxmlformats.org/officeDocument/2006/relationships" xmlns:p="http://schemas.openxmlformats.org/presentationml/2006/main">
+  <p:cSld>
+    <p:spTree>
+      <p:nvGrpSpPr>
+        <p:cNvPr id="1" name=""/>
+        <p:cNvGrpSpPr/>
+        <p:nvPr/>
+      </p:nvGrpSpPr>
+      <p:grpSpPr>
+        <a:xfrm>
+          <a:off x="0" y="0"/>
+          <a:ext cx="0" cy="0"/>
+          <a:chOff x="0" y="0"/>
+          <a:chExt cx="0" cy="0"/>
+        </a:xfrm>
+      </p:grpSpPr>
+      <p:sp>
+        <p:nvSpPr>
+          <p:cNvPr id="2" name="Title 1">
+            <a:extLst>
+              <a:ext uri="{FF2B5EF4-FFF2-40B4-BE49-F238E27FC236}">
+                <a16:creationId xmlns:a16="http://schemas.microsoft.com/office/drawing/2014/main" id="{5D7E4B87-85CC-55CB-1AAE-ADD445C086FF}"/>
+              </a:ext>
+            </a:extLst>
+          </p:cNvPr>
+          <p:cNvSpPr>
+            <a:spLocks noGrp="1"/>
+          </p:cNvSpPr>
+          <p:nvPr>
+            <p:ph type="title"/>
+          </p:nvPr>
+        </p:nvSpPr>
+        <p:spPr/>
+        <p:txBody>
+          <a:bodyPr/>
+          <a:lstStyle/>
+          <a:p>
+            <a:r>
+              <a:rPr lang="en-GB" dirty="0"/>
+              <a:t>Delete - delete</a:t>
+            </a:r>
+          </a:p>
+        </p:txBody>
+      </p:sp>
+      <p:sp>
+        <p:nvSpPr>
+          <p:cNvPr id="3" name="Content Placeholder 2">
+            <a:extLst>
+              <a:ext uri="{FF2B5EF4-FFF2-40B4-BE49-F238E27FC236}">
+                <a16:creationId xmlns:a16="http://schemas.microsoft.com/office/drawing/2014/main" id="{869FB68E-2381-08AB-5BD7-EECE2DF285F1}"/>
+              </a:ext>
+            </a:extLst>
+          </p:cNvPr>
+          <p:cNvSpPr>
+            <a:spLocks noGrp="1"/>
+          </p:cNvSpPr>
+          <p:nvPr>
+            <p:ph idx="1"/>
+          </p:nvPr>
+        </p:nvSpPr>
+        <p:spPr/>
+        <p:txBody>
+          <a:bodyPr/>
+          <a:lstStyle/>
+          <a:p>
+            <a:r>
+              <a:rPr lang="ko-KR" altLang="en-US" dirty="0"/>
+              <a:t>테이블의 행을 삭제할 때 사용할 수 있는 명령어</a:t>
+            </a:r>
+            <a:endParaRPr lang="en-US" altLang="ko-KR" dirty="0"/>
+          </a:p>
+          <a:p>
+            <a:r>
+              <a:rPr lang="ko-KR" altLang="en-US" dirty="0"/>
+              <a:t>그러나 보통 </a:t>
+            </a:r>
+            <a:r>
+              <a:rPr lang="en-US" altLang="ko-KR" dirty="0"/>
+              <a:t>delete</a:t>
+            </a:r>
+            <a:r>
+              <a:rPr lang="ko-KR" altLang="en-US" dirty="0"/>
+              <a:t> 명령어는 매우 위험한 명령이기 때문에</a:t>
+            </a:r>
+            <a:r>
+              <a:rPr lang="en-US" altLang="ko-KR" dirty="0"/>
+              <a:t>, </a:t>
+            </a:r>
+            <a:r>
+              <a:rPr lang="ko-KR" altLang="en-US" dirty="0"/>
+              <a:t>개발팀에 따라서는 </a:t>
+            </a:r>
+            <a:r>
+              <a:rPr lang="en-US" altLang="ko-KR" dirty="0"/>
+              <a:t>delete </a:t>
+            </a:r>
+            <a:r>
+              <a:rPr lang="ko-KR" altLang="en-US" dirty="0"/>
+              <a:t>명령어를 사용하기 보다는</a:t>
+            </a:r>
+            <a:r>
+              <a:rPr lang="en-US" altLang="ko-KR" dirty="0"/>
+              <a:t>, </a:t>
+            </a:r>
+            <a:r>
+              <a:rPr lang="ko-KR" altLang="en-US" dirty="0"/>
+              <a:t>삭제 여부를 기록하는 </a:t>
+            </a:r>
+            <a:r>
+              <a:rPr lang="en-US" altLang="ko-KR" dirty="0"/>
+              <a:t>flag</a:t>
+            </a:r>
+            <a:r>
+              <a:rPr lang="ko-KR" altLang="en-US" dirty="0"/>
+              <a:t>를 설정하고</a:t>
+            </a:r>
+            <a:r>
+              <a:rPr lang="en-US" altLang="ko-KR" dirty="0"/>
+              <a:t>, </a:t>
+            </a:r>
+            <a:r>
+              <a:rPr lang="ko-KR" altLang="en-US" dirty="0"/>
+              <a:t>이 값을 </a:t>
+            </a:r>
+            <a:r>
+              <a:rPr lang="en-US" altLang="ko-KR" dirty="0"/>
+              <a:t>update </a:t>
+            </a:r>
+            <a:r>
+              <a:rPr lang="ko-KR" altLang="en-US" dirty="0"/>
+              <a:t>하기도 함</a:t>
+            </a:r>
+            <a:r>
+              <a:rPr lang="en-US" altLang="ko-KR" dirty="0"/>
+              <a:t>.</a:t>
+            </a:r>
+          </a:p>
+          <a:p>
+            <a:r>
+              <a:rPr lang="en-US" dirty="0"/>
+              <a:t>Update</a:t>
+            </a:r>
+            <a:r>
+              <a:rPr lang="ko-KR" altLang="en-US" dirty="0"/>
+              <a:t>와 마찬가지로</a:t>
+            </a:r>
+            <a:r>
+              <a:rPr lang="en-US" altLang="ko-KR" dirty="0"/>
+              <a:t>, </a:t>
+            </a:r>
+            <a:r>
+              <a:rPr lang="ko-KR" altLang="en-US" dirty="0"/>
+              <a:t>외래키 제약이 걸린 테이블에서 행을 삭제하는 경우</a:t>
+            </a:r>
+            <a:r>
+              <a:rPr lang="en-US" altLang="ko-KR" dirty="0"/>
+              <a:t>, </a:t>
+            </a:r>
+            <a:r>
+              <a:rPr lang="ko-KR" altLang="en-US" dirty="0"/>
+              <a:t>자식 테이블에 값도 적절하게 변경해주거나 삭제해주어야 하며</a:t>
+            </a:r>
+            <a:r>
+              <a:rPr lang="en-US" altLang="ko-KR" dirty="0"/>
+              <a:t>, </a:t>
+            </a:r>
+            <a:r>
+              <a:rPr lang="ko-KR" altLang="en-US" dirty="0"/>
+              <a:t>이는 테이블 생성 시</a:t>
+            </a:r>
+            <a:r>
+              <a:rPr lang="en-US" altLang="ko-KR" dirty="0"/>
+              <a:t>, </a:t>
+            </a:r>
+            <a:r>
+              <a:rPr lang="ko-KR" altLang="en-US" dirty="0"/>
+              <a:t>설정을 통해 해결 가능</a:t>
+            </a:r>
+            <a:endParaRPr lang="en-US" altLang="ko-KR" dirty="0"/>
+          </a:p>
+          <a:p>
+            <a:r>
+              <a:rPr lang="en-US" altLang="ko-KR" dirty="0">
+                <a:solidFill>
+                  <a:srgbClr val="0000CD"/>
+                </a:solidFill>
+                <a:latin typeface="Courier New" panose="02070309020205020404" pitchFamily="49" charset="0"/>
+                <a:cs typeface="Courier New" panose="02070309020205020404" pitchFamily="49" charset="0"/>
+              </a:rPr>
+              <a:t>Ex)</a:t>
+            </a:r>
+            <a:r>
+              <a:rPr lang="ko-KR" altLang="en-US" dirty="0">
+                <a:solidFill>
+                  <a:srgbClr val="0000CD"/>
+                </a:solidFill>
+                <a:latin typeface="Courier New" panose="02070309020205020404" pitchFamily="49" charset="0"/>
+                <a:cs typeface="Courier New" panose="02070309020205020404" pitchFamily="49" charset="0"/>
+              </a:rPr>
+              <a:t> </a:t>
+            </a:r>
+            <a:r>
+              <a:rPr kumimoji="0" lang="ko-KR" altLang="ko-KR" sz="2800" b="0" i="0" u="none" strike="noStrike" cap="none" normalizeH="0" baseline="0" dirty="0">
+                <a:ln>
+                  <a:noFill/>
+                </a:ln>
+                <a:solidFill>
+                  <a:srgbClr val="0000CD"/>
+                </a:solidFill>
+                <a:effectLst/>
+                <a:latin typeface="Courier New" panose="02070309020205020404" pitchFamily="49" charset="0"/>
+                <a:cs typeface="Courier New" panose="02070309020205020404" pitchFamily="49" charset="0"/>
+              </a:rPr>
+              <a:t>DELETE</a:t>
+            </a:r>
+            <a:r>
+              <a:rPr kumimoji="0" lang="ko-KR" altLang="ko-KR" sz="2800" b="0" i="0" u="none" strike="noStrike" cap="none" normalizeH="0" baseline="0" dirty="0">
+                <a:ln>
+                  <a:noFill/>
+                </a:ln>
+                <a:solidFill>
+                  <a:srgbClr val="000000"/>
+                </a:solidFill>
+                <a:effectLst/>
+                <a:latin typeface="Courier New" panose="02070309020205020404" pitchFamily="49" charset="0"/>
+                <a:cs typeface="Courier New" panose="02070309020205020404" pitchFamily="49" charset="0"/>
+              </a:rPr>
+              <a:t> </a:t>
+            </a:r>
+            <a:r>
+              <a:rPr kumimoji="0" lang="ko-KR" altLang="ko-KR" sz="2800" b="0" i="0" u="none" strike="noStrike" cap="none" normalizeH="0" baseline="0" dirty="0">
+                <a:ln>
+                  <a:noFill/>
+                </a:ln>
+                <a:solidFill>
+                  <a:srgbClr val="0000CD"/>
+                </a:solidFill>
+                <a:effectLst/>
+                <a:latin typeface="Courier New" panose="02070309020205020404" pitchFamily="49" charset="0"/>
+                <a:cs typeface="Courier New" panose="02070309020205020404" pitchFamily="49" charset="0"/>
+              </a:rPr>
+              <a:t>FROM</a:t>
+            </a:r>
+            <a:r>
+              <a:rPr kumimoji="0" lang="ko-KR" altLang="ko-KR" sz="2800" b="0" i="0" u="none" strike="noStrike" cap="none" normalizeH="0" baseline="0" dirty="0">
+                <a:ln>
+                  <a:noFill/>
+                </a:ln>
+                <a:solidFill>
+                  <a:srgbClr val="000000"/>
+                </a:solidFill>
+                <a:effectLst/>
+                <a:latin typeface="Courier New" panose="02070309020205020404" pitchFamily="49" charset="0"/>
+                <a:cs typeface="Courier New" panose="02070309020205020404" pitchFamily="49" charset="0"/>
+              </a:rPr>
+              <a:t> </a:t>
+            </a:r>
+            <a:r>
+              <a:rPr kumimoji="0" lang="ko-KR" altLang="ko-KR" sz="2800" b="0" i="1" u="none" strike="noStrike" cap="none" normalizeH="0" baseline="0" dirty="0">
+                <a:ln>
+                  <a:noFill/>
+                </a:ln>
+                <a:solidFill>
+                  <a:srgbClr val="000000"/>
+                </a:solidFill>
+                <a:effectLst/>
+                <a:latin typeface="Courier New" panose="02070309020205020404" pitchFamily="49" charset="0"/>
+                <a:cs typeface="Courier New" panose="02070309020205020404" pitchFamily="49" charset="0"/>
+              </a:rPr>
+              <a:t>table_name </a:t>
+            </a:r>
+            <a:r>
+              <a:rPr kumimoji="0" lang="ko-KR" altLang="ko-KR" sz="2800" b="0" i="0" u="none" strike="noStrike" cap="none" normalizeH="0" baseline="0" dirty="0">
+                <a:ln>
+                  <a:noFill/>
+                </a:ln>
+                <a:solidFill>
+                  <a:srgbClr val="0000CD"/>
+                </a:solidFill>
+                <a:effectLst/>
+                <a:latin typeface="Courier New" panose="02070309020205020404" pitchFamily="49" charset="0"/>
+                <a:cs typeface="Courier New" panose="02070309020205020404" pitchFamily="49" charset="0"/>
+              </a:rPr>
+              <a:t>WHERE</a:t>
+            </a:r>
+            <a:r>
+              <a:rPr kumimoji="0" lang="ko-KR" altLang="ko-KR" sz="2800" b="0" i="0" u="none" strike="noStrike" cap="none" normalizeH="0" baseline="0" dirty="0">
+                <a:ln>
+                  <a:noFill/>
+                </a:ln>
+                <a:solidFill>
+                  <a:srgbClr val="000000"/>
+                </a:solidFill>
+                <a:effectLst/>
+                <a:latin typeface="Courier New" panose="02070309020205020404" pitchFamily="49" charset="0"/>
+                <a:cs typeface="Courier New" panose="02070309020205020404" pitchFamily="49" charset="0"/>
+              </a:rPr>
+              <a:t> </a:t>
+            </a:r>
+            <a:r>
+              <a:rPr kumimoji="0" lang="ko-KR" altLang="ko-KR" sz="2800" b="0" i="1" u="none" strike="noStrike" cap="none" normalizeH="0" baseline="0" dirty="0">
+                <a:ln>
+                  <a:noFill/>
+                </a:ln>
+                <a:solidFill>
+                  <a:srgbClr val="000000"/>
+                </a:solidFill>
+                <a:effectLst/>
+                <a:latin typeface="Courier New" panose="02070309020205020404" pitchFamily="49" charset="0"/>
+                <a:cs typeface="Courier New" panose="02070309020205020404" pitchFamily="49" charset="0"/>
+              </a:rPr>
+              <a:t>condition</a:t>
+            </a:r>
+            <a:r>
+              <a:rPr kumimoji="0" lang="ko-KR" altLang="ko-KR" sz="2800" b="0" i="0" u="none" strike="noStrike" cap="none" normalizeH="0" baseline="0" dirty="0">
+                <a:ln>
+                  <a:noFill/>
+                </a:ln>
+                <a:solidFill>
+                  <a:srgbClr val="000000"/>
+                </a:solidFill>
+                <a:effectLst/>
+                <a:latin typeface="Courier New" panose="02070309020205020404" pitchFamily="49" charset="0"/>
+                <a:cs typeface="Courier New" panose="02070309020205020404" pitchFamily="49" charset="0"/>
+              </a:rPr>
+              <a:t>;</a:t>
+            </a:r>
+            <a:endParaRPr kumimoji="0" lang="en-US" altLang="ko-KR" sz="2800" b="0" i="0" u="none" strike="noStrike" cap="none" normalizeH="0" baseline="0" dirty="0">
+              <a:ln>
+                <a:noFill/>
+              </a:ln>
+              <a:solidFill>
+                <a:srgbClr val="000000"/>
+              </a:solidFill>
+              <a:effectLst/>
+              <a:latin typeface="Courier New" panose="02070309020205020404" pitchFamily="49" charset="0"/>
+              <a:cs typeface="Courier New" panose="02070309020205020404" pitchFamily="49" charset="0"/>
+            </a:endParaRPr>
+          </a:p>
+          <a:p>
+            <a:pPr lvl="1"/>
+            <a:r>
+              <a:rPr kumimoji="0" lang="en-US" altLang="ko-KR" sz="1600" b="0" i="0" u="none" strike="noStrike" cap="none" normalizeH="0" baseline="0" dirty="0">
+                <a:ln>
+                  <a:noFill/>
+                </a:ln>
+                <a:solidFill>
+                  <a:srgbClr val="000000"/>
+                </a:solidFill>
+                <a:effectLst/>
+                <a:latin typeface="Courier New" panose="02070309020205020404" pitchFamily="49" charset="0"/>
+                <a:cs typeface="Courier New" panose="02070309020205020404" pitchFamily="49" charset="0"/>
+              </a:rPr>
+              <a:t>Update</a:t>
+            </a:r>
+            <a:r>
+              <a:rPr kumimoji="0" lang="ko-KR" altLang="en-US" sz="1600" b="0" i="0" u="none" strike="noStrike" cap="none" normalizeH="0" baseline="0" dirty="0">
+                <a:ln>
+                  <a:noFill/>
+                </a:ln>
+                <a:solidFill>
+                  <a:srgbClr val="000000"/>
+                </a:solidFill>
+                <a:effectLst/>
+                <a:latin typeface="Courier New" panose="02070309020205020404" pitchFamily="49" charset="0"/>
+                <a:cs typeface="Courier New" panose="02070309020205020404" pitchFamily="49" charset="0"/>
+              </a:rPr>
+              <a:t>와 마찬가지로</a:t>
+            </a:r>
+            <a:r>
+              <a:rPr kumimoji="0" lang="en-US" altLang="ko-KR" sz="1600" b="0" i="0" u="none" strike="noStrike" cap="none" normalizeH="0" baseline="0" dirty="0">
+                <a:ln>
+                  <a:noFill/>
+                </a:ln>
+                <a:solidFill>
+                  <a:srgbClr val="000000"/>
+                </a:solidFill>
+                <a:effectLst/>
+                <a:latin typeface="Courier New" panose="02070309020205020404" pitchFamily="49" charset="0"/>
+                <a:cs typeface="Courier New" panose="02070309020205020404" pitchFamily="49" charset="0"/>
+              </a:rPr>
+              <a:t>, where</a:t>
+            </a:r>
+            <a:r>
+              <a:rPr kumimoji="0" lang="ko-KR" altLang="en-US" sz="1600" b="0" i="0" u="none" strike="noStrike" cap="none" normalizeH="0" baseline="0" dirty="0">
+                <a:ln>
+                  <a:noFill/>
+                </a:ln>
+                <a:solidFill>
+                  <a:srgbClr val="000000"/>
+                </a:solidFill>
+                <a:effectLst/>
+                <a:latin typeface="Courier New" panose="02070309020205020404" pitchFamily="49" charset="0"/>
+                <a:cs typeface="Courier New" panose="02070309020205020404" pitchFamily="49" charset="0"/>
+              </a:rPr>
+              <a:t>에 해당하는 모든 행을 삭제하기 때문에</a:t>
+            </a:r>
+            <a:r>
+              <a:rPr kumimoji="0" lang="en-US" altLang="ko-KR" sz="1600" b="0" i="0" u="none" strike="noStrike" cap="none" normalizeH="0" baseline="0" dirty="0">
+                <a:ln>
+                  <a:noFill/>
+                </a:ln>
+                <a:solidFill>
+                  <a:srgbClr val="000000"/>
+                </a:solidFill>
+                <a:effectLst/>
+                <a:latin typeface="Courier New" panose="02070309020205020404" pitchFamily="49" charset="0"/>
+                <a:cs typeface="Courier New" panose="02070309020205020404" pitchFamily="49" charset="0"/>
+              </a:rPr>
+              <a:t>, </a:t>
+            </a:r>
+            <a:r>
+              <a:rPr kumimoji="0" lang="ko-KR" altLang="en-US" sz="1600" b="0" i="0" u="none" strike="noStrike" cap="none" normalizeH="0" baseline="0" dirty="0">
+                <a:ln>
+                  <a:noFill/>
+                </a:ln>
+                <a:solidFill>
+                  <a:srgbClr val="000000"/>
+                </a:solidFill>
+                <a:effectLst/>
+                <a:latin typeface="Courier New" panose="02070309020205020404" pitchFamily="49" charset="0"/>
+                <a:cs typeface="Courier New" panose="02070309020205020404" pitchFamily="49" charset="0"/>
+              </a:rPr>
+              <a:t>매우 위험한 명령어임</a:t>
+            </a:r>
+            <a:endParaRPr kumimoji="0" lang="ko-KR" altLang="ko-KR" sz="1600" b="0" i="0" u="none" strike="noStrike" cap="none" normalizeH="0" baseline="0" dirty="0">
+              <a:ln>
+                <a:noFill/>
+              </a:ln>
+              <a:solidFill>
+                <a:schemeClr val="tx1"/>
+              </a:solidFill>
+              <a:effectLst/>
+            </a:endParaRPr>
+          </a:p>
+          <a:p>
+            <a:endParaRPr lang="en-GB" dirty="0"/>
+          </a:p>
+        </p:txBody>
+      </p:sp>
+    </p:spTree>
+    <p:extLst>
+      <p:ext uri="{BB962C8B-B14F-4D97-AF65-F5344CB8AC3E}">
+        <p14:creationId xmlns:p14="http://schemas.microsoft.com/office/powerpoint/2010/main" val="1783356352"/>
+      </p:ext>
+    </p:extLst>
+  </p:cSld>
+  <p:clrMapOvr>
+    <a:masterClrMapping/>
+  </p:clrMapOvr>
+</p:sld>
+</file>
+
+<file path=ppt/slides/slide35.xml><?xml version="1.0" encoding="utf-8"?>
+<p:sld xmlns:a="http://schemas.openxmlformats.org/drawingml/2006/main" xmlns:r="http://schemas.openxmlformats.org/officeDocument/2006/relationships" xmlns:p="http://schemas.openxmlformats.org/presentationml/2006/main">
+  <p:cSld>
+    <p:spTree>
+      <p:nvGrpSpPr>
+        <p:cNvPr id="1" name=""/>
+        <p:cNvGrpSpPr/>
+        <p:nvPr/>
+      </p:nvGrpSpPr>
+      <p:grpSpPr>
+        <a:xfrm>
+          <a:off x="0" y="0"/>
+          <a:ext cx="0" cy="0"/>
+          <a:chOff x="0" y="0"/>
+          <a:chExt cx="0" cy="0"/>
+        </a:xfrm>
+      </p:grpSpPr>
+      <p:pic>
+        <p:nvPicPr>
+          <p:cNvPr id="1026" name="Picture 2">
+            <a:extLst>
+              <a:ext uri="{FF2B5EF4-FFF2-40B4-BE49-F238E27FC236}">
+                <a16:creationId xmlns:a16="http://schemas.microsoft.com/office/drawing/2014/main" id="{83AD4BA1-E064-8BC6-84E4-75F5CED9F25E}"/>
+              </a:ext>
+            </a:extLst>
+          </p:cNvPr>
+          <p:cNvPicPr>
+            <a:picLocks noChangeAspect="1" noChangeArrowheads="1"/>
+          </p:cNvPicPr>
+          <p:nvPr/>
+        </p:nvPicPr>
+        <p:blipFill>
+          <a:blip r:embed="rId3">
+            <a:extLst>
+              <a:ext uri="{28A0092B-C50C-407E-A947-70E740481C1C}">
+                <a14:useLocalDpi xmlns:a14="http://schemas.microsoft.com/office/drawing/2010/main" val="0"/>
+              </a:ext>
+            </a:extLst>
+          </a:blip>
+          <a:srcRect/>
+          <a:stretch>
+            <a:fillRect/>
+          </a:stretch>
+        </p:blipFill>
+        <p:spPr bwMode="auto">
+          <a:xfrm>
+            <a:off x="1881188" y="1009650"/>
+            <a:ext cx="8429625" cy="4838700"/>
+          </a:xfrm>
+          <a:prstGeom prst="rect">
+            <a:avLst/>
+          </a:prstGeom>
+          <a:noFill/>
+          <a:extLst>
+            <a:ext uri="{909E8E84-426E-40DD-AFC4-6F175D3DCCD1}">
+              <a14:hiddenFill xmlns:a14="http://schemas.microsoft.com/office/drawing/2010/main">
+                <a:solidFill>
+                  <a:srgbClr val="FFFFFF"/>
+                </a:solidFill>
+              </a14:hiddenFill>
+            </a:ext>
+          </a:extLst>
+        </p:spPr>
+      </p:pic>
+      <p:sp>
+        <p:nvSpPr>
+          <p:cNvPr id="4" name="Rectangle 3">
+            <a:extLst>
+              <a:ext uri="{FF2B5EF4-FFF2-40B4-BE49-F238E27FC236}">
+                <a16:creationId xmlns:a16="http://schemas.microsoft.com/office/drawing/2014/main" id="{C360D19C-4658-8891-6278-574ADD59145F}"/>
+              </a:ext>
+            </a:extLst>
+          </p:cNvPr>
+          <p:cNvSpPr/>
+          <p:nvPr/>
+        </p:nvSpPr>
+        <p:spPr>
+          <a:xfrm>
+            <a:off x="3733800" y="2155371"/>
+            <a:ext cx="4354286" cy="3331029"/>
+          </a:xfrm>
+          <a:prstGeom prst="rect">
+            <a:avLst/>
+          </a:prstGeom>
+          <a:noFill/>
+          <a:ln w="38100"/>
+        </p:spPr>
+        <p:style>
+          <a:lnRef idx="2">
+            <a:schemeClr val="accent1">
+              <a:shade val="15000"/>
+            </a:schemeClr>
+          </a:lnRef>
+          <a:fillRef idx="1">
+            <a:schemeClr val="accent1"/>
+          </a:fillRef>
+          <a:effectRef idx="0">
+            <a:schemeClr val="accent1"/>
+          </a:effectRef>
+          <a:fontRef idx="minor">
+            <a:schemeClr val="lt1"/>
+          </a:fontRef>
+        </p:style>
+        <p:txBody>
+          <a:bodyPr rtlCol="0" anchor="ctr"/>
+          <a:lstStyle/>
+          <a:p>
+            <a:pPr algn="ctr"/>
+            <a:endParaRPr lang="en-GB"/>
+          </a:p>
+        </p:txBody>
+      </p:sp>
+      <p:sp>
+        <p:nvSpPr>
+          <p:cNvPr id="5" name="Rectangle 4">
+            <a:extLst>
+              <a:ext uri="{FF2B5EF4-FFF2-40B4-BE49-F238E27FC236}">
+                <a16:creationId xmlns:a16="http://schemas.microsoft.com/office/drawing/2014/main" id="{AD896741-C408-A8D9-FD19-13B62B434A66}"/>
+              </a:ext>
+            </a:extLst>
+          </p:cNvPr>
+          <p:cNvSpPr/>
+          <p:nvPr/>
+        </p:nvSpPr>
+        <p:spPr>
+          <a:xfrm>
+            <a:off x="8088086" y="2155371"/>
+            <a:ext cx="1349828" cy="3331029"/>
+          </a:xfrm>
+          <a:prstGeom prst="rect">
+            <a:avLst/>
+          </a:prstGeom>
+          <a:noFill/>
+          <a:ln w="38100"/>
+        </p:spPr>
+        <p:style>
+          <a:lnRef idx="2">
+            <a:schemeClr val="accent1">
+              <a:shade val="15000"/>
+            </a:schemeClr>
+          </a:lnRef>
+          <a:fillRef idx="1">
+            <a:schemeClr val="accent1"/>
+          </a:fillRef>
+          <a:effectRef idx="0">
+            <a:schemeClr val="accent1"/>
+          </a:effectRef>
+          <a:fontRef idx="minor">
+            <a:schemeClr val="lt1"/>
+          </a:fontRef>
+        </p:style>
+        <p:txBody>
+          <a:bodyPr rtlCol="0" anchor="ctr"/>
+          <a:lstStyle/>
+          <a:p>
+            <a:pPr algn="ctr"/>
+            <a:endParaRPr lang="en-GB"/>
+          </a:p>
+        </p:txBody>
+      </p:sp>
+      <p:cxnSp>
+        <p:nvCxnSpPr>
+          <p:cNvPr id="7" name="Straight Arrow Connector 6">
+            <a:extLst>
+              <a:ext uri="{FF2B5EF4-FFF2-40B4-BE49-F238E27FC236}">
+                <a16:creationId xmlns:a16="http://schemas.microsoft.com/office/drawing/2014/main" id="{9C7C3CC5-797E-544B-C918-A99971AC9E2A}"/>
+              </a:ext>
+            </a:extLst>
+          </p:cNvPr>
+          <p:cNvCxnSpPr/>
+          <p:nvPr/>
+        </p:nvCxnSpPr>
+        <p:spPr>
+          <a:xfrm>
+            <a:off x="5889171" y="5094514"/>
+            <a:ext cx="0" cy="2198915"/>
+          </a:xfrm>
+          <a:prstGeom prst="straightConnector1">
+            <a:avLst/>
+          </a:prstGeom>
+          <a:ln>
+            <a:tailEnd type="triangle"/>
+          </a:ln>
+        </p:spPr>
+        <p:style>
+          <a:lnRef idx="2">
+            <a:schemeClr val="accent1"/>
+          </a:lnRef>
+          <a:fillRef idx="0">
+            <a:schemeClr val="accent1"/>
+          </a:fillRef>
+          <a:effectRef idx="1">
+            <a:schemeClr val="accent1"/>
+          </a:effectRef>
+          <a:fontRef idx="minor">
+            <a:schemeClr val="tx1"/>
+          </a:fontRef>
+        </p:style>
+      </p:cxnSp>
+    </p:spTree>
+    <p:extLst>
+      <p:ext uri="{BB962C8B-B14F-4D97-AF65-F5344CB8AC3E}">
+        <p14:creationId xmlns:p14="http://schemas.microsoft.com/office/powerpoint/2010/main" val="1872251720"/>
+      </p:ext>
+    </p:extLst>
+  </p:cSld>
+  <p:clrMapOvr>
+    <a:masterClrMapping/>
+  </p:clrMapOvr>
+</p:sld>
+</file>
+
+<file path=ppt/slides/slide36.xml><?xml version="1.0" encoding="utf-8"?>
+<p:sld xmlns:a="http://schemas.openxmlformats.org/drawingml/2006/main" xmlns:r="http://schemas.openxmlformats.org/officeDocument/2006/relationships" xmlns:p="http://schemas.openxmlformats.org/presentationml/2006/main">
+  <p:cSld>
+    <p:spTree>
+      <p:nvGrpSpPr>
+        <p:cNvPr id="1" name=""/>
+        <p:cNvGrpSpPr/>
+        <p:nvPr/>
+      </p:nvGrpSpPr>
+      <p:grpSpPr>
+        <a:xfrm>
+          <a:off x="0" y="0"/>
+          <a:ext cx="0" cy="0"/>
+          <a:chOff x="0" y="0"/>
+          <a:chExt cx="0" cy="0"/>
+        </a:xfrm>
+      </p:grpSpPr>
+      <p:sp>
+        <p:nvSpPr>
+          <p:cNvPr id="2" name="Title 1">
+            <a:extLst>
+              <a:ext uri="{FF2B5EF4-FFF2-40B4-BE49-F238E27FC236}">
                 <a16:creationId xmlns:a16="http://schemas.microsoft.com/office/drawing/2014/main" id="{76013FAE-531A-E444-B057-8C36B7173290}"/>
               </a:ext>
             </a:extLst>
@@ -11991,7 +13486,7 @@
 </p:sld>
 </file>
 
-<file path=ppt/slides/slide34.xml><?xml version="1.0" encoding="utf-8"?>
+<file path=ppt/slides/slide37.xml><?xml version="1.0" encoding="utf-8"?>
 <p:sld xmlns:a="http://schemas.openxmlformats.org/drawingml/2006/main" xmlns:r="http://schemas.openxmlformats.org/officeDocument/2006/relationships" xmlns:p="http://schemas.openxmlformats.org/presentationml/2006/main">
   <p:cSld>
     <p:spTree>
@@ -12051,7 +13546,7 @@
 </p:sld>
 </file>
 
-<file path=ppt/slides/slide35.xml><?xml version="1.0" encoding="utf-8"?>
+<file path=ppt/slides/slide38.xml><?xml version="1.0" encoding="utf-8"?>
 <p:sld xmlns:a="http://schemas.openxmlformats.org/drawingml/2006/main" xmlns:r="http://schemas.openxmlformats.org/officeDocument/2006/relationships" xmlns:p="http://schemas.openxmlformats.org/presentationml/2006/main">
   <p:cSld>
     <p:spTree>
@@ -12346,7 +13841,7 @@
 </p:sld>
 </file>
 
-<file path=ppt/slides/slide36.xml><?xml version="1.0" encoding="utf-8"?>
+<file path=ppt/slides/slide39.xml><?xml version="1.0" encoding="utf-8"?>
 <p:sld xmlns:a="http://schemas.openxmlformats.org/drawingml/2006/main" xmlns:r="http://schemas.openxmlformats.org/officeDocument/2006/relationships" xmlns:p="http://schemas.openxmlformats.org/presentationml/2006/main">
   <p:cSld>
     <p:spTree>
@@ -12508,132 +14003,6 @@
     <p:extLst>
       <p:ext uri="{BB962C8B-B14F-4D97-AF65-F5344CB8AC3E}">
         <p14:creationId xmlns:p14="http://schemas.microsoft.com/office/powerpoint/2010/main" val="3265433235"/>
-      </p:ext>
-    </p:extLst>
-  </p:cSld>
-  <p:clrMapOvr>
-    <a:masterClrMapping/>
-  </p:clrMapOvr>
-</p:sld>
-</file>
-
-<file path=ppt/slides/slide37.xml><?xml version="1.0" encoding="utf-8"?>
-<p:sld xmlns:a="http://schemas.openxmlformats.org/drawingml/2006/main" xmlns:r="http://schemas.openxmlformats.org/officeDocument/2006/relationships" xmlns:p="http://schemas.openxmlformats.org/presentationml/2006/main">
-  <p:cSld>
-    <p:spTree>
-      <p:nvGrpSpPr>
-        <p:cNvPr id="1" name=""/>
-        <p:cNvGrpSpPr/>
-        <p:nvPr/>
-      </p:nvGrpSpPr>
-      <p:grpSpPr>
-        <a:xfrm>
-          <a:off x="0" y="0"/>
-          <a:ext cx="0" cy="0"/>
-          <a:chOff x="0" y="0"/>
-          <a:chExt cx="0" cy="0"/>
-        </a:xfrm>
-      </p:grpSpPr>
-      <p:sp>
-        <p:nvSpPr>
-          <p:cNvPr id="2" name="Title 1">
-            <a:extLst>
-              <a:ext uri="{FF2B5EF4-FFF2-40B4-BE49-F238E27FC236}">
-                <a16:creationId xmlns:a16="http://schemas.microsoft.com/office/drawing/2014/main" id="{E22011DA-C4C7-1C53-F28A-886BB9346DFF}"/>
-              </a:ext>
-            </a:extLst>
-          </p:cNvPr>
-          <p:cNvSpPr>
-            <a:spLocks noGrp="1"/>
-          </p:cNvSpPr>
-          <p:nvPr>
-            <p:ph type="title"/>
-          </p:nvPr>
-        </p:nvSpPr>
-        <p:spPr/>
-        <p:txBody>
-          <a:bodyPr/>
-          <a:lstStyle/>
-          <a:p>
-            <a:r>
-              <a:rPr lang="ko-KR" altLang="en-US" dirty="0"/>
-              <a:t>연결 테이블을 이용한 </a:t>
-            </a:r>
-            <a:r>
-              <a:rPr lang="en-GB" dirty="0"/>
-              <a:t>M:N </a:t>
-            </a:r>
-            <a:r>
-              <a:rPr lang="ko-KR" altLang="en-US" dirty="0"/>
-              <a:t>관계 해결</a:t>
-            </a:r>
-            <a:endParaRPr lang="en-GB" dirty="0"/>
-          </a:p>
-        </p:txBody>
-      </p:sp>
-      <p:pic>
-        <p:nvPicPr>
-          <p:cNvPr id="5" name="Content Placeholder 4">
-            <a:extLst>
-              <a:ext uri="{FF2B5EF4-FFF2-40B4-BE49-F238E27FC236}">
-                <a16:creationId xmlns:a16="http://schemas.microsoft.com/office/drawing/2014/main" id="{CBBD20F8-4529-69EE-5039-9BD94977FD53}"/>
-              </a:ext>
-            </a:extLst>
-          </p:cNvPr>
-          <p:cNvPicPr>
-            <a:picLocks noGrp="1" noChangeAspect="1"/>
-          </p:cNvPicPr>
-          <p:nvPr>
-            <p:ph idx="1"/>
-          </p:nvPr>
-        </p:nvPicPr>
-        <p:blipFill>
-          <a:blip r:embed="rId3"/>
-          <a:stretch>
-            <a:fillRect/>
-          </a:stretch>
-        </p:blipFill>
-        <p:spPr>
-          <a:xfrm>
-            <a:off x="2283006" y="2114550"/>
-            <a:ext cx="7181850" cy="1314450"/>
-          </a:xfrm>
-        </p:spPr>
-      </p:pic>
-      <p:pic>
-        <p:nvPicPr>
-          <p:cNvPr id="7" name="Picture 6">
-            <a:extLst>
-              <a:ext uri="{FF2B5EF4-FFF2-40B4-BE49-F238E27FC236}">
-                <a16:creationId xmlns:a16="http://schemas.microsoft.com/office/drawing/2014/main" id="{5B98E7B9-A472-1CFB-9E76-5B6245A4826B}"/>
-              </a:ext>
-            </a:extLst>
-          </p:cNvPr>
-          <p:cNvPicPr>
-            <a:picLocks noChangeAspect="1"/>
-          </p:cNvPicPr>
-          <p:nvPr/>
-        </p:nvPicPr>
-        <p:blipFill>
-          <a:blip r:embed="rId4"/>
-          <a:stretch>
-            <a:fillRect/>
-          </a:stretch>
-        </p:blipFill>
-        <p:spPr>
-          <a:xfrm>
-            <a:off x="2283006" y="3852862"/>
-            <a:ext cx="7962900" cy="1914525"/>
-          </a:xfrm>
-          <a:prstGeom prst="rect">
-            <a:avLst/>
-          </a:prstGeom>
-        </p:spPr>
-      </p:pic>
-    </p:spTree>
-    <p:extLst>
-      <p:ext uri="{BB962C8B-B14F-4D97-AF65-F5344CB8AC3E}">
-        <p14:creationId xmlns:p14="http://schemas.microsoft.com/office/powerpoint/2010/main" val="2550637670"/>
       </p:ext>
     </p:extLst>
   </p:cSld>
@@ -13304,6 +14673,132 @@
     <p:extLst>
       <p:ext uri="{BB962C8B-B14F-4D97-AF65-F5344CB8AC3E}">
         <p14:creationId xmlns:p14="http://schemas.microsoft.com/office/powerpoint/2010/main" val="665920197"/>
+      </p:ext>
+    </p:extLst>
+  </p:cSld>
+  <p:clrMapOvr>
+    <a:masterClrMapping/>
+  </p:clrMapOvr>
+</p:sld>
+</file>
+
+<file path=ppt/slides/slide40.xml><?xml version="1.0" encoding="utf-8"?>
+<p:sld xmlns:a="http://schemas.openxmlformats.org/drawingml/2006/main" xmlns:r="http://schemas.openxmlformats.org/officeDocument/2006/relationships" xmlns:p="http://schemas.openxmlformats.org/presentationml/2006/main">
+  <p:cSld>
+    <p:spTree>
+      <p:nvGrpSpPr>
+        <p:cNvPr id="1" name=""/>
+        <p:cNvGrpSpPr/>
+        <p:nvPr/>
+      </p:nvGrpSpPr>
+      <p:grpSpPr>
+        <a:xfrm>
+          <a:off x="0" y="0"/>
+          <a:ext cx="0" cy="0"/>
+          <a:chOff x="0" y="0"/>
+          <a:chExt cx="0" cy="0"/>
+        </a:xfrm>
+      </p:grpSpPr>
+      <p:sp>
+        <p:nvSpPr>
+          <p:cNvPr id="2" name="Title 1">
+            <a:extLst>
+              <a:ext uri="{FF2B5EF4-FFF2-40B4-BE49-F238E27FC236}">
+                <a16:creationId xmlns:a16="http://schemas.microsoft.com/office/drawing/2014/main" id="{E22011DA-C4C7-1C53-F28A-886BB9346DFF}"/>
+              </a:ext>
+            </a:extLst>
+          </p:cNvPr>
+          <p:cNvSpPr>
+            <a:spLocks noGrp="1"/>
+          </p:cNvSpPr>
+          <p:nvPr>
+            <p:ph type="title"/>
+          </p:nvPr>
+        </p:nvSpPr>
+        <p:spPr/>
+        <p:txBody>
+          <a:bodyPr/>
+          <a:lstStyle/>
+          <a:p>
+            <a:r>
+              <a:rPr lang="ko-KR" altLang="en-US" dirty="0"/>
+              <a:t>연결 테이블을 이용한 </a:t>
+            </a:r>
+            <a:r>
+              <a:rPr lang="en-GB" dirty="0"/>
+              <a:t>M:N </a:t>
+            </a:r>
+            <a:r>
+              <a:rPr lang="ko-KR" altLang="en-US" dirty="0"/>
+              <a:t>관계 해결</a:t>
+            </a:r>
+            <a:endParaRPr lang="en-GB" dirty="0"/>
+          </a:p>
+        </p:txBody>
+      </p:sp>
+      <p:pic>
+        <p:nvPicPr>
+          <p:cNvPr id="5" name="Content Placeholder 4">
+            <a:extLst>
+              <a:ext uri="{FF2B5EF4-FFF2-40B4-BE49-F238E27FC236}">
+                <a16:creationId xmlns:a16="http://schemas.microsoft.com/office/drawing/2014/main" id="{CBBD20F8-4529-69EE-5039-9BD94977FD53}"/>
+              </a:ext>
+            </a:extLst>
+          </p:cNvPr>
+          <p:cNvPicPr>
+            <a:picLocks noGrp="1" noChangeAspect="1"/>
+          </p:cNvPicPr>
+          <p:nvPr>
+            <p:ph idx="1"/>
+          </p:nvPr>
+        </p:nvPicPr>
+        <p:blipFill>
+          <a:blip r:embed="rId3"/>
+          <a:stretch>
+            <a:fillRect/>
+          </a:stretch>
+        </p:blipFill>
+        <p:spPr>
+          <a:xfrm>
+            <a:off x="2283006" y="2114550"/>
+            <a:ext cx="7181850" cy="1314450"/>
+          </a:xfrm>
+        </p:spPr>
+      </p:pic>
+      <p:pic>
+        <p:nvPicPr>
+          <p:cNvPr id="7" name="Picture 6">
+            <a:extLst>
+              <a:ext uri="{FF2B5EF4-FFF2-40B4-BE49-F238E27FC236}">
+                <a16:creationId xmlns:a16="http://schemas.microsoft.com/office/drawing/2014/main" id="{5B98E7B9-A472-1CFB-9E76-5B6245A4826B}"/>
+              </a:ext>
+            </a:extLst>
+          </p:cNvPr>
+          <p:cNvPicPr>
+            <a:picLocks noChangeAspect="1"/>
+          </p:cNvPicPr>
+          <p:nvPr/>
+        </p:nvPicPr>
+        <p:blipFill>
+          <a:blip r:embed="rId4"/>
+          <a:stretch>
+            <a:fillRect/>
+          </a:stretch>
+        </p:blipFill>
+        <p:spPr>
+          <a:xfrm>
+            <a:off x="2283006" y="3852862"/>
+            <a:ext cx="7962900" cy="1914525"/>
+          </a:xfrm>
+          <a:prstGeom prst="rect">
+            <a:avLst/>
+          </a:prstGeom>
+        </p:spPr>
+      </p:pic>
+    </p:spTree>
+    <p:extLst>
+      <p:ext uri="{BB962C8B-B14F-4D97-AF65-F5344CB8AC3E}">
+        <p14:creationId xmlns:p14="http://schemas.microsoft.com/office/powerpoint/2010/main" val="2550637670"/>
       </p:ext>
     </p:extLst>
   </p:cSld>
